--- a/IX_IPC/tags_certificates/tags.pptx
+++ b/IX_IPC/tags_certificates/tags.pptx
@@ -112,6 +112,14 @@
 </p:presentation>
 </file>
 
+<file path=ppt/revisionInfo.xml><?xml version="1.0" encoding="utf-8"?>
+<p1510:revInfo xmlns:a="http://schemas.openxmlformats.org/drawingml/2006/main" xmlns:r="http://schemas.openxmlformats.org/officeDocument/2006/relationships" xmlns:p1510="http://schemas.microsoft.com/office/powerpoint/2015/10/main">
+  <p1510:revLst>
+    <p1510:client id="{F5A71E99-14EB-40F5-B0A3-E2EF87BEEE38}" v="1" dt="2024-10-14T15:09:18.153"/>
+  </p1510:revLst>
+</p1510:revInfo>
+</file>
+
 <file path=ppt/changesInfos/changesInfo1.xml><?xml version="1.0" encoding="utf-8"?>
 <pc:chgInfo xmlns:a="http://schemas.openxmlformats.org/drawingml/2006/main" xmlns:r="http://schemas.openxmlformats.org/officeDocument/2006/relationships" xmlns:ac="http://schemas.microsoft.com/office/drawing/2013/main/command" xmlns:pc="http://schemas.microsoft.com/office/powerpoint/2013/main/command">
   <pc:docChgLst>
@@ -141,6 +149,126 @@
           <pc:docMk/>
           <pc:sldMk cId="625948321" sldId="259"/>
         </pc:sldMkLst>
+      </pc:sldChg>
+    </pc:docChg>
+  </pc:docChgLst>
+  <pc:docChgLst>
+    <pc:chgData name="André Amado" userId="cf82f2dece387b4b" providerId="LiveId" clId="{F5A71E99-14EB-40F5-B0A3-E2EF87BEEE38}"/>
+    <pc:docChg chg="modSld">
+      <pc:chgData name="André Amado" userId="cf82f2dece387b4b" providerId="LiveId" clId="{F5A71E99-14EB-40F5-B0A3-E2EF87BEEE38}" dt="2024-10-14T15:09:18.153" v="18" actId="164"/>
+      <pc:docMkLst>
+        <pc:docMk/>
+      </pc:docMkLst>
+      <pc:sldChg chg="addSp modSp mod">
+        <pc:chgData name="André Amado" userId="cf82f2dece387b4b" providerId="LiveId" clId="{F5A71E99-14EB-40F5-B0A3-E2EF87BEEE38}" dt="2024-10-14T15:09:18.153" v="18" actId="164"/>
+        <pc:sldMkLst>
+          <pc:docMk/>
+          <pc:sldMk cId="4292944877" sldId="257"/>
+        </pc:sldMkLst>
+        <pc:spChg chg="add mod ord">
+          <ac:chgData name="André Amado" userId="cf82f2dece387b4b" providerId="LiveId" clId="{F5A71E99-14EB-40F5-B0A3-E2EF87BEEE38}" dt="2024-10-14T15:09:18.153" v="18" actId="164"/>
+          <ac:spMkLst>
+            <pc:docMk/>
+            <pc:sldMk cId="4292944877" sldId="257"/>
+            <ac:spMk id="4" creationId="{4A310ADA-F24F-4448-C028-CDC63D0692F7}"/>
+          </ac:spMkLst>
+        </pc:spChg>
+        <pc:spChg chg="mod">
+          <ac:chgData name="André Amado" userId="cf82f2dece387b4b" providerId="LiveId" clId="{F5A71E99-14EB-40F5-B0A3-E2EF87BEEE38}" dt="2024-10-14T15:09:18.153" v="18" actId="164"/>
+          <ac:spMkLst>
+            <pc:docMk/>
+            <pc:sldMk cId="4292944877" sldId="257"/>
+            <ac:spMk id="6" creationId="{D0324529-4B64-25C4-EA6B-1037D747BD55}"/>
+          </ac:spMkLst>
+        </pc:spChg>
+        <pc:spChg chg="mod">
+          <ac:chgData name="André Amado" userId="cf82f2dece387b4b" providerId="LiveId" clId="{F5A71E99-14EB-40F5-B0A3-E2EF87BEEE38}" dt="2024-10-14T15:09:18.153" v="18" actId="164"/>
+          <ac:spMkLst>
+            <pc:docMk/>
+            <pc:sldMk cId="4292944877" sldId="257"/>
+            <ac:spMk id="8" creationId="{892C6EA6-1483-C619-891E-E8E9FC3FB50A}"/>
+          </ac:spMkLst>
+        </pc:spChg>
+        <pc:spChg chg="mod">
+          <ac:chgData name="André Amado" userId="cf82f2dece387b4b" providerId="LiveId" clId="{F5A71E99-14EB-40F5-B0A3-E2EF87BEEE38}" dt="2024-10-14T15:09:18.153" v="18" actId="164"/>
+          <ac:spMkLst>
+            <pc:docMk/>
+            <pc:sldMk cId="4292944877" sldId="257"/>
+            <ac:spMk id="18" creationId="{9B4F5F53-591E-2044-DE0D-658F85152029}"/>
+          </ac:spMkLst>
+        </pc:spChg>
+        <pc:grpChg chg="add mod">
+          <ac:chgData name="André Amado" userId="cf82f2dece387b4b" providerId="LiveId" clId="{F5A71E99-14EB-40F5-B0A3-E2EF87BEEE38}" dt="2024-10-14T15:09:18.153" v="18" actId="164"/>
+          <ac:grpSpMkLst>
+            <pc:docMk/>
+            <pc:sldMk cId="4292944877" sldId="257"/>
+            <ac:grpSpMk id="7" creationId="{973751BF-10E9-D14F-C9DB-3B8973CEF061}"/>
+          </ac:grpSpMkLst>
+        </pc:grpChg>
+        <pc:picChg chg="mod">
+          <ac:chgData name="André Amado" userId="cf82f2dece387b4b" providerId="LiveId" clId="{F5A71E99-14EB-40F5-B0A3-E2EF87BEEE38}" dt="2024-10-14T15:09:18.153" v="18" actId="164"/>
+          <ac:picMkLst>
+            <pc:docMk/>
+            <pc:sldMk cId="4292944877" sldId="257"/>
+            <ac:picMk id="2" creationId="{16985920-EEC3-C58A-AAD9-ADBAC23356D6}"/>
+          </ac:picMkLst>
+        </pc:picChg>
+        <pc:picChg chg="mod">
+          <ac:chgData name="André Amado" userId="cf82f2dece387b4b" providerId="LiveId" clId="{F5A71E99-14EB-40F5-B0A3-E2EF87BEEE38}" dt="2024-10-14T15:09:18.153" v="18" actId="164"/>
+          <ac:picMkLst>
+            <pc:docMk/>
+            <pc:sldMk cId="4292944877" sldId="257"/>
+            <ac:picMk id="3" creationId="{F50EA528-66B4-7756-462C-2CF4B016231F}"/>
+          </ac:picMkLst>
+        </pc:picChg>
+        <pc:picChg chg="mod">
+          <ac:chgData name="André Amado" userId="cf82f2dece387b4b" providerId="LiveId" clId="{F5A71E99-14EB-40F5-B0A3-E2EF87BEEE38}" dt="2024-10-14T15:09:18.153" v="18" actId="164"/>
+          <ac:picMkLst>
+            <pc:docMk/>
+            <pc:sldMk cId="4292944877" sldId="257"/>
+            <ac:picMk id="5" creationId="{F55CEE36-FD9D-BF5C-1917-ADD97CE4188D}"/>
+          </ac:picMkLst>
+        </pc:picChg>
+        <pc:picChg chg="mod">
+          <ac:chgData name="André Amado" userId="cf82f2dece387b4b" providerId="LiveId" clId="{F5A71E99-14EB-40F5-B0A3-E2EF87BEEE38}" dt="2024-10-14T15:09:18.153" v="18" actId="164"/>
+          <ac:picMkLst>
+            <pc:docMk/>
+            <pc:sldMk cId="4292944877" sldId="257"/>
+            <ac:picMk id="13" creationId="{241B2004-42D2-A60D-A014-F0FFA676CFC9}"/>
+          </ac:picMkLst>
+        </pc:picChg>
+        <pc:picChg chg="mod">
+          <ac:chgData name="André Amado" userId="cf82f2dece387b4b" providerId="LiveId" clId="{F5A71E99-14EB-40F5-B0A3-E2EF87BEEE38}" dt="2024-10-14T15:09:18.153" v="18" actId="164"/>
+          <ac:picMkLst>
+            <pc:docMk/>
+            <pc:sldMk cId="4292944877" sldId="257"/>
+            <ac:picMk id="15" creationId="{B09D658B-C00A-6FAE-8B9D-12B729B7B424}"/>
+          </ac:picMkLst>
+        </pc:picChg>
+        <pc:picChg chg="mod">
+          <ac:chgData name="André Amado" userId="cf82f2dece387b4b" providerId="LiveId" clId="{F5A71E99-14EB-40F5-B0A3-E2EF87BEEE38}" dt="2024-10-14T15:09:18.153" v="18" actId="164"/>
+          <ac:picMkLst>
+            <pc:docMk/>
+            <pc:sldMk cId="4292944877" sldId="257"/>
+            <ac:picMk id="22" creationId="{C0958E54-135B-B613-5CED-AFCBFA345576}"/>
+          </ac:picMkLst>
+        </pc:picChg>
+        <pc:cxnChg chg="mod">
+          <ac:chgData name="André Amado" userId="cf82f2dece387b4b" providerId="LiveId" clId="{F5A71E99-14EB-40F5-B0A3-E2EF87BEEE38}" dt="2024-10-14T15:09:18.153" v="18" actId="164"/>
+          <ac:cxnSpMkLst>
+            <pc:docMk/>
+            <pc:sldMk cId="4292944877" sldId="257"/>
+            <ac:cxnSpMk id="10" creationId="{4DDB112F-B9DA-122B-B3E6-FCB3269EF70A}"/>
+          </ac:cxnSpMkLst>
+        </pc:cxnChg>
+        <pc:cxnChg chg="mod">
+          <ac:chgData name="André Amado" userId="cf82f2dece387b4b" providerId="LiveId" clId="{F5A71E99-14EB-40F5-B0A3-E2EF87BEEE38}" dt="2024-10-14T15:09:18.153" v="18" actId="164"/>
+          <ac:cxnSpMkLst>
+            <pc:docMk/>
+            <pc:sldMk cId="4292944877" sldId="257"/>
+            <ac:cxnSpMk id="11" creationId="{FA02679D-C145-9AB8-9DF7-C8FD101A8E6A}"/>
+          </ac:cxnSpMkLst>
+        </pc:cxnChg>
       </pc:sldChg>
     </pc:docChg>
   </pc:docChgLst>
@@ -3014,473 +3142,544 @@
           <a:chExt cx="0" cy="0"/>
         </a:xfrm>
       </p:grpSpPr>
-      <p:sp>
-        <p:nvSpPr>
-          <p:cNvPr id="18" name="Rectangle 17">
+      <p:grpSp>
+        <p:nvGrpSpPr>
+          <p:cNvPr id="7" name="Agrupar 6">
             <a:extLst>
               <a:ext uri="{FF2B5EF4-FFF2-40B4-BE49-F238E27FC236}">
-                <a16:creationId xmlns:a16="http://schemas.microsoft.com/office/drawing/2014/main" id="{9B4F5F53-591E-2044-DE0D-658F85152029}"/>
+                <a16:creationId xmlns:a16="http://schemas.microsoft.com/office/drawing/2014/main" id="{973751BF-10E9-D14F-C9DB-3B8973CEF061}"/>
               </a:ext>
             </a:extLst>
           </p:cNvPr>
-          <p:cNvSpPr/>
+          <p:cNvGrpSpPr/>
           <p:nvPr/>
-        </p:nvSpPr>
-        <p:spPr>
+        </p:nvGrpSpPr>
+        <p:grpSpPr>
           <a:xfrm>
-            <a:off x="0" y="1643928"/>
-            <a:ext cx="2663825" cy="1223657"/>
+            <a:off x="0" y="0"/>
+            <a:ext cx="2663825" cy="3779838"/>
+            <a:chOff x="0" y="0"/>
+            <a:chExt cx="2663825" cy="3779838"/>
           </a:xfrm>
-          <a:prstGeom prst="rect">
-            <a:avLst/>
-          </a:prstGeom>
-          <a:solidFill>
-            <a:schemeClr val="bg1">
-              <a:lumMod val="85000"/>
-            </a:schemeClr>
-          </a:solidFill>
-          <a:ln>
+        </p:grpSpPr>
+        <p:sp>
+          <p:nvSpPr>
+            <p:cNvPr id="18" name="Rectangle 17">
+              <a:extLst>
+                <a:ext uri="{FF2B5EF4-FFF2-40B4-BE49-F238E27FC236}">
+                  <a16:creationId xmlns:a16="http://schemas.microsoft.com/office/drawing/2014/main" id="{9B4F5F53-591E-2044-DE0D-658F85152029}"/>
+                </a:ext>
+              </a:extLst>
+            </p:cNvPr>
+            <p:cNvSpPr/>
+            <p:nvPr/>
+          </p:nvSpPr>
+          <p:spPr>
+            <a:xfrm>
+              <a:off x="0" y="1632426"/>
+              <a:ext cx="2663825" cy="1232979"/>
+            </a:xfrm>
+            <a:prstGeom prst="rect">
+              <a:avLst/>
+            </a:prstGeom>
+            <a:solidFill>
+              <a:schemeClr val="bg1">
+                <a:lumMod val="85000"/>
+              </a:schemeClr>
+            </a:solidFill>
+            <a:ln>
+              <a:noFill/>
+            </a:ln>
+          </p:spPr>
+          <p:style>
+            <a:lnRef idx="2">
+              <a:schemeClr val="dk1"/>
+            </a:lnRef>
+            <a:fillRef idx="1">
+              <a:schemeClr val="lt1"/>
+            </a:fillRef>
+            <a:effectRef idx="0">
+              <a:schemeClr val="dk1"/>
+            </a:effectRef>
+            <a:fontRef idx="minor">
+              <a:schemeClr val="dk1"/>
+            </a:fontRef>
+          </p:style>
+          <p:txBody>
+            <a:bodyPr rtlCol="0" anchor="ctr"/>
+            <a:lstStyle/>
+            <a:p>
+              <a:pPr algn="ctr"/>
+              <a:endParaRPr lang="en-US" sz="2592"/>
+            </a:p>
+          </p:txBody>
+        </p:sp>
+        <p:pic>
+          <p:nvPicPr>
+            <p:cNvPr id="5" name="Picture 4" descr="A poster with different animals&#10;&#10;Description automatically generated with medium confidence">
+              <a:extLst>
+                <a:ext uri="{FF2B5EF4-FFF2-40B4-BE49-F238E27FC236}">
+                  <a16:creationId xmlns:a16="http://schemas.microsoft.com/office/drawing/2014/main" id="{F55CEE36-FD9D-BF5C-1917-ADD97CE4188D}"/>
+                </a:ext>
+              </a:extLst>
+            </p:cNvPr>
+            <p:cNvPicPr>
+              <a:picLocks noChangeAspect="1"/>
+            </p:cNvPicPr>
+            <p:nvPr/>
+          </p:nvPicPr>
+          <p:blipFill>
+            <a:blip r:embed="rId2"/>
+            <a:stretch>
+              <a:fillRect/>
+            </a:stretch>
+          </p:blipFill>
+          <p:spPr>
+            <a:xfrm>
+              <a:off x="677090" y="97545"/>
+              <a:ext cx="1309632" cy="1546384"/>
+            </a:xfrm>
+            <a:prstGeom prst="rect">
+              <a:avLst/>
+            </a:prstGeom>
+          </p:spPr>
+        </p:pic>
+        <p:sp>
+          <p:nvSpPr>
+            <p:cNvPr id="6" name="TextBox 5">
+              <a:extLst>
+                <a:ext uri="{FF2B5EF4-FFF2-40B4-BE49-F238E27FC236}">
+                  <a16:creationId xmlns:a16="http://schemas.microsoft.com/office/drawing/2014/main" id="{D0324529-4B64-25C4-EA6B-1037D747BD55}"/>
+                </a:ext>
+              </a:extLst>
+            </p:cNvPr>
+            <p:cNvSpPr txBox="1"/>
+            <p:nvPr/>
+          </p:nvSpPr>
+          <p:spPr>
+            <a:xfrm>
+              <a:off x="323723" y="1667038"/>
+              <a:ext cx="2016371" cy="1177438"/>
+            </a:xfrm>
+            <a:prstGeom prst="rect">
+              <a:avLst/>
+            </a:prstGeom>
             <a:noFill/>
-          </a:ln>
-        </p:spPr>
-        <p:style>
-          <a:lnRef idx="2">
-            <a:schemeClr val="dk1"/>
-          </a:lnRef>
-          <a:fillRef idx="1">
-            <a:schemeClr val="lt1"/>
-          </a:fillRef>
-          <a:effectRef idx="0">
-            <a:schemeClr val="dk1"/>
-          </a:effectRef>
-          <a:fontRef idx="minor">
-            <a:schemeClr val="dk1"/>
-          </a:fontRef>
-        </p:style>
-        <p:txBody>
-          <a:bodyPr rtlCol="0" anchor="ctr"/>
-          <a:lstStyle/>
-          <a:p>
-            <a:pPr algn="ctr"/>
-            <a:endParaRPr lang="en-US" sz="2592"/>
-          </a:p>
-        </p:txBody>
-      </p:sp>
-      <p:pic>
-        <p:nvPicPr>
-          <p:cNvPr id="5" name="Picture 4" descr="A poster with different animals&#10;&#10;Description automatically generated with medium confidence">
+          </p:spPr>
+          <p:txBody>
+            <a:bodyPr wrap="square" rtlCol="0">
+              <a:spAutoFit/>
+            </a:bodyPr>
+            <a:lstStyle/>
+            <a:p>
+              <a:pPr algn="ctr"/>
+              <a:r>
+                <a:rPr lang="en-US" sz="2592" b="1" dirty="0">
+                  <a:latin typeface="Helvetica" pitchFamily="2" charset="0"/>
+                </a:rPr>
+                <a:t>NOME</a:t>
+              </a:r>
+            </a:p>
+            <a:p>
+              <a:pPr algn="ctr"/>
+              <a:r>
+                <a:rPr lang="en-US" sz="2592" b="1" dirty="0">
+                  <a:latin typeface="Helvetica" pitchFamily="2" charset="0"/>
+                </a:rPr>
+                <a:t>APELIDO</a:t>
+              </a:r>
+            </a:p>
+            <a:p>
+              <a:pPr algn="ctr"/>
+              <a:endParaRPr lang="en-US" sz="700" b="1" dirty="0">
+                <a:latin typeface="Helvetica" pitchFamily="2" charset="0"/>
+              </a:endParaRPr>
+            </a:p>
+            <a:p>
+              <a:pPr algn="ctr"/>
+              <a:r>
+                <a:rPr lang="en-US" sz="1167" b="1" dirty="0">
+                  <a:latin typeface="Helvetica" pitchFamily="2" charset="0"/>
+                </a:rPr>
+                <a:t>INSTITUIÇÃO</a:t>
+              </a:r>
+              <a:endParaRPr lang="en-US" sz="700" b="1" dirty="0">
+                <a:latin typeface="Helvetica" pitchFamily="2" charset="0"/>
+              </a:endParaRPr>
+            </a:p>
+          </p:txBody>
+        </p:sp>
+        <p:sp>
+          <p:nvSpPr>
+            <p:cNvPr id="8" name="TextBox 7">
+              <a:extLst>
+                <a:ext uri="{FF2B5EF4-FFF2-40B4-BE49-F238E27FC236}">
+                  <a16:creationId xmlns:a16="http://schemas.microsoft.com/office/drawing/2014/main" id="{892C6EA6-1483-C619-891E-E8E9FC3FB50A}"/>
+                </a:ext>
+              </a:extLst>
+            </p:cNvPr>
+            <p:cNvSpPr txBox="1"/>
+            <p:nvPr/>
+          </p:nvSpPr>
+          <p:spPr>
+            <a:xfrm>
+              <a:off x="177219" y="2920545"/>
+              <a:ext cx="2309387" cy="388504"/>
+            </a:xfrm>
+            <a:prstGeom prst="rect">
+              <a:avLst/>
+            </a:prstGeom>
+            <a:noFill/>
+          </p:spPr>
+          <p:txBody>
+            <a:bodyPr wrap="square" rtlCol="0">
+              <a:spAutoFit/>
+            </a:bodyPr>
+            <a:lstStyle/>
+            <a:p>
+              <a:pPr algn="ctr"/>
+              <a:r>
+                <a:rPr lang="en-US" sz="817" dirty="0">
+                  <a:latin typeface="Helvetica Light" panose="020B0403020202020204" pitchFamily="34" charset="0"/>
+                </a:rPr>
+                <a:t>VILA DO CONDE, PORTUGAL</a:t>
+              </a:r>
+            </a:p>
+            <a:p>
+              <a:pPr algn="ctr">
+                <a:lnSpc>
+                  <a:spcPct val="150000"/>
+                </a:lnSpc>
+              </a:pPr>
+              <a:r>
+                <a:rPr lang="en-US" sz="817" dirty="0">
+                  <a:latin typeface="Helvetica Light" panose="020B0403020202020204" pitchFamily="34" charset="0"/>
+                </a:rPr>
+                <a:t>21-23.11.2024</a:t>
+              </a:r>
+            </a:p>
+          </p:txBody>
+        </p:sp>
+        <p:cxnSp>
+          <p:nvCxnSpPr>
+            <p:cNvPr id="10" name="Straight Connector 9">
+              <a:extLst>
+                <a:ext uri="{FF2B5EF4-FFF2-40B4-BE49-F238E27FC236}">
+                  <a16:creationId xmlns:a16="http://schemas.microsoft.com/office/drawing/2014/main" id="{4DDB112F-B9DA-122B-B3E6-FCB3269EF70A}"/>
+                </a:ext>
+              </a:extLst>
+            </p:cNvPr>
+            <p:cNvCxnSpPr>
+              <a:cxnSpLocks/>
+            </p:cNvCxnSpPr>
+            <p:nvPr/>
+          </p:nvCxnSpPr>
+          <p:spPr>
+            <a:xfrm>
+              <a:off x="0" y="1619062"/>
+              <a:ext cx="2663825" cy="0"/>
+            </a:xfrm>
+            <a:prstGeom prst="line">
+              <a:avLst/>
+            </a:prstGeom>
+          </p:spPr>
+          <p:style>
+            <a:lnRef idx="2">
+              <a:schemeClr val="dk1"/>
+            </a:lnRef>
+            <a:fillRef idx="0">
+              <a:schemeClr val="dk1"/>
+            </a:fillRef>
+            <a:effectRef idx="1">
+              <a:schemeClr val="dk1"/>
+            </a:effectRef>
+            <a:fontRef idx="minor">
+              <a:schemeClr val="tx1"/>
+            </a:fontRef>
+          </p:style>
+        </p:cxnSp>
+        <p:cxnSp>
+          <p:nvCxnSpPr>
+            <p:cNvPr id="11" name="Straight Connector 10">
+              <a:extLst>
+                <a:ext uri="{FF2B5EF4-FFF2-40B4-BE49-F238E27FC236}">
+                  <a16:creationId xmlns:a16="http://schemas.microsoft.com/office/drawing/2014/main" id="{FA02679D-C145-9AB8-9DF7-C8FD101A8E6A}"/>
+                </a:ext>
+              </a:extLst>
+            </p:cNvPr>
+            <p:cNvCxnSpPr>
+              <a:cxnSpLocks/>
+            </p:cNvCxnSpPr>
+            <p:nvPr/>
+          </p:nvCxnSpPr>
+          <p:spPr>
+            <a:xfrm>
+              <a:off x="0" y="2867587"/>
+              <a:ext cx="2663825" cy="0"/>
+            </a:xfrm>
+            <a:prstGeom prst="line">
+              <a:avLst/>
+            </a:prstGeom>
+          </p:spPr>
+          <p:style>
+            <a:lnRef idx="2">
+              <a:schemeClr val="dk1"/>
+            </a:lnRef>
+            <a:fillRef idx="0">
+              <a:schemeClr val="dk1"/>
+            </a:fillRef>
+            <a:effectRef idx="1">
+              <a:schemeClr val="dk1"/>
+            </a:effectRef>
+            <a:fontRef idx="minor">
+              <a:schemeClr val="tx1"/>
+            </a:fontRef>
+          </p:style>
+        </p:cxnSp>
+        <p:pic>
+          <p:nvPicPr>
+            <p:cNvPr id="2" name="Picture 2" descr="APP logo">
+              <a:extLst>
+                <a:ext uri="{FF2B5EF4-FFF2-40B4-BE49-F238E27FC236}">
+                  <a16:creationId xmlns:a16="http://schemas.microsoft.com/office/drawing/2014/main" id="{16985920-EEC3-C58A-AAD9-ADBAC23356D6}"/>
+                </a:ext>
+              </a:extLst>
+            </p:cNvPr>
+            <p:cNvPicPr>
+              <a:picLocks noChangeAspect="1" noChangeArrowheads="1"/>
+            </p:cNvPicPr>
+            <p:nvPr/>
+          </p:nvPicPr>
+          <p:blipFill>
+            <a:blip r:embed="rId3">
+              <a:extLst>
+                <a:ext uri="{BEBA8EAE-BF5A-486C-A8C5-ECC9F3942E4B}">
+                  <a14:imgProps xmlns:a14="http://schemas.microsoft.com/office/drawing/2010/main">
+                    <a14:imgLayer r:embed="rId4">
+                      <a14:imgEffect>
+                        <a14:saturation sat="0"/>
+                      </a14:imgEffect>
+                    </a14:imgLayer>
+                  </a14:imgProps>
+                </a:ext>
+                <a:ext uri="{28A0092B-C50C-407E-A947-70E740481C1C}">
+                  <a14:useLocalDpi xmlns:a14="http://schemas.microsoft.com/office/drawing/2010/main" val="0"/>
+                </a:ext>
+              </a:extLst>
+            </a:blip>
+            <a:srcRect/>
+            <a:stretch>
+              <a:fillRect/>
+            </a:stretch>
+          </p:blipFill>
+          <p:spPr bwMode="auto">
+            <a:xfrm>
+              <a:off x="777871" y="3430712"/>
+              <a:ext cx="334635" cy="349126"/>
+            </a:xfrm>
+            <a:prstGeom prst="rect">
+              <a:avLst/>
+            </a:prstGeom>
+            <a:noFill/>
             <a:extLst>
-              <a:ext uri="{FF2B5EF4-FFF2-40B4-BE49-F238E27FC236}">
-                <a16:creationId xmlns:a16="http://schemas.microsoft.com/office/drawing/2014/main" id="{F55CEE36-FD9D-BF5C-1917-ADD97CE4188D}"/>
+              <a:ext uri="{909E8E84-426E-40DD-AFC4-6F175D3DCCD1}">
+                <a14:hiddenFill xmlns:a14="http://schemas.microsoft.com/office/drawing/2010/main">
+                  <a:solidFill>
+                    <a:srgbClr val="FFFFFF"/>
+                  </a:solidFill>
+                </a14:hiddenFill>
               </a:ext>
             </a:extLst>
-          </p:cNvPr>
-          <p:cNvPicPr>
-            <a:picLocks noChangeAspect="1"/>
-          </p:cNvPicPr>
-          <p:nvPr/>
-        </p:nvPicPr>
-        <p:blipFill>
-          <a:blip r:embed="rId2"/>
-          <a:stretch>
-            <a:fillRect/>
-          </a:stretch>
-        </p:blipFill>
-        <p:spPr>
-          <a:xfrm>
-            <a:off x="677090" y="97545"/>
-            <a:ext cx="1309632" cy="1546384"/>
-          </a:xfrm>
-          <a:prstGeom prst="rect">
-            <a:avLst/>
-          </a:prstGeom>
-        </p:spPr>
-      </p:pic>
-      <p:sp>
-        <p:nvSpPr>
-          <p:cNvPr id="6" name="TextBox 5">
+          </p:spPr>
+        </p:pic>
+        <p:pic>
+          <p:nvPicPr>
+            <p:cNvPr id="3" name="Picture 4">
+              <a:extLst>
+                <a:ext uri="{FF2B5EF4-FFF2-40B4-BE49-F238E27FC236}">
+                  <a16:creationId xmlns:a16="http://schemas.microsoft.com/office/drawing/2014/main" id="{F50EA528-66B4-7756-462C-2CF4B016231F}"/>
+                </a:ext>
+              </a:extLst>
+            </p:cNvPr>
+            <p:cNvPicPr>
+              <a:picLocks noChangeAspect="1" noChangeArrowheads="1"/>
+            </p:cNvPicPr>
+            <p:nvPr/>
+          </p:nvPicPr>
+          <p:blipFill>
+            <a:blip r:embed="rId5">
+              <a:extLst>
+                <a:ext uri="{28A0092B-C50C-407E-A947-70E740481C1C}">
+                  <a14:useLocalDpi xmlns:a14="http://schemas.microsoft.com/office/drawing/2010/main" val="0"/>
+                </a:ext>
+              </a:extLst>
+            </a:blip>
+            <a:srcRect/>
+            <a:stretch>
+              <a:fillRect/>
+            </a:stretch>
+          </p:blipFill>
+          <p:spPr bwMode="auto">
+            <a:xfrm>
+              <a:off x="102582" y="3464710"/>
+              <a:ext cx="546780" cy="292903"/>
+            </a:xfrm>
+            <a:prstGeom prst="rect">
+              <a:avLst/>
+            </a:prstGeom>
+            <a:noFill/>
             <a:extLst>
-              <a:ext uri="{FF2B5EF4-FFF2-40B4-BE49-F238E27FC236}">
-                <a16:creationId xmlns:a16="http://schemas.microsoft.com/office/drawing/2014/main" id="{D0324529-4B64-25C4-EA6B-1037D747BD55}"/>
+              <a:ext uri="{909E8E84-426E-40DD-AFC4-6F175D3DCCD1}">
+                <a14:hiddenFill xmlns:a14="http://schemas.microsoft.com/office/drawing/2010/main">
+                  <a:solidFill>
+                    <a:srgbClr val="FFFFFF"/>
+                  </a:solidFill>
+                </a14:hiddenFill>
               </a:ext>
             </a:extLst>
-          </p:cNvPr>
-          <p:cNvSpPr txBox="1"/>
-          <p:nvPr/>
-        </p:nvSpPr>
-        <p:spPr>
-          <a:xfrm>
-            <a:off x="323723" y="1667038"/>
-            <a:ext cx="2016371" cy="1177438"/>
-          </a:xfrm>
-          <a:prstGeom prst="rect">
-            <a:avLst/>
-          </a:prstGeom>
-          <a:noFill/>
-        </p:spPr>
-        <p:txBody>
-          <a:bodyPr wrap="square" rtlCol="0">
-            <a:spAutoFit/>
-          </a:bodyPr>
-          <a:lstStyle/>
-          <a:p>
-            <a:pPr algn="ctr"/>
-            <a:r>
-              <a:rPr lang="en-US" sz="2592" b="1" dirty="0">
-                <a:latin typeface="Helvetica" pitchFamily="2" charset="0"/>
-              </a:rPr>
-              <a:t>NOME</a:t>
-            </a:r>
-          </a:p>
-          <a:p>
-            <a:pPr algn="ctr"/>
-            <a:r>
-              <a:rPr lang="en-US" sz="2592" b="1" dirty="0">
-                <a:latin typeface="Helvetica" pitchFamily="2" charset="0"/>
-              </a:rPr>
-              <a:t>APELIDO</a:t>
-            </a:r>
-          </a:p>
-          <a:p>
-            <a:pPr algn="ctr"/>
-            <a:endParaRPr lang="en-US" sz="700" b="1" dirty="0">
-              <a:latin typeface="Helvetica" pitchFamily="2" charset="0"/>
-            </a:endParaRPr>
-          </a:p>
-          <a:p>
-            <a:pPr algn="ctr"/>
-            <a:r>
-              <a:rPr lang="en-US" sz="1167" b="1" dirty="0">
-                <a:latin typeface="Helvetica" pitchFamily="2" charset="0"/>
-              </a:rPr>
-              <a:t>INSTITUIÇÃO</a:t>
-            </a:r>
-            <a:endParaRPr lang="en-US" sz="700" b="1" dirty="0">
-              <a:latin typeface="Helvetica" pitchFamily="2" charset="0"/>
-            </a:endParaRPr>
-          </a:p>
-        </p:txBody>
-      </p:sp>
-      <p:sp>
-        <p:nvSpPr>
-          <p:cNvPr id="8" name="TextBox 7">
-            <a:extLst>
-              <a:ext uri="{FF2B5EF4-FFF2-40B4-BE49-F238E27FC236}">
-                <a16:creationId xmlns:a16="http://schemas.microsoft.com/office/drawing/2014/main" id="{892C6EA6-1483-C619-891E-E8E9FC3FB50A}"/>
-              </a:ext>
-            </a:extLst>
-          </p:cNvPr>
-          <p:cNvSpPr txBox="1"/>
-          <p:nvPr/>
-        </p:nvSpPr>
-        <p:spPr>
-          <a:xfrm>
-            <a:off x="177219" y="2920545"/>
-            <a:ext cx="2309387" cy="388504"/>
-          </a:xfrm>
-          <a:prstGeom prst="rect">
-            <a:avLst/>
-          </a:prstGeom>
-          <a:noFill/>
-        </p:spPr>
-        <p:txBody>
-          <a:bodyPr wrap="square" rtlCol="0">
-            <a:spAutoFit/>
-          </a:bodyPr>
-          <a:lstStyle/>
-          <a:p>
-            <a:pPr algn="ctr"/>
-            <a:r>
-              <a:rPr lang="en-US" sz="817" dirty="0">
-                <a:latin typeface="Helvetica Light" panose="020B0403020202020204" pitchFamily="34" charset="0"/>
-              </a:rPr>
-              <a:t>VILA DO CONDE, PORTUGAL</a:t>
-            </a:r>
-          </a:p>
-          <a:p>
-            <a:pPr algn="ctr">
-              <a:lnSpc>
-                <a:spcPct val="150000"/>
-              </a:lnSpc>
-            </a:pPr>
-            <a:r>
-              <a:rPr lang="en-US" sz="817" dirty="0">
-                <a:latin typeface="Helvetica Light" panose="020B0403020202020204" pitchFamily="34" charset="0"/>
-              </a:rPr>
-              <a:t>21-23.11.2024</a:t>
-            </a:r>
-          </a:p>
-        </p:txBody>
-      </p:sp>
-      <p:cxnSp>
-        <p:nvCxnSpPr>
-          <p:cNvPr id="10" name="Straight Connector 9">
-            <a:extLst>
-              <a:ext uri="{FF2B5EF4-FFF2-40B4-BE49-F238E27FC236}">
-                <a16:creationId xmlns:a16="http://schemas.microsoft.com/office/drawing/2014/main" id="{4DDB112F-B9DA-122B-B3E6-FCB3269EF70A}"/>
-              </a:ext>
-            </a:extLst>
-          </p:cNvPr>
-          <p:cNvCxnSpPr>
-            <a:cxnSpLocks/>
-          </p:cNvCxnSpPr>
-          <p:nvPr/>
-        </p:nvCxnSpPr>
-        <p:spPr>
-          <a:xfrm>
-            <a:off x="0" y="1619062"/>
-            <a:ext cx="2663825" cy="0"/>
-          </a:xfrm>
-          <a:prstGeom prst="line">
-            <a:avLst/>
-          </a:prstGeom>
-        </p:spPr>
-        <p:style>
-          <a:lnRef idx="2">
-            <a:schemeClr val="dk1"/>
-          </a:lnRef>
-          <a:fillRef idx="0">
-            <a:schemeClr val="dk1"/>
-          </a:fillRef>
-          <a:effectRef idx="1">
-            <a:schemeClr val="dk1"/>
-          </a:effectRef>
-          <a:fontRef idx="minor">
-            <a:schemeClr val="tx1"/>
-          </a:fontRef>
-        </p:style>
-      </p:cxnSp>
-      <p:cxnSp>
-        <p:nvCxnSpPr>
-          <p:cNvPr id="11" name="Straight Connector 10">
-            <a:extLst>
-              <a:ext uri="{FF2B5EF4-FFF2-40B4-BE49-F238E27FC236}">
-                <a16:creationId xmlns:a16="http://schemas.microsoft.com/office/drawing/2014/main" id="{FA02679D-C145-9AB8-9DF7-C8FD101A8E6A}"/>
-              </a:ext>
-            </a:extLst>
-          </p:cNvPr>
-          <p:cNvCxnSpPr>
-            <a:cxnSpLocks/>
-          </p:cNvCxnSpPr>
-          <p:nvPr/>
-        </p:nvCxnSpPr>
-        <p:spPr>
-          <a:xfrm>
-            <a:off x="0" y="2867587"/>
-            <a:ext cx="2663825" cy="0"/>
-          </a:xfrm>
-          <a:prstGeom prst="line">
-            <a:avLst/>
-          </a:prstGeom>
-        </p:spPr>
-        <p:style>
-          <a:lnRef idx="2">
-            <a:schemeClr val="dk1"/>
-          </a:lnRef>
-          <a:fillRef idx="0">
-            <a:schemeClr val="dk1"/>
-          </a:fillRef>
-          <a:effectRef idx="1">
-            <a:schemeClr val="dk1"/>
-          </a:effectRef>
-          <a:fontRef idx="minor">
-            <a:schemeClr val="tx1"/>
-          </a:fontRef>
-        </p:style>
-      </p:cxnSp>
-      <p:pic>
-        <p:nvPicPr>
-          <p:cNvPr id="2" name="Picture 2" descr="APP logo">
-            <a:extLst>
-              <a:ext uri="{FF2B5EF4-FFF2-40B4-BE49-F238E27FC236}">
-                <a16:creationId xmlns:a16="http://schemas.microsoft.com/office/drawing/2014/main" id="{16985920-EEC3-C58A-AAD9-ADBAC23356D6}"/>
-              </a:ext>
-            </a:extLst>
-          </p:cNvPr>
-          <p:cNvPicPr>
-            <a:picLocks noChangeAspect="1" noChangeArrowheads="1"/>
-          </p:cNvPicPr>
-          <p:nvPr/>
-        </p:nvPicPr>
-        <p:blipFill>
-          <a:blip r:embed="rId3">
-            <a:extLst>
-              <a:ext uri="{BEBA8EAE-BF5A-486C-A8C5-ECC9F3942E4B}">
-                <a14:imgProps xmlns:a14="http://schemas.microsoft.com/office/drawing/2010/main">
-                  <a14:imgLayer r:embed="rId4">
-                    <a14:imgEffect>
-                      <a14:saturation sat="0"/>
-                    </a14:imgEffect>
-                  </a14:imgLayer>
-                </a14:imgProps>
-              </a:ext>
-              <a:ext uri="{28A0092B-C50C-407E-A947-70E740481C1C}">
-                <a14:useLocalDpi xmlns:a14="http://schemas.microsoft.com/office/drawing/2010/main" val="0"/>
-              </a:ext>
-            </a:extLst>
-          </a:blip>
-          <a:srcRect/>
-          <a:stretch>
-            <a:fillRect/>
-          </a:stretch>
-        </p:blipFill>
-        <p:spPr bwMode="auto">
-          <a:xfrm>
-            <a:off x="777871" y="3430712"/>
-            <a:ext cx="334635" cy="349126"/>
-          </a:xfrm>
-          <a:prstGeom prst="rect">
-            <a:avLst/>
-          </a:prstGeom>
-          <a:noFill/>
-          <a:extLst>
-            <a:ext uri="{909E8E84-426E-40DD-AFC4-6F175D3DCCD1}">
-              <a14:hiddenFill xmlns:a14="http://schemas.microsoft.com/office/drawing/2010/main">
-                <a:solidFill>
-                  <a:srgbClr val="FFFFFF"/>
-                </a:solidFill>
-              </a14:hiddenFill>
-            </a:ext>
-          </a:extLst>
-        </p:spPr>
-      </p:pic>
-      <p:pic>
-        <p:nvPicPr>
-          <p:cNvPr id="3" name="Picture 4">
-            <a:extLst>
-              <a:ext uri="{FF2B5EF4-FFF2-40B4-BE49-F238E27FC236}">
-                <a16:creationId xmlns:a16="http://schemas.microsoft.com/office/drawing/2014/main" id="{F50EA528-66B4-7756-462C-2CF4B016231F}"/>
-              </a:ext>
-            </a:extLst>
-          </p:cNvPr>
-          <p:cNvPicPr>
-            <a:picLocks noChangeAspect="1" noChangeArrowheads="1"/>
-          </p:cNvPicPr>
-          <p:nvPr/>
-        </p:nvPicPr>
-        <p:blipFill>
-          <a:blip r:embed="rId5">
-            <a:extLst>
-              <a:ext uri="{28A0092B-C50C-407E-A947-70E740481C1C}">
-                <a14:useLocalDpi xmlns:a14="http://schemas.microsoft.com/office/drawing/2010/main" val="0"/>
-              </a:ext>
-            </a:extLst>
-          </a:blip>
-          <a:srcRect/>
-          <a:stretch>
-            <a:fillRect/>
-          </a:stretch>
-        </p:blipFill>
-        <p:spPr bwMode="auto">
-          <a:xfrm>
-            <a:off x="102582" y="3464710"/>
-            <a:ext cx="546780" cy="292903"/>
-          </a:xfrm>
-          <a:prstGeom prst="rect">
-            <a:avLst/>
-          </a:prstGeom>
-          <a:noFill/>
-          <a:extLst>
-            <a:ext uri="{909E8E84-426E-40DD-AFC4-6F175D3DCCD1}">
-              <a14:hiddenFill xmlns:a14="http://schemas.microsoft.com/office/drawing/2010/main">
-                <a:solidFill>
-                  <a:srgbClr val="FFFFFF"/>
-                </a:solidFill>
-              </a14:hiddenFill>
-            </a:ext>
-          </a:extLst>
-        </p:spPr>
-      </p:pic>
-      <p:pic>
-        <p:nvPicPr>
-          <p:cNvPr id="13" name="Picture 12">
-            <a:extLst>
-              <a:ext uri="{FF2B5EF4-FFF2-40B4-BE49-F238E27FC236}">
-                <a16:creationId xmlns:a16="http://schemas.microsoft.com/office/drawing/2014/main" id="{241B2004-42D2-A60D-A014-F0FFA676CFC9}"/>
-              </a:ext>
-            </a:extLst>
-          </p:cNvPr>
-          <p:cNvPicPr>
-            <a:picLocks noChangeAspect="1"/>
-          </p:cNvPicPr>
-          <p:nvPr/>
-        </p:nvPicPr>
-        <p:blipFill>
-          <a:blip r:embed="rId6"/>
-          <a:stretch>
-            <a:fillRect/>
-          </a:stretch>
-        </p:blipFill>
-        <p:spPr>
-          <a:xfrm>
-            <a:off x="1773185" y="3409569"/>
-            <a:ext cx="261033" cy="369396"/>
-          </a:xfrm>
-          <a:prstGeom prst="rect">
-            <a:avLst/>
-          </a:prstGeom>
-        </p:spPr>
-      </p:pic>
-      <p:pic>
-        <p:nvPicPr>
-          <p:cNvPr id="15" name="Picture 14" descr="A logo for a biodiversity center&#10;&#10;Description automatically generated">
-            <a:extLst>
-              <a:ext uri="{FF2B5EF4-FFF2-40B4-BE49-F238E27FC236}">
-                <a16:creationId xmlns:a16="http://schemas.microsoft.com/office/drawing/2014/main" id="{B09D658B-C00A-6FAE-8B9D-12B729B7B424}"/>
-              </a:ext>
-            </a:extLst>
-          </p:cNvPr>
-          <p:cNvPicPr>
-            <a:picLocks noChangeAspect="1"/>
-          </p:cNvPicPr>
-          <p:nvPr/>
-        </p:nvPicPr>
-        <p:blipFill>
-          <a:blip r:embed="rId7"/>
-          <a:stretch>
-            <a:fillRect/>
-          </a:stretch>
-        </p:blipFill>
-        <p:spPr>
-          <a:xfrm>
-            <a:off x="1210510" y="3464710"/>
-            <a:ext cx="440701" cy="259115"/>
-          </a:xfrm>
-          <a:prstGeom prst="rect">
-            <a:avLst/>
-          </a:prstGeom>
-        </p:spPr>
-      </p:pic>
-      <p:pic>
-        <p:nvPicPr>
-          <p:cNvPr id="22" name="Picture 21" descr="A black and white flag with a boat and a crown&#10;&#10;Description automatically generated">
-            <a:extLst>
-              <a:ext uri="{FF2B5EF4-FFF2-40B4-BE49-F238E27FC236}">
-                <a16:creationId xmlns:a16="http://schemas.microsoft.com/office/drawing/2014/main" id="{C0958E54-135B-B613-5CED-AFCBFA345576}"/>
-              </a:ext>
-            </a:extLst>
-          </p:cNvPr>
-          <p:cNvPicPr>
-            <a:picLocks noChangeAspect="1"/>
-          </p:cNvPicPr>
-          <p:nvPr/>
-        </p:nvPicPr>
-        <p:blipFill>
-          <a:blip r:embed="rId8"/>
-          <a:stretch>
-            <a:fillRect/>
-          </a:stretch>
-        </p:blipFill>
-        <p:spPr>
-          <a:xfrm>
-            <a:off x="2132150" y="3443357"/>
-            <a:ext cx="439959" cy="314256"/>
-          </a:xfrm>
-          <a:prstGeom prst="rect">
-            <a:avLst/>
-          </a:prstGeom>
-        </p:spPr>
-      </p:pic>
+          </p:spPr>
+        </p:pic>
+        <p:pic>
+          <p:nvPicPr>
+            <p:cNvPr id="13" name="Picture 12">
+              <a:extLst>
+                <a:ext uri="{FF2B5EF4-FFF2-40B4-BE49-F238E27FC236}">
+                  <a16:creationId xmlns:a16="http://schemas.microsoft.com/office/drawing/2014/main" id="{241B2004-42D2-A60D-A014-F0FFA676CFC9}"/>
+                </a:ext>
+              </a:extLst>
+            </p:cNvPr>
+            <p:cNvPicPr>
+              <a:picLocks noChangeAspect="1"/>
+            </p:cNvPicPr>
+            <p:nvPr/>
+          </p:nvPicPr>
+          <p:blipFill>
+            <a:blip r:embed="rId6"/>
+            <a:stretch>
+              <a:fillRect/>
+            </a:stretch>
+          </p:blipFill>
+          <p:spPr>
+            <a:xfrm>
+              <a:off x="1773185" y="3409569"/>
+              <a:ext cx="261033" cy="369396"/>
+            </a:xfrm>
+            <a:prstGeom prst="rect">
+              <a:avLst/>
+            </a:prstGeom>
+          </p:spPr>
+        </p:pic>
+        <p:pic>
+          <p:nvPicPr>
+            <p:cNvPr id="15" name="Picture 14" descr="A logo for a biodiversity center&#10;&#10;Description automatically generated">
+              <a:extLst>
+                <a:ext uri="{FF2B5EF4-FFF2-40B4-BE49-F238E27FC236}">
+                  <a16:creationId xmlns:a16="http://schemas.microsoft.com/office/drawing/2014/main" id="{B09D658B-C00A-6FAE-8B9D-12B729B7B424}"/>
+                </a:ext>
+              </a:extLst>
+            </p:cNvPr>
+            <p:cNvPicPr>
+              <a:picLocks noChangeAspect="1"/>
+            </p:cNvPicPr>
+            <p:nvPr/>
+          </p:nvPicPr>
+          <p:blipFill>
+            <a:blip r:embed="rId7"/>
+            <a:stretch>
+              <a:fillRect/>
+            </a:stretch>
+          </p:blipFill>
+          <p:spPr>
+            <a:xfrm>
+              <a:off x="1210510" y="3464710"/>
+              <a:ext cx="440701" cy="259115"/>
+            </a:xfrm>
+            <a:prstGeom prst="rect">
+              <a:avLst/>
+            </a:prstGeom>
+          </p:spPr>
+        </p:pic>
+        <p:pic>
+          <p:nvPicPr>
+            <p:cNvPr id="22" name="Picture 21" descr="A black and white flag with a boat and a crown&#10;&#10;Description automatically generated">
+              <a:extLst>
+                <a:ext uri="{FF2B5EF4-FFF2-40B4-BE49-F238E27FC236}">
+                  <a16:creationId xmlns:a16="http://schemas.microsoft.com/office/drawing/2014/main" id="{C0958E54-135B-B613-5CED-AFCBFA345576}"/>
+                </a:ext>
+              </a:extLst>
+            </p:cNvPr>
+            <p:cNvPicPr>
+              <a:picLocks noChangeAspect="1"/>
+            </p:cNvPicPr>
+            <p:nvPr/>
+          </p:nvPicPr>
+          <p:blipFill>
+            <a:blip r:embed="rId8"/>
+            <a:stretch>
+              <a:fillRect/>
+            </a:stretch>
+          </p:blipFill>
+          <p:spPr>
+            <a:xfrm>
+              <a:off x="2132150" y="3443357"/>
+              <a:ext cx="439959" cy="314256"/>
+            </a:xfrm>
+            <a:prstGeom prst="rect">
+              <a:avLst/>
+            </a:prstGeom>
+          </p:spPr>
+        </p:pic>
+        <p:sp>
+          <p:nvSpPr>
+            <p:cNvPr id="4" name="Retângulo 3">
+              <a:extLst>
+                <a:ext uri="{FF2B5EF4-FFF2-40B4-BE49-F238E27FC236}">
+                  <a16:creationId xmlns:a16="http://schemas.microsoft.com/office/drawing/2014/main" id="{4A310ADA-F24F-4448-C028-CDC63D0692F7}"/>
+                </a:ext>
+              </a:extLst>
+            </p:cNvPr>
+            <p:cNvSpPr/>
+            <p:nvPr/>
+          </p:nvSpPr>
+          <p:spPr>
+            <a:xfrm>
+              <a:off x="0" y="0"/>
+              <a:ext cx="2663825" cy="3778965"/>
+            </a:xfrm>
+            <a:prstGeom prst="rect">
+              <a:avLst/>
+            </a:prstGeom>
+            <a:noFill/>
+            <a:ln w="6350">
+              <a:solidFill>
+                <a:schemeClr val="tx1"/>
+              </a:solidFill>
+            </a:ln>
+          </p:spPr>
+          <p:style>
+            <a:lnRef idx="2">
+              <a:schemeClr val="accent6"/>
+            </a:lnRef>
+            <a:fillRef idx="1">
+              <a:schemeClr val="lt1"/>
+            </a:fillRef>
+            <a:effectRef idx="0">
+              <a:schemeClr val="accent6"/>
+            </a:effectRef>
+            <a:fontRef idx="minor">
+              <a:schemeClr val="dk1"/>
+            </a:fontRef>
+          </p:style>
+          <p:txBody>
+            <a:bodyPr rtlCol="0" anchor="ctr"/>
+            <a:lstStyle/>
+            <a:p>
+              <a:pPr algn="ctr"/>
+              <a:endParaRPr lang="pt-PT"/>
+            </a:p>
+          </p:txBody>
+        </p:sp>
+      </p:grpSp>
     </p:spTree>
     <p:extLst>
       <p:ext uri="{BB962C8B-B14F-4D97-AF65-F5344CB8AC3E}">

--- a/IX_IPC/tags_certificates/tags.pptx
+++ b/IX_IPC/tags_certificates/tags.pptx
@@ -1,13 +1,13 @@
 
 <file path=ppt/presentation.xml><?xml version="1.0" encoding="utf-8"?>
-<p:presentation xmlns:a="http://schemas.openxmlformats.org/drawingml/2006/main" xmlns:r="http://schemas.openxmlformats.org/officeDocument/2006/relationships" xmlns:p="http://schemas.openxmlformats.org/presentationml/2006/main" saveSubsetFonts="1" autoCompressPictures="0">
+<p:presentation xmlns:a="http://schemas.openxmlformats.org/drawingml/2006/main" xmlns:r="http://schemas.openxmlformats.org/officeDocument/2006/relationships" xmlns:p="http://schemas.openxmlformats.org/presentationml/2006/main" saveSubsetFonts="1">
   <p:sldMasterIdLst>
-    <p:sldMasterId id="2147483684" r:id="rId1"/>
+    <p:sldMasterId id="2147483660" r:id="rId1"/>
   </p:sldMasterIdLst>
   <p:sldIdLst>
-    <p:sldId id="257" r:id="rId2"/>
+    <p:sldId id="256" r:id="rId2"/>
   </p:sldIdLst>
-  <p:sldSz cx="2663825" cy="3779838"/>
+  <p:sldSz cx="10691813" cy="7559675"/>
   <p:notesSz cx="6858000" cy="9144000"/>
   <p:defaultTextStyle>
     <a:defPPr>
@@ -115,7 +115,7 @@
 <file path=ppt/revisionInfo.xml><?xml version="1.0" encoding="utf-8"?>
 <p1510:revInfo xmlns:a="http://schemas.openxmlformats.org/drawingml/2006/main" xmlns:r="http://schemas.openxmlformats.org/officeDocument/2006/relationships" xmlns:p1510="http://schemas.microsoft.com/office/powerpoint/2015/10/main">
   <p1510:revLst>
-    <p1510:client id="{F5A71E99-14EB-40F5-B0A3-E2EF87BEEE38}" v="1" dt="2024-10-14T15:09:18.153"/>
+    <p1510:client id="{F5A71E99-14EB-40F5-B0A3-E2EF87BEEE38}" v="26" dt="2024-11-10T15:27:32.139"/>
   </p1510:revLst>
 </p1510:revInfo>
 </file>
@@ -123,150 +123,912 @@
 <file path=ppt/changesInfos/changesInfo1.xml><?xml version="1.0" encoding="utf-8"?>
 <pc:chgInfo xmlns:a="http://schemas.openxmlformats.org/drawingml/2006/main" xmlns:r="http://schemas.openxmlformats.org/officeDocument/2006/relationships" xmlns:ac="http://schemas.microsoft.com/office/drawing/2013/main/command" xmlns:pc="http://schemas.microsoft.com/office/powerpoint/2013/main/command">
   <pc:docChgLst>
-    <pc:chgData name="André Amado" userId="cf82f2dece387b4b" providerId="LiveId" clId="{50D39485-6BBE-4EC1-8411-93521288C888}"/>
-    <pc:docChg chg="delSld">
-      <pc:chgData name="André Amado" userId="cf82f2dece387b4b" providerId="LiveId" clId="{50D39485-6BBE-4EC1-8411-93521288C888}" dt="2024-10-14T09:10:31.237" v="0" actId="47"/>
+    <pc:chgData name="André Amado" userId="cf82f2dece387b4b" providerId="LiveId" clId="{F5A71E99-14EB-40F5-B0A3-E2EF87BEEE38}"/>
+    <pc:docChg chg="modSld">
+      <pc:chgData name="André Amado" userId="cf82f2dece387b4b" providerId="LiveId" clId="{F5A71E99-14EB-40F5-B0A3-E2EF87BEEE38}" dt="2024-11-10T15:27:32.139" v="85" actId="165"/>
       <pc:docMkLst>
         <pc:docMk/>
       </pc:docMkLst>
-      <pc:sldChg chg="del">
-        <pc:chgData name="André Amado" userId="cf82f2dece387b4b" providerId="LiveId" clId="{50D39485-6BBE-4EC1-8411-93521288C888}" dt="2024-10-14T09:10:31.237" v="0" actId="47"/>
+      <pc:sldChg chg="addSp delSp modSp mod">
+        <pc:chgData name="André Amado" userId="cf82f2dece387b4b" providerId="LiveId" clId="{F5A71E99-14EB-40F5-B0A3-E2EF87BEEE38}" dt="2024-11-10T15:27:32.139" v="85" actId="165"/>
         <pc:sldMkLst>
           <pc:docMk/>
-          <pc:sldMk cId="397087182" sldId="256"/>
+          <pc:sldMk cId="3314618151" sldId="256"/>
         </pc:sldMkLst>
-      </pc:sldChg>
-      <pc:sldChg chg="del">
-        <pc:chgData name="André Amado" userId="cf82f2dece387b4b" providerId="LiveId" clId="{50D39485-6BBE-4EC1-8411-93521288C888}" dt="2024-10-14T09:10:31.237" v="0" actId="47"/>
-        <pc:sldMkLst>
-          <pc:docMk/>
-          <pc:sldMk cId="1427456815" sldId="258"/>
-        </pc:sldMkLst>
-      </pc:sldChg>
-      <pc:sldChg chg="del">
-        <pc:chgData name="André Amado" userId="cf82f2dece387b4b" providerId="LiveId" clId="{50D39485-6BBE-4EC1-8411-93521288C888}" dt="2024-10-14T09:10:31.237" v="0" actId="47"/>
-        <pc:sldMkLst>
-          <pc:docMk/>
-          <pc:sldMk cId="625948321" sldId="259"/>
-        </pc:sldMkLst>
-      </pc:sldChg>
-    </pc:docChg>
-  </pc:docChgLst>
-  <pc:docChgLst>
-    <pc:chgData name="André Amado" userId="cf82f2dece387b4b" providerId="LiveId" clId="{F5A71E99-14EB-40F5-B0A3-E2EF87BEEE38}"/>
-    <pc:docChg chg="modSld">
-      <pc:chgData name="André Amado" userId="cf82f2dece387b4b" providerId="LiveId" clId="{F5A71E99-14EB-40F5-B0A3-E2EF87BEEE38}" dt="2024-10-14T15:09:18.153" v="18" actId="164"/>
-      <pc:docMkLst>
-        <pc:docMk/>
-      </pc:docMkLst>
-      <pc:sldChg chg="addSp modSp mod">
-        <pc:chgData name="André Amado" userId="cf82f2dece387b4b" providerId="LiveId" clId="{F5A71E99-14EB-40F5-B0A3-E2EF87BEEE38}" dt="2024-10-14T15:09:18.153" v="18" actId="164"/>
-        <pc:sldMkLst>
-          <pc:docMk/>
-          <pc:sldMk cId="4292944877" sldId="257"/>
-        </pc:sldMkLst>
-        <pc:spChg chg="add mod ord">
-          <ac:chgData name="André Amado" userId="cf82f2dece387b4b" providerId="LiveId" clId="{F5A71E99-14EB-40F5-B0A3-E2EF87BEEE38}" dt="2024-10-14T15:09:18.153" v="18" actId="164"/>
+        <pc:spChg chg="mod topLvl">
+          <ac:chgData name="André Amado" userId="cf82f2dece387b4b" providerId="LiveId" clId="{F5A71E99-14EB-40F5-B0A3-E2EF87BEEE38}" dt="2024-11-10T15:27:10.511" v="78" actId="165"/>
           <ac:spMkLst>
             <pc:docMk/>
-            <pc:sldMk cId="4292944877" sldId="257"/>
-            <ac:spMk id="4" creationId="{4A310ADA-F24F-4448-C028-CDC63D0692F7}"/>
+            <pc:sldMk cId="3314618151" sldId="256"/>
+            <ac:spMk id="16" creationId="{AC960E24-6599-C2C4-1B76-F18487B0970D}"/>
           </ac:spMkLst>
         </pc:spChg>
-        <pc:spChg chg="mod">
-          <ac:chgData name="André Amado" userId="cf82f2dece387b4b" providerId="LiveId" clId="{F5A71E99-14EB-40F5-B0A3-E2EF87BEEE38}" dt="2024-10-14T15:09:18.153" v="18" actId="164"/>
+        <pc:spChg chg="mod topLvl">
+          <ac:chgData name="André Amado" userId="cf82f2dece387b4b" providerId="LiveId" clId="{F5A71E99-14EB-40F5-B0A3-E2EF87BEEE38}" dt="2024-11-10T15:27:10.511" v="78" actId="165"/>
           <ac:spMkLst>
             <pc:docMk/>
-            <pc:sldMk cId="4292944877" sldId="257"/>
-            <ac:spMk id="6" creationId="{D0324529-4B64-25C4-EA6B-1037D747BD55}"/>
+            <pc:sldMk cId="3314618151" sldId="256"/>
+            <ac:spMk id="17" creationId="{548DB0DB-BCA4-53D2-14D9-5A00A7685B6C}"/>
           </ac:spMkLst>
         </pc:spChg>
-        <pc:spChg chg="mod">
-          <ac:chgData name="André Amado" userId="cf82f2dece387b4b" providerId="LiveId" clId="{F5A71E99-14EB-40F5-B0A3-E2EF87BEEE38}" dt="2024-10-14T15:09:18.153" v="18" actId="164"/>
+        <pc:spChg chg="mod topLvl">
+          <ac:chgData name="André Amado" userId="cf82f2dece387b4b" providerId="LiveId" clId="{F5A71E99-14EB-40F5-B0A3-E2EF87BEEE38}" dt="2024-11-10T15:27:10.511" v="78" actId="165"/>
           <ac:spMkLst>
             <pc:docMk/>
-            <pc:sldMk cId="4292944877" sldId="257"/>
-            <ac:spMk id="8" creationId="{892C6EA6-1483-C619-891E-E8E9FC3FB50A}"/>
+            <pc:sldMk cId="3314618151" sldId="256"/>
+            <ac:spMk id="19" creationId="{BE9C607D-08EC-8260-C8E4-9346D0DB9B7A}"/>
           </ac:spMkLst>
         </pc:spChg>
-        <pc:spChg chg="mod">
-          <ac:chgData name="André Amado" userId="cf82f2dece387b4b" providerId="LiveId" clId="{F5A71E99-14EB-40F5-B0A3-E2EF87BEEE38}" dt="2024-10-14T15:09:18.153" v="18" actId="164"/>
+        <pc:spChg chg="mod topLvl">
+          <ac:chgData name="André Amado" userId="cf82f2dece387b4b" providerId="LiveId" clId="{F5A71E99-14EB-40F5-B0A3-E2EF87BEEE38}" dt="2024-11-10T15:27:10.511" v="78" actId="165"/>
           <ac:spMkLst>
             <pc:docMk/>
-            <pc:sldMk cId="4292944877" sldId="257"/>
-            <ac:spMk id="18" creationId="{9B4F5F53-591E-2044-DE0D-658F85152029}"/>
+            <pc:sldMk cId="3314618151" sldId="256"/>
+            <ac:spMk id="20" creationId="{1D0A71A2-7025-8D19-9430-B3C22AEC1B6E}"/>
           </ac:spMkLst>
         </pc:spChg>
-        <pc:grpChg chg="add mod">
-          <ac:chgData name="André Amado" userId="cf82f2dece387b4b" providerId="LiveId" clId="{F5A71E99-14EB-40F5-B0A3-E2EF87BEEE38}" dt="2024-10-14T15:09:18.153" v="18" actId="164"/>
+        <pc:spChg chg="mod topLvl">
+          <ac:chgData name="André Amado" userId="cf82f2dece387b4b" providerId="LiveId" clId="{F5A71E99-14EB-40F5-B0A3-E2EF87BEEE38}" dt="2024-11-10T15:27:13.796" v="79" actId="165"/>
+          <ac:spMkLst>
+            <pc:docMk/>
+            <pc:sldMk cId="3314618151" sldId="256"/>
+            <ac:spMk id="46" creationId="{36DB63DD-985F-975F-0014-8453C165EC71}"/>
+          </ac:spMkLst>
+        </pc:spChg>
+        <pc:spChg chg="mod topLvl">
+          <ac:chgData name="André Amado" userId="cf82f2dece387b4b" providerId="LiveId" clId="{F5A71E99-14EB-40F5-B0A3-E2EF87BEEE38}" dt="2024-11-10T15:27:13.796" v="79" actId="165"/>
+          <ac:spMkLst>
+            <pc:docMk/>
+            <pc:sldMk cId="3314618151" sldId="256"/>
+            <ac:spMk id="47" creationId="{B951E35F-56A4-D50B-15C9-97C489F5F3E4}"/>
+          </ac:spMkLst>
+        </pc:spChg>
+        <pc:spChg chg="mod topLvl">
+          <ac:chgData name="André Amado" userId="cf82f2dece387b4b" providerId="LiveId" clId="{F5A71E99-14EB-40F5-B0A3-E2EF87BEEE38}" dt="2024-11-10T15:27:13.796" v="79" actId="165"/>
+          <ac:spMkLst>
+            <pc:docMk/>
+            <pc:sldMk cId="3314618151" sldId="256"/>
+            <ac:spMk id="49" creationId="{24E572F1-6E5E-D7E4-D891-2B1413C79C42}"/>
+          </ac:spMkLst>
+        </pc:spChg>
+        <pc:spChg chg="mod topLvl">
+          <ac:chgData name="André Amado" userId="cf82f2dece387b4b" providerId="LiveId" clId="{F5A71E99-14EB-40F5-B0A3-E2EF87BEEE38}" dt="2024-11-10T15:27:13.796" v="79" actId="165"/>
+          <ac:spMkLst>
+            <pc:docMk/>
+            <pc:sldMk cId="3314618151" sldId="256"/>
+            <ac:spMk id="50" creationId="{46084A2D-8295-A596-ACD5-39FA9B6FC84D}"/>
+          </ac:spMkLst>
+        </pc:spChg>
+        <pc:spChg chg="mod topLvl">
+          <ac:chgData name="André Amado" userId="cf82f2dece387b4b" providerId="LiveId" clId="{F5A71E99-14EB-40F5-B0A3-E2EF87BEEE38}" dt="2024-11-10T15:27:17.529" v="80" actId="165"/>
+          <ac:spMkLst>
+            <pc:docMk/>
+            <pc:sldMk cId="3314618151" sldId="256"/>
+            <ac:spMk id="60" creationId="{57C43267-0EAE-ADEC-09A2-B06BEB533399}"/>
+          </ac:spMkLst>
+        </pc:spChg>
+        <pc:spChg chg="mod topLvl">
+          <ac:chgData name="André Amado" userId="cf82f2dece387b4b" providerId="LiveId" clId="{F5A71E99-14EB-40F5-B0A3-E2EF87BEEE38}" dt="2024-11-10T15:27:17.529" v="80" actId="165"/>
+          <ac:spMkLst>
+            <pc:docMk/>
+            <pc:sldMk cId="3314618151" sldId="256"/>
+            <ac:spMk id="61" creationId="{7317B615-5156-30FC-2579-492A8E9DDE99}"/>
+          </ac:spMkLst>
+        </pc:spChg>
+        <pc:spChg chg="mod topLvl">
+          <ac:chgData name="André Amado" userId="cf82f2dece387b4b" providerId="LiveId" clId="{F5A71E99-14EB-40F5-B0A3-E2EF87BEEE38}" dt="2024-11-10T15:27:17.529" v="80" actId="165"/>
+          <ac:spMkLst>
+            <pc:docMk/>
+            <pc:sldMk cId="3314618151" sldId="256"/>
+            <ac:spMk id="63" creationId="{707505D2-2E87-E584-4B44-2FDD7A1A49DE}"/>
+          </ac:spMkLst>
+        </pc:spChg>
+        <pc:spChg chg="mod topLvl">
+          <ac:chgData name="André Amado" userId="cf82f2dece387b4b" providerId="LiveId" clId="{F5A71E99-14EB-40F5-B0A3-E2EF87BEEE38}" dt="2024-11-10T15:27:17.529" v="80" actId="165"/>
+          <ac:spMkLst>
+            <pc:docMk/>
+            <pc:sldMk cId="3314618151" sldId="256"/>
+            <ac:spMk id="64" creationId="{2B7B85C8-6C9A-FF1B-02ED-32C44EE489A9}"/>
+          </ac:spMkLst>
+        </pc:spChg>
+        <pc:spChg chg="mod topLvl">
+          <ac:chgData name="André Amado" userId="cf82f2dece387b4b" providerId="LiveId" clId="{F5A71E99-14EB-40F5-B0A3-E2EF87BEEE38}" dt="2024-11-10T15:27:20.457" v="81" actId="165"/>
+          <ac:spMkLst>
+            <pc:docMk/>
+            <pc:sldMk cId="3314618151" sldId="256"/>
+            <ac:spMk id="74" creationId="{8C8B70DC-969F-7BA6-BB5E-295E9E622505}"/>
+          </ac:spMkLst>
+        </pc:spChg>
+        <pc:spChg chg="mod topLvl">
+          <ac:chgData name="André Amado" userId="cf82f2dece387b4b" providerId="LiveId" clId="{F5A71E99-14EB-40F5-B0A3-E2EF87BEEE38}" dt="2024-11-10T15:27:20.457" v="81" actId="165"/>
+          <ac:spMkLst>
+            <pc:docMk/>
+            <pc:sldMk cId="3314618151" sldId="256"/>
+            <ac:spMk id="75" creationId="{F33BD473-C0A2-A179-6CB2-A26456685780}"/>
+          </ac:spMkLst>
+        </pc:spChg>
+        <pc:spChg chg="mod topLvl">
+          <ac:chgData name="André Amado" userId="cf82f2dece387b4b" providerId="LiveId" clId="{F5A71E99-14EB-40F5-B0A3-E2EF87BEEE38}" dt="2024-11-10T15:27:20.457" v="81" actId="165"/>
+          <ac:spMkLst>
+            <pc:docMk/>
+            <pc:sldMk cId="3314618151" sldId="256"/>
+            <ac:spMk id="77" creationId="{85FEE225-AC88-523C-D2A3-618E84F86935}"/>
+          </ac:spMkLst>
+        </pc:spChg>
+        <pc:spChg chg="mod topLvl">
+          <ac:chgData name="André Amado" userId="cf82f2dece387b4b" providerId="LiveId" clId="{F5A71E99-14EB-40F5-B0A3-E2EF87BEEE38}" dt="2024-11-10T15:27:20.457" v="81" actId="165"/>
+          <ac:spMkLst>
+            <pc:docMk/>
+            <pc:sldMk cId="3314618151" sldId="256"/>
+            <ac:spMk id="78" creationId="{F54F1308-5F17-F281-4084-EB5044BFE7B0}"/>
+          </ac:spMkLst>
+        </pc:spChg>
+        <pc:spChg chg="mod topLvl">
+          <ac:chgData name="André Amado" userId="cf82f2dece387b4b" providerId="LiveId" clId="{F5A71E99-14EB-40F5-B0A3-E2EF87BEEE38}" dt="2024-11-10T15:27:23.412" v="82" actId="165"/>
+          <ac:spMkLst>
+            <pc:docMk/>
+            <pc:sldMk cId="3314618151" sldId="256"/>
+            <ac:spMk id="88" creationId="{DB8A7915-33E4-CB0F-7B92-D57DE4E350B8}"/>
+          </ac:spMkLst>
+        </pc:spChg>
+        <pc:spChg chg="mod topLvl">
+          <ac:chgData name="André Amado" userId="cf82f2dece387b4b" providerId="LiveId" clId="{F5A71E99-14EB-40F5-B0A3-E2EF87BEEE38}" dt="2024-11-10T15:27:23.412" v="82" actId="165"/>
+          <ac:spMkLst>
+            <pc:docMk/>
+            <pc:sldMk cId="3314618151" sldId="256"/>
+            <ac:spMk id="89" creationId="{0D62ECC0-0D43-1492-F832-D8D431896F07}"/>
+          </ac:spMkLst>
+        </pc:spChg>
+        <pc:spChg chg="mod topLvl">
+          <ac:chgData name="André Amado" userId="cf82f2dece387b4b" providerId="LiveId" clId="{F5A71E99-14EB-40F5-B0A3-E2EF87BEEE38}" dt="2024-11-10T15:27:23.412" v="82" actId="165"/>
+          <ac:spMkLst>
+            <pc:docMk/>
+            <pc:sldMk cId="3314618151" sldId="256"/>
+            <ac:spMk id="91" creationId="{BD59ED06-FE11-94BD-9D5F-7730E4554F89}"/>
+          </ac:spMkLst>
+        </pc:spChg>
+        <pc:spChg chg="mod topLvl">
+          <ac:chgData name="André Amado" userId="cf82f2dece387b4b" providerId="LiveId" clId="{F5A71E99-14EB-40F5-B0A3-E2EF87BEEE38}" dt="2024-11-10T15:27:23.412" v="82" actId="165"/>
+          <ac:spMkLst>
+            <pc:docMk/>
+            <pc:sldMk cId="3314618151" sldId="256"/>
+            <ac:spMk id="92" creationId="{047169C8-DEDA-A842-4B42-5CB115F6CA9D}"/>
+          </ac:spMkLst>
+        </pc:spChg>
+        <pc:spChg chg="mod topLvl">
+          <ac:chgData name="André Amado" userId="cf82f2dece387b4b" providerId="LiveId" clId="{F5A71E99-14EB-40F5-B0A3-E2EF87BEEE38}" dt="2024-11-10T15:27:26.385" v="83" actId="165"/>
+          <ac:spMkLst>
+            <pc:docMk/>
+            <pc:sldMk cId="3314618151" sldId="256"/>
+            <ac:spMk id="102" creationId="{08DA34A6-1127-7077-06B6-668FDFAE2C66}"/>
+          </ac:spMkLst>
+        </pc:spChg>
+        <pc:spChg chg="mod topLvl">
+          <ac:chgData name="André Amado" userId="cf82f2dece387b4b" providerId="LiveId" clId="{F5A71E99-14EB-40F5-B0A3-E2EF87BEEE38}" dt="2024-11-10T15:27:26.385" v="83" actId="165"/>
+          <ac:spMkLst>
+            <pc:docMk/>
+            <pc:sldMk cId="3314618151" sldId="256"/>
+            <ac:spMk id="103" creationId="{16892FA9-56E3-18FF-3BC9-A23CE1AD0296}"/>
+          </ac:spMkLst>
+        </pc:spChg>
+        <pc:spChg chg="mod topLvl">
+          <ac:chgData name="André Amado" userId="cf82f2dece387b4b" providerId="LiveId" clId="{F5A71E99-14EB-40F5-B0A3-E2EF87BEEE38}" dt="2024-11-10T15:27:26.385" v="83" actId="165"/>
+          <ac:spMkLst>
+            <pc:docMk/>
+            <pc:sldMk cId="3314618151" sldId="256"/>
+            <ac:spMk id="105" creationId="{6A96B3B6-4F0F-7DCC-91B2-C62F7251492C}"/>
+          </ac:spMkLst>
+        </pc:spChg>
+        <pc:spChg chg="mod topLvl">
+          <ac:chgData name="André Amado" userId="cf82f2dece387b4b" providerId="LiveId" clId="{F5A71E99-14EB-40F5-B0A3-E2EF87BEEE38}" dt="2024-11-10T15:27:26.385" v="83" actId="165"/>
+          <ac:spMkLst>
+            <pc:docMk/>
+            <pc:sldMk cId="3314618151" sldId="256"/>
+            <ac:spMk id="106" creationId="{00E932F4-E7BC-B179-B696-555CDDA97923}"/>
+          </ac:spMkLst>
+        </pc:spChg>
+        <pc:spChg chg="mod topLvl">
+          <ac:chgData name="André Amado" userId="cf82f2dece387b4b" providerId="LiveId" clId="{F5A71E99-14EB-40F5-B0A3-E2EF87BEEE38}" dt="2024-11-10T15:27:29.157" v="84" actId="165"/>
+          <ac:spMkLst>
+            <pc:docMk/>
+            <pc:sldMk cId="3314618151" sldId="256"/>
+            <ac:spMk id="116" creationId="{7BB6AC6F-CB50-A56A-2519-D7FA7C10466E}"/>
+          </ac:spMkLst>
+        </pc:spChg>
+        <pc:spChg chg="mod topLvl">
+          <ac:chgData name="André Amado" userId="cf82f2dece387b4b" providerId="LiveId" clId="{F5A71E99-14EB-40F5-B0A3-E2EF87BEEE38}" dt="2024-11-10T15:27:29.157" v="84" actId="165"/>
+          <ac:spMkLst>
+            <pc:docMk/>
+            <pc:sldMk cId="3314618151" sldId="256"/>
+            <ac:spMk id="117" creationId="{3C3FC5BE-7AA7-08C3-2564-B78F2122C3C3}"/>
+          </ac:spMkLst>
+        </pc:spChg>
+        <pc:spChg chg="mod topLvl">
+          <ac:chgData name="André Amado" userId="cf82f2dece387b4b" providerId="LiveId" clId="{F5A71E99-14EB-40F5-B0A3-E2EF87BEEE38}" dt="2024-11-10T15:27:29.157" v="84" actId="165"/>
+          <ac:spMkLst>
+            <pc:docMk/>
+            <pc:sldMk cId="3314618151" sldId="256"/>
+            <ac:spMk id="119" creationId="{C7AEA588-37D2-CABD-D79D-99A429D548CA}"/>
+          </ac:spMkLst>
+        </pc:spChg>
+        <pc:spChg chg="mod topLvl">
+          <ac:chgData name="André Amado" userId="cf82f2dece387b4b" providerId="LiveId" clId="{F5A71E99-14EB-40F5-B0A3-E2EF87BEEE38}" dt="2024-11-10T15:27:29.157" v="84" actId="165"/>
+          <ac:spMkLst>
+            <pc:docMk/>
+            <pc:sldMk cId="3314618151" sldId="256"/>
+            <ac:spMk id="120" creationId="{FA2FDB94-0FB0-A823-5D53-60F5D69BACF4}"/>
+          </ac:spMkLst>
+        </pc:spChg>
+        <pc:spChg chg="mod topLvl">
+          <ac:chgData name="André Amado" userId="cf82f2dece387b4b" providerId="LiveId" clId="{F5A71E99-14EB-40F5-B0A3-E2EF87BEEE38}" dt="2024-11-10T15:27:32.139" v="85" actId="165"/>
+          <ac:spMkLst>
+            <pc:docMk/>
+            <pc:sldMk cId="3314618151" sldId="256"/>
+            <ac:spMk id="130" creationId="{0B7C0BB8-7441-7025-C348-BE562A745703}"/>
+          </ac:spMkLst>
+        </pc:spChg>
+        <pc:spChg chg="mod topLvl">
+          <ac:chgData name="André Amado" userId="cf82f2dece387b4b" providerId="LiveId" clId="{F5A71E99-14EB-40F5-B0A3-E2EF87BEEE38}" dt="2024-11-10T15:27:32.139" v="85" actId="165"/>
+          <ac:spMkLst>
+            <pc:docMk/>
+            <pc:sldMk cId="3314618151" sldId="256"/>
+            <ac:spMk id="131" creationId="{984F8E87-4AEF-A78E-7E1F-355543977F4E}"/>
+          </ac:spMkLst>
+        </pc:spChg>
+        <pc:spChg chg="mod topLvl">
+          <ac:chgData name="André Amado" userId="cf82f2dece387b4b" providerId="LiveId" clId="{F5A71E99-14EB-40F5-B0A3-E2EF87BEEE38}" dt="2024-11-10T15:27:32.139" v="85" actId="165"/>
+          <ac:spMkLst>
+            <pc:docMk/>
+            <pc:sldMk cId="3314618151" sldId="256"/>
+            <ac:spMk id="133" creationId="{591CE3B2-FEEB-C9EB-AD6D-CEDBD00C0424}"/>
+          </ac:spMkLst>
+        </pc:spChg>
+        <pc:spChg chg="mod topLvl">
+          <ac:chgData name="André Amado" userId="cf82f2dece387b4b" providerId="LiveId" clId="{F5A71E99-14EB-40F5-B0A3-E2EF87BEEE38}" dt="2024-11-10T15:27:32.139" v="85" actId="165"/>
+          <ac:spMkLst>
+            <pc:docMk/>
+            <pc:sldMk cId="3314618151" sldId="256"/>
+            <ac:spMk id="134" creationId="{7E4A8D9C-1CDB-8E4A-BFB6-92E3B9F1FFA4}"/>
+          </ac:spMkLst>
+        </pc:spChg>
+        <pc:grpChg chg="add del mod">
+          <ac:chgData name="André Amado" userId="cf82f2dece387b4b" providerId="LiveId" clId="{F5A71E99-14EB-40F5-B0A3-E2EF87BEEE38}" dt="2024-11-10T15:27:10.511" v="78" actId="165"/>
           <ac:grpSpMkLst>
             <pc:docMk/>
-            <pc:sldMk cId="4292944877" sldId="257"/>
-            <ac:grpSpMk id="7" creationId="{973751BF-10E9-D14F-C9DB-3B8973CEF061}"/>
+            <pc:sldMk cId="3314618151" sldId="256"/>
+            <ac:grpSpMk id="44" creationId="{51F5B560-F632-018B-B77A-0BAB1632405B}"/>
           </ac:grpSpMkLst>
         </pc:grpChg>
-        <pc:picChg chg="mod">
-          <ac:chgData name="André Amado" userId="cf82f2dece387b4b" providerId="LiveId" clId="{F5A71E99-14EB-40F5-B0A3-E2EF87BEEE38}" dt="2024-10-14T15:09:18.153" v="18" actId="164"/>
+        <pc:grpChg chg="add del mod">
+          <ac:chgData name="André Amado" userId="cf82f2dece387b4b" providerId="LiveId" clId="{F5A71E99-14EB-40F5-B0A3-E2EF87BEEE38}" dt="2024-11-10T15:27:13.796" v="79" actId="165"/>
+          <ac:grpSpMkLst>
+            <pc:docMk/>
+            <pc:sldMk cId="3314618151" sldId="256"/>
+            <ac:grpSpMk id="45" creationId="{05452F00-9007-0B2D-C8FE-CBFFDDFD0EA4}"/>
+          </ac:grpSpMkLst>
+        </pc:grpChg>
+        <pc:grpChg chg="add del mod">
+          <ac:chgData name="André Amado" userId="cf82f2dece387b4b" providerId="LiveId" clId="{F5A71E99-14EB-40F5-B0A3-E2EF87BEEE38}" dt="2024-11-10T15:27:17.529" v="80" actId="165"/>
+          <ac:grpSpMkLst>
+            <pc:docMk/>
+            <pc:sldMk cId="3314618151" sldId="256"/>
+            <ac:grpSpMk id="59" creationId="{ECF71143-C9AB-6CD4-BCC7-58BD1962DA57}"/>
+          </ac:grpSpMkLst>
+        </pc:grpChg>
+        <pc:grpChg chg="add del mod">
+          <ac:chgData name="André Amado" userId="cf82f2dece387b4b" providerId="LiveId" clId="{F5A71E99-14EB-40F5-B0A3-E2EF87BEEE38}" dt="2024-11-10T15:27:20.457" v="81" actId="165"/>
+          <ac:grpSpMkLst>
+            <pc:docMk/>
+            <pc:sldMk cId="3314618151" sldId="256"/>
+            <ac:grpSpMk id="73" creationId="{D8A0FB80-29C8-1279-A769-85468864B893}"/>
+          </ac:grpSpMkLst>
+        </pc:grpChg>
+        <pc:grpChg chg="add del mod">
+          <ac:chgData name="André Amado" userId="cf82f2dece387b4b" providerId="LiveId" clId="{F5A71E99-14EB-40F5-B0A3-E2EF87BEEE38}" dt="2024-11-10T15:27:23.412" v="82" actId="165"/>
+          <ac:grpSpMkLst>
+            <pc:docMk/>
+            <pc:sldMk cId="3314618151" sldId="256"/>
+            <ac:grpSpMk id="87" creationId="{49E56943-80FB-94E8-8F63-DF293545ABF2}"/>
+          </ac:grpSpMkLst>
+        </pc:grpChg>
+        <pc:grpChg chg="del">
+          <ac:chgData name="André Amado" userId="cf82f2dece387b4b" providerId="LiveId" clId="{F5A71E99-14EB-40F5-B0A3-E2EF87BEEE38}" dt="2024-11-10T15:27:26.385" v="83" actId="165"/>
+          <ac:grpSpMkLst>
+            <pc:docMk/>
+            <pc:sldMk cId="3314618151" sldId="256"/>
+            <ac:grpSpMk id="101" creationId="{1C2B4C1A-FB4B-3374-C5D1-DF65AFA9AA23}"/>
+          </ac:grpSpMkLst>
+        </pc:grpChg>
+        <pc:grpChg chg="del">
+          <ac:chgData name="André Amado" userId="cf82f2dece387b4b" providerId="LiveId" clId="{F5A71E99-14EB-40F5-B0A3-E2EF87BEEE38}" dt="2024-11-10T15:27:29.157" v="84" actId="165"/>
+          <ac:grpSpMkLst>
+            <pc:docMk/>
+            <pc:sldMk cId="3314618151" sldId="256"/>
+            <ac:grpSpMk id="115" creationId="{A8F8D918-0ED8-8C42-7E2F-C1DAD4D9DCE2}"/>
+          </ac:grpSpMkLst>
+        </pc:grpChg>
+        <pc:grpChg chg="del">
+          <ac:chgData name="André Amado" userId="cf82f2dece387b4b" providerId="LiveId" clId="{F5A71E99-14EB-40F5-B0A3-E2EF87BEEE38}" dt="2024-11-10T15:27:32.139" v="85" actId="165"/>
+          <ac:grpSpMkLst>
+            <pc:docMk/>
+            <pc:sldMk cId="3314618151" sldId="256"/>
+            <ac:grpSpMk id="129" creationId="{AC29A086-FA47-772B-5FDE-4B794B51ADD8}"/>
+          </ac:grpSpMkLst>
+        </pc:grpChg>
+        <pc:picChg chg="mod topLvl">
+          <ac:chgData name="André Amado" userId="cf82f2dece387b4b" providerId="LiveId" clId="{F5A71E99-14EB-40F5-B0A3-E2EF87BEEE38}" dt="2024-11-10T15:27:10.511" v="78" actId="165"/>
           <ac:picMkLst>
             <pc:docMk/>
-            <pc:sldMk cId="4292944877" sldId="257"/>
-            <ac:picMk id="2" creationId="{16985920-EEC3-C58A-AAD9-ADBAC23356D6}"/>
+            <pc:sldMk cId="3314618151" sldId="256"/>
+            <ac:picMk id="18" creationId="{BE4D670D-CB60-B8C3-A221-9DA18A993485}"/>
           </ac:picMkLst>
         </pc:picChg>
-        <pc:picChg chg="mod">
-          <ac:chgData name="André Amado" userId="cf82f2dece387b4b" providerId="LiveId" clId="{F5A71E99-14EB-40F5-B0A3-E2EF87BEEE38}" dt="2024-10-14T15:09:18.153" v="18" actId="164"/>
+        <pc:picChg chg="mod topLvl">
+          <ac:chgData name="André Amado" userId="cf82f2dece387b4b" providerId="LiveId" clId="{F5A71E99-14EB-40F5-B0A3-E2EF87BEEE38}" dt="2024-11-10T15:27:10.511" v="78" actId="165"/>
           <ac:picMkLst>
             <pc:docMk/>
-            <pc:sldMk cId="4292944877" sldId="257"/>
-            <ac:picMk id="3" creationId="{F50EA528-66B4-7756-462C-2CF4B016231F}"/>
+            <pc:sldMk cId="3314618151" sldId="256"/>
+            <ac:picMk id="23" creationId="{1549413F-DA66-8799-AC3F-9F7A408ED6A1}"/>
           </ac:picMkLst>
         </pc:picChg>
-        <pc:picChg chg="mod">
-          <ac:chgData name="André Amado" userId="cf82f2dece387b4b" providerId="LiveId" clId="{F5A71E99-14EB-40F5-B0A3-E2EF87BEEE38}" dt="2024-10-14T15:09:18.153" v="18" actId="164"/>
+        <pc:picChg chg="mod topLvl">
+          <ac:chgData name="André Amado" userId="cf82f2dece387b4b" providerId="LiveId" clId="{F5A71E99-14EB-40F5-B0A3-E2EF87BEEE38}" dt="2024-11-10T15:27:10.511" v="78" actId="165"/>
           <ac:picMkLst>
             <pc:docMk/>
-            <pc:sldMk cId="4292944877" sldId="257"/>
-            <ac:picMk id="5" creationId="{F55CEE36-FD9D-BF5C-1917-ADD97CE4188D}"/>
+            <pc:sldMk cId="3314618151" sldId="256"/>
+            <ac:picMk id="24" creationId="{090F7B98-54C5-BBAB-FF75-80290D435552}"/>
           </ac:picMkLst>
         </pc:picChg>
-        <pc:picChg chg="mod">
-          <ac:chgData name="André Amado" userId="cf82f2dece387b4b" providerId="LiveId" clId="{F5A71E99-14EB-40F5-B0A3-E2EF87BEEE38}" dt="2024-10-14T15:09:18.153" v="18" actId="164"/>
+        <pc:picChg chg="mod topLvl">
+          <ac:chgData name="André Amado" userId="cf82f2dece387b4b" providerId="LiveId" clId="{F5A71E99-14EB-40F5-B0A3-E2EF87BEEE38}" dt="2024-11-10T15:27:10.511" v="78" actId="165"/>
           <ac:picMkLst>
             <pc:docMk/>
-            <pc:sldMk cId="4292944877" sldId="257"/>
-            <ac:picMk id="13" creationId="{241B2004-42D2-A60D-A014-F0FFA676CFC9}"/>
+            <pc:sldMk cId="3314618151" sldId="256"/>
+            <ac:picMk id="25" creationId="{5E57DA54-1084-7692-36D9-9D27033002EC}"/>
           </ac:picMkLst>
         </pc:picChg>
-        <pc:picChg chg="mod">
-          <ac:chgData name="André Amado" userId="cf82f2dece387b4b" providerId="LiveId" clId="{F5A71E99-14EB-40F5-B0A3-E2EF87BEEE38}" dt="2024-10-14T15:09:18.153" v="18" actId="164"/>
+        <pc:picChg chg="mod topLvl">
+          <ac:chgData name="André Amado" userId="cf82f2dece387b4b" providerId="LiveId" clId="{F5A71E99-14EB-40F5-B0A3-E2EF87BEEE38}" dt="2024-11-10T15:27:10.511" v="78" actId="165"/>
           <ac:picMkLst>
             <pc:docMk/>
-            <pc:sldMk cId="4292944877" sldId="257"/>
-            <ac:picMk id="15" creationId="{B09D658B-C00A-6FAE-8B9D-12B729B7B424}"/>
+            <pc:sldMk cId="3314618151" sldId="256"/>
+            <ac:picMk id="26" creationId="{8DF88E39-38A3-4713-D44B-19A8515CAB30}"/>
           </ac:picMkLst>
         </pc:picChg>
-        <pc:picChg chg="mod">
-          <ac:chgData name="André Amado" userId="cf82f2dece387b4b" providerId="LiveId" clId="{F5A71E99-14EB-40F5-B0A3-E2EF87BEEE38}" dt="2024-10-14T15:09:18.153" v="18" actId="164"/>
+        <pc:picChg chg="mod topLvl">
+          <ac:chgData name="André Amado" userId="cf82f2dece387b4b" providerId="LiveId" clId="{F5A71E99-14EB-40F5-B0A3-E2EF87BEEE38}" dt="2024-11-10T15:27:10.511" v="78" actId="165"/>
           <ac:picMkLst>
             <pc:docMk/>
-            <pc:sldMk cId="4292944877" sldId="257"/>
-            <ac:picMk id="22" creationId="{C0958E54-135B-B613-5CED-AFCBFA345576}"/>
+            <pc:sldMk cId="3314618151" sldId="256"/>
+            <ac:picMk id="27" creationId="{EDCC3024-3C28-C440-2F48-7572ACFF9A27}"/>
           </ac:picMkLst>
         </pc:picChg>
-        <pc:cxnChg chg="mod">
-          <ac:chgData name="André Amado" userId="cf82f2dece387b4b" providerId="LiveId" clId="{F5A71E99-14EB-40F5-B0A3-E2EF87BEEE38}" dt="2024-10-14T15:09:18.153" v="18" actId="164"/>
+        <pc:picChg chg="mod topLvl">
+          <ac:chgData name="André Amado" userId="cf82f2dece387b4b" providerId="LiveId" clId="{F5A71E99-14EB-40F5-B0A3-E2EF87BEEE38}" dt="2024-11-10T15:27:10.511" v="78" actId="165"/>
+          <ac:picMkLst>
+            <pc:docMk/>
+            <pc:sldMk cId="3314618151" sldId="256"/>
+            <ac:picMk id="28" creationId="{A0D0FF9D-8903-2D41-BD7A-AE3AF6D9B6A3}"/>
+          </ac:picMkLst>
+        </pc:picChg>
+        <pc:picChg chg="mod topLvl">
+          <ac:chgData name="André Amado" userId="cf82f2dece387b4b" providerId="LiveId" clId="{F5A71E99-14EB-40F5-B0A3-E2EF87BEEE38}" dt="2024-11-10T15:27:13.796" v="79" actId="165"/>
+          <ac:picMkLst>
+            <pc:docMk/>
+            <pc:sldMk cId="3314618151" sldId="256"/>
+            <ac:picMk id="48" creationId="{E4A57FCE-A356-0463-F12D-48B77DD8CFF7}"/>
+          </ac:picMkLst>
+        </pc:picChg>
+        <pc:picChg chg="mod topLvl">
+          <ac:chgData name="André Amado" userId="cf82f2dece387b4b" providerId="LiveId" clId="{F5A71E99-14EB-40F5-B0A3-E2EF87BEEE38}" dt="2024-11-10T15:27:13.796" v="79" actId="165"/>
+          <ac:picMkLst>
+            <pc:docMk/>
+            <pc:sldMk cId="3314618151" sldId="256"/>
+            <ac:picMk id="53" creationId="{A8976021-280A-7D69-346A-366E17C898A6}"/>
+          </ac:picMkLst>
+        </pc:picChg>
+        <pc:picChg chg="mod topLvl">
+          <ac:chgData name="André Amado" userId="cf82f2dece387b4b" providerId="LiveId" clId="{F5A71E99-14EB-40F5-B0A3-E2EF87BEEE38}" dt="2024-11-10T15:27:13.796" v="79" actId="165"/>
+          <ac:picMkLst>
+            <pc:docMk/>
+            <pc:sldMk cId="3314618151" sldId="256"/>
+            <ac:picMk id="54" creationId="{B326A329-E526-2522-F43C-39BB3404228F}"/>
+          </ac:picMkLst>
+        </pc:picChg>
+        <pc:picChg chg="mod topLvl">
+          <ac:chgData name="André Amado" userId="cf82f2dece387b4b" providerId="LiveId" clId="{F5A71E99-14EB-40F5-B0A3-E2EF87BEEE38}" dt="2024-11-10T15:27:13.796" v="79" actId="165"/>
+          <ac:picMkLst>
+            <pc:docMk/>
+            <pc:sldMk cId="3314618151" sldId="256"/>
+            <ac:picMk id="55" creationId="{6044E6BF-A469-26C4-4B93-3F0A0CE4D609}"/>
+          </ac:picMkLst>
+        </pc:picChg>
+        <pc:picChg chg="mod topLvl">
+          <ac:chgData name="André Amado" userId="cf82f2dece387b4b" providerId="LiveId" clId="{F5A71E99-14EB-40F5-B0A3-E2EF87BEEE38}" dt="2024-11-10T15:27:13.796" v="79" actId="165"/>
+          <ac:picMkLst>
+            <pc:docMk/>
+            <pc:sldMk cId="3314618151" sldId="256"/>
+            <ac:picMk id="56" creationId="{CB874484-79D4-6486-EB66-C2604EB00FD2}"/>
+          </ac:picMkLst>
+        </pc:picChg>
+        <pc:picChg chg="mod topLvl">
+          <ac:chgData name="André Amado" userId="cf82f2dece387b4b" providerId="LiveId" clId="{F5A71E99-14EB-40F5-B0A3-E2EF87BEEE38}" dt="2024-11-10T15:27:13.796" v="79" actId="165"/>
+          <ac:picMkLst>
+            <pc:docMk/>
+            <pc:sldMk cId="3314618151" sldId="256"/>
+            <ac:picMk id="57" creationId="{14DDE69D-382B-4C16-3A68-CB4F8C440A1A}"/>
+          </ac:picMkLst>
+        </pc:picChg>
+        <pc:picChg chg="mod topLvl">
+          <ac:chgData name="André Amado" userId="cf82f2dece387b4b" providerId="LiveId" clId="{F5A71E99-14EB-40F5-B0A3-E2EF87BEEE38}" dt="2024-11-10T15:27:13.796" v="79" actId="165"/>
+          <ac:picMkLst>
+            <pc:docMk/>
+            <pc:sldMk cId="3314618151" sldId="256"/>
+            <ac:picMk id="58" creationId="{4C37A11E-3FC1-0576-A0CB-298A30D7DE7D}"/>
+          </ac:picMkLst>
+        </pc:picChg>
+        <pc:picChg chg="mod topLvl">
+          <ac:chgData name="André Amado" userId="cf82f2dece387b4b" providerId="LiveId" clId="{F5A71E99-14EB-40F5-B0A3-E2EF87BEEE38}" dt="2024-11-10T15:27:17.529" v="80" actId="165"/>
+          <ac:picMkLst>
+            <pc:docMk/>
+            <pc:sldMk cId="3314618151" sldId="256"/>
+            <ac:picMk id="62" creationId="{B5AFB0ED-666E-EC5F-D450-7B38571F50A0}"/>
+          </ac:picMkLst>
+        </pc:picChg>
+        <pc:picChg chg="mod topLvl">
+          <ac:chgData name="André Amado" userId="cf82f2dece387b4b" providerId="LiveId" clId="{F5A71E99-14EB-40F5-B0A3-E2EF87BEEE38}" dt="2024-11-10T15:27:17.529" v="80" actId="165"/>
+          <ac:picMkLst>
+            <pc:docMk/>
+            <pc:sldMk cId="3314618151" sldId="256"/>
+            <ac:picMk id="67" creationId="{64C52DCD-4790-BEA8-1D69-6BD6DCC9E47B}"/>
+          </ac:picMkLst>
+        </pc:picChg>
+        <pc:picChg chg="mod topLvl">
+          <ac:chgData name="André Amado" userId="cf82f2dece387b4b" providerId="LiveId" clId="{F5A71E99-14EB-40F5-B0A3-E2EF87BEEE38}" dt="2024-11-10T15:27:17.529" v="80" actId="165"/>
+          <ac:picMkLst>
+            <pc:docMk/>
+            <pc:sldMk cId="3314618151" sldId="256"/>
+            <ac:picMk id="68" creationId="{941B3612-CBEC-167E-D633-79223B11181F}"/>
+          </ac:picMkLst>
+        </pc:picChg>
+        <pc:picChg chg="mod topLvl">
+          <ac:chgData name="André Amado" userId="cf82f2dece387b4b" providerId="LiveId" clId="{F5A71E99-14EB-40F5-B0A3-E2EF87BEEE38}" dt="2024-11-10T15:27:17.529" v="80" actId="165"/>
+          <ac:picMkLst>
+            <pc:docMk/>
+            <pc:sldMk cId="3314618151" sldId="256"/>
+            <ac:picMk id="69" creationId="{75E31164-EC48-0FC2-38A4-7E7CE3CA00D0}"/>
+          </ac:picMkLst>
+        </pc:picChg>
+        <pc:picChg chg="mod topLvl">
+          <ac:chgData name="André Amado" userId="cf82f2dece387b4b" providerId="LiveId" clId="{F5A71E99-14EB-40F5-B0A3-E2EF87BEEE38}" dt="2024-11-10T15:27:17.529" v="80" actId="165"/>
+          <ac:picMkLst>
+            <pc:docMk/>
+            <pc:sldMk cId="3314618151" sldId="256"/>
+            <ac:picMk id="70" creationId="{7863B399-ECAA-47FC-42ED-4E891DE1FA62}"/>
+          </ac:picMkLst>
+        </pc:picChg>
+        <pc:picChg chg="mod topLvl">
+          <ac:chgData name="André Amado" userId="cf82f2dece387b4b" providerId="LiveId" clId="{F5A71E99-14EB-40F5-B0A3-E2EF87BEEE38}" dt="2024-11-10T15:27:17.529" v="80" actId="165"/>
+          <ac:picMkLst>
+            <pc:docMk/>
+            <pc:sldMk cId="3314618151" sldId="256"/>
+            <ac:picMk id="71" creationId="{BA672A3C-70B4-DF01-7604-F3B43835A922}"/>
+          </ac:picMkLst>
+        </pc:picChg>
+        <pc:picChg chg="mod topLvl">
+          <ac:chgData name="André Amado" userId="cf82f2dece387b4b" providerId="LiveId" clId="{F5A71E99-14EB-40F5-B0A3-E2EF87BEEE38}" dt="2024-11-10T15:27:17.529" v="80" actId="165"/>
+          <ac:picMkLst>
+            <pc:docMk/>
+            <pc:sldMk cId="3314618151" sldId="256"/>
+            <ac:picMk id="72" creationId="{014DD654-3AC0-D87D-D6E7-3C7AC2626C99}"/>
+          </ac:picMkLst>
+        </pc:picChg>
+        <pc:picChg chg="mod topLvl">
+          <ac:chgData name="André Amado" userId="cf82f2dece387b4b" providerId="LiveId" clId="{F5A71E99-14EB-40F5-B0A3-E2EF87BEEE38}" dt="2024-11-10T15:27:20.457" v="81" actId="165"/>
+          <ac:picMkLst>
+            <pc:docMk/>
+            <pc:sldMk cId="3314618151" sldId="256"/>
+            <ac:picMk id="76" creationId="{3384B1B8-7C2B-6923-4823-AC7738CA64A3}"/>
+          </ac:picMkLst>
+        </pc:picChg>
+        <pc:picChg chg="mod topLvl">
+          <ac:chgData name="André Amado" userId="cf82f2dece387b4b" providerId="LiveId" clId="{F5A71E99-14EB-40F5-B0A3-E2EF87BEEE38}" dt="2024-11-10T15:27:20.457" v="81" actId="165"/>
+          <ac:picMkLst>
+            <pc:docMk/>
+            <pc:sldMk cId="3314618151" sldId="256"/>
+            <ac:picMk id="81" creationId="{28AD980F-48B0-D458-7A2A-32E0B3E2CF47}"/>
+          </ac:picMkLst>
+        </pc:picChg>
+        <pc:picChg chg="mod topLvl">
+          <ac:chgData name="André Amado" userId="cf82f2dece387b4b" providerId="LiveId" clId="{F5A71E99-14EB-40F5-B0A3-E2EF87BEEE38}" dt="2024-11-10T15:27:20.457" v="81" actId="165"/>
+          <ac:picMkLst>
+            <pc:docMk/>
+            <pc:sldMk cId="3314618151" sldId="256"/>
+            <ac:picMk id="82" creationId="{EFE40022-FFB7-3350-3866-52D5A77D50B9}"/>
+          </ac:picMkLst>
+        </pc:picChg>
+        <pc:picChg chg="mod topLvl">
+          <ac:chgData name="André Amado" userId="cf82f2dece387b4b" providerId="LiveId" clId="{F5A71E99-14EB-40F5-B0A3-E2EF87BEEE38}" dt="2024-11-10T15:27:20.457" v="81" actId="165"/>
+          <ac:picMkLst>
+            <pc:docMk/>
+            <pc:sldMk cId="3314618151" sldId="256"/>
+            <ac:picMk id="83" creationId="{607CB53F-8D98-3893-16A5-619F9347DEA7}"/>
+          </ac:picMkLst>
+        </pc:picChg>
+        <pc:picChg chg="mod topLvl">
+          <ac:chgData name="André Amado" userId="cf82f2dece387b4b" providerId="LiveId" clId="{F5A71E99-14EB-40F5-B0A3-E2EF87BEEE38}" dt="2024-11-10T15:27:20.457" v="81" actId="165"/>
+          <ac:picMkLst>
+            <pc:docMk/>
+            <pc:sldMk cId="3314618151" sldId="256"/>
+            <ac:picMk id="84" creationId="{20A68971-5C0F-76F7-015C-56C8229C50E3}"/>
+          </ac:picMkLst>
+        </pc:picChg>
+        <pc:picChg chg="mod topLvl">
+          <ac:chgData name="André Amado" userId="cf82f2dece387b4b" providerId="LiveId" clId="{F5A71E99-14EB-40F5-B0A3-E2EF87BEEE38}" dt="2024-11-10T15:27:20.457" v="81" actId="165"/>
+          <ac:picMkLst>
+            <pc:docMk/>
+            <pc:sldMk cId="3314618151" sldId="256"/>
+            <ac:picMk id="85" creationId="{F7EFAB66-382A-277A-BDEF-FC5441602952}"/>
+          </ac:picMkLst>
+        </pc:picChg>
+        <pc:picChg chg="mod topLvl">
+          <ac:chgData name="André Amado" userId="cf82f2dece387b4b" providerId="LiveId" clId="{F5A71E99-14EB-40F5-B0A3-E2EF87BEEE38}" dt="2024-11-10T15:27:20.457" v="81" actId="165"/>
+          <ac:picMkLst>
+            <pc:docMk/>
+            <pc:sldMk cId="3314618151" sldId="256"/>
+            <ac:picMk id="86" creationId="{DEE3A265-0885-C3B7-4342-90A4195D6DF4}"/>
+          </ac:picMkLst>
+        </pc:picChg>
+        <pc:picChg chg="mod topLvl">
+          <ac:chgData name="André Amado" userId="cf82f2dece387b4b" providerId="LiveId" clId="{F5A71E99-14EB-40F5-B0A3-E2EF87BEEE38}" dt="2024-11-10T15:27:23.412" v="82" actId="165"/>
+          <ac:picMkLst>
+            <pc:docMk/>
+            <pc:sldMk cId="3314618151" sldId="256"/>
+            <ac:picMk id="90" creationId="{A37B3FEB-0567-AA41-F103-FB104A1CFBBB}"/>
+          </ac:picMkLst>
+        </pc:picChg>
+        <pc:picChg chg="mod topLvl">
+          <ac:chgData name="André Amado" userId="cf82f2dece387b4b" providerId="LiveId" clId="{F5A71E99-14EB-40F5-B0A3-E2EF87BEEE38}" dt="2024-11-10T15:27:23.412" v="82" actId="165"/>
+          <ac:picMkLst>
+            <pc:docMk/>
+            <pc:sldMk cId="3314618151" sldId="256"/>
+            <ac:picMk id="95" creationId="{6B68D1F8-C3CC-A098-DBB7-EE11100FFDD6}"/>
+          </ac:picMkLst>
+        </pc:picChg>
+        <pc:picChg chg="mod topLvl">
+          <ac:chgData name="André Amado" userId="cf82f2dece387b4b" providerId="LiveId" clId="{F5A71E99-14EB-40F5-B0A3-E2EF87BEEE38}" dt="2024-11-10T15:27:23.412" v="82" actId="165"/>
+          <ac:picMkLst>
+            <pc:docMk/>
+            <pc:sldMk cId="3314618151" sldId="256"/>
+            <ac:picMk id="96" creationId="{802E38E0-75ED-513C-4D31-8E57FCF737E3}"/>
+          </ac:picMkLst>
+        </pc:picChg>
+        <pc:picChg chg="mod topLvl">
+          <ac:chgData name="André Amado" userId="cf82f2dece387b4b" providerId="LiveId" clId="{F5A71E99-14EB-40F5-B0A3-E2EF87BEEE38}" dt="2024-11-10T15:27:23.412" v="82" actId="165"/>
+          <ac:picMkLst>
+            <pc:docMk/>
+            <pc:sldMk cId="3314618151" sldId="256"/>
+            <ac:picMk id="97" creationId="{C83B0318-8EFB-50CA-BBF0-1E1B52F2630E}"/>
+          </ac:picMkLst>
+        </pc:picChg>
+        <pc:picChg chg="mod topLvl">
+          <ac:chgData name="André Amado" userId="cf82f2dece387b4b" providerId="LiveId" clId="{F5A71E99-14EB-40F5-B0A3-E2EF87BEEE38}" dt="2024-11-10T15:27:23.412" v="82" actId="165"/>
+          <ac:picMkLst>
+            <pc:docMk/>
+            <pc:sldMk cId="3314618151" sldId="256"/>
+            <ac:picMk id="98" creationId="{7BEDDC2E-2E53-6E29-3375-841463A96EF2}"/>
+          </ac:picMkLst>
+        </pc:picChg>
+        <pc:picChg chg="mod topLvl">
+          <ac:chgData name="André Amado" userId="cf82f2dece387b4b" providerId="LiveId" clId="{F5A71E99-14EB-40F5-B0A3-E2EF87BEEE38}" dt="2024-11-10T15:27:23.412" v="82" actId="165"/>
+          <ac:picMkLst>
+            <pc:docMk/>
+            <pc:sldMk cId="3314618151" sldId="256"/>
+            <ac:picMk id="99" creationId="{22090285-AA99-60B3-DE12-E3D19504A300}"/>
+          </ac:picMkLst>
+        </pc:picChg>
+        <pc:picChg chg="mod topLvl">
+          <ac:chgData name="André Amado" userId="cf82f2dece387b4b" providerId="LiveId" clId="{F5A71E99-14EB-40F5-B0A3-E2EF87BEEE38}" dt="2024-11-10T15:27:23.412" v="82" actId="165"/>
+          <ac:picMkLst>
+            <pc:docMk/>
+            <pc:sldMk cId="3314618151" sldId="256"/>
+            <ac:picMk id="100" creationId="{2257E93A-E078-63DE-7477-69548F7EF0C4}"/>
+          </ac:picMkLst>
+        </pc:picChg>
+        <pc:picChg chg="mod topLvl">
+          <ac:chgData name="André Amado" userId="cf82f2dece387b4b" providerId="LiveId" clId="{F5A71E99-14EB-40F5-B0A3-E2EF87BEEE38}" dt="2024-11-10T15:27:26.385" v="83" actId="165"/>
+          <ac:picMkLst>
+            <pc:docMk/>
+            <pc:sldMk cId="3314618151" sldId="256"/>
+            <ac:picMk id="104" creationId="{8881FD9F-216F-1601-AB3E-BD398DAC5C94}"/>
+          </ac:picMkLst>
+        </pc:picChg>
+        <pc:picChg chg="mod topLvl">
+          <ac:chgData name="André Amado" userId="cf82f2dece387b4b" providerId="LiveId" clId="{F5A71E99-14EB-40F5-B0A3-E2EF87BEEE38}" dt="2024-11-10T15:27:26.385" v="83" actId="165"/>
+          <ac:picMkLst>
+            <pc:docMk/>
+            <pc:sldMk cId="3314618151" sldId="256"/>
+            <ac:picMk id="109" creationId="{E47B4968-27FF-C23E-AA7C-8030B0336C0F}"/>
+          </ac:picMkLst>
+        </pc:picChg>
+        <pc:picChg chg="mod topLvl">
+          <ac:chgData name="André Amado" userId="cf82f2dece387b4b" providerId="LiveId" clId="{F5A71E99-14EB-40F5-B0A3-E2EF87BEEE38}" dt="2024-11-10T15:27:26.385" v="83" actId="165"/>
+          <ac:picMkLst>
+            <pc:docMk/>
+            <pc:sldMk cId="3314618151" sldId="256"/>
+            <ac:picMk id="110" creationId="{846775B0-FFBE-0252-4A1E-9113B52F7F2A}"/>
+          </ac:picMkLst>
+        </pc:picChg>
+        <pc:picChg chg="mod topLvl">
+          <ac:chgData name="André Amado" userId="cf82f2dece387b4b" providerId="LiveId" clId="{F5A71E99-14EB-40F5-B0A3-E2EF87BEEE38}" dt="2024-11-10T15:27:26.385" v="83" actId="165"/>
+          <ac:picMkLst>
+            <pc:docMk/>
+            <pc:sldMk cId="3314618151" sldId="256"/>
+            <ac:picMk id="111" creationId="{A3BDE742-21FF-EB2F-C25A-E0E59A3ECDC3}"/>
+          </ac:picMkLst>
+        </pc:picChg>
+        <pc:picChg chg="mod topLvl">
+          <ac:chgData name="André Amado" userId="cf82f2dece387b4b" providerId="LiveId" clId="{F5A71E99-14EB-40F5-B0A3-E2EF87BEEE38}" dt="2024-11-10T15:27:26.385" v="83" actId="165"/>
+          <ac:picMkLst>
+            <pc:docMk/>
+            <pc:sldMk cId="3314618151" sldId="256"/>
+            <ac:picMk id="112" creationId="{EEFFB986-A8F3-E512-BC99-6C91BE5D85AF}"/>
+          </ac:picMkLst>
+        </pc:picChg>
+        <pc:picChg chg="mod topLvl">
+          <ac:chgData name="André Amado" userId="cf82f2dece387b4b" providerId="LiveId" clId="{F5A71E99-14EB-40F5-B0A3-E2EF87BEEE38}" dt="2024-11-10T15:27:26.385" v="83" actId="165"/>
+          <ac:picMkLst>
+            <pc:docMk/>
+            <pc:sldMk cId="3314618151" sldId="256"/>
+            <ac:picMk id="113" creationId="{855A8765-495A-F134-96E2-F90ECCED8729}"/>
+          </ac:picMkLst>
+        </pc:picChg>
+        <pc:picChg chg="mod topLvl">
+          <ac:chgData name="André Amado" userId="cf82f2dece387b4b" providerId="LiveId" clId="{F5A71E99-14EB-40F5-B0A3-E2EF87BEEE38}" dt="2024-11-10T15:27:26.385" v="83" actId="165"/>
+          <ac:picMkLst>
+            <pc:docMk/>
+            <pc:sldMk cId="3314618151" sldId="256"/>
+            <ac:picMk id="114" creationId="{9E2EC411-F97C-E291-A3C5-DBCDD8F926DE}"/>
+          </ac:picMkLst>
+        </pc:picChg>
+        <pc:picChg chg="mod topLvl">
+          <ac:chgData name="André Amado" userId="cf82f2dece387b4b" providerId="LiveId" clId="{F5A71E99-14EB-40F5-B0A3-E2EF87BEEE38}" dt="2024-11-10T15:27:29.157" v="84" actId="165"/>
+          <ac:picMkLst>
+            <pc:docMk/>
+            <pc:sldMk cId="3314618151" sldId="256"/>
+            <ac:picMk id="118" creationId="{AA3D92C9-F91B-85A7-DA29-027F72C920F9}"/>
+          </ac:picMkLst>
+        </pc:picChg>
+        <pc:picChg chg="mod topLvl">
+          <ac:chgData name="André Amado" userId="cf82f2dece387b4b" providerId="LiveId" clId="{F5A71E99-14EB-40F5-B0A3-E2EF87BEEE38}" dt="2024-11-10T15:27:29.157" v="84" actId="165"/>
+          <ac:picMkLst>
+            <pc:docMk/>
+            <pc:sldMk cId="3314618151" sldId="256"/>
+            <ac:picMk id="123" creationId="{E36C3AA5-79AC-1C21-4932-CD4ED71144F1}"/>
+          </ac:picMkLst>
+        </pc:picChg>
+        <pc:picChg chg="mod topLvl">
+          <ac:chgData name="André Amado" userId="cf82f2dece387b4b" providerId="LiveId" clId="{F5A71E99-14EB-40F5-B0A3-E2EF87BEEE38}" dt="2024-11-10T15:27:29.157" v="84" actId="165"/>
+          <ac:picMkLst>
+            <pc:docMk/>
+            <pc:sldMk cId="3314618151" sldId="256"/>
+            <ac:picMk id="124" creationId="{5EB364D2-BFBC-A792-0A56-2CA2F72F2B73}"/>
+          </ac:picMkLst>
+        </pc:picChg>
+        <pc:picChg chg="mod topLvl">
+          <ac:chgData name="André Amado" userId="cf82f2dece387b4b" providerId="LiveId" clId="{F5A71E99-14EB-40F5-B0A3-E2EF87BEEE38}" dt="2024-11-10T15:27:29.157" v="84" actId="165"/>
+          <ac:picMkLst>
+            <pc:docMk/>
+            <pc:sldMk cId="3314618151" sldId="256"/>
+            <ac:picMk id="125" creationId="{BD5D787A-5D4D-C711-B00D-E466598C3B3E}"/>
+          </ac:picMkLst>
+        </pc:picChg>
+        <pc:picChg chg="mod topLvl">
+          <ac:chgData name="André Amado" userId="cf82f2dece387b4b" providerId="LiveId" clId="{F5A71E99-14EB-40F5-B0A3-E2EF87BEEE38}" dt="2024-11-10T15:27:29.157" v="84" actId="165"/>
+          <ac:picMkLst>
+            <pc:docMk/>
+            <pc:sldMk cId="3314618151" sldId="256"/>
+            <ac:picMk id="126" creationId="{8FFB60D7-FFC2-7E1B-A22F-2D84BC9A630F}"/>
+          </ac:picMkLst>
+        </pc:picChg>
+        <pc:picChg chg="mod topLvl">
+          <ac:chgData name="André Amado" userId="cf82f2dece387b4b" providerId="LiveId" clId="{F5A71E99-14EB-40F5-B0A3-E2EF87BEEE38}" dt="2024-11-10T15:27:29.157" v="84" actId="165"/>
+          <ac:picMkLst>
+            <pc:docMk/>
+            <pc:sldMk cId="3314618151" sldId="256"/>
+            <ac:picMk id="127" creationId="{E96591BC-5383-3EC9-BFAE-855440B31953}"/>
+          </ac:picMkLst>
+        </pc:picChg>
+        <pc:picChg chg="mod topLvl">
+          <ac:chgData name="André Amado" userId="cf82f2dece387b4b" providerId="LiveId" clId="{F5A71E99-14EB-40F5-B0A3-E2EF87BEEE38}" dt="2024-11-10T15:27:29.157" v="84" actId="165"/>
+          <ac:picMkLst>
+            <pc:docMk/>
+            <pc:sldMk cId="3314618151" sldId="256"/>
+            <ac:picMk id="128" creationId="{7ABA9FF3-0C2B-B75C-933B-E9D7E7BEDB68}"/>
+          </ac:picMkLst>
+        </pc:picChg>
+        <pc:picChg chg="mod topLvl">
+          <ac:chgData name="André Amado" userId="cf82f2dece387b4b" providerId="LiveId" clId="{F5A71E99-14EB-40F5-B0A3-E2EF87BEEE38}" dt="2024-11-10T15:27:32.139" v="85" actId="165"/>
+          <ac:picMkLst>
+            <pc:docMk/>
+            <pc:sldMk cId="3314618151" sldId="256"/>
+            <ac:picMk id="132" creationId="{7FE0AFB2-53B2-4C1C-6B7F-162FEF6E07B3}"/>
+          </ac:picMkLst>
+        </pc:picChg>
+        <pc:picChg chg="mod topLvl">
+          <ac:chgData name="André Amado" userId="cf82f2dece387b4b" providerId="LiveId" clId="{F5A71E99-14EB-40F5-B0A3-E2EF87BEEE38}" dt="2024-11-10T15:27:32.139" v="85" actId="165"/>
+          <ac:picMkLst>
+            <pc:docMk/>
+            <pc:sldMk cId="3314618151" sldId="256"/>
+            <ac:picMk id="137" creationId="{764F00DA-654B-5D38-5F3F-45B2C0B3909C}"/>
+          </ac:picMkLst>
+        </pc:picChg>
+        <pc:picChg chg="mod topLvl">
+          <ac:chgData name="André Amado" userId="cf82f2dece387b4b" providerId="LiveId" clId="{F5A71E99-14EB-40F5-B0A3-E2EF87BEEE38}" dt="2024-11-10T15:27:32.139" v="85" actId="165"/>
+          <ac:picMkLst>
+            <pc:docMk/>
+            <pc:sldMk cId="3314618151" sldId="256"/>
+            <ac:picMk id="138" creationId="{05B4A3F4-001A-8985-708A-3C120784E5CD}"/>
+          </ac:picMkLst>
+        </pc:picChg>
+        <pc:picChg chg="mod topLvl">
+          <ac:chgData name="André Amado" userId="cf82f2dece387b4b" providerId="LiveId" clId="{F5A71E99-14EB-40F5-B0A3-E2EF87BEEE38}" dt="2024-11-10T15:27:32.139" v="85" actId="165"/>
+          <ac:picMkLst>
+            <pc:docMk/>
+            <pc:sldMk cId="3314618151" sldId="256"/>
+            <ac:picMk id="139" creationId="{1CECBD05-C88F-4217-6A3E-1BA2E59AA7DC}"/>
+          </ac:picMkLst>
+        </pc:picChg>
+        <pc:picChg chg="mod topLvl">
+          <ac:chgData name="André Amado" userId="cf82f2dece387b4b" providerId="LiveId" clId="{F5A71E99-14EB-40F5-B0A3-E2EF87BEEE38}" dt="2024-11-10T15:27:32.139" v="85" actId="165"/>
+          <ac:picMkLst>
+            <pc:docMk/>
+            <pc:sldMk cId="3314618151" sldId="256"/>
+            <ac:picMk id="140" creationId="{8218CBC9-F35C-D5D9-32CC-D08463CED16E}"/>
+          </ac:picMkLst>
+        </pc:picChg>
+        <pc:picChg chg="mod topLvl">
+          <ac:chgData name="André Amado" userId="cf82f2dece387b4b" providerId="LiveId" clId="{F5A71E99-14EB-40F5-B0A3-E2EF87BEEE38}" dt="2024-11-10T15:27:32.139" v="85" actId="165"/>
+          <ac:picMkLst>
+            <pc:docMk/>
+            <pc:sldMk cId="3314618151" sldId="256"/>
+            <ac:picMk id="141" creationId="{0B92A3A4-E638-9CFE-BC6E-BE031AD24387}"/>
+          </ac:picMkLst>
+        </pc:picChg>
+        <pc:picChg chg="mod topLvl">
+          <ac:chgData name="André Amado" userId="cf82f2dece387b4b" providerId="LiveId" clId="{F5A71E99-14EB-40F5-B0A3-E2EF87BEEE38}" dt="2024-11-10T15:27:32.139" v="85" actId="165"/>
+          <ac:picMkLst>
+            <pc:docMk/>
+            <pc:sldMk cId="3314618151" sldId="256"/>
+            <ac:picMk id="142" creationId="{9093BB0B-7891-D285-20CD-135C0D683287}"/>
+          </ac:picMkLst>
+        </pc:picChg>
+        <pc:cxnChg chg="mod topLvl">
+          <ac:chgData name="André Amado" userId="cf82f2dece387b4b" providerId="LiveId" clId="{F5A71E99-14EB-40F5-B0A3-E2EF87BEEE38}" dt="2024-11-10T15:27:10.511" v="78" actId="165"/>
           <ac:cxnSpMkLst>
             <pc:docMk/>
-            <pc:sldMk cId="4292944877" sldId="257"/>
-            <ac:cxnSpMk id="10" creationId="{4DDB112F-B9DA-122B-B3E6-FCB3269EF70A}"/>
+            <pc:sldMk cId="3314618151" sldId="256"/>
+            <ac:cxnSpMk id="21" creationId="{1F25D0D7-EAA1-B42D-0468-5CBCCD389690}"/>
           </ac:cxnSpMkLst>
         </pc:cxnChg>
-        <pc:cxnChg chg="mod">
-          <ac:chgData name="André Amado" userId="cf82f2dece387b4b" providerId="LiveId" clId="{F5A71E99-14EB-40F5-B0A3-E2EF87BEEE38}" dt="2024-10-14T15:09:18.153" v="18" actId="164"/>
+        <pc:cxnChg chg="mod topLvl">
+          <ac:chgData name="André Amado" userId="cf82f2dece387b4b" providerId="LiveId" clId="{F5A71E99-14EB-40F5-B0A3-E2EF87BEEE38}" dt="2024-11-10T15:27:10.511" v="78" actId="165"/>
           <ac:cxnSpMkLst>
             <pc:docMk/>
-            <pc:sldMk cId="4292944877" sldId="257"/>
-            <ac:cxnSpMk id="11" creationId="{FA02679D-C145-9AB8-9DF7-C8FD101A8E6A}"/>
+            <pc:sldMk cId="3314618151" sldId="256"/>
+            <ac:cxnSpMk id="22" creationId="{C9FBFCB5-650F-F7BA-6E5A-A8F1C22D825C}"/>
+          </ac:cxnSpMkLst>
+        </pc:cxnChg>
+        <pc:cxnChg chg="mod topLvl">
+          <ac:chgData name="André Amado" userId="cf82f2dece387b4b" providerId="LiveId" clId="{F5A71E99-14EB-40F5-B0A3-E2EF87BEEE38}" dt="2024-11-10T15:27:13.796" v="79" actId="165"/>
+          <ac:cxnSpMkLst>
+            <pc:docMk/>
+            <pc:sldMk cId="3314618151" sldId="256"/>
+            <ac:cxnSpMk id="51" creationId="{33295316-9592-8C62-2705-B693EE1DCCFE}"/>
+          </ac:cxnSpMkLst>
+        </pc:cxnChg>
+        <pc:cxnChg chg="mod topLvl">
+          <ac:chgData name="André Amado" userId="cf82f2dece387b4b" providerId="LiveId" clId="{F5A71E99-14EB-40F5-B0A3-E2EF87BEEE38}" dt="2024-11-10T15:27:13.796" v="79" actId="165"/>
+          <ac:cxnSpMkLst>
+            <pc:docMk/>
+            <pc:sldMk cId="3314618151" sldId="256"/>
+            <ac:cxnSpMk id="52" creationId="{B53B2595-6C22-1178-E546-D755EC52BA1D}"/>
+          </ac:cxnSpMkLst>
+        </pc:cxnChg>
+        <pc:cxnChg chg="mod topLvl">
+          <ac:chgData name="André Amado" userId="cf82f2dece387b4b" providerId="LiveId" clId="{F5A71E99-14EB-40F5-B0A3-E2EF87BEEE38}" dt="2024-11-10T15:27:17.529" v="80" actId="165"/>
+          <ac:cxnSpMkLst>
+            <pc:docMk/>
+            <pc:sldMk cId="3314618151" sldId="256"/>
+            <ac:cxnSpMk id="65" creationId="{84499E53-233C-FC9B-D081-A7A3DBFF9607}"/>
+          </ac:cxnSpMkLst>
+        </pc:cxnChg>
+        <pc:cxnChg chg="mod topLvl">
+          <ac:chgData name="André Amado" userId="cf82f2dece387b4b" providerId="LiveId" clId="{F5A71E99-14EB-40F5-B0A3-E2EF87BEEE38}" dt="2024-11-10T15:27:17.529" v="80" actId="165"/>
+          <ac:cxnSpMkLst>
+            <pc:docMk/>
+            <pc:sldMk cId="3314618151" sldId="256"/>
+            <ac:cxnSpMk id="66" creationId="{E57C55B1-3A8A-D161-3669-A01B930E91F1}"/>
+          </ac:cxnSpMkLst>
+        </pc:cxnChg>
+        <pc:cxnChg chg="mod topLvl">
+          <ac:chgData name="André Amado" userId="cf82f2dece387b4b" providerId="LiveId" clId="{F5A71E99-14EB-40F5-B0A3-E2EF87BEEE38}" dt="2024-11-10T15:27:20.457" v="81" actId="165"/>
+          <ac:cxnSpMkLst>
+            <pc:docMk/>
+            <pc:sldMk cId="3314618151" sldId="256"/>
+            <ac:cxnSpMk id="79" creationId="{8B6F2A4F-8574-A07D-BCB6-2638761B8F4E}"/>
+          </ac:cxnSpMkLst>
+        </pc:cxnChg>
+        <pc:cxnChg chg="mod topLvl">
+          <ac:chgData name="André Amado" userId="cf82f2dece387b4b" providerId="LiveId" clId="{F5A71E99-14EB-40F5-B0A3-E2EF87BEEE38}" dt="2024-11-10T15:27:20.457" v="81" actId="165"/>
+          <ac:cxnSpMkLst>
+            <pc:docMk/>
+            <pc:sldMk cId="3314618151" sldId="256"/>
+            <ac:cxnSpMk id="80" creationId="{8C5940BB-69E9-0951-7934-34167DF4EFB5}"/>
+          </ac:cxnSpMkLst>
+        </pc:cxnChg>
+        <pc:cxnChg chg="mod topLvl">
+          <ac:chgData name="André Amado" userId="cf82f2dece387b4b" providerId="LiveId" clId="{F5A71E99-14EB-40F5-B0A3-E2EF87BEEE38}" dt="2024-11-10T15:27:23.412" v="82" actId="165"/>
+          <ac:cxnSpMkLst>
+            <pc:docMk/>
+            <pc:sldMk cId="3314618151" sldId="256"/>
+            <ac:cxnSpMk id="93" creationId="{DB0FC5FC-1065-94DF-101C-63D7220B5C06}"/>
+          </ac:cxnSpMkLst>
+        </pc:cxnChg>
+        <pc:cxnChg chg="mod topLvl">
+          <ac:chgData name="André Amado" userId="cf82f2dece387b4b" providerId="LiveId" clId="{F5A71E99-14EB-40F5-B0A3-E2EF87BEEE38}" dt="2024-11-10T15:27:23.412" v="82" actId="165"/>
+          <ac:cxnSpMkLst>
+            <pc:docMk/>
+            <pc:sldMk cId="3314618151" sldId="256"/>
+            <ac:cxnSpMk id="94" creationId="{1217C10D-5098-2777-BF73-4CFAB4DFD6E7}"/>
+          </ac:cxnSpMkLst>
+        </pc:cxnChg>
+        <pc:cxnChg chg="mod topLvl">
+          <ac:chgData name="André Amado" userId="cf82f2dece387b4b" providerId="LiveId" clId="{F5A71E99-14EB-40F5-B0A3-E2EF87BEEE38}" dt="2024-11-10T15:27:26.385" v="83" actId="165"/>
+          <ac:cxnSpMkLst>
+            <pc:docMk/>
+            <pc:sldMk cId="3314618151" sldId="256"/>
+            <ac:cxnSpMk id="107" creationId="{AD96A7C1-7A7F-FD0C-755F-E6AF3B93DEA0}"/>
+          </ac:cxnSpMkLst>
+        </pc:cxnChg>
+        <pc:cxnChg chg="mod topLvl">
+          <ac:chgData name="André Amado" userId="cf82f2dece387b4b" providerId="LiveId" clId="{F5A71E99-14EB-40F5-B0A3-E2EF87BEEE38}" dt="2024-11-10T15:27:26.385" v="83" actId="165"/>
+          <ac:cxnSpMkLst>
+            <pc:docMk/>
+            <pc:sldMk cId="3314618151" sldId="256"/>
+            <ac:cxnSpMk id="108" creationId="{BA5CB470-914E-E857-9600-2813650DCA57}"/>
+          </ac:cxnSpMkLst>
+        </pc:cxnChg>
+        <pc:cxnChg chg="mod topLvl">
+          <ac:chgData name="André Amado" userId="cf82f2dece387b4b" providerId="LiveId" clId="{F5A71E99-14EB-40F5-B0A3-E2EF87BEEE38}" dt="2024-11-10T15:27:29.157" v="84" actId="165"/>
+          <ac:cxnSpMkLst>
+            <pc:docMk/>
+            <pc:sldMk cId="3314618151" sldId="256"/>
+            <ac:cxnSpMk id="121" creationId="{3CC653FF-EF49-F0CC-A6ED-7A24A98F37A2}"/>
+          </ac:cxnSpMkLst>
+        </pc:cxnChg>
+        <pc:cxnChg chg="mod topLvl">
+          <ac:chgData name="André Amado" userId="cf82f2dece387b4b" providerId="LiveId" clId="{F5A71E99-14EB-40F5-B0A3-E2EF87BEEE38}" dt="2024-11-10T15:27:29.157" v="84" actId="165"/>
+          <ac:cxnSpMkLst>
+            <pc:docMk/>
+            <pc:sldMk cId="3314618151" sldId="256"/>
+            <ac:cxnSpMk id="122" creationId="{7638F5FE-94FD-BACA-73D6-148E7DBA787C}"/>
+          </ac:cxnSpMkLst>
+        </pc:cxnChg>
+        <pc:cxnChg chg="mod topLvl">
+          <ac:chgData name="André Amado" userId="cf82f2dece387b4b" providerId="LiveId" clId="{F5A71E99-14EB-40F5-B0A3-E2EF87BEEE38}" dt="2024-11-10T15:27:32.139" v="85" actId="165"/>
+          <ac:cxnSpMkLst>
+            <pc:docMk/>
+            <pc:sldMk cId="3314618151" sldId="256"/>
+            <ac:cxnSpMk id="135" creationId="{006CF4F6-F13A-8410-E474-D4F3A545E7D1}"/>
+          </ac:cxnSpMkLst>
+        </pc:cxnChg>
+        <pc:cxnChg chg="mod topLvl">
+          <ac:chgData name="André Amado" userId="cf82f2dece387b4b" providerId="LiveId" clId="{F5A71E99-14EB-40F5-B0A3-E2EF87BEEE38}" dt="2024-11-10T15:27:32.139" v="85" actId="165"/>
+          <ac:cxnSpMkLst>
+            <pc:docMk/>
+            <pc:sldMk cId="3314618151" sldId="256"/>
+            <ac:cxnSpMk id="136" creationId="{570E51B3-A4CD-3A77-D594-5BA81AC1BF61}"/>
           </ac:cxnSpMkLst>
         </pc:cxnChg>
       </pc:sldChg>
@@ -277,7 +1039,7 @@
 
 <file path=ppt/slideLayouts/slideLayout1.xml><?xml version="1.0" encoding="utf-8"?>
 <p:sldLayout xmlns:a="http://schemas.openxmlformats.org/drawingml/2006/main" xmlns:r="http://schemas.openxmlformats.org/officeDocument/2006/relationships" xmlns:p="http://schemas.openxmlformats.org/presentationml/2006/main" type="title" preserve="1">
-  <p:cSld name="Title Slide">
+  <p:cSld name="Diapositivo de Título">
     <p:spTree>
       <p:nvGrpSpPr>
         <p:cNvPr id="1" name=""/>
@@ -304,21 +1066,21 @@
         </p:nvSpPr>
         <p:spPr>
           <a:xfrm>
-            <a:off x="199787" y="618599"/>
-            <a:ext cx="2264251" cy="1315944"/>
+            <a:off x="801886" y="1237197"/>
+            <a:ext cx="9088041" cy="2631887"/>
           </a:xfrm>
         </p:spPr>
         <p:txBody>
           <a:bodyPr anchor="b"/>
           <a:lstStyle>
             <a:lvl1pPr algn="ctr">
-              <a:defRPr sz="1748"/>
+              <a:defRPr sz="6614"/>
             </a:lvl1pPr>
           </a:lstStyle>
           <a:p>
             <a:r>
-              <a:rPr lang="en-GB"/>
-              <a:t>Click to edit Master title style</a:t>
+              <a:rPr lang="pt-PT"/>
+              <a:t>Clique para editar o estilo de título do Modelo Global</a:t>
             </a:r>
             <a:endParaRPr lang="en-US" dirty="0"/>
           </a:p>
@@ -336,8 +1098,8 @@
         </p:nvSpPr>
         <p:spPr>
           <a:xfrm>
-            <a:off x="332978" y="1985290"/>
-            <a:ext cx="1997869" cy="912586"/>
+            <a:off x="1336477" y="3970580"/>
+            <a:ext cx="8018860" cy="1825171"/>
           </a:xfrm>
         </p:spPr>
         <p:txBody>
@@ -345,45 +1107,45 @@
           <a:lstStyle>
             <a:lvl1pPr marL="0" indent="0" algn="ctr">
               <a:buNone/>
-              <a:defRPr sz="699"/>
+              <a:defRPr sz="2646"/>
             </a:lvl1pPr>
-            <a:lvl2pPr marL="133182" indent="0" algn="ctr">
+            <a:lvl2pPr marL="503972" indent="0" algn="ctr">
               <a:buNone/>
-              <a:defRPr sz="583"/>
+              <a:defRPr sz="2205"/>
             </a:lvl2pPr>
-            <a:lvl3pPr marL="266365" indent="0" algn="ctr">
+            <a:lvl3pPr marL="1007943" indent="0" algn="ctr">
               <a:buNone/>
-              <a:defRPr sz="524"/>
+              <a:defRPr sz="1984"/>
             </a:lvl3pPr>
-            <a:lvl4pPr marL="399547" indent="0" algn="ctr">
+            <a:lvl4pPr marL="1511915" indent="0" algn="ctr">
               <a:buNone/>
-              <a:defRPr sz="466"/>
+              <a:defRPr sz="1764"/>
             </a:lvl4pPr>
-            <a:lvl5pPr marL="532729" indent="0" algn="ctr">
+            <a:lvl5pPr marL="2015886" indent="0" algn="ctr">
               <a:buNone/>
-              <a:defRPr sz="466"/>
+              <a:defRPr sz="1764"/>
             </a:lvl5pPr>
-            <a:lvl6pPr marL="665912" indent="0" algn="ctr">
+            <a:lvl6pPr marL="2519858" indent="0" algn="ctr">
               <a:buNone/>
-              <a:defRPr sz="466"/>
+              <a:defRPr sz="1764"/>
             </a:lvl6pPr>
-            <a:lvl7pPr marL="799094" indent="0" algn="ctr">
+            <a:lvl7pPr marL="3023829" indent="0" algn="ctr">
               <a:buNone/>
-              <a:defRPr sz="466"/>
+              <a:defRPr sz="1764"/>
             </a:lvl7pPr>
-            <a:lvl8pPr marL="932277" indent="0" algn="ctr">
+            <a:lvl8pPr marL="3527801" indent="0" algn="ctr">
               <a:buNone/>
-              <a:defRPr sz="466"/>
+              <a:defRPr sz="1764"/>
             </a:lvl8pPr>
-            <a:lvl9pPr marL="1065459" indent="0" algn="ctr">
+            <a:lvl9pPr marL="4031772" indent="0" algn="ctr">
               <a:buNone/>
-              <a:defRPr sz="466"/>
+              <a:defRPr sz="1764"/>
             </a:lvl9pPr>
           </a:lstStyle>
           <a:p>
             <a:r>
-              <a:rPr lang="en-GB"/>
-              <a:t>Click to edit Master subtitle style</a:t>
+              <a:rPr lang="pt-PT"/>
+              <a:t>Clique para editar o estilo de subtítulo do Modelo Global</a:t>
             </a:r>
             <a:endParaRPr lang="en-US" dirty="0"/>
           </a:p>
@@ -404,11 +1166,11 @@
           <a:bodyPr/>
           <a:lstStyle/>
           <a:p>
-            <a:fld id="{4396440E-B2BA-6240-B9E6-900904A069FA}" type="datetimeFigureOut">
-              <a:rPr lang="en-US" smtClean="0"/>
-              <a:t>10/14/2024</a:t>
+            <a:fld id="{8CBBEDC4-0237-4333-9F6F-D11263F3B0D3}" type="datetimeFigureOut">
+              <a:rPr lang="pt-PT" smtClean="0"/>
+              <a:t>10/11/2024</a:t>
             </a:fld>
-            <a:endParaRPr lang="en-US"/>
+            <a:endParaRPr lang="pt-PT"/>
           </a:p>
         </p:txBody>
       </p:sp>
@@ -427,7 +1189,7 @@
           <a:bodyPr/>
           <a:lstStyle/>
           <a:p>
-            <a:endParaRPr lang="en-US"/>
+            <a:endParaRPr lang="pt-PT"/>
           </a:p>
         </p:txBody>
       </p:sp>
@@ -446,18 +1208,18 @@
           <a:bodyPr/>
           <a:lstStyle/>
           <a:p>
-            <a:fld id="{8D0F2ABB-4D25-C24D-91B5-09A2925BEB98}" type="slidenum">
-              <a:rPr lang="en-US" smtClean="0"/>
+            <a:fld id="{F05D259D-0BDB-4017-A713-98895A4B8E38}" type="slidenum">
+              <a:rPr lang="pt-PT" smtClean="0"/>
               <a:t>‹nº›</a:t>
             </a:fld>
-            <a:endParaRPr lang="en-US"/>
+            <a:endParaRPr lang="pt-PT"/>
           </a:p>
         </p:txBody>
       </p:sp>
     </p:spTree>
     <p:extLst>
       <p:ext uri="{BB962C8B-B14F-4D97-AF65-F5344CB8AC3E}">
-        <p14:creationId xmlns:p14="http://schemas.microsoft.com/office/powerpoint/2010/main" val="2741653645"/>
+        <p14:creationId xmlns:p14="http://schemas.microsoft.com/office/powerpoint/2010/main" val="491581792"/>
       </p:ext>
     </p:extLst>
   </p:cSld>
@@ -469,7 +1231,7 @@
 
 <file path=ppt/slideLayouts/slideLayout10.xml><?xml version="1.0" encoding="utf-8"?>
 <p:sldLayout xmlns:a="http://schemas.openxmlformats.org/drawingml/2006/main" xmlns:r="http://schemas.openxmlformats.org/officeDocument/2006/relationships" xmlns:p="http://schemas.openxmlformats.org/presentationml/2006/main" type="vertTx" preserve="1">
-  <p:cSld name="Title and Vertical Text">
+  <p:cSld name="Título e Texto Vertical">
     <p:spTree>
       <p:nvGrpSpPr>
         <p:cNvPr id="1" name=""/>
@@ -500,8 +1262,8 @@
           <a:lstStyle/>
           <a:p>
             <a:r>
-              <a:rPr lang="en-GB"/>
-              <a:t>Click to edit Master title style</a:t>
+              <a:rPr lang="pt-PT"/>
+              <a:t>Clique para editar o estilo de título do Modelo Global</a:t>
             </a:r>
             <a:endParaRPr lang="en-US" dirty="0"/>
           </a:p>
@@ -524,36 +1286,36 @@
           <a:p>
             <a:pPr lvl="0"/>
             <a:r>
-              <a:rPr lang="en-GB"/>
-              <a:t>Click to edit Master text styles</a:t>
+              <a:rPr lang="pt-PT"/>
+              <a:t>Clique para editar os estilos do texto de Modelo Global</a:t>
             </a:r>
           </a:p>
           <a:p>
             <a:pPr lvl="1"/>
             <a:r>
-              <a:rPr lang="en-GB"/>
-              <a:t>Second level</a:t>
+              <a:rPr lang="pt-PT"/>
+              <a:t>Segundo nível</a:t>
             </a:r>
           </a:p>
           <a:p>
             <a:pPr lvl="2"/>
             <a:r>
-              <a:rPr lang="en-GB"/>
-              <a:t>Third level</a:t>
+              <a:rPr lang="pt-PT"/>
+              <a:t>Terceiro nível</a:t>
             </a:r>
           </a:p>
           <a:p>
             <a:pPr lvl="3"/>
             <a:r>
-              <a:rPr lang="en-GB"/>
-              <a:t>Fourth level</a:t>
+              <a:rPr lang="pt-PT"/>
+              <a:t>Quarto nível</a:t>
             </a:r>
           </a:p>
           <a:p>
             <a:pPr lvl="4"/>
             <a:r>
-              <a:rPr lang="en-GB"/>
-              <a:t>Fifth level</a:t>
+              <a:rPr lang="pt-PT"/>
+              <a:t>Quinto nível</a:t>
             </a:r>
             <a:endParaRPr lang="en-US" dirty="0"/>
           </a:p>
@@ -574,11 +1336,11 @@
           <a:bodyPr/>
           <a:lstStyle/>
           <a:p>
-            <a:fld id="{4396440E-B2BA-6240-B9E6-900904A069FA}" type="datetimeFigureOut">
-              <a:rPr lang="en-US" smtClean="0"/>
-              <a:t>10/14/2024</a:t>
+            <a:fld id="{8CBBEDC4-0237-4333-9F6F-D11263F3B0D3}" type="datetimeFigureOut">
+              <a:rPr lang="pt-PT" smtClean="0"/>
+              <a:t>10/11/2024</a:t>
             </a:fld>
-            <a:endParaRPr lang="en-US"/>
+            <a:endParaRPr lang="pt-PT"/>
           </a:p>
         </p:txBody>
       </p:sp>
@@ -597,7 +1359,7 @@
           <a:bodyPr/>
           <a:lstStyle/>
           <a:p>
-            <a:endParaRPr lang="en-US"/>
+            <a:endParaRPr lang="pt-PT"/>
           </a:p>
         </p:txBody>
       </p:sp>
@@ -616,18 +1378,18 @@
           <a:bodyPr/>
           <a:lstStyle/>
           <a:p>
-            <a:fld id="{8D0F2ABB-4D25-C24D-91B5-09A2925BEB98}" type="slidenum">
-              <a:rPr lang="en-US" smtClean="0"/>
+            <a:fld id="{F05D259D-0BDB-4017-A713-98895A4B8E38}" type="slidenum">
+              <a:rPr lang="pt-PT" smtClean="0"/>
               <a:t>‹nº›</a:t>
             </a:fld>
-            <a:endParaRPr lang="en-US"/>
+            <a:endParaRPr lang="pt-PT"/>
           </a:p>
         </p:txBody>
       </p:sp>
     </p:spTree>
     <p:extLst>
       <p:ext uri="{BB962C8B-B14F-4D97-AF65-F5344CB8AC3E}">
-        <p14:creationId xmlns:p14="http://schemas.microsoft.com/office/powerpoint/2010/main" val="777947014"/>
+        <p14:creationId xmlns:p14="http://schemas.microsoft.com/office/powerpoint/2010/main" val="3137091848"/>
       </p:ext>
     </p:extLst>
   </p:cSld>
@@ -639,7 +1401,7 @@
 
 <file path=ppt/slideLayouts/slideLayout11.xml><?xml version="1.0" encoding="utf-8"?>
 <p:sldLayout xmlns:a="http://schemas.openxmlformats.org/drawingml/2006/main" xmlns:r="http://schemas.openxmlformats.org/officeDocument/2006/relationships" xmlns:p="http://schemas.openxmlformats.org/presentationml/2006/main" type="vertTitleAndTx" preserve="1">
-  <p:cSld name="Vertical Title and Text">
+  <p:cSld name="Título Vertical e Texto">
     <p:spTree>
       <p:nvGrpSpPr>
         <p:cNvPr id="1" name=""/>
@@ -666,8 +1428,8 @@
         </p:nvSpPr>
         <p:spPr>
           <a:xfrm>
-            <a:off x="1906300" y="201241"/>
-            <a:ext cx="574387" cy="3203238"/>
+            <a:off x="7651329" y="402483"/>
+            <a:ext cx="2305422" cy="6406475"/>
           </a:xfrm>
         </p:spPr>
         <p:txBody>
@@ -675,8 +1437,8 @@
           <a:lstStyle/>
           <a:p>
             <a:r>
-              <a:rPr lang="en-GB"/>
-              <a:t>Click to edit Master title style</a:t>
+              <a:rPr lang="pt-PT"/>
+              <a:t>Clique para editar o estilo de título do Modelo Global</a:t>
             </a:r>
             <a:endParaRPr lang="en-US" dirty="0"/>
           </a:p>
@@ -694,8 +1456,8 @@
         </p:nvSpPr>
         <p:spPr>
           <a:xfrm>
-            <a:off x="183138" y="201241"/>
-            <a:ext cx="1689864" cy="3203238"/>
+            <a:off x="735063" y="402483"/>
+            <a:ext cx="6782619" cy="6406475"/>
           </a:xfrm>
         </p:spPr>
         <p:txBody>
@@ -704,36 +1466,36 @@
           <a:p>
             <a:pPr lvl="0"/>
             <a:r>
-              <a:rPr lang="en-GB"/>
-              <a:t>Click to edit Master text styles</a:t>
+              <a:rPr lang="pt-PT"/>
+              <a:t>Clique para editar os estilos do texto de Modelo Global</a:t>
             </a:r>
           </a:p>
           <a:p>
             <a:pPr lvl="1"/>
             <a:r>
-              <a:rPr lang="en-GB"/>
-              <a:t>Second level</a:t>
+              <a:rPr lang="pt-PT"/>
+              <a:t>Segundo nível</a:t>
             </a:r>
           </a:p>
           <a:p>
             <a:pPr lvl="2"/>
             <a:r>
-              <a:rPr lang="en-GB"/>
-              <a:t>Third level</a:t>
+              <a:rPr lang="pt-PT"/>
+              <a:t>Terceiro nível</a:t>
             </a:r>
           </a:p>
           <a:p>
             <a:pPr lvl="3"/>
             <a:r>
-              <a:rPr lang="en-GB"/>
-              <a:t>Fourth level</a:t>
+              <a:rPr lang="pt-PT"/>
+              <a:t>Quarto nível</a:t>
             </a:r>
           </a:p>
           <a:p>
             <a:pPr lvl="4"/>
             <a:r>
-              <a:rPr lang="en-GB"/>
-              <a:t>Fifth level</a:t>
+              <a:rPr lang="pt-PT"/>
+              <a:t>Quinto nível</a:t>
             </a:r>
             <a:endParaRPr lang="en-US" dirty="0"/>
           </a:p>
@@ -754,11 +1516,11 @@
           <a:bodyPr/>
           <a:lstStyle/>
           <a:p>
-            <a:fld id="{4396440E-B2BA-6240-B9E6-900904A069FA}" type="datetimeFigureOut">
-              <a:rPr lang="en-US" smtClean="0"/>
-              <a:t>10/14/2024</a:t>
+            <a:fld id="{8CBBEDC4-0237-4333-9F6F-D11263F3B0D3}" type="datetimeFigureOut">
+              <a:rPr lang="pt-PT" smtClean="0"/>
+              <a:t>10/11/2024</a:t>
             </a:fld>
-            <a:endParaRPr lang="en-US"/>
+            <a:endParaRPr lang="pt-PT"/>
           </a:p>
         </p:txBody>
       </p:sp>
@@ -777,7 +1539,7 @@
           <a:bodyPr/>
           <a:lstStyle/>
           <a:p>
-            <a:endParaRPr lang="en-US"/>
+            <a:endParaRPr lang="pt-PT"/>
           </a:p>
         </p:txBody>
       </p:sp>
@@ -796,18 +1558,18 @@
           <a:bodyPr/>
           <a:lstStyle/>
           <a:p>
-            <a:fld id="{8D0F2ABB-4D25-C24D-91B5-09A2925BEB98}" type="slidenum">
-              <a:rPr lang="en-US" smtClean="0"/>
+            <a:fld id="{F05D259D-0BDB-4017-A713-98895A4B8E38}" type="slidenum">
+              <a:rPr lang="pt-PT" smtClean="0"/>
               <a:t>‹nº›</a:t>
             </a:fld>
-            <a:endParaRPr lang="en-US"/>
+            <a:endParaRPr lang="pt-PT"/>
           </a:p>
         </p:txBody>
       </p:sp>
     </p:spTree>
     <p:extLst>
       <p:ext uri="{BB962C8B-B14F-4D97-AF65-F5344CB8AC3E}">
-        <p14:creationId xmlns:p14="http://schemas.microsoft.com/office/powerpoint/2010/main" val="4179518982"/>
+        <p14:creationId xmlns:p14="http://schemas.microsoft.com/office/powerpoint/2010/main" val="2127621492"/>
       </p:ext>
     </p:extLst>
   </p:cSld>
@@ -819,7 +1581,7 @@
 
 <file path=ppt/slideLayouts/slideLayout2.xml><?xml version="1.0" encoding="utf-8"?>
 <p:sldLayout xmlns:a="http://schemas.openxmlformats.org/drawingml/2006/main" xmlns:r="http://schemas.openxmlformats.org/officeDocument/2006/relationships" xmlns:p="http://schemas.openxmlformats.org/presentationml/2006/main" type="obj" preserve="1">
-  <p:cSld name="Title and Content">
+  <p:cSld name="Título e Objeto">
     <p:spTree>
       <p:nvGrpSpPr>
         <p:cNvPr id="1" name=""/>
@@ -850,8 +1612,8 @@
           <a:lstStyle/>
           <a:p>
             <a:r>
-              <a:rPr lang="en-GB"/>
-              <a:t>Click to edit Master title style</a:t>
+              <a:rPr lang="pt-PT"/>
+              <a:t>Clique para editar o estilo de título do Modelo Global</a:t>
             </a:r>
             <a:endParaRPr lang="en-US" dirty="0"/>
           </a:p>
@@ -874,36 +1636,36 @@
           <a:p>
             <a:pPr lvl="0"/>
             <a:r>
-              <a:rPr lang="en-GB"/>
-              <a:t>Click to edit Master text styles</a:t>
+              <a:rPr lang="pt-PT"/>
+              <a:t>Clique para editar os estilos do texto de Modelo Global</a:t>
             </a:r>
           </a:p>
           <a:p>
             <a:pPr lvl="1"/>
             <a:r>
-              <a:rPr lang="en-GB"/>
-              <a:t>Second level</a:t>
+              <a:rPr lang="pt-PT"/>
+              <a:t>Segundo nível</a:t>
             </a:r>
           </a:p>
           <a:p>
             <a:pPr lvl="2"/>
             <a:r>
-              <a:rPr lang="en-GB"/>
-              <a:t>Third level</a:t>
+              <a:rPr lang="pt-PT"/>
+              <a:t>Terceiro nível</a:t>
             </a:r>
           </a:p>
           <a:p>
             <a:pPr lvl="3"/>
             <a:r>
-              <a:rPr lang="en-GB"/>
-              <a:t>Fourth level</a:t>
+              <a:rPr lang="pt-PT"/>
+              <a:t>Quarto nível</a:t>
             </a:r>
           </a:p>
           <a:p>
             <a:pPr lvl="4"/>
             <a:r>
-              <a:rPr lang="en-GB"/>
-              <a:t>Fifth level</a:t>
+              <a:rPr lang="pt-PT"/>
+              <a:t>Quinto nível</a:t>
             </a:r>
             <a:endParaRPr lang="en-US" dirty="0"/>
           </a:p>
@@ -924,11 +1686,11 @@
           <a:bodyPr/>
           <a:lstStyle/>
           <a:p>
-            <a:fld id="{4396440E-B2BA-6240-B9E6-900904A069FA}" type="datetimeFigureOut">
-              <a:rPr lang="en-US" smtClean="0"/>
-              <a:t>10/14/2024</a:t>
+            <a:fld id="{8CBBEDC4-0237-4333-9F6F-D11263F3B0D3}" type="datetimeFigureOut">
+              <a:rPr lang="pt-PT" smtClean="0"/>
+              <a:t>10/11/2024</a:t>
             </a:fld>
-            <a:endParaRPr lang="en-US"/>
+            <a:endParaRPr lang="pt-PT"/>
           </a:p>
         </p:txBody>
       </p:sp>
@@ -947,7 +1709,7 @@
           <a:bodyPr/>
           <a:lstStyle/>
           <a:p>
-            <a:endParaRPr lang="en-US"/>
+            <a:endParaRPr lang="pt-PT"/>
           </a:p>
         </p:txBody>
       </p:sp>
@@ -966,18 +1728,18 @@
           <a:bodyPr/>
           <a:lstStyle/>
           <a:p>
-            <a:fld id="{8D0F2ABB-4D25-C24D-91B5-09A2925BEB98}" type="slidenum">
-              <a:rPr lang="en-US" smtClean="0"/>
+            <a:fld id="{F05D259D-0BDB-4017-A713-98895A4B8E38}" type="slidenum">
+              <a:rPr lang="pt-PT" smtClean="0"/>
               <a:t>‹nº›</a:t>
             </a:fld>
-            <a:endParaRPr lang="en-US"/>
+            <a:endParaRPr lang="pt-PT"/>
           </a:p>
         </p:txBody>
       </p:sp>
     </p:spTree>
     <p:extLst>
       <p:ext uri="{BB962C8B-B14F-4D97-AF65-F5344CB8AC3E}">
-        <p14:creationId xmlns:p14="http://schemas.microsoft.com/office/powerpoint/2010/main" val="3657774000"/>
+        <p14:creationId xmlns:p14="http://schemas.microsoft.com/office/powerpoint/2010/main" val="2394815815"/>
       </p:ext>
     </p:extLst>
   </p:cSld>
@@ -989,7 +1751,7 @@
 
 <file path=ppt/slideLayouts/slideLayout3.xml><?xml version="1.0" encoding="utf-8"?>
 <p:sldLayout xmlns:a="http://schemas.openxmlformats.org/drawingml/2006/main" xmlns:r="http://schemas.openxmlformats.org/officeDocument/2006/relationships" xmlns:p="http://schemas.openxmlformats.org/presentationml/2006/main" type="secHead" preserve="1">
-  <p:cSld name="Section Header">
+  <p:cSld name="Cabeçalho da Secção">
     <p:spTree>
       <p:nvGrpSpPr>
         <p:cNvPr id="1" name=""/>
@@ -1016,21 +1778,21 @@
         </p:nvSpPr>
         <p:spPr>
           <a:xfrm>
-            <a:off x="181751" y="942336"/>
-            <a:ext cx="2297549" cy="1572307"/>
+            <a:off x="729494" y="1884671"/>
+            <a:ext cx="9221689" cy="3144614"/>
           </a:xfrm>
         </p:spPr>
         <p:txBody>
           <a:bodyPr anchor="b"/>
           <a:lstStyle>
             <a:lvl1pPr>
-              <a:defRPr sz="1748"/>
+              <a:defRPr sz="6614"/>
             </a:lvl1pPr>
           </a:lstStyle>
           <a:p>
             <a:r>
-              <a:rPr lang="en-GB"/>
-              <a:t>Click to edit Master title style</a:t>
+              <a:rPr lang="pt-PT"/>
+              <a:t>Clique para editar o estilo de título do Modelo Global</a:t>
             </a:r>
             <a:endParaRPr lang="en-US" dirty="0"/>
           </a:p>
@@ -1048,8 +1810,8 @@
         </p:nvSpPr>
         <p:spPr>
           <a:xfrm>
-            <a:off x="181751" y="2529518"/>
-            <a:ext cx="2297549" cy="826839"/>
+            <a:off x="729494" y="5059035"/>
+            <a:ext cx="9221689" cy="1653678"/>
           </a:xfrm>
         </p:spPr>
         <p:txBody>
@@ -1057,7 +1819,7 @@
           <a:lstStyle>
             <a:lvl1pPr marL="0" indent="0">
               <a:buNone/>
-              <a:defRPr sz="699">
+              <a:defRPr sz="2646">
                 <a:solidFill>
                   <a:schemeClr val="tx1">
                     <a:tint val="82000"/>
@@ -1065,9 +1827,9 @@
                 </a:solidFill>
               </a:defRPr>
             </a:lvl1pPr>
-            <a:lvl2pPr marL="133182" indent="0">
+            <a:lvl2pPr marL="503972" indent="0">
               <a:buNone/>
-              <a:defRPr sz="583">
+              <a:defRPr sz="2205">
                 <a:solidFill>
                   <a:schemeClr val="tx1">
                     <a:tint val="82000"/>
@@ -1075,9 +1837,9 @@
                 </a:solidFill>
               </a:defRPr>
             </a:lvl2pPr>
-            <a:lvl3pPr marL="266365" indent="0">
+            <a:lvl3pPr marL="1007943" indent="0">
               <a:buNone/>
-              <a:defRPr sz="524">
+              <a:defRPr sz="1984">
                 <a:solidFill>
                   <a:schemeClr val="tx1">
                     <a:tint val="82000"/>
@@ -1085,9 +1847,9 @@
                 </a:solidFill>
               </a:defRPr>
             </a:lvl3pPr>
-            <a:lvl4pPr marL="399547" indent="0">
+            <a:lvl4pPr marL="1511915" indent="0">
               <a:buNone/>
-              <a:defRPr sz="466">
+              <a:defRPr sz="1764">
                 <a:solidFill>
                   <a:schemeClr val="tx1">
                     <a:tint val="82000"/>
@@ -1095,9 +1857,9 @@
                 </a:solidFill>
               </a:defRPr>
             </a:lvl4pPr>
-            <a:lvl5pPr marL="532729" indent="0">
+            <a:lvl5pPr marL="2015886" indent="0">
               <a:buNone/>
-              <a:defRPr sz="466">
+              <a:defRPr sz="1764">
                 <a:solidFill>
                   <a:schemeClr val="tx1">
                     <a:tint val="82000"/>
@@ -1105,9 +1867,9 @@
                 </a:solidFill>
               </a:defRPr>
             </a:lvl5pPr>
-            <a:lvl6pPr marL="665912" indent="0">
+            <a:lvl6pPr marL="2519858" indent="0">
               <a:buNone/>
-              <a:defRPr sz="466">
+              <a:defRPr sz="1764">
                 <a:solidFill>
                   <a:schemeClr val="tx1">
                     <a:tint val="82000"/>
@@ -1115,9 +1877,9 @@
                 </a:solidFill>
               </a:defRPr>
             </a:lvl6pPr>
-            <a:lvl7pPr marL="799094" indent="0">
+            <a:lvl7pPr marL="3023829" indent="0">
               <a:buNone/>
-              <a:defRPr sz="466">
+              <a:defRPr sz="1764">
                 <a:solidFill>
                   <a:schemeClr val="tx1">
                     <a:tint val="82000"/>
@@ -1125,9 +1887,9 @@
                 </a:solidFill>
               </a:defRPr>
             </a:lvl7pPr>
-            <a:lvl8pPr marL="932277" indent="0">
+            <a:lvl8pPr marL="3527801" indent="0">
               <a:buNone/>
-              <a:defRPr sz="466">
+              <a:defRPr sz="1764">
                 <a:solidFill>
                   <a:schemeClr val="tx1">
                     <a:tint val="82000"/>
@@ -1135,9 +1897,9 @@
                 </a:solidFill>
               </a:defRPr>
             </a:lvl8pPr>
-            <a:lvl9pPr marL="1065459" indent="0">
+            <a:lvl9pPr marL="4031772" indent="0">
               <a:buNone/>
-              <a:defRPr sz="466">
+              <a:defRPr sz="1764">
                 <a:solidFill>
                   <a:schemeClr val="tx1">
                     <a:tint val="82000"/>
@@ -1149,8 +1911,8 @@
           <a:p>
             <a:pPr lvl="0"/>
             <a:r>
-              <a:rPr lang="en-GB"/>
-              <a:t>Click to edit Master text styles</a:t>
+              <a:rPr lang="pt-PT"/>
+              <a:t>Clique para editar os estilos do texto de Modelo Global</a:t>
             </a:r>
           </a:p>
         </p:txBody>
@@ -1170,11 +1932,11 @@
           <a:bodyPr/>
           <a:lstStyle/>
           <a:p>
-            <a:fld id="{4396440E-B2BA-6240-B9E6-900904A069FA}" type="datetimeFigureOut">
-              <a:rPr lang="en-US" smtClean="0"/>
-              <a:t>10/14/2024</a:t>
+            <a:fld id="{8CBBEDC4-0237-4333-9F6F-D11263F3B0D3}" type="datetimeFigureOut">
+              <a:rPr lang="pt-PT" smtClean="0"/>
+              <a:t>10/11/2024</a:t>
             </a:fld>
-            <a:endParaRPr lang="en-US"/>
+            <a:endParaRPr lang="pt-PT"/>
           </a:p>
         </p:txBody>
       </p:sp>
@@ -1193,7 +1955,7 @@
           <a:bodyPr/>
           <a:lstStyle/>
           <a:p>
-            <a:endParaRPr lang="en-US"/>
+            <a:endParaRPr lang="pt-PT"/>
           </a:p>
         </p:txBody>
       </p:sp>
@@ -1212,18 +1974,18 @@
           <a:bodyPr/>
           <a:lstStyle/>
           <a:p>
-            <a:fld id="{8D0F2ABB-4D25-C24D-91B5-09A2925BEB98}" type="slidenum">
-              <a:rPr lang="en-US" smtClean="0"/>
+            <a:fld id="{F05D259D-0BDB-4017-A713-98895A4B8E38}" type="slidenum">
+              <a:rPr lang="pt-PT" smtClean="0"/>
               <a:t>‹nº›</a:t>
             </a:fld>
-            <a:endParaRPr lang="en-US"/>
+            <a:endParaRPr lang="pt-PT"/>
           </a:p>
         </p:txBody>
       </p:sp>
     </p:spTree>
     <p:extLst>
       <p:ext uri="{BB962C8B-B14F-4D97-AF65-F5344CB8AC3E}">
-        <p14:creationId xmlns:p14="http://schemas.microsoft.com/office/powerpoint/2010/main" val="1641632905"/>
+        <p14:creationId xmlns:p14="http://schemas.microsoft.com/office/powerpoint/2010/main" val="288926793"/>
       </p:ext>
     </p:extLst>
   </p:cSld>
@@ -1235,7 +1997,7 @@
 
 <file path=ppt/slideLayouts/slideLayout4.xml><?xml version="1.0" encoding="utf-8"?>
 <p:sldLayout xmlns:a="http://schemas.openxmlformats.org/drawingml/2006/main" xmlns:r="http://schemas.openxmlformats.org/officeDocument/2006/relationships" xmlns:p="http://schemas.openxmlformats.org/presentationml/2006/main" type="twoObj" preserve="1">
-  <p:cSld name="Two Content">
+  <p:cSld name="Conteúdo Duplo">
     <p:spTree>
       <p:nvGrpSpPr>
         <p:cNvPr id="1" name=""/>
@@ -1266,8 +2028,8 @@
           <a:lstStyle/>
           <a:p>
             <a:r>
-              <a:rPr lang="en-GB"/>
-              <a:t>Click to edit Master title style</a:t>
+              <a:rPr lang="pt-PT"/>
+              <a:t>Clique para editar o estilo de título do Modelo Global</a:t>
             </a:r>
             <a:endParaRPr lang="en-US" dirty="0"/>
           </a:p>
@@ -1285,8 +2047,8 @@
         </p:nvSpPr>
         <p:spPr>
           <a:xfrm>
-            <a:off x="183138" y="1006207"/>
-            <a:ext cx="1132126" cy="2398272"/>
+            <a:off x="735062" y="2012414"/>
+            <a:ext cx="4544021" cy="4796544"/>
           </a:xfrm>
         </p:spPr>
         <p:txBody>
@@ -1295,36 +2057,36 @@
           <a:p>
             <a:pPr lvl="0"/>
             <a:r>
-              <a:rPr lang="en-GB"/>
-              <a:t>Click to edit Master text styles</a:t>
+              <a:rPr lang="pt-PT"/>
+              <a:t>Clique para editar os estilos do texto de Modelo Global</a:t>
             </a:r>
           </a:p>
           <a:p>
             <a:pPr lvl="1"/>
             <a:r>
-              <a:rPr lang="en-GB"/>
-              <a:t>Second level</a:t>
+              <a:rPr lang="pt-PT"/>
+              <a:t>Segundo nível</a:t>
             </a:r>
           </a:p>
           <a:p>
             <a:pPr lvl="2"/>
             <a:r>
-              <a:rPr lang="en-GB"/>
-              <a:t>Third level</a:t>
+              <a:rPr lang="pt-PT"/>
+              <a:t>Terceiro nível</a:t>
             </a:r>
           </a:p>
           <a:p>
             <a:pPr lvl="3"/>
             <a:r>
-              <a:rPr lang="en-GB"/>
-              <a:t>Fourth level</a:t>
+              <a:rPr lang="pt-PT"/>
+              <a:t>Quarto nível</a:t>
             </a:r>
           </a:p>
           <a:p>
             <a:pPr lvl="4"/>
             <a:r>
-              <a:rPr lang="en-GB"/>
-              <a:t>Fifth level</a:t>
+              <a:rPr lang="pt-PT"/>
+              <a:t>Quinto nível</a:t>
             </a:r>
             <a:endParaRPr lang="en-US" dirty="0"/>
           </a:p>
@@ -1342,8 +2104,8 @@
         </p:nvSpPr>
         <p:spPr>
           <a:xfrm>
-            <a:off x="1348561" y="1006207"/>
-            <a:ext cx="1132126" cy="2398272"/>
+            <a:off x="5412730" y="2012414"/>
+            <a:ext cx="4544021" cy="4796544"/>
           </a:xfrm>
         </p:spPr>
         <p:txBody>
@@ -1352,36 +2114,36 @@
           <a:p>
             <a:pPr lvl="0"/>
             <a:r>
-              <a:rPr lang="en-GB"/>
-              <a:t>Click to edit Master text styles</a:t>
+              <a:rPr lang="pt-PT"/>
+              <a:t>Clique para editar os estilos do texto de Modelo Global</a:t>
             </a:r>
           </a:p>
           <a:p>
             <a:pPr lvl="1"/>
             <a:r>
-              <a:rPr lang="en-GB"/>
-              <a:t>Second level</a:t>
+              <a:rPr lang="pt-PT"/>
+              <a:t>Segundo nível</a:t>
             </a:r>
           </a:p>
           <a:p>
             <a:pPr lvl="2"/>
             <a:r>
-              <a:rPr lang="en-GB"/>
-              <a:t>Third level</a:t>
+              <a:rPr lang="pt-PT"/>
+              <a:t>Terceiro nível</a:t>
             </a:r>
           </a:p>
           <a:p>
             <a:pPr lvl="3"/>
             <a:r>
-              <a:rPr lang="en-GB"/>
-              <a:t>Fourth level</a:t>
+              <a:rPr lang="pt-PT"/>
+              <a:t>Quarto nível</a:t>
             </a:r>
           </a:p>
           <a:p>
             <a:pPr lvl="4"/>
             <a:r>
-              <a:rPr lang="en-GB"/>
-              <a:t>Fifth level</a:t>
+              <a:rPr lang="pt-PT"/>
+              <a:t>Quinto nível</a:t>
             </a:r>
             <a:endParaRPr lang="en-US" dirty="0"/>
           </a:p>
@@ -1402,11 +2164,11 @@
           <a:bodyPr/>
           <a:lstStyle/>
           <a:p>
-            <a:fld id="{4396440E-B2BA-6240-B9E6-900904A069FA}" type="datetimeFigureOut">
-              <a:rPr lang="en-US" smtClean="0"/>
-              <a:t>10/14/2024</a:t>
+            <a:fld id="{8CBBEDC4-0237-4333-9F6F-D11263F3B0D3}" type="datetimeFigureOut">
+              <a:rPr lang="pt-PT" smtClean="0"/>
+              <a:t>10/11/2024</a:t>
             </a:fld>
-            <a:endParaRPr lang="en-US"/>
+            <a:endParaRPr lang="pt-PT"/>
           </a:p>
         </p:txBody>
       </p:sp>
@@ -1425,7 +2187,7 @@
           <a:bodyPr/>
           <a:lstStyle/>
           <a:p>
-            <a:endParaRPr lang="en-US"/>
+            <a:endParaRPr lang="pt-PT"/>
           </a:p>
         </p:txBody>
       </p:sp>
@@ -1444,18 +2206,18 @@
           <a:bodyPr/>
           <a:lstStyle/>
           <a:p>
-            <a:fld id="{8D0F2ABB-4D25-C24D-91B5-09A2925BEB98}" type="slidenum">
-              <a:rPr lang="en-US" smtClean="0"/>
+            <a:fld id="{F05D259D-0BDB-4017-A713-98895A4B8E38}" type="slidenum">
+              <a:rPr lang="pt-PT" smtClean="0"/>
               <a:t>‹nº›</a:t>
             </a:fld>
-            <a:endParaRPr lang="en-US"/>
+            <a:endParaRPr lang="pt-PT"/>
           </a:p>
         </p:txBody>
       </p:sp>
     </p:spTree>
     <p:extLst>
       <p:ext uri="{BB962C8B-B14F-4D97-AF65-F5344CB8AC3E}">
-        <p14:creationId xmlns:p14="http://schemas.microsoft.com/office/powerpoint/2010/main" val="1247306877"/>
+        <p14:creationId xmlns:p14="http://schemas.microsoft.com/office/powerpoint/2010/main" val="3777266813"/>
       </p:ext>
     </p:extLst>
   </p:cSld>
@@ -1467,7 +2229,7 @@
 
 <file path=ppt/slideLayouts/slideLayout5.xml><?xml version="1.0" encoding="utf-8"?>
 <p:sldLayout xmlns:a="http://schemas.openxmlformats.org/drawingml/2006/main" xmlns:r="http://schemas.openxmlformats.org/officeDocument/2006/relationships" xmlns:p="http://schemas.openxmlformats.org/presentationml/2006/main" type="twoTxTwoObj" preserve="1">
-  <p:cSld name="Comparison">
+  <p:cSld name="Comparação">
     <p:spTree>
       <p:nvGrpSpPr>
         <p:cNvPr id="1" name=""/>
@@ -1494,8 +2256,8 @@
         </p:nvSpPr>
         <p:spPr>
           <a:xfrm>
-            <a:off x="183485" y="201242"/>
-            <a:ext cx="2297549" cy="730594"/>
+            <a:off x="736455" y="402484"/>
+            <a:ext cx="9221689" cy="1461188"/>
           </a:xfrm>
         </p:spPr>
         <p:txBody>
@@ -1503,8 +2265,8 @@
           <a:lstStyle/>
           <a:p>
             <a:r>
-              <a:rPr lang="en-GB"/>
-              <a:t>Click to edit Master title style</a:t>
+              <a:rPr lang="pt-PT"/>
+              <a:t>Clique para editar o estilo de título do Modelo Global</a:t>
             </a:r>
             <a:endParaRPr lang="en-US" dirty="0"/>
           </a:p>
@@ -1522,8 +2284,8 @@
         </p:nvSpPr>
         <p:spPr>
           <a:xfrm>
-            <a:off x="183485" y="926586"/>
-            <a:ext cx="1126923" cy="454105"/>
+            <a:off x="736456" y="1853171"/>
+            <a:ext cx="4523137" cy="908210"/>
           </a:xfrm>
         </p:spPr>
         <p:txBody>
@@ -1531,46 +2293,46 @@
           <a:lstStyle>
             <a:lvl1pPr marL="0" indent="0">
               <a:buNone/>
-              <a:defRPr sz="699" b="1"/>
+              <a:defRPr sz="2646" b="1"/>
             </a:lvl1pPr>
-            <a:lvl2pPr marL="133182" indent="0">
+            <a:lvl2pPr marL="503972" indent="0">
               <a:buNone/>
-              <a:defRPr sz="583" b="1"/>
+              <a:defRPr sz="2205" b="1"/>
             </a:lvl2pPr>
-            <a:lvl3pPr marL="266365" indent="0">
+            <a:lvl3pPr marL="1007943" indent="0">
               <a:buNone/>
-              <a:defRPr sz="524" b="1"/>
+              <a:defRPr sz="1984" b="1"/>
             </a:lvl3pPr>
-            <a:lvl4pPr marL="399547" indent="0">
+            <a:lvl4pPr marL="1511915" indent="0">
               <a:buNone/>
-              <a:defRPr sz="466" b="1"/>
+              <a:defRPr sz="1764" b="1"/>
             </a:lvl4pPr>
-            <a:lvl5pPr marL="532729" indent="0">
+            <a:lvl5pPr marL="2015886" indent="0">
               <a:buNone/>
-              <a:defRPr sz="466" b="1"/>
+              <a:defRPr sz="1764" b="1"/>
             </a:lvl5pPr>
-            <a:lvl6pPr marL="665912" indent="0">
+            <a:lvl6pPr marL="2519858" indent="0">
               <a:buNone/>
-              <a:defRPr sz="466" b="1"/>
+              <a:defRPr sz="1764" b="1"/>
             </a:lvl6pPr>
-            <a:lvl7pPr marL="799094" indent="0">
+            <a:lvl7pPr marL="3023829" indent="0">
               <a:buNone/>
-              <a:defRPr sz="466" b="1"/>
+              <a:defRPr sz="1764" b="1"/>
             </a:lvl7pPr>
-            <a:lvl8pPr marL="932277" indent="0">
+            <a:lvl8pPr marL="3527801" indent="0">
               <a:buNone/>
-              <a:defRPr sz="466" b="1"/>
+              <a:defRPr sz="1764" b="1"/>
             </a:lvl8pPr>
-            <a:lvl9pPr marL="1065459" indent="0">
+            <a:lvl9pPr marL="4031772" indent="0">
               <a:buNone/>
-              <a:defRPr sz="466" b="1"/>
+              <a:defRPr sz="1764" b="1"/>
             </a:lvl9pPr>
           </a:lstStyle>
           <a:p>
             <a:pPr lvl="0"/>
             <a:r>
-              <a:rPr lang="en-GB"/>
-              <a:t>Click to edit Master text styles</a:t>
+              <a:rPr lang="pt-PT"/>
+              <a:t>Clique para editar os estilos do texto de Modelo Global</a:t>
             </a:r>
           </a:p>
         </p:txBody>
@@ -1587,8 +2349,8 @@
         </p:nvSpPr>
         <p:spPr>
           <a:xfrm>
-            <a:off x="183485" y="1380691"/>
-            <a:ext cx="1126923" cy="2030788"/>
+            <a:off x="736456" y="2761381"/>
+            <a:ext cx="4523137" cy="4061576"/>
           </a:xfrm>
         </p:spPr>
         <p:txBody>
@@ -1597,36 +2359,36 @@
           <a:p>
             <a:pPr lvl="0"/>
             <a:r>
-              <a:rPr lang="en-GB"/>
-              <a:t>Click to edit Master text styles</a:t>
+              <a:rPr lang="pt-PT"/>
+              <a:t>Clique para editar os estilos do texto de Modelo Global</a:t>
             </a:r>
           </a:p>
           <a:p>
             <a:pPr lvl="1"/>
             <a:r>
-              <a:rPr lang="en-GB"/>
-              <a:t>Second level</a:t>
+              <a:rPr lang="pt-PT"/>
+              <a:t>Segundo nível</a:t>
             </a:r>
           </a:p>
           <a:p>
             <a:pPr lvl="2"/>
             <a:r>
-              <a:rPr lang="en-GB"/>
-              <a:t>Third level</a:t>
+              <a:rPr lang="pt-PT"/>
+              <a:t>Terceiro nível</a:t>
             </a:r>
           </a:p>
           <a:p>
             <a:pPr lvl="3"/>
             <a:r>
-              <a:rPr lang="en-GB"/>
-              <a:t>Fourth level</a:t>
+              <a:rPr lang="pt-PT"/>
+              <a:t>Quarto nível</a:t>
             </a:r>
           </a:p>
           <a:p>
             <a:pPr lvl="4"/>
             <a:r>
-              <a:rPr lang="en-GB"/>
-              <a:t>Fifth level</a:t>
+              <a:rPr lang="pt-PT"/>
+              <a:t>Quinto nível</a:t>
             </a:r>
             <a:endParaRPr lang="en-US" dirty="0"/>
           </a:p>
@@ -1644,8 +2406,8 @@
         </p:nvSpPr>
         <p:spPr>
           <a:xfrm>
-            <a:off x="1348561" y="926586"/>
-            <a:ext cx="1132473" cy="454105"/>
+            <a:off x="5412731" y="1853171"/>
+            <a:ext cx="4545413" cy="908210"/>
           </a:xfrm>
         </p:spPr>
         <p:txBody>
@@ -1653,46 +2415,46 @@
           <a:lstStyle>
             <a:lvl1pPr marL="0" indent="0">
               <a:buNone/>
-              <a:defRPr sz="699" b="1"/>
+              <a:defRPr sz="2646" b="1"/>
             </a:lvl1pPr>
-            <a:lvl2pPr marL="133182" indent="0">
+            <a:lvl2pPr marL="503972" indent="0">
               <a:buNone/>
-              <a:defRPr sz="583" b="1"/>
+              <a:defRPr sz="2205" b="1"/>
             </a:lvl2pPr>
-            <a:lvl3pPr marL="266365" indent="0">
+            <a:lvl3pPr marL="1007943" indent="0">
               <a:buNone/>
-              <a:defRPr sz="524" b="1"/>
+              <a:defRPr sz="1984" b="1"/>
             </a:lvl3pPr>
-            <a:lvl4pPr marL="399547" indent="0">
+            <a:lvl4pPr marL="1511915" indent="0">
               <a:buNone/>
-              <a:defRPr sz="466" b="1"/>
+              <a:defRPr sz="1764" b="1"/>
             </a:lvl4pPr>
-            <a:lvl5pPr marL="532729" indent="0">
+            <a:lvl5pPr marL="2015886" indent="0">
               <a:buNone/>
-              <a:defRPr sz="466" b="1"/>
+              <a:defRPr sz="1764" b="1"/>
             </a:lvl5pPr>
-            <a:lvl6pPr marL="665912" indent="0">
+            <a:lvl6pPr marL="2519858" indent="0">
               <a:buNone/>
-              <a:defRPr sz="466" b="1"/>
+              <a:defRPr sz="1764" b="1"/>
             </a:lvl6pPr>
-            <a:lvl7pPr marL="799094" indent="0">
+            <a:lvl7pPr marL="3023829" indent="0">
               <a:buNone/>
-              <a:defRPr sz="466" b="1"/>
+              <a:defRPr sz="1764" b="1"/>
             </a:lvl7pPr>
-            <a:lvl8pPr marL="932277" indent="0">
+            <a:lvl8pPr marL="3527801" indent="0">
               <a:buNone/>
-              <a:defRPr sz="466" b="1"/>
+              <a:defRPr sz="1764" b="1"/>
             </a:lvl8pPr>
-            <a:lvl9pPr marL="1065459" indent="0">
+            <a:lvl9pPr marL="4031772" indent="0">
               <a:buNone/>
-              <a:defRPr sz="466" b="1"/>
+              <a:defRPr sz="1764" b="1"/>
             </a:lvl9pPr>
           </a:lstStyle>
           <a:p>
             <a:pPr lvl="0"/>
             <a:r>
-              <a:rPr lang="en-GB"/>
-              <a:t>Click to edit Master text styles</a:t>
+              <a:rPr lang="pt-PT"/>
+              <a:t>Clique para editar os estilos do texto de Modelo Global</a:t>
             </a:r>
           </a:p>
         </p:txBody>
@@ -1709,8 +2471,8 @@
         </p:nvSpPr>
         <p:spPr>
           <a:xfrm>
-            <a:off x="1348561" y="1380691"/>
-            <a:ext cx="1132473" cy="2030788"/>
+            <a:off x="5412731" y="2761381"/>
+            <a:ext cx="4545413" cy="4061576"/>
           </a:xfrm>
         </p:spPr>
         <p:txBody>
@@ -1719,36 +2481,36 @@
           <a:p>
             <a:pPr lvl="0"/>
             <a:r>
-              <a:rPr lang="en-GB"/>
-              <a:t>Click to edit Master text styles</a:t>
+              <a:rPr lang="pt-PT"/>
+              <a:t>Clique para editar os estilos do texto de Modelo Global</a:t>
             </a:r>
           </a:p>
           <a:p>
             <a:pPr lvl="1"/>
             <a:r>
-              <a:rPr lang="en-GB"/>
-              <a:t>Second level</a:t>
+              <a:rPr lang="pt-PT"/>
+              <a:t>Segundo nível</a:t>
             </a:r>
           </a:p>
           <a:p>
             <a:pPr lvl="2"/>
             <a:r>
-              <a:rPr lang="en-GB"/>
-              <a:t>Third level</a:t>
+              <a:rPr lang="pt-PT"/>
+              <a:t>Terceiro nível</a:t>
             </a:r>
           </a:p>
           <a:p>
             <a:pPr lvl="3"/>
             <a:r>
-              <a:rPr lang="en-GB"/>
-              <a:t>Fourth level</a:t>
+              <a:rPr lang="pt-PT"/>
+              <a:t>Quarto nível</a:t>
             </a:r>
           </a:p>
           <a:p>
             <a:pPr lvl="4"/>
             <a:r>
-              <a:rPr lang="en-GB"/>
-              <a:t>Fifth level</a:t>
+              <a:rPr lang="pt-PT"/>
+              <a:t>Quinto nível</a:t>
             </a:r>
             <a:endParaRPr lang="en-US" dirty="0"/>
           </a:p>
@@ -1769,11 +2531,11 @@
           <a:bodyPr/>
           <a:lstStyle/>
           <a:p>
-            <a:fld id="{4396440E-B2BA-6240-B9E6-900904A069FA}" type="datetimeFigureOut">
-              <a:rPr lang="en-US" smtClean="0"/>
-              <a:t>10/14/2024</a:t>
+            <a:fld id="{8CBBEDC4-0237-4333-9F6F-D11263F3B0D3}" type="datetimeFigureOut">
+              <a:rPr lang="pt-PT" smtClean="0"/>
+              <a:t>10/11/2024</a:t>
             </a:fld>
-            <a:endParaRPr lang="en-US"/>
+            <a:endParaRPr lang="pt-PT"/>
           </a:p>
         </p:txBody>
       </p:sp>
@@ -1792,7 +2554,7 @@
           <a:bodyPr/>
           <a:lstStyle/>
           <a:p>
-            <a:endParaRPr lang="en-US"/>
+            <a:endParaRPr lang="pt-PT"/>
           </a:p>
         </p:txBody>
       </p:sp>
@@ -1811,18 +2573,18 @@
           <a:bodyPr/>
           <a:lstStyle/>
           <a:p>
-            <a:fld id="{8D0F2ABB-4D25-C24D-91B5-09A2925BEB98}" type="slidenum">
-              <a:rPr lang="en-US" smtClean="0"/>
+            <a:fld id="{F05D259D-0BDB-4017-A713-98895A4B8E38}" type="slidenum">
+              <a:rPr lang="pt-PT" smtClean="0"/>
               <a:t>‹nº›</a:t>
             </a:fld>
-            <a:endParaRPr lang="en-US"/>
+            <a:endParaRPr lang="pt-PT"/>
           </a:p>
         </p:txBody>
       </p:sp>
     </p:spTree>
     <p:extLst>
       <p:ext uri="{BB962C8B-B14F-4D97-AF65-F5344CB8AC3E}">
-        <p14:creationId xmlns:p14="http://schemas.microsoft.com/office/powerpoint/2010/main" val="150070453"/>
+        <p14:creationId xmlns:p14="http://schemas.microsoft.com/office/powerpoint/2010/main" val="392627607"/>
       </p:ext>
     </p:extLst>
   </p:cSld>
@@ -1834,7 +2596,7 @@
 
 <file path=ppt/slideLayouts/slideLayout6.xml><?xml version="1.0" encoding="utf-8"?>
 <p:sldLayout xmlns:a="http://schemas.openxmlformats.org/drawingml/2006/main" xmlns:r="http://schemas.openxmlformats.org/officeDocument/2006/relationships" xmlns:p="http://schemas.openxmlformats.org/presentationml/2006/main" type="titleOnly" preserve="1">
-  <p:cSld name="Title Only">
+  <p:cSld name="Só Título">
     <p:spTree>
       <p:nvGrpSpPr>
         <p:cNvPr id="1" name=""/>
@@ -1865,8 +2627,8 @@
           <a:lstStyle/>
           <a:p>
             <a:r>
-              <a:rPr lang="en-GB"/>
-              <a:t>Click to edit Master title style</a:t>
+              <a:rPr lang="pt-PT"/>
+              <a:t>Clique para editar o estilo de título do Modelo Global</a:t>
             </a:r>
             <a:endParaRPr lang="en-US" dirty="0"/>
           </a:p>
@@ -1887,11 +2649,11 @@
           <a:bodyPr/>
           <a:lstStyle/>
           <a:p>
-            <a:fld id="{4396440E-B2BA-6240-B9E6-900904A069FA}" type="datetimeFigureOut">
-              <a:rPr lang="en-US" smtClean="0"/>
-              <a:t>10/14/2024</a:t>
+            <a:fld id="{8CBBEDC4-0237-4333-9F6F-D11263F3B0D3}" type="datetimeFigureOut">
+              <a:rPr lang="pt-PT" smtClean="0"/>
+              <a:t>10/11/2024</a:t>
             </a:fld>
-            <a:endParaRPr lang="en-US"/>
+            <a:endParaRPr lang="pt-PT"/>
           </a:p>
         </p:txBody>
       </p:sp>
@@ -1910,7 +2672,7 @@
           <a:bodyPr/>
           <a:lstStyle/>
           <a:p>
-            <a:endParaRPr lang="en-US"/>
+            <a:endParaRPr lang="pt-PT"/>
           </a:p>
         </p:txBody>
       </p:sp>
@@ -1929,18 +2691,18 @@
           <a:bodyPr/>
           <a:lstStyle/>
           <a:p>
-            <a:fld id="{8D0F2ABB-4D25-C24D-91B5-09A2925BEB98}" type="slidenum">
-              <a:rPr lang="en-US" smtClean="0"/>
+            <a:fld id="{F05D259D-0BDB-4017-A713-98895A4B8E38}" type="slidenum">
+              <a:rPr lang="pt-PT" smtClean="0"/>
               <a:t>‹nº›</a:t>
             </a:fld>
-            <a:endParaRPr lang="en-US"/>
+            <a:endParaRPr lang="pt-PT"/>
           </a:p>
         </p:txBody>
       </p:sp>
     </p:spTree>
     <p:extLst>
       <p:ext uri="{BB962C8B-B14F-4D97-AF65-F5344CB8AC3E}">
-        <p14:creationId xmlns:p14="http://schemas.microsoft.com/office/powerpoint/2010/main" val="3279590710"/>
+        <p14:creationId xmlns:p14="http://schemas.microsoft.com/office/powerpoint/2010/main" val="1754349854"/>
       </p:ext>
     </p:extLst>
   </p:cSld>
@@ -1952,7 +2714,7 @@
 
 <file path=ppt/slideLayouts/slideLayout7.xml><?xml version="1.0" encoding="utf-8"?>
 <p:sldLayout xmlns:a="http://schemas.openxmlformats.org/drawingml/2006/main" xmlns:r="http://schemas.openxmlformats.org/officeDocument/2006/relationships" xmlns:p="http://schemas.openxmlformats.org/presentationml/2006/main" type="blank" preserve="1">
-  <p:cSld name="Blank">
+  <p:cSld name="Em branco">
     <p:spTree>
       <p:nvGrpSpPr>
         <p:cNvPr id="1" name=""/>
@@ -1982,11 +2744,11 @@
           <a:bodyPr/>
           <a:lstStyle/>
           <a:p>
-            <a:fld id="{4396440E-B2BA-6240-B9E6-900904A069FA}" type="datetimeFigureOut">
-              <a:rPr lang="en-US" smtClean="0"/>
-              <a:t>10/14/2024</a:t>
+            <a:fld id="{8CBBEDC4-0237-4333-9F6F-D11263F3B0D3}" type="datetimeFigureOut">
+              <a:rPr lang="pt-PT" smtClean="0"/>
+              <a:t>10/11/2024</a:t>
             </a:fld>
-            <a:endParaRPr lang="en-US"/>
+            <a:endParaRPr lang="pt-PT"/>
           </a:p>
         </p:txBody>
       </p:sp>
@@ -2005,7 +2767,7 @@
           <a:bodyPr/>
           <a:lstStyle/>
           <a:p>
-            <a:endParaRPr lang="en-US"/>
+            <a:endParaRPr lang="pt-PT"/>
           </a:p>
         </p:txBody>
       </p:sp>
@@ -2024,18 +2786,18 @@
           <a:bodyPr/>
           <a:lstStyle/>
           <a:p>
-            <a:fld id="{8D0F2ABB-4D25-C24D-91B5-09A2925BEB98}" type="slidenum">
-              <a:rPr lang="en-US" smtClean="0"/>
+            <a:fld id="{F05D259D-0BDB-4017-A713-98895A4B8E38}" type="slidenum">
+              <a:rPr lang="pt-PT" smtClean="0"/>
               <a:t>‹nº›</a:t>
             </a:fld>
-            <a:endParaRPr lang="en-US"/>
+            <a:endParaRPr lang="pt-PT"/>
           </a:p>
         </p:txBody>
       </p:sp>
     </p:spTree>
     <p:extLst>
       <p:ext uri="{BB962C8B-B14F-4D97-AF65-F5344CB8AC3E}">
-        <p14:creationId xmlns:p14="http://schemas.microsoft.com/office/powerpoint/2010/main" val="804822262"/>
+        <p14:creationId xmlns:p14="http://schemas.microsoft.com/office/powerpoint/2010/main" val="1732548556"/>
       </p:ext>
     </p:extLst>
   </p:cSld>
@@ -2047,7 +2809,7 @@
 
 <file path=ppt/slideLayouts/slideLayout8.xml><?xml version="1.0" encoding="utf-8"?>
 <p:sldLayout xmlns:a="http://schemas.openxmlformats.org/drawingml/2006/main" xmlns:r="http://schemas.openxmlformats.org/officeDocument/2006/relationships" xmlns:p="http://schemas.openxmlformats.org/presentationml/2006/main" type="objTx" preserve="1">
-  <p:cSld name="Content with Caption">
+  <p:cSld name="Conteúdo com Legenda">
     <p:spTree>
       <p:nvGrpSpPr>
         <p:cNvPr id="1" name=""/>
@@ -2074,21 +2836,21 @@
         </p:nvSpPr>
         <p:spPr>
           <a:xfrm>
-            <a:off x="183485" y="251989"/>
-            <a:ext cx="859153" cy="881962"/>
+            <a:off x="736455" y="503978"/>
+            <a:ext cx="3448388" cy="1763924"/>
           </a:xfrm>
         </p:spPr>
         <p:txBody>
           <a:bodyPr anchor="b"/>
           <a:lstStyle>
             <a:lvl1pPr>
-              <a:defRPr sz="932"/>
+              <a:defRPr sz="3527"/>
             </a:lvl1pPr>
           </a:lstStyle>
           <a:p>
             <a:r>
-              <a:rPr lang="en-GB"/>
-              <a:t>Click to edit Master title style</a:t>
+              <a:rPr lang="pt-PT"/>
+              <a:t>Clique para editar o estilo de título do Modelo Global</a:t>
             </a:r>
             <a:endParaRPr lang="en-US" dirty="0"/>
           </a:p>
@@ -2106,74 +2868,74 @@
         </p:nvSpPr>
         <p:spPr>
           <a:xfrm>
-            <a:off x="1132473" y="544227"/>
-            <a:ext cx="1348561" cy="2686135"/>
+            <a:off x="4545413" y="1088455"/>
+            <a:ext cx="5412730" cy="5372269"/>
           </a:xfrm>
         </p:spPr>
         <p:txBody>
           <a:bodyPr/>
           <a:lstStyle>
             <a:lvl1pPr>
-              <a:defRPr sz="932"/>
+              <a:defRPr sz="3527"/>
             </a:lvl1pPr>
             <a:lvl2pPr>
-              <a:defRPr sz="816"/>
+              <a:defRPr sz="3086"/>
             </a:lvl2pPr>
             <a:lvl3pPr>
-              <a:defRPr sz="699"/>
+              <a:defRPr sz="2646"/>
             </a:lvl3pPr>
             <a:lvl4pPr>
-              <a:defRPr sz="583"/>
+              <a:defRPr sz="2205"/>
             </a:lvl4pPr>
             <a:lvl5pPr>
-              <a:defRPr sz="583"/>
+              <a:defRPr sz="2205"/>
             </a:lvl5pPr>
             <a:lvl6pPr>
-              <a:defRPr sz="583"/>
+              <a:defRPr sz="2205"/>
             </a:lvl6pPr>
             <a:lvl7pPr>
-              <a:defRPr sz="583"/>
+              <a:defRPr sz="2205"/>
             </a:lvl7pPr>
             <a:lvl8pPr>
-              <a:defRPr sz="583"/>
+              <a:defRPr sz="2205"/>
             </a:lvl8pPr>
             <a:lvl9pPr>
-              <a:defRPr sz="583"/>
+              <a:defRPr sz="2205"/>
             </a:lvl9pPr>
           </a:lstStyle>
           <a:p>
             <a:pPr lvl="0"/>
             <a:r>
-              <a:rPr lang="en-GB"/>
-              <a:t>Click to edit Master text styles</a:t>
+              <a:rPr lang="pt-PT"/>
+              <a:t>Clique para editar os estilos do texto de Modelo Global</a:t>
             </a:r>
           </a:p>
           <a:p>
             <a:pPr lvl="1"/>
             <a:r>
-              <a:rPr lang="en-GB"/>
-              <a:t>Second level</a:t>
+              <a:rPr lang="pt-PT"/>
+              <a:t>Segundo nível</a:t>
             </a:r>
           </a:p>
           <a:p>
             <a:pPr lvl="2"/>
             <a:r>
-              <a:rPr lang="en-GB"/>
-              <a:t>Third level</a:t>
+              <a:rPr lang="pt-PT"/>
+              <a:t>Terceiro nível</a:t>
             </a:r>
           </a:p>
           <a:p>
             <a:pPr lvl="3"/>
             <a:r>
-              <a:rPr lang="en-GB"/>
-              <a:t>Fourth level</a:t>
+              <a:rPr lang="pt-PT"/>
+              <a:t>Quarto nível</a:t>
             </a:r>
           </a:p>
           <a:p>
             <a:pPr lvl="4"/>
             <a:r>
-              <a:rPr lang="en-GB"/>
-              <a:t>Fifth level</a:t>
+              <a:rPr lang="pt-PT"/>
+              <a:t>Quinto nível</a:t>
             </a:r>
             <a:endParaRPr lang="en-US" dirty="0"/>
           </a:p>
@@ -2191,8 +2953,8 @@
         </p:nvSpPr>
         <p:spPr>
           <a:xfrm>
-            <a:off x="183485" y="1133952"/>
-            <a:ext cx="859153" cy="2100785"/>
+            <a:off x="736455" y="2267902"/>
+            <a:ext cx="3448388" cy="4201570"/>
           </a:xfrm>
         </p:spPr>
         <p:txBody>
@@ -2200,46 +2962,46 @@
           <a:lstStyle>
             <a:lvl1pPr marL="0" indent="0">
               <a:buNone/>
-              <a:defRPr sz="466"/>
+              <a:defRPr sz="1764"/>
             </a:lvl1pPr>
-            <a:lvl2pPr marL="133182" indent="0">
+            <a:lvl2pPr marL="503972" indent="0">
               <a:buNone/>
-              <a:defRPr sz="408"/>
+              <a:defRPr sz="1543"/>
             </a:lvl2pPr>
-            <a:lvl3pPr marL="266365" indent="0">
+            <a:lvl3pPr marL="1007943" indent="0">
               <a:buNone/>
-              <a:defRPr sz="350"/>
+              <a:defRPr sz="1323"/>
             </a:lvl3pPr>
-            <a:lvl4pPr marL="399547" indent="0">
+            <a:lvl4pPr marL="1511915" indent="0">
               <a:buNone/>
-              <a:defRPr sz="291"/>
+              <a:defRPr sz="1102"/>
             </a:lvl4pPr>
-            <a:lvl5pPr marL="532729" indent="0">
+            <a:lvl5pPr marL="2015886" indent="0">
               <a:buNone/>
-              <a:defRPr sz="291"/>
+              <a:defRPr sz="1102"/>
             </a:lvl5pPr>
-            <a:lvl6pPr marL="665912" indent="0">
+            <a:lvl6pPr marL="2519858" indent="0">
               <a:buNone/>
-              <a:defRPr sz="291"/>
+              <a:defRPr sz="1102"/>
             </a:lvl6pPr>
-            <a:lvl7pPr marL="799094" indent="0">
+            <a:lvl7pPr marL="3023829" indent="0">
               <a:buNone/>
-              <a:defRPr sz="291"/>
+              <a:defRPr sz="1102"/>
             </a:lvl7pPr>
-            <a:lvl8pPr marL="932277" indent="0">
+            <a:lvl8pPr marL="3527801" indent="0">
               <a:buNone/>
-              <a:defRPr sz="291"/>
+              <a:defRPr sz="1102"/>
             </a:lvl8pPr>
-            <a:lvl9pPr marL="1065459" indent="0">
+            <a:lvl9pPr marL="4031772" indent="0">
               <a:buNone/>
-              <a:defRPr sz="291"/>
+              <a:defRPr sz="1102"/>
             </a:lvl9pPr>
           </a:lstStyle>
           <a:p>
             <a:pPr lvl="0"/>
             <a:r>
-              <a:rPr lang="en-GB"/>
-              <a:t>Click to edit Master text styles</a:t>
+              <a:rPr lang="pt-PT"/>
+              <a:t>Clique para editar os estilos do texto de Modelo Global</a:t>
             </a:r>
           </a:p>
         </p:txBody>
@@ -2259,11 +3021,11 @@
           <a:bodyPr/>
           <a:lstStyle/>
           <a:p>
-            <a:fld id="{4396440E-B2BA-6240-B9E6-900904A069FA}" type="datetimeFigureOut">
-              <a:rPr lang="en-US" smtClean="0"/>
-              <a:t>10/14/2024</a:t>
+            <a:fld id="{8CBBEDC4-0237-4333-9F6F-D11263F3B0D3}" type="datetimeFigureOut">
+              <a:rPr lang="pt-PT" smtClean="0"/>
+              <a:t>10/11/2024</a:t>
             </a:fld>
-            <a:endParaRPr lang="en-US"/>
+            <a:endParaRPr lang="pt-PT"/>
           </a:p>
         </p:txBody>
       </p:sp>
@@ -2282,7 +3044,7 @@
           <a:bodyPr/>
           <a:lstStyle/>
           <a:p>
-            <a:endParaRPr lang="en-US"/>
+            <a:endParaRPr lang="pt-PT"/>
           </a:p>
         </p:txBody>
       </p:sp>
@@ -2301,18 +3063,18 @@
           <a:bodyPr/>
           <a:lstStyle/>
           <a:p>
-            <a:fld id="{8D0F2ABB-4D25-C24D-91B5-09A2925BEB98}" type="slidenum">
-              <a:rPr lang="en-US" smtClean="0"/>
+            <a:fld id="{F05D259D-0BDB-4017-A713-98895A4B8E38}" type="slidenum">
+              <a:rPr lang="pt-PT" smtClean="0"/>
               <a:t>‹nº›</a:t>
             </a:fld>
-            <a:endParaRPr lang="en-US"/>
+            <a:endParaRPr lang="pt-PT"/>
           </a:p>
         </p:txBody>
       </p:sp>
     </p:spTree>
     <p:extLst>
       <p:ext uri="{BB962C8B-B14F-4D97-AF65-F5344CB8AC3E}">
-        <p14:creationId xmlns:p14="http://schemas.microsoft.com/office/powerpoint/2010/main" val="3725360771"/>
+        <p14:creationId xmlns:p14="http://schemas.microsoft.com/office/powerpoint/2010/main" val="3746126953"/>
       </p:ext>
     </p:extLst>
   </p:cSld>
@@ -2324,7 +3086,7 @@
 
 <file path=ppt/slideLayouts/slideLayout9.xml><?xml version="1.0" encoding="utf-8"?>
 <p:sldLayout xmlns:a="http://schemas.openxmlformats.org/drawingml/2006/main" xmlns:r="http://schemas.openxmlformats.org/officeDocument/2006/relationships" xmlns:p="http://schemas.openxmlformats.org/presentationml/2006/main" type="picTx" preserve="1">
-  <p:cSld name="Picture with Caption">
+  <p:cSld name="Imagem com Legenda">
     <p:spTree>
       <p:nvGrpSpPr>
         <p:cNvPr id="1" name=""/>
@@ -2351,21 +3113,21 @@
         </p:nvSpPr>
         <p:spPr>
           <a:xfrm>
-            <a:off x="183485" y="251989"/>
-            <a:ext cx="859153" cy="881962"/>
+            <a:off x="736455" y="503978"/>
+            <a:ext cx="3448388" cy="1763924"/>
           </a:xfrm>
         </p:spPr>
         <p:txBody>
           <a:bodyPr anchor="b"/>
           <a:lstStyle>
             <a:lvl1pPr>
-              <a:defRPr sz="932"/>
+              <a:defRPr sz="3527"/>
             </a:lvl1pPr>
           </a:lstStyle>
           <a:p>
             <a:r>
-              <a:rPr lang="en-GB"/>
-              <a:t>Click to edit Master title style</a:t>
+              <a:rPr lang="pt-PT"/>
+              <a:t>Clique para editar o estilo de título do Modelo Global</a:t>
             </a:r>
             <a:endParaRPr lang="en-US" dirty="0"/>
           </a:p>
@@ -2383,8 +3145,8 @@
         </p:nvSpPr>
         <p:spPr>
           <a:xfrm>
-            <a:off x="1132473" y="544227"/>
-            <a:ext cx="1348561" cy="2686135"/>
+            <a:off x="4545413" y="1088455"/>
+            <a:ext cx="5412730" cy="5372269"/>
           </a:xfrm>
         </p:spPr>
         <p:txBody>
@@ -2392,45 +3154,45 @@
           <a:lstStyle>
             <a:lvl1pPr marL="0" indent="0">
               <a:buNone/>
-              <a:defRPr sz="932"/>
+              <a:defRPr sz="3527"/>
             </a:lvl1pPr>
-            <a:lvl2pPr marL="133182" indent="0">
+            <a:lvl2pPr marL="503972" indent="0">
               <a:buNone/>
-              <a:defRPr sz="816"/>
+              <a:defRPr sz="3086"/>
             </a:lvl2pPr>
-            <a:lvl3pPr marL="266365" indent="0">
+            <a:lvl3pPr marL="1007943" indent="0">
               <a:buNone/>
-              <a:defRPr sz="699"/>
+              <a:defRPr sz="2646"/>
             </a:lvl3pPr>
-            <a:lvl4pPr marL="399547" indent="0">
+            <a:lvl4pPr marL="1511915" indent="0">
               <a:buNone/>
-              <a:defRPr sz="583"/>
+              <a:defRPr sz="2205"/>
             </a:lvl4pPr>
-            <a:lvl5pPr marL="532729" indent="0">
+            <a:lvl5pPr marL="2015886" indent="0">
               <a:buNone/>
-              <a:defRPr sz="583"/>
+              <a:defRPr sz="2205"/>
             </a:lvl5pPr>
-            <a:lvl6pPr marL="665912" indent="0">
+            <a:lvl6pPr marL="2519858" indent="0">
               <a:buNone/>
-              <a:defRPr sz="583"/>
+              <a:defRPr sz="2205"/>
             </a:lvl6pPr>
-            <a:lvl7pPr marL="799094" indent="0">
+            <a:lvl7pPr marL="3023829" indent="0">
               <a:buNone/>
-              <a:defRPr sz="583"/>
+              <a:defRPr sz="2205"/>
             </a:lvl7pPr>
-            <a:lvl8pPr marL="932277" indent="0">
+            <a:lvl8pPr marL="3527801" indent="0">
               <a:buNone/>
-              <a:defRPr sz="583"/>
+              <a:defRPr sz="2205"/>
             </a:lvl8pPr>
-            <a:lvl9pPr marL="1065459" indent="0">
+            <a:lvl9pPr marL="4031772" indent="0">
               <a:buNone/>
-              <a:defRPr sz="583"/>
+              <a:defRPr sz="2205"/>
             </a:lvl9pPr>
           </a:lstStyle>
           <a:p>
             <a:r>
-              <a:rPr lang="en-GB"/>
-              <a:t>Click icon to add picture</a:t>
+              <a:rPr lang="pt-PT"/>
+              <a:t>Clique no ícone para adicionar uma imagem</a:t>
             </a:r>
             <a:endParaRPr lang="en-US" dirty="0"/>
           </a:p>
@@ -2448,8 +3210,8 @@
         </p:nvSpPr>
         <p:spPr>
           <a:xfrm>
-            <a:off x="183485" y="1133952"/>
-            <a:ext cx="859153" cy="2100785"/>
+            <a:off x="736455" y="2267902"/>
+            <a:ext cx="3448388" cy="4201570"/>
           </a:xfrm>
         </p:spPr>
         <p:txBody>
@@ -2457,46 +3219,46 @@
           <a:lstStyle>
             <a:lvl1pPr marL="0" indent="0">
               <a:buNone/>
-              <a:defRPr sz="466"/>
+              <a:defRPr sz="1764"/>
             </a:lvl1pPr>
-            <a:lvl2pPr marL="133182" indent="0">
+            <a:lvl2pPr marL="503972" indent="0">
               <a:buNone/>
-              <a:defRPr sz="408"/>
+              <a:defRPr sz="1543"/>
             </a:lvl2pPr>
-            <a:lvl3pPr marL="266365" indent="0">
+            <a:lvl3pPr marL="1007943" indent="0">
               <a:buNone/>
-              <a:defRPr sz="350"/>
+              <a:defRPr sz="1323"/>
             </a:lvl3pPr>
-            <a:lvl4pPr marL="399547" indent="0">
+            <a:lvl4pPr marL="1511915" indent="0">
               <a:buNone/>
-              <a:defRPr sz="291"/>
+              <a:defRPr sz="1102"/>
             </a:lvl4pPr>
-            <a:lvl5pPr marL="532729" indent="0">
+            <a:lvl5pPr marL="2015886" indent="0">
               <a:buNone/>
-              <a:defRPr sz="291"/>
+              <a:defRPr sz="1102"/>
             </a:lvl5pPr>
-            <a:lvl6pPr marL="665912" indent="0">
+            <a:lvl6pPr marL="2519858" indent="0">
               <a:buNone/>
-              <a:defRPr sz="291"/>
+              <a:defRPr sz="1102"/>
             </a:lvl6pPr>
-            <a:lvl7pPr marL="799094" indent="0">
+            <a:lvl7pPr marL="3023829" indent="0">
               <a:buNone/>
-              <a:defRPr sz="291"/>
+              <a:defRPr sz="1102"/>
             </a:lvl7pPr>
-            <a:lvl8pPr marL="932277" indent="0">
+            <a:lvl8pPr marL="3527801" indent="0">
               <a:buNone/>
-              <a:defRPr sz="291"/>
+              <a:defRPr sz="1102"/>
             </a:lvl8pPr>
-            <a:lvl9pPr marL="1065459" indent="0">
+            <a:lvl9pPr marL="4031772" indent="0">
               <a:buNone/>
-              <a:defRPr sz="291"/>
+              <a:defRPr sz="1102"/>
             </a:lvl9pPr>
           </a:lstStyle>
           <a:p>
             <a:pPr lvl="0"/>
             <a:r>
-              <a:rPr lang="en-GB"/>
-              <a:t>Click to edit Master text styles</a:t>
+              <a:rPr lang="pt-PT"/>
+              <a:t>Clique para editar os estilos do texto de Modelo Global</a:t>
             </a:r>
           </a:p>
         </p:txBody>
@@ -2516,11 +3278,11 @@
           <a:bodyPr/>
           <a:lstStyle/>
           <a:p>
-            <a:fld id="{4396440E-B2BA-6240-B9E6-900904A069FA}" type="datetimeFigureOut">
-              <a:rPr lang="en-US" smtClean="0"/>
-              <a:t>10/14/2024</a:t>
+            <a:fld id="{8CBBEDC4-0237-4333-9F6F-D11263F3B0D3}" type="datetimeFigureOut">
+              <a:rPr lang="pt-PT" smtClean="0"/>
+              <a:t>10/11/2024</a:t>
             </a:fld>
-            <a:endParaRPr lang="en-US"/>
+            <a:endParaRPr lang="pt-PT"/>
           </a:p>
         </p:txBody>
       </p:sp>
@@ -2539,7 +3301,7 @@
           <a:bodyPr/>
           <a:lstStyle/>
           <a:p>
-            <a:endParaRPr lang="en-US"/>
+            <a:endParaRPr lang="pt-PT"/>
           </a:p>
         </p:txBody>
       </p:sp>
@@ -2558,18 +3320,18 @@
           <a:bodyPr/>
           <a:lstStyle/>
           <a:p>
-            <a:fld id="{8D0F2ABB-4D25-C24D-91B5-09A2925BEB98}" type="slidenum">
-              <a:rPr lang="en-US" smtClean="0"/>
+            <a:fld id="{F05D259D-0BDB-4017-A713-98895A4B8E38}" type="slidenum">
+              <a:rPr lang="pt-PT" smtClean="0"/>
               <a:t>‹nº›</a:t>
             </a:fld>
-            <a:endParaRPr lang="en-US"/>
+            <a:endParaRPr lang="pt-PT"/>
           </a:p>
         </p:txBody>
       </p:sp>
     </p:spTree>
     <p:extLst>
       <p:ext uri="{BB962C8B-B14F-4D97-AF65-F5344CB8AC3E}">
-        <p14:creationId xmlns:p14="http://schemas.microsoft.com/office/powerpoint/2010/main" val="2554888438"/>
+        <p14:creationId xmlns:p14="http://schemas.microsoft.com/office/powerpoint/2010/main" val="1268103544"/>
       </p:ext>
     </p:extLst>
   </p:cSld>
@@ -2613,8 +3375,8 @@
         </p:nvSpPr>
         <p:spPr>
           <a:xfrm>
-            <a:off x="183138" y="201242"/>
-            <a:ext cx="2297549" cy="730594"/>
+            <a:off x="735062" y="402484"/>
+            <a:ext cx="9221689" cy="1461188"/>
           </a:xfrm>
           <a:prstGeom prst="rect">
             <a:avLst/>
@@ -2627,8 +3389,8 @@
           <a:lstStyle/>
           <a:p>
             <a:r>
-              <a:rPr lang="en-GB"/>
-              <a:t>Click to edit Master title style</a:t>
+              <a:rPr lang="pt-PT"/>
+              <a:t>Clique para editar o estilo de título do Modelo Global</a:t>
             </a:r>
             <a:endParaRPr lang="en-US" dirty="0"/>
           </a:p>
@@ -2646,8 +3408,8 @@
         </p:nvSpPr>
         <p:spPr>
           <a:xfrm>
-            <a:off x="183138" y="1006207"/>
-            <a:ext cx="2297549" cy="2398272"/>
+            <a:off x="735062" y="2012414"/>
+            <a:ext cx="9221689" cy="4796544"/>
           </a:xfrm>
           <a:prstGeom prst="rect">
             <a:avLst/>
@@ -2661,36 +3423,36 @@
           <a:p>
             <a:pPr lvl="0"/>
             <a:r>
-              <a:rPr lang="en-GB"/>
-              <a:t>Click to edit Master text styles</a:t>
+              <a:rPr lang="pt-PT"/>
+              <a:t>Clique para editar os estilos do texto de Modelo Global</a:t>
             </a:r>
           </a:p>
           <a:p>
             <a:pPr lvl="1"/>
             <a:r>
-              <a:rPr lang="en-GB"/>
-              <a:t>Second level</a:t>
+              <a:rPr lang="pt-PT"/>
+              <a:t>Segundo nível</a:t>
             </a:r>
           </a:p>
           <a:p>
             <a:pPr lvl="2"/>
             <a:r>
-              <a:rPr lang="en-GB"/>
-              <a:t>Third level</a:t>
+              <a:rPr lang="pt-PT"/>
+              <a:t>Terceiro nível</a:t>
             </a:r>
           </a:p>
           <a:p>
             <a:pPr lvl="3"/>
             <a:r>
-              <a:rPr lang="en-GB"/>
-              <a:t>Fourth level</a:t>
+              <a:rPr lang="pt-PT"/>
+              <a:t>Quarto nível</a:t>
             </a:r>
           </a:p>
           <a:p>
             <a:pPr lvl="4"/>
             <a:r>
-              <a:rPr lang="en-GB"/>
-              <a:t>Fifth level</a:t>
+              <a:rPr lang="pt-PT"/>
+              <a:t>Quinto nível</a:t>
             </a:r>
             <a:endParaRPr lang="en-US" dirty="0"/>
           </a:p>
@@ -2708,8 +3470,8 @@
         </p:nvSpPr>
         <p:spPr>
           <a:xfrm>
-            <a:off x="183138" y="3503351"/>
-            <a:ext cx="599361" cy="201241"/>
+            <a:off x="735062" y="7006700"/>
+            <a:ext cx="2405658" cy="402483"/>
           </a:xfrm>
           <a:prstGeom prst="rect">
             <a:avLst/>
@@ -2719,7 +3481,7 @@
           <a:bodyPr vert="horz" lIns="91440" tIns="45720" rIns="91440" bIns="45720" rtlCol="0" anchor="ctr"/>
           <a:lstStyle>
             <a:lvl1pPr algn="l">
-              <a:defRPr sz="350">
+              <a:defRPr sz="1323">
                 <a:solidFill>
                   <a:schemeClr val="tx1">
                     <a:tint val="82000"/>
@@ -2729,11 +3491,11 @@
             </a:lvl1pPr>
           </a:lstStyle>
           <a:p>
-            <a:fld id="{4396440E-B2BA-6240-B9E6-900904A069FA}" type="datetimeFigureOut">
-              <a:rPr lang="en-US" smtClean="0"/>
-              <a:t>10/14/2024</a:t>
+            <a:fld id="{8CBBEDC4-0237-4333-9F6F-D11263F3B0D3}" type="datetimeFigureOut">
+              <a:rPr lang="pt-PT" smtClean="0"/>
+              <a:t>10/11/2024</a:t>
             </a:fld>
-            <a:endParaRPr lang="en-US"/>
+            <a:endParaRPr lang="pt-PT"/>
           </a:p>
         </p:txBody>
       </p:sp>
@@ -2749,8 +3511,8 @@
         </p:nvSpPr>
         <p:spPr>
           <a:xfrm>
-            <a:off x="882392" y="3503351"/>
-            <a:ext cx="899041" cy="201241"/>
+            <a:off x="3541663" y="7006700"/>
+            <a:ext cx="3608487" cy="402483"/>
           </a:xfrm>
           <a:prstGeom prst="rect">
             <a:avLst/>
@@ -2760,7 +3522,7 @@
           <a:bodyPr vert="horz" lIns="91440" tIns="45720" rIns="91440" bIns="45720" rtlCol="0" anchor="ctr"/>
           <a:lstStyle>
             <a:lvl1pPr algn="ctr">
-              <a:defRPr sz="350">
+              <a:defRPr sz="1323">
                 <a:solidFill>
                   <a:schemeClr val="tx1">
                     <a:tint val="82000"/>
@@ -2770,7 +3532,7 @@
             </a:lvl1pPr>
           </a:lstStyle>
           <a:p>
-            <a:endParaRPr lang="en-US"/>
+            <a:endParaRPr lang="pt-PT"/>
           </a:p>
         </p:txBody>
       </p:sp>
@@ -2786,8 +3548,8 @@
         </p:nvSpPr>
         <p:spPr>
           <a:xfrm>
-            <a:off x="1881326" y="3503351"/>
-            <a:ext cx="599361" cy="201241"/>
+            <a:off x="7551093" y="7006700"/>
+            <a:ext cx="2405658" cy="402483"/>
           </a:xfrm>
           <a:prstGeom prst="rect">
             <a:avLst/>
@@ -2797,7 +3559,7 @@
           <a:bodyPr vert="horz" lIns="91440" tIns="45720" rIns="91440" bIns="45720" rtlCol="0" anchor="ctr"/>
           <a:lstStyle>
             <a:lvl1pPr algn="r">
-              <a:defRPr sz="350">
+              <a:defRPr sz="1323">
                 <a:solidFill>
                   <a:schemeClr val="tx1">
                     <a:tint val="82000"/>
@@ -2807,38 +3569,38 @@
             </a:lvl1pPr>
           </a:lstStyle>
           <a:p>
-            <a:fld id="{8D0F2ABB-4D25-C24D-91B5-09A2925BEB98}" type="slidenum">
-              <a:rPr lang="en-US" smtClean="0"/>
+            <a:fld id="{F05D259D-0BDB-4017-A713-98895A4B8E38}" type="slidenum">
+              <a:rPr lang="pt-PT" smtClean="0"/>
               <a:t>‹nº›</a:t>
             </a:fld>
-            <a:endParaRPr lang="en-US"/>
+            <a:endParaRPr lang="pt-PT"/>
           </a:p>
         </p:txBody>
       </p:sp>
     </p:spTree>
     <p:extLst>
       <p:ext uri="{BB962C8B-B14F-4D97-AF65-F5344CB8AC3E}">
-        <p14:creationId xmlns:p14="http://schemas.microsoft.com/office/powerpoint/2010/main" val="978331138"/>
+        <p14:creationId xmlns:p14="http://schemas.microsoft.com/office/powerpoint/2010/main" val="1913448584"/>
       </p:ext>
     </p:extLst>
   </p:cSld>
   <p:clrMap bg1="lt1" tx1="dk1" bg2="lt2" tx2="dk2" accent1="accent1" accent2="accent2" accent3="accent3" accent4="accent4" accent5="accent5" accent6="accent6" hlink="hlink" folHlink="folHlink"/>
   <p:sldLayoutIdLst>
-    <p:sldLayoutId id="2147483685" r:id="rId1"/>
-    <p:sldLayoutId id="2147483686" r:id="rId2"/>
-    <p:sldLayoutId id="2147483687" r:id="rId3"/>
-    <p:sldLayoutId id="2147483688" r:id="rId4"/>
-    <p:sldLayoutId id="2147483689" r:id="rId5"/>
-    <p:sldLayoutId id="2147483690" r:id="rId6"/>
-    <p:sldLayoutId id="2147483691" r:id="rId7"/>
-    <p:sldLayoutId id="2147483692" r:id="rId8"/>
-    <p:sldLayoutId id="2147483693" r:id="rId9"/>
-    <p:sldLayoutId id="2147483694" r:id="rId10"/>
-    <p:sldLayoutId id="2147483695" r:id="rId11"/>
+    <p:sldLayoutId id="2147483661" r:id="rId1"/>
+    <p:sldLayoutId id="2147483662" r:id="rId2"/>
+    <p:sldLayoutId id="2147483663" r:id="rId3"/>
+    <p:sldLayoutId id="2147483664" r:id="rId4"/>
+    <p:sldLayoutId id="2147483665" r:id="rId5"/>
+    <p:sldLayoutId id="2147483666" r:id="rId6"/>
+    <p:sldLayoutId id="2147483667" r:id="rId7"/>
+    <p:sldLayoutId id="2147483668" r:id="rId8"/>
+    <p:sldLayoutId id="2147483669" r:id="rId9"/>
+    <p:sldLayoutId id="2147483670" r:id="rId10"/>
+    <p:sldLayoutId id="2147483671" r:id="rId11"/>
   </p:sldLayoutIdLst>
   <p:txStyles>
     <p:titleStyle>
-      <a:lvl1pPr algn="l" defTabSz="266365" rtl="0" eaLnBrk="1" latinLnBrk="0" hangingPunct="1">
+      <a:lvl1pPr algn="l" defTabSz="1007943" rtl="0" eaLnBrk="1" latinLnBrk="0" hangingPunct="1">
         <a:lnSpc>
           <a:spcPct val="90000"/>
         </a:lnSpc>
@@ -2846,7 +3608,7 @@
           <a:spcPct val="0"/>
         </a:spcBef>
         <a:buNone/>
-        <a:defRPr sz="1282" kern="1200">
+        <a:defRPr sz="4850" kern="1200">
           <a:solidFill>
             <a:schemeClr val="tx1"/>
           </a:solidFill>
@@ -2857,16 +3619,16 @@
       </a:lvl1pPr>
     </p:titleStyle>
     <p:bodyStyle>
-      <a:lvl1pPr marL="66591" indent="-66591" algn="l" defTabSz="266365" rtl="0" eaLnBrk="1" latinLnBrk="0" hangingPunct="1">
+      <a:lvl1pPr marL="251986" indent="-251986" algn="l" defTabSz="1007943" rtl="0" eaLnBrk="1" latinLnBrk="0" hangingPunct="1">
         <a:lnSpc>
           <a:spcPct val="90000"/>
         </a:lnSpc>
         <a:spcBef>
-          <a:spcPts val="291"/>
+          <a:spcPts val="1102"/>
         </a:spcBef>
         <a:buFont typeface="Arial" panose="020B0604020202020204" pitchFamily="34" charset="0"/>
         <a:buChar char="•"/>
-        <a:defRPr sz="816" kern="1200">
+        <a:defRPr sz="3086" kern="1200">
           <a:solidFill>
             <a:schemeClr val="tx1"/>
           </a:solidFill>
@@ -2875,16 +3637,16 @@
           <a:cs typeface="+mn-cs"/>
         </a:defRPr>
       </a:lvl1pPr>
-      <a:lvl2pPr marL="199774" indent="-66591" algn="l" defTabSz="266365" rtl="0" eaLnBrk="1" latinLnBrk="0" hangingPunct="1">
+      <a:lvl2pPr marL="755957" indent="-251986" algn="l" defTabSz="1007943" rtl="0" eaLnBrk="1" latinLnBrk="0" hangingPunct="1">
         <a:lnSpc>
           <a:spcPct val="90000"/>
         </a:lnSpc>
         <a:spcBef>
-          <a:spcPts val="146"/>
+          <a:spcPts val="551"/>
         </a:spcBef>
         <a:buFont typeface="Arial" panose="020B0604020202020204" pitchFamily="34" charset="0"/>
         <a:buChar char="•"/>
-        <a:defRPr sz="699" kern="1200">
+        <a:defRPr sz="2646" kern="1200">
           <a:solidFill>
             <a:schemeClr val="tx1"/>
           </a:solidFill>
@@ -2893,16 +3655,16 @@
           <a:cs typeface="+mn-cs"/>
         </a:defRPr>
       </a:lvl2pPr>
-      <a:lvl3pPr marL="332956" indent="-66591" algn="l" defTabSz="266365" rtl="0" eaLnBrk="1" latinLnBrk="0" hangingPunct="1">
+      <a:lvl3pPr marL="1259929" indent="-251986" algn="l" defTabSz="1007943" rtl="0" eaLnBrk="1" latinLnBrk="0" hangingPunct="1">
         <a:lnSpc>
           <a:spcPct val="90000"/>
         </a:lnSpc>
         <a:spcBef>
-          <a:spcPts val="146"/>
+          <a:spcPts val="551"/>
         </a:spcBef>
         <a:buFont typeface="Arial" panose="020B0604020202020204" pitchFamily="34" charset="0"/>
         <a:buChar char="•"/>
-        <a:defRPr sz="583" kern="1200">
+        <a:defRPr sz="2205" kern="1200">
           <a:solidFill>
             <a:schemeClr val="tx1"/>
           </a:solidFill>
@@ -2911,16 +3673,16 @@
           <a:cs typeface="+mn-cs"/>
         </a:defRPr>
       </a:lvl3pPr>
-      <a:lvl4pPr marL="466138" indent="-66591" algn="l" defTabSz="266365" rtl="0" eaLnBrk="1" latinLnBrk="0" hangingPunct="1">
+      <a:lvl4pPr marL="1763900" indent="-251986" algn="l" defTabSz="1007943" rtl="0" eaLnBrk="1" latinLnBrk="0" hangingPunct="1">
         <a:lnSpc>
           <a:spcPct val="90000"/>
         </a:lnSpc>
         <a:spcBef>
-          <a:spcPts val="146"/>
+          <a:spcPts val="551"/>
         </a:spcBef>
         <a:buFont typeface="Arial" panose="020B0604020202020204" pitchFamily="34" charset="0"/>
         <a:buChar char="•"/>
-        <a:defRPr sz="524" kern="1200">
+        <a:defRPr sz="1984" kern="1200">
           <a:solidFill>
             <a:schemeClr val="tx1"/>
           </a:solidFill>
@@ -2929,16 +3691,16 @@
           <a:cs typeface="+mn-cs"/>
         </a:defRPr>
       </a:lvl4pPr>
-      <a:lvl5pPr marL="599321" indent="-66591" algn="l" defTabSz="266365" rtl="0" eaLnBrk="1" latinLnBrk="0" hangingPunct="1">
+      <a:lvl5pPr marL="2267872" indent="-251986" algn="l" defTabSz="1007943" rtl="0" eaLnBrk="1" latinLnBrk="0" hangingPunct="1">
         <a:lnSpc>
           <a:spcPct val="90000"/>
         </a:lnSpc>
         <a:spcBef>
-          <a:spcPts val="146"/>
+          <a:spcPts val="551"/>
         </a:spcBef>
         <a:buFont typeface="Arial" panose="020B0604020202020204" pitchFamily="34" charset="0"/>
         <a:buChar char="•"/>
-        <a:defRPr sz="524" kern="1200">
+        <a:defRPr sz="1984" kern="1200">
           <a:solidFill>
             <a:schemeClr val="tx1"/>
           </a:solidFill>
@@ -2947,16 +3709,16 @@
           <a:cs typeface="+mn-cs"/>
         </a:defRPr>
       </a:lvl5pPr>
-      <a:lvl6pPr marL="732503" indent="-66591" algn="l" defTabSz="266365" rtl="0" eaLnBrk="1" latinLnBrk="0" hangingPunct="1">
+      <a:lvl6pPr marL="2771844" indent="-251986" algn="l" defTabSz="1007943" rtl="0" eaLnBrk="1" latinLnBrk="0" hangingPunct="1">
         <a:lnSpc>
           <a:spcPct val="90000"/>
         </a:lnSpc>
         <a:spcBef>
-          <a:spcPts val="146"/>
+          <a:spcPts val="551"/>
         </a:spcBef>
         <a:buFont typeface="Arial" panose="020B0604020202020204" pitchFamily="34" charset="0"/>
         <a:buChar char="•"/>
-        <a:defRPr sz="524" kern="1200">
+        <a:defRPr sz="1984" kern="1200">
           <a:solidFill>
             <a:schemeClr val="tx1"/>
           </a:solidFill>
@@ -2965,16 +3727,16 @@
           <a:cs typeface="+mn-cs"/>
         </a:defRPr>
       </a:lvl6pPr>
-      <a:lvl7pPr marL="865685" indent="-66591" algn="l" defTabSz="266365" rtl="0" eaLnBrk="1" latinLnBrk="0" hangingPunct="1">
+      <a:lvl7pPr marL="3275815" indent="-251986" algn="l" defTabSz="1007943" rtl="0" eaLnBrk="1" latinLnBrk="0" hangingPunct="1">
         <a:lnSpc>
           <a:spcPct val="90000"/>
         </a:lnSpc>
         <a:spcBef>
-          <a:spcPts val="146"/>
+          <a:spcPts val="551"/>
         </a:spcBef>
         <a:buFont typeface="Arial" panose="020B0604020202020204" pitchFamily="34" charset="0"/>
         <a:buChar char="•"/>
-        <a:defRPr sz="524" kern="1200">
+        <a:defRPr sz="1984" kern="1200">
           <a:solidFill>
             <a:schemeClr val="tx1"/>
           </a:solidFill>
@@ -2983,16 +3745,16 @@
           <a:cs typeface="+mn-cs"/>
         </a:defRPr>
       </a:lvl7pPr>
-      <a:lvl8pPr marL="998868" indent="-66591" algn="l" defTabSz="266365" rtl="0" eaLnBrk="1" latinLnBrk="0" hangingPunct="1">
+      <a:lvl8pPr marL="3779787" indent="-251986" algn="l" defTabSz="1007943" rtl="0" eaLnBrk="1" latinLnBrk="0" hangingPunct="1">
         <a:lnSpc>
           <a:spcPct val="90000"/>
         </a:lnSpc>
         <a:spcBef>
-          <a:spcPts val="146"/>
+          <a:spcPts val="551"/>
         </a:spcBef>
         <a:buFont typeface="Arial" panose="020B0604020202020204" pitchFamily="34" charset="0"/>
         <a:buChar char="•"/>
-        <a:defRPr sz="524" kern="1200">
+        <a:defRPr sz="1984" kern="1200">
           <a:solidFill>
             <a:schemeClr val="tx1"/>
           </a:solidFill>
@@ -3001,16 +3763,16 @@
           <a:cs typeface="+mn-cs"/>
         </a:defRPr>
       </a:lvl8pPr>
-      <a:lvl9pPr marL="1132050" indent="-66591" algn="l" defTabSz="266365" rtl="0" eaLnBrk="1" latinLnBrk="0" hangingPunct="1">
+      <a:lvl9pPr marL="4283758" indent="-251986" algn="l" defTabSz="1007943" rtl="0" eaLnBrk="1" latinLnBrk="0" hangingPunct="1">
         <a:lnSpc>
           <a:spcPct val="90000"/>
         </a:lnSpc>
         <a:spcBef>
-          <a:spcPts val="146"/>
+          <a:spcPts val="551"/>
         </a:spcBef>
         <a:buFont typeface="Arial" panose="020B0604020202020204" pitchFamily="34" charset="0"/>
         <a:buChar char="•"/>
-        <a:defRPr sz="524" kern="1200">
+        <a:defRPr sz="1984" kern="1200">
           <a:solidFill>
             <a:schemeClr val="tx1"/>
           </a:solidFill>
@@ -3024,8 +3786,8 @@
       <a:defPPr>
         <a:defRPr lang="en-US"/>
       </a:defPPr>
-      <a:lvl1pPr marL="0" algn="l" defTabSz="266365" rtl="0" eaLnBrk="1" latinLnBrk="0" hangingPunct="1">
-        <a:defRPr sz="524" kern="1200">
+      <a:lvl1pPr marL="0" algn="l" defTabSz="1007943" rtl="0" eaLnBrk="1" latinLnBrk="0" hangingPunct="1">
+        <a:defRPr sz="1984" kern="1200">
           <a:solidFill>
             <a:schemeClr val="tx1"/>
           </a:solidFill>
@@ -3034,8 +3796,8 @@
           <a:cs typeface="+mn-cs"/>
         </a:defRPr>
       </a:lvl1pPr>
-      <a:lvl2pPr marL="133182" algn="l" defTabSz="266365" rtl="0" eaLnBrk="1" latinLnBrk="0" hangingPunct="1">
-        <a:defRPr sz="524" kern="1200">
+      <a:lvl2pPr marL="503972" algn="l" defTabSz="1007943" rtl="0" eaLnBrk="1" latinLnBrk="0" hangingPunct="1">
+        <a:defRPr sz="1984" kern="1200">
           <a:solidFill>
             <a:schemeClr val="tx1"/>
           </a:solidFill>
@@ -3044,8 +3806,8 @@
           <a:cs typeface="+mn-cs"/>
         </a:defRPr>
       </a:lvl2pPr>
-      <a:lvl3pPr marL="266365" algn="l" defTabSz="266365" rtl="0" eaLnBrk="1" latinLnBrk="0" hangingPunct="1">
-        <a:defRPr sz="524" kern="1200">
+      <a:lvl3pPr marL="1007943" algn="l" defTabSz="1007943" rtl="0" eaLnBrk="1" latinLnBrk="0" hangingPunct="1">
+        <a:defRPr sz="1984" kern="1200">
           <a:solidFill>
             <a:schemeClr val="tx1"/>
           </a:solidFill>
@@ -3054,8 +3816,8 @@
           <a:cs typeface="+mn-cs"/>
         </a:defRPr>
       </a:lvl3pPr>
-      <a:lvl4pPr marL="399547" algn="l" defTabSz="266365" rtl="0" eaLnBrk="1" latinLnBrk="0" hangingPunct="1">
-        <a:defRPr sz="524" kern="1200">
+      <a:lvl4pPr marL="1511915" algn="l" defTabSz="1007943" rtl="0" eaLnBrk="1" latinLnBrk="0" hangingPunct="1">
+        <a:defRPr sz="1984" kern="1200">
           <a:solidFill>
             <a:schemeClr val="tx1"/>
           </a:solidFill>
@@ -3064,8 +3826,8 @@
           <a:cs typeface="+mn-cs"/>
         </a:defRPr>
       </a:lvl4pPr>
-      <a:lvl5pPr marL="532729" algn="l" defTabSz="266365" rtl="0" eaLnBrk="1" latinLnBrk="0" hangingPunct="1">
-        <a:defRPr sz="524" kern="1200">
+      <a:lvl5pPr marL="2015886" algn="l" defTabSz="1007943" rtl="0" eaLnBrk="1" latinLnBrk="0" hangingPunct="1">
+        <a:defRPr sz="1984" kern="1200">
           <a:solidFill>
             <a:schemeClr val="tx1"/>
           </a:solidFill>
@@ -3074,8 +3836,8 @@
           <a:cs typeface="+mn-cs"/>
         </a:defRPr>
       </a:lvl5pPr>
-      <a:lvl6pPr marL="665912" algn="l" defTabSz="266365" rtl="0" eaLnBrk="1" latinLnBrk="0" hangingPunct="1">
-        <a:defRPr sz="524" kern="1200">
+      <a:lvl6pPr marL="2519858" algn="l" defTabSz="1007943" rtl="0" eaLnBrk="1" latinLnBrk="0" hangingPunct="1">
+        <a:defRPr sz="1984" kern="1200">
           <a:solidFill>
             <a:schemeClr val="tx1"/>
           </a:solidFill>
@@ -3084,8 +3846,8 @@
           <a:cs typeface="+mn-cs"/>
         </a:defRPr>
       </a:lvl6pPr>
-      <a:lvl7pPr marL="799094" algn="l" defTabSz="266365" rtl="0" eaLnBrk="1" latinLnBrk="0" hangingPunct="1">
-        <a:defRPr sz="524" kern="1200">
+      <a:lvl7pPr marL="3023829" algn="l" defTabSz="1007943" rtl="0" eaLnBrk="1" latinLnBrk="0" hangingPunct="1">
+        <a:defRPr sz="1984" kern="1200">
           <a:solidFill>
             <a:schemeClr val="tx1"/>
           </a:solidFill>
@@ -3094,8 +3856,8 @@
           <a:cs typeface="+mn-cs"/>
         </a:defRPr>
       </a:lvl7pPr>
-      <a:lvl8pPr marL="932277" algn="l" defTabSz="266365" rtl="0" eaLnBrk="1" latinLnBrk="0" hangingPunct="1">
-        <a:defRPr sz="524" kern="1200">
+      <a:lvl8pPr marL="3527801" algn="l" defTabSz="1007943" rtl="0" eaLnBrk="1" latinLnBrk="0" hangingPunct="1">
+        <a:defRPr sz="1984" kern="1200">
           <a:solidFill>
             <a:schemeClr val="tx1"/>
           </a:solidFill>
@@ -3104,8 +3866,8 @@
           <a:cs typeface="+mn-cs"/>
         </a:defRPr>
       </a:lvl8pPr>
-      <a:lvl9pPr marL="1065459" algn="l" defTabSz="266365" rtl="0" eaLnBrk="1" latinLnBrk="0" hangingPunct="1">
-        <a:defRPr sz="524" kern="1200">
+      <a:lvl9pPr marL="4031772" algn="l" defTabSz="1007943" rtl="0" eaLnBrk="1" latinLnBrk="0" hangingPunct="1">
+        <a:defRPr sz="1984" kern="1200">
           <a:solidFill>
             <a:schemeClr val="tx1"/>
           </a:solidFill>
@@ -3124,13 +3886,7 @@
   <p:cSld>
     <p:spTree>
       <p:nvGrpSpPr>
-        <p:cNvPr id="1" name="">
-          <a:extLst>
-            <a:ext uri="{FF2B5EF4-FFF2-40B4-BE49-F238E27FC236}">
-              <a16:creationId xmlns:a16="http://schemas.microsoft.com/office/drawing/2014/main" id="{DFD87C91-D63A-BAAC-3A13-36A1EB7B670D}"/>
-            </a:ext>
-          </a:extLst>
-        </p:cNvPr>
+        <p:cNvPr id="1" name=""/>
         <p:cNvGrpSpPr/>
         <p:nvPr/>
       </p:nvGrpSpPr>
@@ -3142,548 +3898,4378 @@
           <a:chExt cx="0" cy="0"/>
         </a:xfrm>
       </p:grpSpPr>
-      <p:grpSp>
-        <p:nvGrpSpPr>
-          <p:cNvPr id="7" name="Agrupar 6">
-            <a:extLst>
-              <a:ext uri="{FF2B5EF4-FFF2-40B4-BE49-F238E27FC236}">
-                <a16:creationId xmlns:a16="http://schemas.microsoft.com/office/drawing/2014/main" id="{973751BF-10E9-D14F-C9DB-3B8973CEF061}"/>
-              </a:ext>
-            </a:extLst>
-          </p:cNvPr>
-          <p:cNvGrpSpPr/>
-          <p:nvPr/>
-        </p:nvGrpSpPr>
-        <p:grpSpPr>
-          <a:xfrm>
-            <a:off x="0" y="0"/>
-            <a:ext cx="2663825" cy="3779838"/>
-            <a:chOff x="0" y="0"/>
-            <a:chExt cx="2663825" cy="3779838"/>
-          </a:xfrm>
-        </p:grpSpPr>
-        <p:sp>
-          <p:nvSpPr>
-            <p:cNvPr id="18" name="Rectangle 17">
-              <a:extLst>
-                <a:ext uri="{FF2B5EF4-FFF2-40B4-BE49-F238E27FC236}">
-                  <a16:creationId xmlns:a16="http://schemas.microsoft.com/office/drawing/2014/main" id="{9B4F5F53-591E-2044-DE0D-658F85152029}"/>
-                </a:ext>
-              </a:extLst>
-            </p:cNvPr>
-            <p:cNvSpPr/>
-            <p:nvPr/>
-          </p:nvSpPr>
-          <p:spPr>
-            <a:xfrm>
-              <a:off x="0" y="1632426"/>
-              <a:ext cx="2663825" cy="1232979"/>
-            </a:xfrm>
-            <a:prstGeom prst="rect">
-              <a:avLst/>
-            </a:prstGeom>
+      <p:sp>
+        <p:nvSpPr>
+          <p:cNvPr id="16" name="Retângulo 15">
+            <a:extLst>
+              <a:ext uri="{FF2B5EF4-FFF2-40B4-BE49-F238E27FC236}">
+                <a16:creationId xmlns:a16="http://schemas.microsoft.com/office/drawing/2014/main" id="{AC960E24-6599-C2C4-1B76-F18487B0970D}"/>
+              </a:ext>
+            </a:extLst>
+          </p:cNvPr>
+          <p:cNvSpPr/>
+          <p:nvPr/>
+        </p:nvSpPr>
+        <p:spPr>
+          <a:xfrm>
+            <a:off x="393880" y="352026"/>
+            <a:ext cx="2336801" cy="3301978"/>
+          </a:xfrm>
+          <a:prstGeom prst="rect">
+            <a:avLst/>
+          </a:prstGeom>
+          <a:solidFill>
+            <a:schemeClr val="bg1"/>
+          </a:solidFill>
+          <a:ln>
             <a:solidFill>
-              <a:schemeClr val="bg1">
-                <a:lumMod val="85000"/>
-              </a:schemeClr>
+              <a:schemeClr val="tx1"/>
             </a:solidFill>
-            <a:ln>
-              <a:noFill/>
-            </a:ln>
-          </p:spPr>
-          <p:style>
-            <a:lnRef idx="2">
-              <a:schemeClr val="dk1"/>
-            </a:lnRef>
-            <a:fillRef idx="1">
-              <a:schemeClr val="lt1"/>
-            </a:fillRef>
-            <a:effectRef idx="0">
-              <a:schemeClr val="dk1"/>
-            </a:effectRef>
-            <a:fontRef idx="minor">
-              <a:schemeClr val="dk1"/>
-            </a:fontRef>
-          </p:style>
-          <p:txBody>
-            <a:bodyPr rtlCol="0" anchor="ctr"/>
-            <a:lstStyle/>
-            <a:p>
-              <a:pPr algn="ctr"/>
-              <a:endParaRPr lang="en-US" sz="2592"/>
-            </a:p>
-          </p:txBody>
-        </p:sp>
-        <p:pic>
-          <p:nvPicPr>
-            <p:cNvPr id="5" name="Picture 4" descr="A poster with different animals&#10;&#10;Description automatically generated with medium confidence">
-              <a:extLst>
-                <a:ext uri="{FF2B5EF4-FFF2-40B4-BE49-F238E27FC236}">
-                  <a16:creationId xmlns:a16="http://schemas.microsoft.com/office/drawing/2014/main" id="{F55CEE36-FD9D-BF5C-1917-ADD97CE4188D}"/>
-                </a:ext>
-              </a:extLst>
-            </p:cNvPr>
-            <p:cNvPicPr>
-              <a:picLocks noChangeAspect="1"/>
-            </p:cNvPicPr>
-            <p:nvPr/>
-          </p:nvPicPr>
-          <p:blipFill>
-            <a:blip r:embed="rId2"/>
-            <a:stretch>
-              <a:fillRect/>
-            </a:stretch>
-          </p:blipFill>
-          <p:spPr>
-            <a:xfrm>
-              <a:off x="677090" y="97545"/>
-              <a:ext cx="1309632" cy="1546384"/>
-            </a:xfrm>
-            <a:prstGeom prst="rect">
-              <a:avLst/>
-            </a:prstGeom>
-          </p:spPr>
-        </p:pic>
-        <p:sp>
-          <p:nvSpPr>
-            <p:cNvPr id="6" name="TextBox 5">
-              <a:extLst>
-                <a:ext uri="{FF2B5EF4-FFF2-40B4-BE49-F238E27FC236}">
-                  <a16:creationId xmlns:a16="http://schemas.microsoft.com/office/drawing/2014/main" id="{D0324529-4B64-25C4-EA6B-1037D747BD55}"/>
-                </a:ext>
-              </a:extLst>
-            </p:cNvPr>
-            <p:cNvSpPr txBox="1"/>
-            <p:nvPr/>
-          </p:nvSpPr>
-          <p:spPr>
-            <a:xfrm>
-              <a:off x="323723" y="1667038"/>
-              <a:ext cx="2016371" cy="1177438"/>
-            </a:xfrm>
-            <a:prstGeom prst="rect">
-              <a:avLst/>
-            </a:prstGeom>
+          </a:ln>
+        </p:spPr>
+        <p:style>
+          <a:lnRef idx="2">
+            <a:schemeClr val="accent1">
+              <a:shade val="15000"/>
+            </a:schemeClr>
+          </a:lnRef>
+          <a:fillRef idx="1">
+            <a:schemeClr val="accent1"/>
+          </a:fillRef>
+          <a:effectRef idx="0">
+            <a:schemeClr val="accent1"/>
+          </a:effectRef>
+          <a:fontRef idx="minor">
+            <a:schemeClr val="lt1"/>
+          </a:fontRef>
+        </p:style>
+        <p:txBody>
+          <a:bodyPr rtlCol="0" anchor="ctr"/>
+          <a:lstStyle/>
+          <a:p>
+            <a:pPr algn="ctr"/>
+            <a:endParaRPr lang="pt-PT"/>
+          </a:p>
+        </p:txBody>
+      </p:sp>
+      <p:sp>
+        <p:nvSpPr>
+          <p:cNvPr id="17" name="Rectangle 17">
+            <a:extLst>
+              <a:ext uri="{FF2B5EF4-FFF2-40B4-BE49-F238E27FC236}">
+                <a16:creationId xmlns:a16="http://schemas.microsoft.com/office/drawing/2014/main" id="{548DB0DB-BCA4-53D2-14D9-5A00A7685B6C}"/>
+              </a:ext>
+            </a:extLst>
+          </p:cNvPr>
+          <p:cNvSpPr/>
+          <p:nvPr/>
+        </p:nvSpPr>
+        <p:spPr>
+          <a:xfrm>
+            <a:off x="393887" y="1773936"/>
+            <a:ext cx="2336801" cy="1091759"/>
+          </a:xfrm>
+          <a:prstGeom prst="rect">
+            <a:avLst/>
+          </a:prstGeom>
+          <a:solidFill>
+            <a:schemeClr val="bg1">
+              <a:lumMod val="85000"/>
+            </a:schemeClr>
+          </a:solidFill>
+          <a:ln>
             <a:noFill/>
-          </p:spPr>
-          <p:txBody>
-            <a:bodyPr wrap="square" rtlCol="0">
-              <a:spAutoFit/>
-            </a:bodyPr>
-            <a:lstStyle/>
-            <a:p>
-              <a:pPr algn="ctr"/>
-              <a:r>
-                <a:rPr lang="en-US" sz="2592" b="1" dirty="0">
-                  <a:latin typeface="Helvetica" pitchFamily="2" charset="0"/>
-                </a:rPr>
-                <a:t>NOME</a:t>
-              </a:r>
-            </a:p>
-            <a:p>
-              <a:pPr algn="ctr"/>
-              <a:r>
-                <a:rPr lang="en-US" sz="2592" b="1" dirty="0">
-                  <a:latin typeface="Helvetica" pitchFamily="2" charset="0"/>
-                </a:rPr>
-                <a:t>APELIDO</a:t>
-              </a:r>
-            </a:p>
-            <a:p>
-              <a:pPr algn="ctr"/>
-              <a:endParaRPr lang="en-US" sz="700" b="1" dirty="0">
+          </a:ln>
+        </p:spPr>
+        <p:style>
+          <a:lnRef idx="2">
+            <a:schemeClr val="dk1"/>
+          </a:lnRef>
+          <a:fillRef idx="1">
+            <a:schemeClr val="lt1"/>
+          </a:fillRef>
+          <a:effectRef idx="0">
+            <a:schemeClr val="dk1"/>
+          </a:effectRef>
+          <a:fontRef idx="minor">
+            <a:schemeClr val="dk1"/>
+          </a:fontRef>
+        </p:style>
+        <p:txBody>
+          <a:bodyPr rtlCol="0" anchor="ctr"/>
+          <a:lstStyle/>
+          <a:p>
+            <a:pPr algn="ctr"/>
+            <a:endParaRPr lang="en-US" sz="2592" dirty="0"/>
+          </a:p>
+        </p:txBody>
+      </p:sp>
+      <p:pic>
+        <p:nvPicPr>
+          <p:cNvPr id="18" name="Picture 4" descr="A poster with different animals&#10;&#10;Description automatically generated with medium confidence">
+            <a:extLst>
+              <a:ext uri="{FF2B5EF4-FFF2-40B4-BE49-F238E27FC236}">
+                <a16:creationId xmlns:a16="http://schemas.microsoft.com/office/drawing/2014/main" id="{BE4D670D-CB60-B8C3-A221-9DA18A993485}"/>
+              </a:ext>
+            </a:extLst>
+          </p:cNvPr>
+          <p:cNvPicPr>
+            <a:picLocks noChangeAspect="1"/>
+          </p:cNvPicPr>
+          <p:nvPr/>
+        </p:nvPicPr>
+        <p:blipFill>
+          <a:blip r:embed="rId2"/>
+          <a:stretch>
+            <a:fillRect/>
+          </a:stretch>
+        </p:blipFill>
+        <p:spPr>
+          <a:xfrm>
+            <a:off x="987854" y="435719"/>
+            <a:ext cx="1148855" cy="1356543"/>
+          </a:xfrm>
+          <a:prstGeom prst="rect">
+            <a:avLst/>
+          </a:prstGeom>
+        </p:spPr>
+      </p:pic>
+      <p:sp>
+        <p:nvSpPr>
+          <p:cNvPr id="19" name="TextBox 5">
+            <a:extLst>
+              <a:ext uri="{FF2B5EF4-FFF2-40B4-BE49-F238E27FC236}">
+                <a16:creationId xmlns:a16="http://schemas.microsoft.com/office/drawing/2014/main" id="{BE9C607D-08EC-8260-C8E4-9346D0DB9B7A}"/>
+              </a:ext>
+            </a:extLst>
+          </p:cNvPr>
+          <p:cNvSpPr txBox="1"/>
+          <p:nvPr/>
+        </p:nvSpPr>
+        <p:spPr>
+          <a:xfrm>
+            <a:off x="677868" y="1812533"/>
+            <a:ext cx="1768832" cy="1015663"/>
+          </a:xfrm>
+          <a:prstGeom prst="rect">
+            <a:avLst/>
+          </a:prstGeom>
+          <a:noFill/>
+        </p:spPr>
+        <p:txBody>
+          <a:bodyPr wrap="square" rtlCol="0">
+            <a:spAutoFit/>
+          </a:bodyPr>
+          <a:lstStyle/>
+          <a:p>
+            <a:pPr algn="ctr"/>
+            <a:r>
+              <a:rPr lang="en-US" sz="2200" b="1" dirty="0">
                 <a:latin typeface="Helvetica" pitchFamily="2" charset="0"/>
-              </a:endParaRPr>
-            </a:p>
-            <a:p>
-              <a:pPr algn="ctr"/>
-              <a:r>
-                <a:rPr lang="en-US" sz="1167" b="1" dirty="0">
-                  <a:latin typeface="Helvetica" pitchFamily="2" charset="0"/>
-                </a:rPr>
-                <a:t>INSTITUIÇÃO</a:t>
-              </a:r>
-              <a:endParaRPr lang="en-US" sz="700" b="1" dirty="0">
+              </a:rPr>
+              <a:t>NOME 1</a:t>
+            </a:r>
+          </a:p>
+          <a:p>
+            <a:pPr algn="ctr"/>
+            <a:r>
+              <a:rPr lang="en-US" sz="2200" b="1" dirty="0">
                 <a:latin typeface="Helvetica" pitchFamily="2" charset="0"/>
-              </a:endParaRPr>
-            </a:p>
-          </p:txBody>
-        </p:sp>
-        <p:sp>
-          <p:nvSpPr>
-            <p:cNvPr id="8" name="TextBox 7">
-              <a:extLst>
-                <a:ext uri="{FF2B5EF4-FFF2-40B4-BE49-F238E27FC236}">
-                  <a16:creationId xmlns:a16="http://schemas.microsoft.com/office/drawing/2014/main" id="{892C6EA6-1483-C619-891E-E8E9FC3FB50A}"/>
-                </a:ext>
-              </a:extLst>
-            </p:cNvPr>
-            <p:cNvSpPr txBox="1"/>
-            <p:nvPr/>
-          </p:nvSpPr>
-          <p:spPr>
-            <a:xfrm>
-              <a:off x="177219" y="2920545"/>
-              <a:ext cx="2309387" cy="388504"/>
-            </a:xfrm>
-            <a:prstGeom prst="rect">
-              <a:avLst/>
-            </a:prstGeom>
+              </a:rPr>
+              <a:t>APELIDO 1</a:t>
+            </a:r>
+          </a:p>
+          <a:p>
+            <a:pPr algn="ctr"/>
+            <a:endParaRPr lang="en-US" sz="500" b="1" dirty="0">
+              <a:latin typeface="Helvetica" pitchFamily="2" charset="0"/>
+            </a:endParaRPr>
+          </a:p>
+          <a:p>
+            <a:pPr algn="ctr"/>
+            <a:r>
+              <a:rPr lang="en-US" sz="1100" b="1" dirty="0">
+                <a:latin typeface="Helvetica" pitchFamily="2" charset="0"/>
+              </a:rPr>
+              <a:t>INSTITUICAO 1</a:t>
+            </a:r>
+          </a:p>
+        </p:txBody>
+      </p:sp>
+      <p:sp>
+        <p:nvSpPr>
+          <p:cNvPr id="20" name="TextBox 7">
+            <a:extLst>
+              <a:ext uri="{FF2B5EF4-FFF2-40B4-BE49-F238E27FC236}">
+                <a16:creationId xmlns:a16="http://schemas.microsoft.com/office/drawing/2014/main" id="{1D0A71A2-7025-8D19-9430-B3C22AEC1B6E}"/>
+              </a:ext>
+            </a:extLst>
+          </p:cNvPr>
+          <p:cNvSpPr txBox="1"/>
+          <p:nvPr/>
+        </p:nvSpPr>
+        <p:spPr>
+          <a:xfrm>
+            <a:off x="549350" y="2912154"/>
+            <a:ext cx="2025876" cy="340809"/>
+          </a:xfrm>
+          <a:prstGeom prst="rect">
+            <a:avLst/>
+          </a:prstGeom>
+          <a:noFill/>
+        </p:spPr>
+        <p:txBody>
+          <a:bodyPr wrap="square" rtlCol="0">
+            <a:spAutoFit/>
+          </a:bodyPr>
+          <a:lstStyle/>
+          <a:p>
+            <a:pPr algn="ctr"/>
+            <a:r>
+              <a:rPr lang="en-US" sz="817" dirty="0">
+                <a:latin typeface="Helvetica Light" panose="020B0403020202020204" pitchFamily="34" charset="0"/>
+              </a:rPr>
+              <a:t>VILA DO CONDE, PORTUGAL</a:t>
+            </a:r>
+          </a:p>
+          <a:p>
+            <a:pPr algn="ctr">
+              <a:lnSpc>
+                <a:spcPct val="150000"/>
+              </a:lnSpc>
+            </a:pPr>
+            <a:r>
+              <a:rPr lang="en-US" sz="817" dirty="0">
+                <a:latin typeface="Helvetica Light" panose="020B0403020202020204" pitchFamily="34" charset="0"/>
+              </a:rPr>
+              <a:t>21-23.11.2024</a:t>
+            </a:r>
+          </a:p>
+        </p:txBody>
+      </p:sp>
+      <p:cxnSp>
+        <p:nvCxnSpPr>
+          <p:cNvPr id="21" name="Straight Connector 9">
+            <a:extLst>
+              <a:ext uri="{FF2B5EF4-FFF2-40B4-BE49-F238E27FC236}">
+                <a16:creationId xmlns:a16="http://schemas.microsoft.com/office/drawing/2014/main" id="{1F25D0D7-EAA1-B42D-0468-5CBCCD389690}"/>
+              </a:ext>
+            </a:extLst>
+          </p:cNvPr>
+          <p:cNvCxnSpPr>
+            <a:cxnSpLocks/>
+          </p:cNvCxnSpPr>
+          <p:nvPr/>
+        </p:nvCxnSpPr>
+        <p:spPr>
+          <a:xfrm>
+            <a:off x="393887" y="1770447"/>
+            <a:ext cx="2336801" cy="0"/>
+          </a:xfrm>
+          <a:prstGeom prst="line">
+            <a:avLst/>
+          </a:prstGeom>
+        </p:spPr>
+        <p:style>
+          <a:lnRef idx="2">
+            <a:schemeClr val="dk1"/>
+          </a:lnRef>
+          <a:fillRef idx="0">
+            <a:schemeClr val="dk1"/>
+          </a:fillRef>
+          <a:effectRef idx="1">
+            <a:schemeClr val="dk1"/>
+          </a:effectRef>
+          <a:fontRef idx="minor">
+            <a:schemeClr val="tx1"/>
+          </a:fontRef>
+        </p:style>
+      </p:cxnSp>
+      <p:cxnSp>
+        <p:nvCxnSpPr>
+          <p:cNvPr id="22" name="Straight Connector 10">
+            <a:extLst>
+              <a:ext uri="{FF2B5EF4-FFF2-40B4-BE49-F238E27FC236}">
+                <a16:creationId xmlns:a16="http://schemas.microsoft.com/office/drawing/2014/main" id="{C9FBFCB5-650F-F7BA-6E5A-A8F1C22D825C}"/>
+              </a:ext>
+            </a:extLst>
+          </p:cNvPr>
+          <p:cNvCxnSpPr>
+            <a:cxnSpLocks/>
+          </p:cNvCxnSpPr>
+          <p:nvPr/>
+        </p:nvCxnSpPr>
+        <p:spPr>
+          <a:xfrm>
+            <a:off x="393887" y="2865697"/>
+            <a:ext cx="2336801" cy="0"/>
+          </a:xfrm>
+          <a:prstGeom prst="line">
+            <a:avLst/>
+          </a:prstGeom>
+        </p:spPr>
+        <p:style>
+          <a:lnRef idx="2">
+            <a:schemeClr val="dk1"/>
+          </a:lnRef>
+          <a:fillRef idx="0">
+            <a:schemeClr val="dk1"/>
+          </a:fillRef>
+          <a:effectRef idx="1">
+            <a:schemeClr val="dk1"/>
+          </a:effectRef>
+          <a:fontRef idx="minor">
+            <a:schemeClr val="tx1"/>
+          </a:fontRef>
+        </p:style>
+      </p:cxnSp>
+      <p:pic>
+        <p:nvPicPr>
+          <p:cNvPr id="23" name="Picture 2" descr="APP logo">
+            <a:extLst>
+              <a:ext uri="{FF2B5EF4-FFF2-40B4-BE49-F238E27FC236}">
+                <a16:creationId xmlns:a16="http://schemas.microsoft.com/office/drawing/2014/main" id="{1549413F-DA66-8799-AC3F-9F7A408ED6A1}"/>
+              </a:ext>
+            </a:extLst>
+          </p:cNvPr>
+          <p:cNvPicPr>
+            <a:picLocks noChangeAspect="1" noChangeArrowheads="1"/>
+          </p:cNvPicPr>
+          <p:nvPr/>
+        </p:nvPicPr>
+        <p:blipFill rotWithShape="1">
+          <a:blip r:embed="rId3">
+            <a:extLst>
+              <a:ext uri="{BEBA8EAE-BF5A-486C-A8C5-ECC9F3942E4B}">
+                <a14:imgProps xmlns:a14="http://schemas.microsoft.com/office/drawing/2010/main">
+                  <a14:imgLayer r:embed="rId4">
+                    <a14:imgEffect>
+                      <a14:saturation sat="0"/>
+                    </a14:imgEffect>
+                  </a14:imgLayer>
+                </a14:imgProps>
+              </a:ext>
+              <a:ext uri="{28A0092B-C50C-407E-A947-70E740481C1C}">
+                <a14:useLocalDpi xmlns:a14="http://schemas.microsoft.com/office/drawing/2010/main" val="0"/>
+              </a:ext>
+            </a:extLst>
+          </a:blip>
+          <a:srcRect b="8466"/>
+          <a:stretch/>
+        </p:blipFill>
+        <p:spPr bwMode="auto">
+          <a:xfrm>
+            <a:off x="481612" y="3325148"/>
+            <a:ext cx="326664" cy="311956"/>
+          </a:xfrm>
+          <a:prstGeom prst="rect">
+            <a:avLst/>
+          </a:prstGeom>
+          <a:noFill/>
+          <a:extLst>
+            <a:ext uri="{909E8E84-426E-40DD-AFC4-6F175D3DCCD1}">
+              <a14:hiddenFill xmlns:a14="http://schemas.microsoft.com/office/drawing/2010/main">
+                <a:solidFill>
+                  <a:srgbClr val="FFFFFF"/>
+                </a:solidFill>
+              </a14:hiddenFill>
+            </a:ext>
+          </a:extLst>
+        </p:spPr>
+      </p:pic>
+      <p:pic>
+        <p:nvPicPr>
+          <p:cNvPr id="24" name="Picture 4">
+            <a:extLst>
+              <a:ext uri="{FF2B5EF4-FFF2-40B4-BE49-F238E27FC236}">
+                <a16:creationId xmlns:a16="http://schemas.microsoft.com/office/drawing/2014/main" id="{090F7B98-54C5-BBAB-FF75-80290D435552}"/>
+              </a:ext>
+            </a:extLst>
+          </p:cNvPr>
+          <p:cNvPicPr>
+            <a:picLocks noChangeAspect="1" noChangeArrowheads="1"/>
+          </p:cNvPicPr>
+          <p:nvPr/>
+        </p:nvPicPr>
+        <p:blipFill>
+          <a:blip r:embed="rId5">
+            <a:extLst>
+              <a:ext uri="{28A0092B-C50C-407E-A947-70E740481C1C}">
+                <a14:useLocalDpi xmlns:a14="http://schemas.microsoft.com/office/drawing/2010/main" val="0"/>
+              </a:ext>
+            </a:extLst>
+          </a:blip>
+          <a:srcRect/>
+          <a:stretch>
+            <a:fillRect/>
+          </a:stretch>
+        </p:blipFill>
+        <p:spPr bwMode="auto">
+          <a:xfrm>
+            <a:off x="2341175" y="3410408"/>
+            <a:ext cx="360579" cy="193158"/>
+          </a:xfrm>
+          <a:prstGeom prst="rect">
+            <a:avLst/>
+          </a:prstGeom>
+          <a:noFill/>
+          <a:extLst>
+            <a:ext uri="{909E8E84-426E-40DD-AFC4-6F175D3DCCD1}">
+              <a14:hiddenFill xmlns:a14="http://schemas.microsoft.com/office/drawing/2010/main">
+                <a:solidFill>
+                  <a:srgbClr val="FFFFFF"/>
+                </a:solidFill>
+              </a14:hiddenFill>
+            </a:ext>
+          </a:extLst>
+        </p:spPr>
+      </p:pic>
+      <p:pic>
+        <p:nvPicPr>
+          <p:cNvPr id="25" name="Picture 12">
+            <a:extLst>
+              <a:ext uri="{FF2B5EF4-FFF2-40B4-BE49-F238E27FC236}">
+                <a16:creationId xmlns:a16="http://schemas.microsoft.com/office/drawing/2014/main" id="{5E57DA54-1084-7692-36D9-9D27033002EC}"/>
+              </a:ext>
+            </a:extLst>
+          </p:cNvPr>
+          <p:cNvPicPr>
+            <a:picLocks noChangeAspect="1"/>
+          </p:cNvPicPr>
+          <p:nvPr/>
+        </p:nvPicPr>
+        <p:blipFill>
+          <a:blip r:embed="rId6"/>
+          <a:stretch>
+            <a:fillRect/>
+          </a:stretch>
+        </p:blipFill>
+        <p:spPr>
+          <a:xfrm>
+            <a:off x="1278693" y="3378227"/>
+            <a:ext cx="194878" cy="275778"/>
+          </a:xfrm>
+          <a:prstGeom prst="rect">
+            <a:avLst/>
+          </a:prstGeom>
+        </p:spPr>
+      </p:pic>
+      <p:pic>
+        <p:nvPicPr>
+          <p:cNvPr id="26" name="Picture 14" descr="A logo for a biodiversity center&#10;&#10;Description automatically generated">
+            <a:extLst>
+              <a:ext uri="{FF2B5EF4-FFF2-40B4-BE49-F238E27FC236}">
+                <a16:creationId xmlns:a16="http://schemas.microsoft.com/office/drawing/2014/main" id="{8DF88E39-38A3-4713-D44B-19A8515CAB30}"/>
+              </a:ext>
+            </a:extLst>
+          </p:cNvPr>
+          <p:cNvPicPr>
+            <a:picLocks noChangeAspect="1"/>
+          </p:cNvPicPr>
+          <p:nvPr/>
+        </p:nvPicPr>
+        <p:blipFill>
+          <a:blip r:embed="rId7"/>
+          <a:stretch>
+            <a:fillRect/>
+          </a:stretch>
+        </p:blipFill>
+        <p:spPr>
+          <a:xfrm>
+            <a:off x="878979" y="3410119"/>
+            <a:ext cx="329011" cy="193446"/>
+          </a:xfrm>
+          <a:prstGeom prst="rect">
+            <a:avLst/>
+          </a:prstGeom>
+        </p:spPr>
+      </p:pic>
+      <p:pic>
+        <p:nvPicPr>
+          <p:cNvPr id="27" name="Picture 21" descr="A black and white flag with a boat and a crown&#10;&#10;Description automatically generated">
+            <a:extLst>
+              <a:ext uri="{FF2B5EF4-FFF2-40B4-BE49-F238E27FC236}">
+                <a16:creationId xmlns:a16="http://schemas.microsoft.com/office/drawing/2014/main" id="{EDCC3024-3C28-C440-2F48-7572ACFF9A27}"/>
+              </a:ext>
+            </a:extLst>
+          </p:cNvPr>
+          <p:cNvPicPr>
+            <a:picLocks noChangeAspect="1"/>
+          </p:cNvPicPr>
+          <p:nvPr/>
+        </p:nvPicPr>
+        <p:blipFill>
+          <a:blip r:embed="rId8"/>
+          <a:stretch>
+            <a:fillRect/>
+          </a:stretch>
+        </p:blipFill>
+        <p:spPr>
+          <a:xfrm>
+            <a:off x="1579297" y="3389536"/>
+            <a:ext cx="328458" cy="234612"/>
+          </a:xfrm>
+          <a:prstGeom prst="rect">
+            <a:avLst/>
+          </a:prstGeom>
+        </p:spPr>
+      </p:pic>
+      <p:pic>
+        <p:nvPicPr>
+          <p:cNvPr id="28" name="Picture 3">
+            <a:extLst>
+              <a:ext uri="{FF2B5EF4-FFF2-40B4-BE49-F238E27FC236}">
+                <a16:creationId xmlns:a16="http://schemas.microsoft.com/office/drawing/2014/main" id="{A0D0FF9D-8903-2D41-BD7A-AE3AF6D9B6A3}"/>
+              </a:ext>
+            </a:extLst>
+          </p:cNvPr>
+          <p:cNvPicPr>
+            <a:picLocks noChangeAspect="1"/>
+          </p:cNvPicPr>
+          <p:nvPr/>
+        </p:nvPicPr>
+        <p:blipFill>
+          <a:blip r:embed="rId9"/>
+          <a:stretch>
+            <a:fillRect/>
+          </a:stretch>
+        </p:blipFill>
+        <p:spPr>
+          <a:xfrm>
+            <a:off x="2009117" y="3402492"/>
+            <a:ext cx="232187" cy="234612"/>
+          </a:xfrm>
+          <a:prstGeom prst="rect">
+            <a:avLst/>
+          </a:prstGeom>
+        </p:spPr>
+      </p:pic>
+      <p:sp>
+        <p:nvSpPr>
+          <p:cNvPr id="46" name="Retângulo 45">
+            <a:extLst>
+              <a:ext uri="{FF2B5EF4-FFF2-40B4-BE49-F238E27FC236}">
+                <a16:creationId xmlns:a16="http://schemas.microsoft.com/office/drawing/2014/main" id="{36DB63DD-985F-975F-0014-8453C165EC71}"/>
+              </a:ext>
+            </a:extLst>
+          </p:cNvPr>
+          <p:cNvSpPr/>
+          <p:nvPr/>
+        </p:nvSpPr>
+        <p:spPr>
+          <a:xfrm>
+            <a:off x="2885687" y="352026"/>
+            <a:ext cx="2336801" cy="3301978"/>
+          </a:xfrm>
+          <a:prstGeom prst="rect">
+            <a:avLst/>
+          </a:prstGeom>
+          <a:solidFill>
+            <a:schemeClr val="bg1"/>
+          </a:solidFill>
+          <a:ln>
+            <a:solidFill>
+              <a:schemeClr val="tx1"/>
+            </a:solidFill>
+          </a:ln>
+        </p:spPr>
+        <p:style>
+          <a:lnRef idx="2">
+            <a:schemeClr val="accent1">
+              <a:shade val="15000"/>
+            </a:schemeClr>
+          </a:lnRef>
+          <a:fillRef idx="1">
+            <a:schemeClr val="accent1"/>
+          </a:fillRef>
+          <a:effectRef idx="0">
+            <a:schemeClr val="accent1"/>
+          </a:effectRef>
+          <a:fontRef idx="minor">
+            <a:schemeClr val="lt1"/>
+          </a:fontRef>
+        </p:style>
+        <p:txBody>
+          <a:bodyPr rtlCol="0" anchor="ctr"/>
+          <a:lstStyle/>
+          <a:p>
+            <a:pPr algn="ctr"/>
+            <a:endParaRPr lang="pt-PT"/>
+          </a:p>
+        </p:txBody>
+      </p:sp>
+      <p:sp>
+        <p:nvSpPr>
+          <p:cNvPr id="47" name="Rectangle 17">
+            <a:extLst>
+              <a:ext uri="{FF2B5EF4-FFF2-40B4-BE49-F238E27FC236}">
+                <a16:creationId xmlns:a16="http://schemas.microsoft.com/office/drawing/2014/main" id="{B951E35F-56A4-D50B-15C9-97C489F5F3E4}"/>
+              </a:ext>
+            </a:extLst>
+          </p:cNvPr>
+          <p:cNvSpPr/>
+          <p:nvPr/>
+        </p:nvSpPr>
+        <p:spPr>
+          <a:xfrm>
+            <a:off x="2885694" y="1773936"/>
+            <a:ext cx="2336801" cy="1091759"/>
+          </a:xfrm>
+          <a:prstGeom prst="rect">
+            <a:avLst/>
+          </a:prstGeom>
+          <a:solidFill>
+            <a:schemeClr val="bg1">
+              <a:lumMod val="85000"/>
+            </a:schemeClr>
+          </a:solidFill>
+          <a:ln>
             <a:noFill/>
-          </p:spPr>
-          <p:txBody>
-            <a:bodyPr wrap="square" rtlCol="0">
-              <a:spAutoFit/>
-            </a:bodyPr>
-            <a:lstStyle/>
-            <a:p>
-              <a:pPr algn="ctr"/>
-              <a:r>
-                <a:rPr lang="en-US" sz="817" dirty="0">
-                  <a:latin typeface="Helvetica Light" panose="020B0403020202020204" pitchFamily="34" charset="0"/>
-                </a:rPr>
-                <a:t>VILA DO CONDE, PORTUGAL</a:t>
-              </a:r>
-            </a:p>
-            <a:p>
-              <a:pPr algn="ctr">
-                <a:lnSpc>
-                  <a:spcPct val="150000"/>
-                </a:lnSpc>
-              </a:pPr>
-              <a:r>
-                <a:rPr lang="en-US" sz="817" dirty="0">
-                  <a:latin typeface="Helvetica Light" panose="020B0403020202020204" pitchFamily="34" charset="0"/>
-                </a:rPr>
-                <a:t>21-23.11.2024</a:t>
-              </a:r>
-            </a:p>
-          </p:txBody>
-        </p:sp>
-        <p:cxnSp>
-          <p:nvCxnSpPr>
-            <p:cNvPr id="10" name="Straight Connector 9">
-              <a:extLst>
-                <a:ext uri="{FF2B5EF4-FFF2-40B4-BE49-F238E27FC236}">
-                  <a16:creationId xmlns:a16="http://schemas.microsoft.com/office/drawing/2014/main" id="{4DDB112F-B9DA-122B-B3E6-FCB3269EF70A}"/>
-                </a:ext>
-              </a:extLst>
-            </p:cNvPr>
-            <p:cNvCxnSpPr>
-              <a:cxnSpLocks/>
-            </p:cNvCxnSpPr>
-            <p:nvPr/>
-          </p:nvCxnSpPr>
-          <p:spPr>
-            <a:xfrm>
-              <a:off x="0" y="1619062"/>
-              <a:ext cx="2663825" cy="0"/>
-            </a:xfrm>
-            <a:prstGeom prst="line">
-              <a:avLst/>
-            </a:prstGeom>
-          </p:spPr>
-          <p:style>
-            <a:lnRef idx="2">
-              <a:schemeClr val="dk1"/>
-            </a:lnRef>
-            <a:fillRef idx="0">
-              <a:schemeClr val="dk1"/>
-            </a:fillRef>
-            <a:effectRef idx="1">
-              <a:schemeClr val="dk1"/>
-            </a:effectRef>
-            <a:fontRef idx="minor">
+          </a:ln>
+        </p:spPr>
+        <p:style>
+          <a:lnRef idx="2">
+            <a:schemeClr val="dk1"/>
+          </a:lnRef>
+          <a:fillRef idx="1">
+            <a:schemeClr val="lt1"/>
+          </a:fillRef>
+          <a:effectRef idx="0">
+            <a:schemeClr val="dk1"/>
+          </a:effectRef>
+          <a:fontRef idx="minor">
+            <a:schemeClr val="dk1"/>
+          </a:fontRef>
+        </p:style>
+        <p:txBody>
+          <a:bodyPr rtlCol="0" anchor="ctr"/>
+          <a:lstStyle/>
+          <a:p>
+            <a:pPr algn="ctr"/>
+            <a:endParaRPr lang="en-US" sz="2592" dirty="0"/>
+          </a:p>
+        </p:txBody>
+      </p:sp>
+      <p:pic>
+        <p:nvPicPr>
+          <p:cNvPr id="48" name="Picture 4" descr="A poster with different animals&#10;&#10;Description automatically generated with medium confidence">
+            <a:extLst>
+              <a:ext uri="{FF2B5EF4-FFF2-40B4-BE49-F238E27FC236}">
+                <a16:creationId xmlns:a16="http://schemas.microsoft.com/office/drawing/2014/main" id="{E4A57FCE-A356-0463-F12D-48B77DD8CFF7}"/>
+              </a:ext>
+            </a:extLst>
+          </p:cNvPr>
+          <p:cNvPicPr>
+            <a:picLocks noChangeAspect="1"/>
+          </p:cNvPicPr>
+          <p:nvPr/>
+        </p:nvPicPr>
+        <p:blipFill>
+          <a:blip r:embed="rId2"/>
+          <a:stretch>
+            <a:fillRect/>
+          </a:stretch>
+        </p:blipFill>
+        <p:spPr>
+          <a:xfrm>
+            <a:off x="3479661" y="435719"/>
+            <a:ext cx="1148855" cy="1356543"/>
+          </a:xfrm>
+          <a:prstGeom prst="rect">
+            <a:avLst/>
+          </a:prstGeom>
+        </p:spPr>
+      </p:pic>
+      <p:sp>
+        <p:nvSpPr>
+          <p:cNvPr id="49" name="TextBox 5">
+            <a:extLst>
+              <a:ext uri="{FF2B5EF4-FFF2-40B4-BE49-F238E27FC236}">
+                <a16:creationId xmlns:a16="http://schemas.microsoft.com/office/drawing/2014/main" id="{24E572F1-6E5E-D7E4-D891-2B1413C79C42}"/>
+              </a:ext>
+            </a:extLst>
+          </p:cNvPr>
+          <p:cNvSpPr txBox="1"/>
+          <p:nvPr/>
+        </p:nvSpPr>
+        <p:spPr>
+          <a:xfrm>
+            <a:off x="3169675" y="1812533"/>
+            <a:ext cx="1768832" cy="1015663"/>
+          </a:xfrm>
+          <a:prstGeom prst="rect">
+            <a:avLst/>
+          </a:prstGeom>
+          <a:noFill/>
+        </p:spPr>
+        <p:txBody>
+          <a:bodyPr wrap="square" rtlCol="0">
+            <a:spAutoFit/>
+          </a:bodyPr>
+          <a:lstStyle/>
+          <a:p>
+            <a:pPr algn="ctr"/>
+            <a:r>
+              <a:rPr lang="en-US" sz="2200" b="1" dirty="0">
+                <a:latin typeface="Helvetica" pitchFamily="2" charset="0"/>
+              </a:rPr>
+              <a:t>NOME 2</a:t>
+            </a:r>
+          </a:p>
+          <a:p>
+            <a:pPr algn="ctr"/>
+            <a:r>
+              <a:rPr lang="en-US" sz="2200" b="1" dirty="0">
+                <a:latin typeface="Helvetica" pitchFamily="2" charset="0"/>
+              </a:rPr>
+              <a:t>APELIDO 2</a:t>
+            </a:r>
+          </a:p>
+          <a:p>
+            <a:pPr algn="ctr"/>
+            <a:endParaRPr lang="en-US" sz="500" b="1" dirty="0">
+              <a:latin typeface="Helvetica" pitchFamily="2" charset="0"/>
+            </a:endParaRPr>
+          </a:p>
+          <a:p>
+            <a:pPr algn="ctr"/>
+            <a:r>
+              <a:rPr lang="en-US" sz="1100" b="1" dirty="0">
+                <a:latin typeface="Helvetica" pitchFamily="2" charset="0"/>
+              </a:rPr>
+              <a:t>INSTITUICAO 2</a:t>
+            </a:r>
+          </a:p>
+        </p:txBody>
+      </p:sp>
+      <p:sp>
+        <p:nvSpPr>
+          <p:cNvPr id="50" name="TextBox 7">
+            <a:extLst>
+              <a:ext uri="{FF2B5EF4-FFF2-40B4-BE49-F238E27FC236}">
+                <a16:creationId xmlns:a16="http://schemas.microsoft.com/office/drawing/2014/main" id="{46084A2D-8295-A596-ACD5-39FA9B6FC84D}"/>
+              </a:ext>
+            </a:extLst>
+          </p:cNvPr>
+          <p:cNvSpPr txBox="1"/>
+          <p:nvPr/>
+        </p:nvSpPr>
+        <p:spPr>
+          <a:xfrm>
+            <a:off x="3041157" y="2912154"/>
+            <a:ext cx="2025876" cy="340809"/>
+          </a:xfrm>
+          <a:prstGeom prst="rect">
+            <a:avLst/>
+          </a:prstGeom>
+          <a:noFill/>
+        </p:spPr>
+        <p:txBody>
+          <a:bodyPr wrap="square" rtlCol="0">
+            <a:spAutoFit/>
+          </a:bodyPr>
+          <a:lstStyle/>
+          <a:p>
+            <a:pPr algn="ctr"/>
+            <a:r>
+              <a:rPr lang="en-US" sz="817" dirty="0">
+                <a:latin typeface="Helvetica Light" panose="020B0403020202020204" pitchFamily="34" charset="0"/>
+              </a:rPr>
+              <a:t>VILA DO CONDE, PORTUGAL</a:t>
+            </a:r>
+          </a:p>
+          <a:p>
+            <a:pPr algn="ctr">
+              <a:lnSpc>
+                <a:spcPct val="150000"/>
+              </a:lnSpc>
+            </a:pPr>
+            <a:r>
+              <a:rPr lang="en-US" sz="817" dirty="0">
+                <a:latin typeface="Helvetica Light" panose="020B0403020202020204" pitchFamily="34" charset="0"/>
+              </a:rPr>
+              <a:t>21-23.11.2024</a:t>
+            </a:r>
+          </a:p>
+        </p:txBody>
+      </p:sp>
+      <p:cxnSp>
+        <p:nvCxnSpPr>
+          <p:cNvPr id="51" name="Straight Connector 9">
+            <a:extLst>
+              <a:ext uri="{FF2B5EF4-FFF2-40B4-BE49-F238E27FC236}">
+                <a16:creationId xmlns:a16="http://schemas.microsoft.com/office/drawing/2014/main" id="{33295316-9592-8C62-2705-B693EE1DCCFE}"/>
+              </a:ext>
+            </a:extLst>
+          </p:cNvPr>
+          <p:cNvCxnSpPr>
+            <a:cxnSpLocks/>
+          </p:cNvCxnSpPr>
+          <p:nvPr/>
+        </p:nvCxnSpPr>
+        <p:spPr>
+          <a:xfrm>
+            <a:off x="2885694" y="1770447"/>
+            <a:ext cx="2336801" cy="0"/>
+          </a:xfrm>
+          <a:prstGeom prst="line">
+            <a:avLst/>
+          </a:prstGeom>
+        </p:spPr>
+        <p:style>
+          <a:lnRef idx="2">
+            <a:schemeClr val="dk1"/>
+          </a:lnRef>
+          <a:fillRef idx="0">
+            <a:schemeClr val="dk1"/>
+          </a:fillRef>
+          <a:effectRef idx="1">
+            <a:schemeClr val="dk1"/>
+          </a:effectRef>
+          <a:fontRef idx="minor">
+            <a:schemeClr val="tx1"/>
+          </a:fontRef>
+        </p:style>
+      </p:cxnSp>
+      <p:cxnSp>
+        <p:nvCxnSpPr>
+          <p:cNvPr id="52" name="Straight Connector 10">
+            <a:extLst>
+              <a:ext uri="{FF2B5EF4-FFF2-40B4-BE49-F238E27FC236}">
+                <a16:creationId xmlns:a16="http://schemas.microsoft.com/office/drawing/2014/main" id="{B53B2595-6C22-1178-E546-D755EC52BA1D}"/>
+              </a:ext>
+            </a:extLst>
+          </p:cNvPr>
+          <p:cNvCxnSpPr>
+            <a:cxnSpLocks/>
+          </p:cNvCxnSpPr>
+          <p:nvPr/>
+        </p:nvCxnSpPr>
+        <p:spPr>
+          <a:xfrm>
+            <a:off x="2885694" y="2865697"/>
+            <a:ext cx="2336801" cy="0"/>
+          </a:xfrm>
+          <a:prstGeom prst="line">
+            <a:avLst/>
+          </a:prstGeom>
+        </p:spPr>
+        <p:style>
+          <a:lnRef idx="2">
+            <a:schemeClr val="dk1"/>
+          </a:lnRef>
+          <a:fillRef idx="0">
+            <a:schemeClr val="dk1"/>
+          </a:fillRef>
+          <a:effectRef idx="1">
+            <a:schemeClr val="dk1"/>
+          </a:effectRef>
+          <a:fontRef idx="minor">
+            <a:schemeClr val="tx1"/>
+          </a:fontRef>
+        </p:style>
+      </p:cxnSp>
+      <p:pic>
+        <p:nvPicPr>
+          <p:cNvPr id="53" name="Picture 2" descr="APP logo">
+            <a:extLst>
+              <a:ext uri="{FF2B5EF4-FFF2-40B4-BE49-F238E27FC236}">
+                <a16:creationId xmlns:a16="http://schemas.microsoft.com/office/drawing/2014/main" id="{A8976021-280A-7D69-346A-366E17C898A6}"/>
+              </a:ext>
+            </a:extLst>
+          </p:cNvPr>
+          <p:cNvPicPr>
+            <a:picLocks noChangeAspect="1" noChangeArrowheads="1"/>
+          </p:cNvPicPr>
+          <p:nvPr/>
+        </p:nvPicPr>
+        <p:blipFill rotWithShape="1">
+          <a:blip r:embed="rId3">
+            <a:extLst>
+              <a:ext uri="{BEBA8EAE-BF5A-486C-A8C5-ECC9F3942E4B}">
+                <a14:imgProps xmlns:a14="http://schemas.microsoft.com/office/drawing/2010/main">
+                  <a14:imgLayer r:embed="rId4">
+                    <a14:imgEffect>
+                      <a14:saturation sat="0"/>
+                    </a14:imgEffect>
+                  </a14:imgLayer>
+                </a14:imgProps>
+              </a:ext>
+              <a:ext uri="{28A0092B-C50C-407E-A947-70E740481C1C}">
+                <a14:useLocalDpi xmlns:a14="http://schemas.microsoft.com/office/drawing/2010/main" val="0"/>
+              </a:ext>
+            </a:extLst>
+          </a:blip>
+          <a:srcRect b="8466"/>
+          <a:stretch/>
+        </p:blipFill>
+        <p:spPr bwMode="auto">
+          <a:xfrm>
+            <a:off x="2973419" y="3325148"/>
+            <a:ext cx="326664" cy="311956"/>
+          </a:xfrm>
+          <a:prstGeom prst="rect">
+            <a:avLst/>
+          </a:prstGeom>
+          <a:noFill/>
+          <a:extLst>
+            <a:ext uri="{909E8E84-426E-40DD-AFC4-6F175D3DCCD1}">
+              <a14:hiddenFill xmlns:a14="http://schemas.microsoft.com/office/drawing/2010/main">
+                <a:solidFill>
+                  <a:srgbClr val="FFFFFF"/>
+                </a:solidFill>
+              </a14:hiddenFill>
+            </a:ext>
+          </a:extLst>
+        </p:spPr>
+      </p:pic>
+      <p:pic>
+        <p:nvPicPr>
+          <p:cNvPr id="54" name="Picture 4">
+            <a:extLst>
+              <a:ext uri="{FF2B5EF4-FFF2-40B4-BE49-F238E27FC236}">
+                <a16:creationId xmlns:a16="http://schemas.microsoft.com/office/drawing/2014/main" id="{B326A329-E526-2522-F43C-39BB3404228F}"/>
+              </a:ext>
+            </a:extLst>
+          </p:cNvPr>
+          <p:cNvPicPr>
+            <a:picLocks noChangeAspect="1" noChangeArrowheads="1"/>
+          </p:cNvPicPr>
+          <p:nvPr/>
+        </p:nvPicPr>
+        <p:blipFill>
+          <a:blip r:embed="rId5">
+            <a:extLst>
+              <a:ext uri="{28A0092B-C50C-407E-A947-70E740481C1C}">
+                <a14:useLocalDpi xmlns:a14="http://schemas.microsoft.com/office/drawing/2010/main" val="0"/>
+              </a:ext>
+            </a:extLst>
+          </a:blip>
+          <a:srcRect/>
+          <a:stretch>
+            <a:fillRect/>
+          </a:stretch>
+        </p:blipFill>
+        <p:spPr bwMode="auto">
+          <a:xfrm>
+            <a:off x="4832982" y="3410408"/>
+            <a:ext cx="360579" cy="193158"/>
+          </a:xfrm>
+          <a:prstGeom prst="rect">
+            <a:avLst/>
+          </a:prstGeom>
+          <a:noFill/>
+          <a:extLst>
+            <a:ext uri="{909E8E84-426E-40DD-AFC4-6F175D3DCCD1}">
+              <a14:hiddenFill xmlns:a14="http://schemas.microsoft.com/office/drawing/2010/main">
+                <a:solidFill>
+                  <a:srgbClr val="FFFFFF"/>
+                </a:solidFill>
+              </a14:hiddenFill>
+            </a:ext>
+          </a:extLst>
+        </p:spPr>
+      </p:pic>
+      <p:pic>
+        <p:nvPicPr>
+          <p:cNvPr id="55" name="Picture 12">
+            <a:extLst>
+              <a:ext uri="{FF2B5EF4-FFF2-40B4-BE49-F238E27FC236}">
+                <a16:creationId xmlns:a16="http://schemas.microsoft.com/office/drawing/2014/main" id="{6044E6BF-A469-26C4-4B93-3F0A0CE4D609}"/>
+              </a:ext>
+            </a:extLst>
+          </p:cNvPr>
+          <p:cNvPicPr>
+            <a:picLocks noChangeAspect="1"/>
+          </p:cNvPicPr>
+          <p:nvPr/>
+        </p:nvPicPr>
+        <p:blipFill>
+          <a:blip r:embed="rId6"/>
+          <a:stretch>
+            <a:fillRect/>
+          </a:stretch>
+        </p:blipFill>
+        <p:spPr>
+          <a:xfrm>
+            <a:off x="3770500" y="3378227"/>
+            <a:ext cx="194878" cy="275778"/>
+          </a:xfrm>
+          <a:prstGeom prst="rect">
+            <a:avLst/>
+          </a:prstGeom>
+        </p:spPr>
+      </p:pic>
+      <p:pic>
+        <p:nvPicPr>
+          <p:cNvPr id="56" name="Picture 14" descr="A logo for a biodiversity center&#10;&#10;Description automatically generated">
+            <a:extLst>
+              <a:ext uri="{FF2B5EF4-FFF2-40B4-BE49-F238E27FC236}">
+                <a16:creationId xmlns:a16="http://schemas.microsoft.com/office/drawing/2014/main" id="{CB874484-79D4-6486-EB66-C2604EB00FD2}"/>
+              </a:ext>
+            </a:extLst>
+          </p:cNvPr>
+          <p:cNvPicPr>
+            <a:picLocks noChangeAspect="1"/>
+          </p:cNvPicPr>
+          <p:nvPr/>
+        </p:nvPicPr>
+        <p:blipFill>
+          <a:blip r:embed="rId7"/>
+          <a:stretch>
+            <a:fillRect/>
+          </a:stretch>
+        </p:blipFill>
+        <p:spPr>
+          <a:xfrm>
+            <a:off x="3370786" y="3410119"/>
+            <a:ext cx="329011" cy="193446"/>
+          </a:xfrm>
+          <a:prstGeom prst="rect">
+            <a:avLst/>
+          </a:prstGeom>
+        </p:spPr>
+      </p:pic>
+      <p:pic>
+        <p:nvPicPr>
+          <p:cNvPr id="57" name="Picture 21" descr="A black and white flag with a boat and a crown&#10;&#10;Description automatically generated">
+            <a:extLst>
+              <a:ext uri="{FF2B5EF4-FFF2-40B4-BE49-F238E27FC236}">
+                <a16:creationId xmlns:a16="http://schemas.microsoft.com/office/drawing/2014/main" id="{14DDE69D-382B-4C16-3A68-CB4F8C440A1A}"/>
+              </a:ext>
+            </a:extLst>
+          </p:cNvPr>
+          <p:cNvPicPr>
+            <a:picLocks noChangeAspect="1"/>
+          </p:cNvPicPr>
+          <p:nvPr/>
+        </p:nvPicPr>
+        <p:blipFill>
+          <a:blip r:embed="rId8"/>
+          <a:stretch>
+            <a:fillRect/>
+          </a:stretch>
+        </p:blipFill>
+        <p:spPr>
+          <a:xfrm>
+            <a:off x="4071104" y="3389536"/>
+            <a:ext cx="328458" cy="234612"/>
+          </a:xfrm>
+          <a:prstGeom prst="rect">
+            <a:avLst/>
+          </a:prstGeom>
+        </p:spPr>
+      </p:pic>
+      <p:pic>
+        <p:nvPicPr>
+          <p:cNvPr id="58" name="Picture 3">
+            <a:extLst>
+              <a:ext uri="{FF2B5EF4-FFF2-40B4-BE49-F238E27FC236}">
+                <a16:creationId xmlns:a16="http://schemas.microsoft.com/office/drawing/2014/main" id="{4C37A11E-3FC1-0576-A0CB-298A30D7DE7D}"/>
+              </a:ext>
+            </a:extLst>
+          </p:cNvPr>
+          <p:cNvPicPr>
+            <a:picLocks noChangeAspect="1"/>
+          </p:cNvPicPr>
+          <p:nvPr/>
+        </p:nvPicPr>
+        <p:blipFill>
+          <a:blip r:embed="rId9"/>
+          <a:stretch>
+            <a:fillRect/>
+          </a:stretch>
+        </p:blipFill>
+        <p:spPr>
+          <a:xfrm>
+            <a:off x="4500924" y="3402492"/>
+            <a:ext cx="232187" cy="234612"/>
+          </a:xfrm>
+          <a:prstGeom prst="rect">
+            <a:avLst/>
+          </a:prstGeom>
+        </p:spPr>
+      </p:pic>
+      <p:sp>
+        <p:nvSpPr>
+          <p:cNvPr id="60" name="Retângulo 59">
+            <a:extLst>
+              <a:ext uri="{FF2B5EF4-FFF2-40B4-BE49-F238E27FC236}">
+                <a16:creationId xmlns:a16="http://schemas.microsoft.com/office/drawing/2014/main" id="{57C43267-0EAE-ADEC-09A2-B06BEB533399}"/>
+              </a:ext>
+            </a:extLst>
+          </p:cNvPr>
+          <p:cNvSpPr/>
+          <p:nvPr/>
+        </p:nvSpPr>
+        <p:spPr>
+          <a:xfrm>
+            <a:off x="5377494" y="352026"/>
+            <a:ext cx="2336801" cy="3301978"/>
+          </a:xfrm>
+          <a:prstGeom prst="rect">
+            <a:avLst/>
+          </a:prstGeom>
+          <a:solidFill>
+            <a:schemeClr val="bg1"/>
+          </a:solidFill>
+          <a:ln>
+            <a:solidFill>
               <a:schemeClr val="tx1"/>
-            </a:fontRef>
-          </p:style>
-        </p:cxnSp>
-        <p:cxnSp>
-          <p:nvCxnSpPr>
-            <p:cNvPr id="11" name="Straight Connector 10">
-              <a:extLst>
-                <a:ext uri="{FF2B5EF4-FFF2-40B4-BE49-F238E27FC236}">
-                  <a16:creationId xmlns:a16="http://schemas.microsoft.com/office/drawing/2014/main" id="{FA02679D-C145-9AB8-9DF7-C8FD101A8E6A}"/>
-                </a:ext>
-              </a:extLst>
-            </p:cNvPr>
-            <p:cNvCxnSpPr>
-              <a:cxnSpLocks/>
-            </p:cNvCxnSpPr>
-            <p:nvPr/>
-          </p:nvCxnSpPr>
-          <p:spPr>
-            <a:xfrm>
-              <a:off x="0" y="2867587"/>
-              <a:ext cx="2663825" cy="0"/>
-            </a:xfrm>
-            <a:prstGeom prst="line">
-              <a:avLst/>
-            </a:prstGeom>
-          </p:spPr>
-          <p:style>
-            <a:lnRef idx="2">
-              <a:schemeClr val="dk1"/>
-            </a:lnRef>
-            <a:fillRef idx="0">
-              <a:schemeClr val="dk1"/>
-            </a:fillRef>
-            <a:effectRef idx="1">
-              <a:schemeClr val="dk1"/>
-            </a:effectRef>
-            <a:fontRef idx="minor">
+            </a:solidFill>
+          </a:ln>
+        </p:spPr>
+        <p:style>
+          <a:lnRef idx="2">
+            <a:schemeClr val="accent1">
+              <a:shade val="15000"/>
+            </a:schemeClr>
+          </a:lnRef>
+          <a:fillRef idx="1">
+            <a:schemeClr val="accent1"/>
+          </a:fillRef>
+          <a:effectRef idx="0">
+            <a:schemeClr val="accent1"/>
+          </a:effectRef>
+          <a:fontRef idx="minor">
+            <a:schemeClr val="lt1"/>
+          </a:fontRef>
+        </p:style>
+        <p:txBody>
+          <a:bodyPr rtlCol="0" anchor="ctr"/>
+          <a:lstStyle/>
+          <a:p>
+            <a:pPr algn="ctr"/>
+            <a:endParaRPr lang="pt-PT"/>
+          </a:p>
+        </p:txBody>
+      </p:sp>
+      <p:sp>
+        <p:nvSpPr>
+          <p:cNvPr id="61" name="Rectangle 17">
+            <a:extLst>
+              <a:ext uri="{FF2B5EF4-FFF2-40B4-BE49-F238E27FC236}">
+                <a16:creationId xmlns:a16="http://schemas.microsoft.com/office/drawing/2014/main" id="{7317B615-5156-30FC-2579-492A8E9DDE99}"/>
+              </a:ext>
+            </a:extLst>
+          </p:cNvPr>
+          <p:cNvSpPr/>
+          <p:nvPr/>
+        </p:nvSpPr>
+        <p:spPr>
+          <a:xfrm>
+            <a:off x="5377501" y="1761744"/>
+            <a:ext cx="2336801" cy="1103951"/>
+          </a:xfrm>
+          <a:prstGeom prst="rect">
+            <a:avLst/>
+          </a:prstGeom>
+          <a:solidFill>
+            <a:schemeClr val="bg1">
+              <a:lumMod val="85000"/>
+            </a:schemeClr>
+          </a:solidFill>
+          <a:ln>
+            <a:noFill/>
+          </a:ln>
+        </p:spPr>
+        <p:style>
+          <a:lnRef idx="2">
+            <a:schemeClr val="dk1"/>
+          </a:lnRef>
+          <a:fillRef idx="1">
+            <a:schemeClr val="lt1"/>
+          </a:fillRef>
+          <a:effectRef idx="0">
+            <a:schemeClr val="dk1"/>
+          </a:effectRef>
+          <a:fontRef idx="minor">
+            <a:schemeClr val="dk1"/>
+          </a:fontRef>
+        </p:style>
+        <p:txBody>
+          <a:bodyPr rtlCol="0" anchor="ctr"/>
+          <a:lstStyle/>
+          <a:p>
+            <a:pPr algn="ctr"/>
+            <a:endParaRPr lang="en-US" sz="2592" dirty="0"/>
+          </a:p>
+        </p:txBody>
+      </p:sp>
+      <p:pic>
+        <p:nvPicPr>
+          <p:cNvPr id="62" name="Picture 4" descr="A poster with different animals&#10;&#10;Description automatically generated with medium confidence">
+            <a:extLst>
+              <a:ext uri="{FF2B5EF4-FFF2-40B4-BE49-F238E27FC236}">
+                <a16:creationId xmlns:a16="http://schemas.microsoft.com/office/drawing/2014/main" id="{B5AFB0ED-666E-EC5F-D450-7B38571F50A0}"/>
+              </a:ext>
+            </a:extLst>
+          </p:cNvPr>
+          <p:cNvPicPr>
+            <a:picLocks noChangeAspect="1"/>
+          </p:cNvPicPr>
+          <p:nvPr/>
+        </p:nvPicPr>
+        <p:blipFill>
+          <a:blip r:embed="rId2"/>
+          <a:stretch>
+            <a:fillRect/>
+          </a:stretch>
+        </p:blipFill>
+        <p:spPr>
+          <a:xfrm>
+            <a:off x="5971468" y="435719"/>
+            <a:ext cx="1148855" cy="1356543"/>
+          </a:xfrm>
+          <a:prstGeom prst="rect">
+            <a:avLst/>
+          </a:prstGeom>
+        </p:spPr>
+      </p:pic>
+      <p:sp>
+        <p:nvSpPr>
+          <p:cNvPr id="63" name="TextBox 5">
+            <a:extLst>
+              <a:ext uri="{FF2B5EF4-FFF2-40B4-BE49-F238E27FC236}">
+                <a16:creationId xmlns:a16="http://schemas.microsoft.com/office/drawing/2014/main" id="{707505D2-2E87-E584-4B44-2FDD7A1A49DE}"/>
+              </a:ext>
+            </a:extLst>
+          </p:cNvPr>
+          <p:cNvSpPr txBox="1"/>
+          <p:nvPr/>
+        </p:nvSpPr>
+        <p:spPr>
+          <a:xfrm>
+            <a:off x="5661482" y="1812533"/>
+            <a:ext cx="1768832" cy="1015663"/>
+          </a:xfrm>
+          <a:prstGeom prst="rect">
+            <a:avLst/>
+          </a:prstGeom>
+          <a:noFill/>
+        </p:spPr>
+        <p:txBody>
+          <a:bodyPr wrap="square" rtlCol="0">
+            <a:spAutoFit/>
+          </a:bodyPr>
+          <a:lstStyle/>
+          <a:p>
+            <a:pPr algn="ctr"/>
+            <a:r>
+              <a:rPr lang="en-US" sz="2200" b="1" dirty="0">
+                <a:latin typeface="Helvetica" pitchFamily="2" charset="0"/>
+              </a:rPr>
+              <a:t>NOME 3</a:t>
+            </a:r>
+          </a:p>
+          <a:p>
+            <a:pPr algn="ctr"/>
+            <a:r>
+              <a:rPr lang="en-US" sz="2200" b="1" dirty="0">
+                <a:latin typeface="Helvetica" pitchFamily="2" charset="0"/>
+              </a:rPr>
+              <a:t>APELIDO 3</a:t>
+            </a:r>
+          </a:p>
+          <a:p>
+            <a:pPr algn="ctr"/>
+            <a:endParaRPr lang="en-US" sz="500" b="1" dirty="0">
+              <a:latin typeface="Helvetica" pitchFamily="2" charset="0"/>
+            </a:endParaRPr>
+          </a:p>
+          <a:p>
+            <a:pPr algn="ctr"/>
+            <a:r>
+              <a:rPr lang="en-US" sz="1100" b="1" dirty="0">
+                <a:latin typeface="Helvetica" pitchFamily="2" charset="0"/>
+              </a:rPr>
+              <a:t>INSTITUICAO 3</a:t>
+            </a:r>
+          </a:p>
+        </p:txBody>
+      </p:sp>
+      <p:sp>
+        <p:nvSpPr>
+          <p:cNvPr id="64" name="TextBox 7">
+            <a:extLst>
+              <a:ext uri="{FF2B5EF4-FFF2-40B4-BE49-F238E27FC236}">
+                <a16:creationId xmlns:a16="http://schemas.microsoft.com/office/drawing/2014/main" id="{2B7B85C8-6C9A-FF1B-02ED-32C44EE489A9}"/>
+              </a:ext>
+            </a:extLst>
+          </p:cNvPr>
+          <p:cNvSpPr txBox="1"/>
+          <p:nvPr/>
+        </p:nvSpPr>
+        <p:spPr>
+          <a:xfrm>
+            <a:off x="5532964" y="2912154"/>
+            <a:ext cx="2025876" cy="340809"/>
+          </a:xfrm>
+          <a:prstGeom prst="rect">
+            <a:avLst/>
+          </a:prstGeom>
+          <a:noFill/>
+        </p:spPr>
+        <p:txBody>
+          <a:bodyPr wrap="square" rtlCol="0">
+            <a:spAutoFit/>
+          </a:bodyPr>
+          <a:lstStyle/>
+          <a:p>
+            <a:pPr algn="ctr"/>
+            <a:r>
+              <a:rPr lang="en-US" sz="817" dirty="0">
+                <a:latin typeface="Helvetica Light" panose="020B0403020202020204" pitchFamily="34" charset="0"/>
+              </a:rPr>
+              <a:t>VILA DO CONDE, PORTUGAL</a:t>
+            </a:r>
+          </a:p>
+          <a:p>
+            <a:pPr algn="ctr">
+              <a:lnSpc>
+                <a:spcPct val="150000"/>
+              </a:lnSpc>
+            </a:pPr>
+            <a:r>
+              <a:rPr lang="en-US" sz="817" dirty="0">
+                <a:latin typeface="Helvetica Light" panose="020B0403020202020204" pitchFamily="34" charset="0"/>
+              </a:rPr>
+              <a:t>21-23.11.2024</a:t>
+            </a:r>
+          </a:p>
+        </p:txBody>
+      </p:sp>
+      <p:cxnSp>
+        <p:nvCxnSpPr>
+          <p:cNvPr id="65" name="Straight Connector 9">
+            <a:extLst>
+              <a:ext uri="{FF2B5EF4-FFF2-40B4-BE49-F238E27FC236}">
+                <a16:creationId xmlns:a16="http://schemas.microsoft.com/office/drawing/2014/main" id="{84499E53-233C-FC9B-D081-A7A3DBFF9607}"/>
+              </a:ext>
+            </a:extLst>
+          </p:cNvPr>
+          <p:cNvCxnSpPr>
+            <a:cxnSpLocks/>
+          </p:cNvCxnSpPr>
+          <p:nvPr/>
+        </p:nvCxnSpPr>
+        <p:spPr>
+          <a:xfrm>
+            <a:off x="5377501" y="1770447"/>
+            <a:ext cx="2336801" cy="0"/>
+          </a:xfrm>
+          <a:prstGeom prst="line">
+            <a:avLst/>
+          </a:prstGeom>
+        </p:spPr>
+        <p:style>
+          <a:lnRef idx="2">
+            <a:schemeClr val="dk1"/>
+          </a:lnRef>
+          <a:fillRef idx="0">
+            <a:schemeClr val="dk1"/>
+          </a:fillRef>
+          <a:effectRef idx="1">
+            <a:schemeClr val="dk1"/>
+          </a:effectRef>
+          <a:fontRef idx="minor">
+            <a:schemeClr val="tx1"/>
+          </a:fontRef>
+        </p:style>
+      </p:cxnSp>
+      <p:cxnSp>
+        <p:nvCxnSpPr>
+          <p:cNvPr id="66" name="Straight Connector 10">
+            <a:extLst>
+              <a:ext uri="{FF2B5EF4-FFF2-40B4-BE49-F238E27FC236}">
+                <a16:creationId xmlns:a16="http://schemas.microsoft.com/office/drawing/2014/main" id="{E57C55B1-3A8A-D161-3669-A01B930E91F1}"/>
+              </a:ext>
+            </a:extLst>
+          </p:cNvPr>
+          <p:cNvCxnSpPr>
+            <a:cxnSpLocks/>
+          </p:cNvCxnSpPr>
+          <p:nvPr/>
+        </p:nvCxnSpPr>
+        <p:spPr>
+          <a:xfrm>
+            <a:off x="5377501" y="2865697"/>
+            <a:ext cx="2336801" cy="0"/>
+          </a:xfrm>
+          <a:prstGeom prst="line">
+            <a:avLst/>
+          </a:prstGeom>
+        </p:spPr>
+        <p:style>
+          <a:lnRef idx="2">
+            <a:schemeClr val="dk1"/>
+          </a:lnRef>
+          <a:fillRef idx="0">
+            <a:schemeClr val="dk1"/>
+          </a:fillRef>
+          <a:effectRef idx="1">
+            <a:schemeClr val="dk1"/>
+          </a:effectRef>
+          <a:fontRef idx="minor">
+            <a:schemeClr val="tx1"/>
+          </a:fontRef>
+        </p:style>
+      </p:cxnSp>
+      <p:pic>
+        <p:nvPicPr>
+          <p:cNvPr id="67" name="Picture 2" descr="APP logo">
+            <a:extLst>
+              <a:ext uri="{FF2B5EF4-FFF2-40B4-BE49-F238E27FC236}">
+                <a16:creationId xmlns:a16="http://schemas.microsoft.com/office/drawing/2014/main" id="{64C52DCD-4790-BEA8-1D69-6BD6DCC9E47B}"/>
+              </a:ext>
+            </a:extLst>
+          </p:cNvPr>
+          <p:cNvPicPr>
+            <a:picLocks noChangeAspect="1" noChangeArrowheads="1"/>
+          </p:cNvPicPr>
+          <p:nvPr/>
+        </p:nvPicPr>
+        <p:blipFill rotWithShape="1">
+          <a:blip r:embed="rId3">
+            <a:extLst>
+              <a:ext uri="{BEBA8EAE-BF5A-486C-A8C5-ECC9F3942E4B}">
+                <a14:imgProps xmlns:a14="http://schemas.microsoft.com/office/drawing/2010/main">
+                  <a14:imgLayer r:embed="rId4">
+                    <a14:imgEffect>
+                      <a14:saturation sat="0"/>
+                    </a14:imgEffect>
+                  </a14:imgLayer>
+                </a14:imgProps>
+              </a:ext>
+              <a:ext uri="{28A0092B-C50C-407E-A947-70E740481C1C}">
+                <a14:useLocalDpi xmlns:a14="http://schemas.microsoft.com/office/drawing/2010/main" val="0"/>
+              </a:ext>
+            </a:extLst>
+          </a:blip>
+          <a:srcRect b="8466"/>
+          <a:stretch/>
+        </p:blipFill>
+        <p:spPr bwMode="auto">
+          <a:xfrm>
+            <a:off x="5465226" y="3325148"/>
+            <a:ext cx="326664" cy="311956"/>
+          </a:xfrm>
+          <a:prstGeom prst="rect">
+            <a:avLst/>
+          </a:prstGeom>
+          <a:noFill/>
+          <a:extLst>
+            <a:ext uri="{909E8E84-426E-40DD-AFC4-6F175D3DCCD1}">
+              <a14:hiddenFill xmlns:a14="http://schemas.microsoft.com/office/drawing/2010/main">
+                <a:solidFill>
+                  <a:srgbClr val="FFFFFF"/>
+                </a:solidFill>
+              </a14:hiddenFill>
+            </a:ext>
+          </a:extLst>
+        </p:spPr>
+      </p:pic>
+      <p:pic>
+        <p:nvPicPr>
+          <p:cNvPr id="68" name="Picture 4">
+            <a:extLst>
+              <a:ext uri="{FF2B5EF4-FFF2-40B4-BE49-F238E27FC236}">
+                <a16:creationId xmlns:a16="http://schemas.microsoft.com/office/drawing/2014/main" id="{941B3612-CBEC-167E-D633-79223B11181F}"/>
+              </a:ext>
+            </a:extLst>
+          </p:cNvPr>
+          <p:cNvPicPr>
+            <a:picLocks noChangeAspect="1" noChangeArrowheads="1"/>
+          </p:cNvPicPr>
+          <p:nvPr/>
+        </p:nvPicPr>
+        <p:blipFill>
+          <a:blip r:embed="rId5">
+            <a:extLst>
+              <a:ext uri="{28A0092B-C50C-407E-A947-70E740481C1C}">
+                <a14:useLocalDpi xmlns:a14="http://schemas.microsoft.com/office/drawing/2010/main" val="0"/>
+              </a:ext>
+            </a:extLst>
+          </a:blip>
+          <a:srcRect/>
+          <a:stretch>
+            <a:fillRect/>
+          </a:stretch>
+        </p:blipFill>
+        <p:spPr bwMode="auto">
+          <a:xfrm>
+            <a:off x="7324789" y="3410408"/>
+            <a:ext cx="360579" cy="193158"/>
+          </a:xfrm>
+          <a:prstGeom prst="rect">
+            <a:avLst/>
+          </a:prstGeom>
+          <a:noFill/>
+          <a:extLst>
+            <a:ext uri="{909E8E84-426E-40DD-AFC4-6F175D3DCCD1}">
+              <a14:hiddenFill xmlns:a14="http://schemas.microsoft.com/office/drawing/2010/main">
+                <a:solidFill>
+                  <a:srgbClr val="FFFFFF"/>
+                </a:solidFill>
+              </a14:hiddenFill>
+            </a:ext>
+          </a:extLst>
+        </p:spPr>
+      </p:pic>
+      <p:pic>
+        <p:nvPicPr>
+          <p:cNvPr id="69" name="Picture 12">
+            <a:extLst>
+              <a:ext uri="{FF2B5EF4-FFF2-40B4-BE49-F238E27FC236}">
+                <a16:creationId xmlns:a16="http://schemas.microsoft.com/office/drawing/2014/main" id="{75E31164-EC48-0FC2-38A4-7E7CE3CA00D0}"/>
+              </a:ext>
+            </a:extLst>
+          </p:cNvPr>
+          <p:cNvPicPr>
+            <a:picLocks noChangeAspect="1"/>
+          </p:cNvPicPr>
+          <p:nvPr/>
+        </p:nvPicPr>
+        <p:blipFill>
+          <a:blip r:embed="rId6"/>
+          <a:stretch>
+            <a:fillRect/>
+          </a:stretch>
+        </p:blipFill>
+        <p:spPr>
+          <a:xfrm>
+            <a:off x="6262307" y="3378227"/>
+            <a:ext cx="194878" cy="275778"/>
+          </a:xfrm>
+          <a:prstGeom prst="rect">
+            <a:avLst/>
+          </a:prstGeom>
+        </p:spPr>
+      </p:pic>
+      <p:pic>
+        <p:nvPicPr>
+          <p:cNvPr id="70" name="Picture 14" descr="A logo for a biodiversity center&#10;&#10;Description automatically generated">
+            <a:extLst>
+              <a:ext uri="{FF2B5EF4-FFF2-40B4-BE49-F238E27FC236}">
+                <a16:creationId xmlns:a16="http://schemas.microsoft.com/office/drawing/2014/main" id="{7863B399-ECAA-47FC-42ED-4E891DE1FA62}"/>
+              </a:ext>
+            </a:extLst>
+          </p:cNvPr>
+          <p:cNvPicPr>
+            <a:picLocks noChangeAspect="1"/>
+          </p:cNvPicPr>
+          <p:nvPr/>
+        </p:nvPicPr>
+        <p:blipFill>
+          <a:blip r:embed="rId7"/>
+          <a:stretch>
+            <a:fillRect/>
+          </a:stretch>
+        </p:blipFill>
+        <p:spPr>
+          <a:xfrm>
+            <a:off x="5862593" y="3410119"/>
+            <a:ext cx="329011" cy="193446"/>
+          </a:xfrm>
+          <a:prstGeom prst="rect">
+            <a:avLst/>
+          </a:prstGeom>
+        </p:spPr>
+      </p:pic>
+      <p:pic>
+        <p:nvPicPr>
+          <p:cNvPr id="71" name="Picture 21" descr="A black and white flag with a boat and a crown&#10;&#10;Description automatically generated">
+            <a:extLst>
+              <a:ext uri="{FF2B5EF4-FFF2-40B4-BE49-F238E27FC236}">
+                <a16:creationId xmlns:a16="http://schemas.microsoft.com/office/drawing/2014/main" id="{BA672A3C-70B4-DF01-7604-F3B43835A922}"/>
+              </a:ext>
+            </a:extLst>
+          </p:cNvPr>
+          <p:cNvPicPr>
+            <a:picLocks noChangeAspect="1"/>
+          </p:cNvPicPr>
+          <p:nvPr/>
+        </p:nvPicPr>
+        <p:blipFill>
+          <a:blip r:embed="rId8"/>
+          <a:stretch>
+            <a:fillRect/>
+          </a:stretch>
+        </p:blipFill>
+        <p:spPr>
+          <a:xfrm>
+            <a:off x="6562911" y="3389536"/>
+            <a:ext cx="328458" cy="234612"/>
+          </a:xfrm>
+          <a:prstGeom prst="rect">
+            <a:avLst/>
+          </a:prstGeom>
+        </p:spPr>
+      </p:pic>
+      <p:pic>
+        <p:nvPicPr>
+          <p:cNvPr id="72" name="Picture 3">
+            <a:extLst>
+              <a:ext uri="{FF2B5EF4-FFF2-40B4-BE49-F238E27FC236}">
+                <a16:creationId xmlns:a16="http://schemas.microsoft.com/office/drawing/2014/main" id="{014DD654-3AC0-D87D-D6E7-3C7AC2626C99}"/>
+              </a:ext>
+            </a:extLst>
+          </p:cNvPr>
+          <p:cNvPicPr>
+            <a:picLocks noChangeAspect="1"/>
+          </p:cNvPicPr>
+          <p:nvPr/>
+        </p:nvPicPr>
+        <p:blipFill>
+          <a:blip r:embed="rId9"/>
+          <a:stretch>
+            <a:fillRect/>
+          </a:stretch>
+        </p:blipFill>
+        <p:spPr>
+          <a:xfrm>
+            <a:off x="6992731" y="3402492"/>
+            <a:ext cx="232187" cy="234612"/>
+          </a:xfrm>
+          <a:prstGeom prst="rect">
+            <a:avLst/>
+          </a:prstGeom>
+        </p:spPr>
+      </p:pic>
+      <p:sp>
+        <p:nvSpPr>
+          <p:cNvPr id="74" name="Retângulo 73">
+            <a:extLst>
+              <a:ext uri="{FF2B5EF4-FFF2-40B4-BE49-F238E27FC236}">
+                <a16:creationId xmlns:a16="http://schemas.microsoft.com/office/drawing/2014/main" id="{8C8B70DC-969F-7BA6-BB5E-295E9E622505}"/>
+              </a:ext>
+            </a:extLst>
+          </p:cNvPr>
+          <p:cNvSpPr/>
+          <p:nvPr/>
+        </p:nvSpPr>
+        <p:spPr>
+          <a:xfrm>
+            <a:off x="7869302" y="352026"/>
+            <a:ext cx="2336801" cy="3301978"/>
+          </a:xfrm>
+          <a:prstGeom prst="rect">
+            <a:avLst/>
+          </a:prstGeom>
+          <a:solidFill>
+            <a:schemeClr val="bg1"/>
+          </a:solidFill>
+          <a:ln>
+            <a:solidFill>
               <a:schemeClr val="tx1"/>
-            </a:fontRef>
-          </p:style>
-        </p:cxnSp>
-        <p:pic>
-          <p:nvPicPr>
-            <p:cNvPr id="2" name="Picture 2" descr="APP logo">
-              <a:extLst>
-                <a:ext uri="{FF2B5EF4-FFF2-40B4-BE49-F238E27FC236}">
-                  <a16:creationId xmlns:a16="http://schemas.microsoft.com/office/drawing/2014/main" id="{16985920-EEC3-C58A-AAD9-ADBAC23356D6}"/>
-                </a:ext>
-              </a:extLst>
-            </p:cNvPr>
-            <p:cNvPicPr>
-              <a:picLocks noChangeAspect="1" noChangeArrowheads="1"/>
-            </p:cNvPicPr>
-            <p:nvPr/>
-          </p:nvPicPr>
-          <p:blipFill>
-            <a:blip r:embed="rId3">
-              <a:extLst>
-                <a:ext uri="{BEBA8EAE-BF5A-486C-A8C5-ECC9F3942E4B}">
-                  <a14:imgProps xmlns:a14="http://schemas.microsoft.com/office/drawing/2010/main">
-                    <a14:imgLayer r:embed="rId4">
-                      <a14:imgEffect>
-                        <a14:saturation sat="0"/>
-                      </a14:imgEffect>
-                    </a14:imgLayer>
-                  </a14:imgProps>
-                </a:ext>
-                <a:ext uri="{28A0092B-C50C-407E-A947-70E740481C1C}">
-                  <a14:useLocalDpi xmlns:a14="http://schemas.microsoft.com/office/drawing/2010/main" val="0"/>
-                </a:ext>
-              </a:extLst>
-            </a:blip>
-            <a:srcRect/>
-            <a:stretch>
-              <a:fillRect/>
-            </a:stretch>
-          </p:blipFill>
-          <p:spPr bwMode="auto">
-            <a:xfrm>
-              <a:off x="777871" y="3430712"/>
-              <a:ext cx="334635" cy="349126"/>
-            </a:xfrm>
-            <a:prstGeom prst="rect">
-              <a:avLst/>
-            </a:prstGeom>
+            </a:solidFill>
+          </a:ln>
+        </p:spPr>
+        <p:style>
+          <a:lnRef idx="2">
+            <a:schemeClr val="accent1">
+              <a:shade val="15000"/>
+            </a:schemeClr>
+          </a:lnRef>
+          <a:fillRef idx="1">
+            <a:schemeClr val="accent1"/>
+          </a:fillRef>
+          <a:effectRef idx="0">
+            <a:schemeClr val="accent1"/>
+          </a:effectRef>
+          <a:fontRef idx="minor">
+            <a:schemeClr val="lt1"/>
+          </a:fontRef>
+        </p:style>
+        <p:txBody>
+          <a:bodyPr rtlCol="0" anchor="ctr"/>
+          <a:lstStyle/>
+          <a:p>
+            <a:pPr algn="ctr"/>
+            <a:endParaRPr lang="pt-PT"/>
+          </a:p>
+        </p:txBody>
+      </p:sp>
+      <p:sp>
+        <p:nvSpPr>
+          <p:cNvPr id="75" name="Rectangle 17">
+            <a:extLst>
+              <a:ext uri="{FF2B5EF4-FFF2-40B4-BE49-F238E27FC236}">
+                <a16:creationId xmlns:a16="http://schemas.microsoft.com/office/drawing/2014/main" id="{F33BD473-C0A2-A179-6CB2-A26456685780}"/>
+              </a:ext>
+            </a:extLst>
+          </p:cNvPr>
+          <p:cNvSpPr/>
+          <p:nvPr/>
+        </p:nvSpPr>
+        <p:spPr>
+          <a:xfrm>
+            <a:off x="7869309" y="1773936"/>
+            <a:ext cx="2336801" cy="1091759"/>
+          </a:xfrm>
+          <a:prstGeom prst="rect">
+            <a:avLst/>
+          </a:prstGeom>
+          <a:solidFill>
+            <a:schemeClr val="bg1">
+              <a:lumMod val="85000"/>
+            </a:schemeClr>
+          </a:solidFill>
+          <a:ln>
             <a:noFill/>
-            <a:extLst>
-              <a:ext uri="{909E8E84-426E-40DD-AFC4-6F175D3DCCD1}">
-                <a14:hiddenFill xmlns:a14="http://schemas.microsoft.com/office/drawing/2010/main">
-                  <a:solidFill>
-                    <a:srgbClr val="FFFFFF"/>
-                  </a:solidFill>
-                </a14:hiddenFill>
-              </a:ext>
-            </a:extLst>
-          </p:spPr>
-        </p:pic>
-        <p:pic>
-          <p:nvPicPr>
-            <p:cNvPr id="3" name="Picture 4">
-              <a:extLst>
-                <a:ext uri="{FF2B5EF4-FFF2-40B4-BE49-F238E27FC236}">
-                  <a16:creationId xmlns:a16="http://schemas.microsoft.com/office/drawing/2014/main" id="{F50EA528-66B4-7756-462C-2CF4B016231F}"/>
-                </a:ext>
-              </a:extLst>
-            </p:cNvPr>
-            <p:cNvPicPr>
-              <a:picLocks noChangeAspect="1" noChangeArrowheads="1"/>
-            </p:cNvPicPr>
-            <p:nvPr/>
-          </p:nvPicPr>
-          <p:blipFill>
-            <a:blip r:embed="rId5">
-              <a:extLst>
-                <a:ext uri="{28A0092B-C50C-407E-A947-70E740481C1C}">
-                  <a14:useLocalDpi xmlns:a14="http://schemas.microsoft.com/office/drawing/2010/main" val="0"/>
-                </a:ext>
-              </a:extLst>
-            </a:blip>
-            <a:srcRect/>
-            <a:stretch>
-              <a:fillRect/>
-            </a:stretch>
-          </p:blipFill>
-          <p:spPr bwMode="auto">
-            <a:xfrm>
-              <a:off x="102582" y="3464710"/>
-              <a:ext cx="546780" cy="292903"/>
-            </a:xfrm>
-            <a:prstGeom prst="rect">
-              <a:avLst/>
-            </a:prstGeom>
+          </a:ln>
+        </p:spPr>
+        <p:style>
+          <a:lnRef idx="2">
+            <a:schemeClr val="dk1"/>
+          </a:lnRef>
+          <a:fillRef idx="1">
+            <a:schemeClr val="lt1"/>
+          </a:fillRef>
+          <a:effectRef idx="0">
+            <a:schemeClr val="dk1"/>
+          </a:effectRef>
+          <a:fontRef idx="minor">
+            <a:schemeClr val="dk1"/>
+          </a:fontRef>
+        </p:style>
+        <p:txBody>
+          <a:bodyPr rtlCol="0" anchor="ctr"/>
+          <a:lstStyle/>
+          <a:p>
+            <a:pPr algn="ctr"/>
+            <a:endParaRPr lang="en-US" sz="2592" dirty="0"/>
+          </a:p>
+        </p:txBody>
+      </p:sp>
+      <p:pic>
+        <p:nvPicPr>
+          <p:cNvPr id="76" name="Picture 4" descr="A poster with different animals&#10;&#10;Description automatically generated with medium confidence">
+            <a:extLst>
+              <a:ext uri="{FF2B5EF4-FFF2-40B4-BE49-F238E27FC236}">
+                <a16:creationId xmlns:a16="http://schemas.microsoft.com/office/drawing/2014/main" id="{3384B1B8-7C2B-6923-4823-AC7738CA64A3}"/>
+              </a:ext>
+            </a:extLst>
+          </p:cNvPr>
+          <p:cNvPicPr>
+            <a:picLocks noChangeAspect="1"/>
+          </p:cNvPicPr>
+          <p:nvPr/>
+        </p:nvPicPr>
+        <p:blipFill>
+          <a:blip r:embed="rId2"/>
+          <a:stretch>
+            <a:fillRect/>
+          </a:stretch>
+        </p:blipFill>
+        <p:spPr>
+          <a:xfrm>
+            <a:off x="8463276" y="435719"/>
+            <a:ext cx="1148855" cy="1356543"/>
+          </a:xfrm>
+          <a:prstGeom prst="rect">
+            <a:avLst/>
+          </a:prstGeom>
+        </p:spPr>
+      </p:pic>
+      <p:sp>
+        <p:nvSpPr>
+          <p:cNvPr id="77" name="TextBox 5">
+            <a:extLst>
+              <a:ext uri="{FF2B5EF4-FFF2-40B4-BE49-F238E27FC236}">
+                <a16:creationId xmlns:a16="http://schemas.microsoft.com/office/drawing/2014/main" id="{85FEE225-AC88-523C-D2A3-618E84F86935}"/>
+              </a:ext>
+            </a:extLst>
+          </p:cNvPr>
+          <p:cNvSpPr txBox="1"/>
+          <p:nvPr/>
+        </p:nvSpPr>
+        <p:spPr>
+          <a:xfrm>
+            <a:off x="8153290" y="1812533"/>
+            <a:ext cx="1768832" cy="1015663"/>
+          </a:xfrm>
+          <a:prstGeom prst="rect">
+            <a:avLst/>
+          </a:prstGeom>
+          <a:noFill/>
+        </p:spPr>
+        <p:txBody>
+          <a:bodyPr wrap="square" rtlCol="0">
+            <a:spAutoFit/>
+          </a:bodyPr>
+          <a:lstStyle/>
+          <a:p>
+            <a:pPr algn="ctr"/>
+            <a:r>
+              <a:rPr lang="en-US" sz="2200" b="1" dirty="0">
+                <a:latin typeface="Helvetica" pitchFamily="2" charset="0"/>
+              </a:rPr>
+              <a:t>NOME 4</a:t>
+            </a:r>
+          </a:p>
+          <a:p>
+            <a:pPr algn="ctr"/>
+            <a:r>
+              <a:rPr lang="en-US" sz="2200" b="1" dirty="0">
+                <a:latin typeface="Helvetica" pitchFamily="2" charset="0"/>
+              </a:rPr>
+              <a:t>APELIDO 4</a:t>
+            </a:r>
+          </a:p>
+          <a:p>
+            <a:pPr algn="ctr"/>
+            <a:endParaRPr lang="en-US" sz="500" b="1" dirty="0">
+              <a:latin typeface="Helvetica" pitchFamily="2" charset="0"/>
+            </a:endParaRPr>
+          </a:p>
+          <a:p>
+            <a:pPr algn="ctr"/>
+            <a:r>
+              <a:rPr lang="en-US" sz="1100" b="1" dirty="0">
+                <a:latin typeface="Helvetica" pitchFamily="2" charset="0"/>
+              </a:rPr>
+              <a:t>INSTITUICAO 4</a:t>
+            </a:r>
+          </a:p>
+        </p:txBody>
+      </p:sp>
+      <p:sp>
+        <p:nvSpPr>
+          <p:cNvPr id="78" name="TextBox 7">
+            <a:extLst>
+              <a:ext uri="{FF2B5EF4-FFF2-40B4-BE49-F238E27FC236}">
+                <a16:creationId xmlns:a16="http://schemas.microsoft.com/office/drawing/2014/main" id="{F54F1308-5F17-F281-4084-EB5044BFE7B0}"/>
+              </a:ext>
+            </a:extLst>
+          </p:cNvPr>
+          <p:cNvSpPr txBox="1"/>
+          <p:nvPr/>
+        </p:nvSpPr>
+        <p:spPr>
+          <a:xfrm>
+            <a:off x="8024772" y="2912154"/>
+            <a:ext cx="2025876" cy="340809"/>
+          </a:xfrm>
+          <a:prstGeom prst="rect">
+            <a:avLst/>
+          </a:prstGeom>
+          <a:noFill/>
+        </p:spPr>
+        <p:txBody>
+          <a:bodyPr wrap="square" rtlCol="0">
+            <a:spAutoFit/>
+          </a:bodyPr>
+          <a:lstStyle/>
+          <a:p>
+            <a:pPr algn="ctr"/>
+            <a:r>
+              <a:rPr lang="en-US" sz="817" dirty="0">
+                <a:latin typeface="Helvetica Light" panose="020B0403020202020204" pitchFamily="34" charset="0"/>
+              </a:rPr>
+              <a:t>VILA DO CONDE, PORTUGAL</a:t>
+            </a:r>
+          </a:p>
+          <a:p>
+            <a:pPr algn="ctr">
+              <a:lnSpc>
+                <a:spcPct val="150000"/>
+              </a:lnSpc>
+            </a:pPr>
+            <a:r>
+              <a:rPr lang="en-US" sz="817" dirty="0">
+                <a:latin typeface="Helvetica Light" panose="020B0403020202020204" pitchFamily="34" charset="0"/>
+              </a:rPr>
+              <a:t>21-23.11.2024</a:t>
+            </a:r>
+          </a:p>
+        </p:txBody>
+      </p:sp>
+      <p:cxnSp>
+        <p:nvCxnSpPr>
+          <p:cNvPr id="79" name="Straight Connector 9">
+            <a:extLst>
+              <a:ext uri="{FF2B5EF4-FFF2-40B4-BE49-F238E27FC236}">
+                <a16:creationId xmlns:a16="http://schemas.microsoft.com/office/drawing/2014/main" id="{8B6F2A4F-8574-A07D-BCB6-2638761B8F4E}"/>
+              </a:ext>
+            </a:extLst>
+          </p:cNvPr>
+          <p:cNvCxnSpPr>
+            <a:cxnSpLocks/>
+          </p:cNvCxnSpPr>
+          <p:nvPr/>
+        </p:nvCxnSpPr>
+        <p:spPr>
+          <a:xfrm>
+            <a:off x="7869309" y="1770447"/>
+            <a:ext cx="2336801" cy="0"/>
+          </a:xfrm>
+          <a:prstGeom prst="line">
+            <a:avLst/>
+          </a:prstGeom>
+        </p:spPr>
+        <p:style>
+          <a:lnRef idx="2">
+            <a:schemeClr val="dk1"/>
+          </a:lnRef>
+          <a:fillRef idx="0">
+            <a:schemeClr val="dk1"/>
+          </a:fillRef>
+          <a:effectRef idx="1">
+            <a:schemeClr val="dk1"/>
+          </a:effectRef>
+          <a:fontRef idx="minor">
+            <a:schemeClr val="tx1"/>
+          </a:fontRef>
+        </p:style>
+      </p:cxnSp>
+      <p:cxnSp>
+        <p:nvCxnSpPr>
+          <p:cNvPr id="80" name="Straight Connector 10">
+            <a:extLst>
+              <a:ext uri="{FF2B5EF4-FFF2-40B4-BE49-F238E27FC236}">
+                <a16:creationId xmlns:a16="http://schemas.microsoft.com/office/drawing/2014/main" id="{8C5940BB-69E9-0951-7934-34167DF4EFB5}"/>
+              </a:ext>
+            </a:extLst>
+          </p:cNvPr>
+          <p:cNvCxnSpPr>
+            <a:cxnSpLocks/>
+          </p:cNvCxnSpPr>
+          <p:nvPr/>
+        </p:nvCxnSpPr>
+        <p:spPr>
+          <a:xfrm>
+            <a:off x="7869309" y="2865697"/>
+            <a:ext cx="2336801" cy="0"/>
+          </a:xfrm>
+          <a:prstGeom prst="line">
+            <a:avLst/>
+          </a:prstGeom>
+        </p:spPr>
+        <p:style>
+          <a:lnRef idx="2">
+            <a:schemeClr val="dk1"/>
+          </a:lnRef>
+          <a:fillRef idx="0">
+            <a:schemeClr val="dk1"/>
+          </a:fillRef>
+          <a:effectRef idx="1">
+            <a:schemeClr val="dk1"/>
+          </a:effectRef>
+          <a:fontRef idx="minor">
+            <a:schemeClr val="tx1"/>
+          </a:fontRef>
+        </p:style>
+      </p:cxnSp>
+      <p:pic>
+        <p:nvPicPr>
+          <p:cNvPr id="81" name="Picture 2" descr="APP logo">
+            <a:extLst>
+              <a:ext uri="{FF2B5EF4-FFF2-40B4-BE49-F238E27FC236}">
+                <a16:creationId xmlns:a16="http://schemas.microsoft.com/office/drawing/2014/main" id="{28AD980F-48B0-D458-7A2A-32E0B3E2CF47}"/>
+              </a:ext>
+            </a:extLst>
+          </p:cNvPr>
+          <p:cNvPicPr>
+            <a:picLocks noChangeAspect="1" noChangeArrowheads="1"/>
+          </p:cNvPicPr>
+          <p:nvPr/>
+        </p:nvPicPr>
+        <p:blipFill rotWithShape="1">
+          <a:blip r:embed="rId3">
+            <a:extLst>
+              <a:ext uri="{BEBA8EAE-BF5A-486C-A8C5-ECC9F3942E4B}">
+                <a14:imgProps xmlns:a14="http://schemas.microsoft.com/office/drawing/2010/main">
+                  <a14:imgLayer r:embed="rId4">
+                    <a14:imgEffect>
+                      <a14:saturation sat="0"/>
+                    </a14:imgEffect>
+                  </a14:imgLayer>
+                </a14:imgProps>
+              </a:ext>
+              <a:ext uri="{28A0092B-C50C-407E-A947-70E740481C1C}">
+                <a14:useLocalDpi xmlns:a14="http://schemas.microsoft.com/office/drawing/2010/main" val="0"/>
+              </a:ext>
+            </a:extLst>
+          </a:blip>
+          <a:srcRect b="8466"/>
+          <a:stretch/>
+        </p:blipFill>
+        <p:spPr bwMode="auto">
+          <a:xfrm>
+            <a:off x="7957034" y="3325148"/>
+            <a:ext cx="326664" cy="311956"/>
+          </a:xfrm>
+          <a:prstGeom prst="rect">
+            <a:avLst/>
+          </a:prstGeom>
+          <a:noFill/>
+          <a:extLst>
+            <a:ext uri="{909E8E84-426E-40DD-AFC4-6F175D3DCCD1}">
+              <a14:hiddenFill xmlns:a14="http://schemas.microsoft.com/office/drawing/2010/main">
+                <a:solidFill>
+                  <a:srgbClr val="FFFFFF"/>
+                </a:solidFill>
+              </a14:hiddenFill>
+            </a:ext>
+          </a:extLst>
+        </p:spPr>
+      </p:pic>
+      <p:pic>
+        <p:nvPicPr>
+          <p:cNvPr id="82" name="Picture 4">
+            <a:extLst>
+              <a:ext uri="{FF2B5EF4-FFF2-40B4-BE49-F238E27FC236}">
+                <a16:creationId xmlns:a16="http://schemas.microsoft.com/office/drawing/2014/main" id="{EFE40022-FFB7-3350-3866-52D5A77D50B9}"/>
+              </a:ext>
+            </a:extLst>
+          </p:cNvPr>
+          <p:cNvPicPr>
+            <a:picLocks noChangeAspect="1" noChangeArrowheads="1"/>
+          </p:cNvPicPr>
+          <p:nvPr/>
+        </p:nvPicPr>
+        <p:blipFill>
+          <a:blip r:embed="rId5">
+            <a:extLst>
+              <a:ext uri="{28A0092B-C50C-407E-A947-70E740481C1C}">
+                <a14:useLocalDpi xmlns:a14="http://schemas.microsoft.com/office/drawing/2010/main" val="0"/>
+              </a:ext>
+            </a:extLst>
+          </a:blip>
+          <a:srcRect/>
+          <a:stretch>
+            <a:fillRect/>
+          </a:stretch>
+        </p:blipFill>
+        <p:spPr bwMode="auto">
+          <a:xfrm>
+            <a:off x="9816597" y="3410408"/>
+            <a:ext cx="360579" cy="193158"/>
+          </a:xfrm>
+          <a:prstGeom prst="rect">
+            <a:avLst/>
+          </a:prstGeom>
+          <a:noFill/>
+          <a:extLst>
+            <a:ext uri="{909E8E84-426E-40DD-AFC4-6F175D3DCCD1}">
+              <a14:hiddenFill xmlns:a14="http://schemas.microsoft.com/office/drawing/2010/main">
+                <a:solidFill>
+                  <a:srgbClr val="FFFFFF"/>
+                </a:solidFill>
+              </a14:hiddenFill>
+            </a:ext>
+          </a:extLst>
+        </p:spPr>
+      </p:pic>
+      <p:pic>
+        <p:nvPicPr>
+          <p:cNvPr id="83" name="Picture 12">
+            <a:extLst>
+              <a:ext uri="{FF2B5EF4-FFF2-40B4-BE49-F238E27FC236}">
+                <a16:creationId xmlns:a16="http://schemas.microsoft.com/office/drawing/2014/main" id="{607CB53F-8D98-3893-16A5-619F9347DEA7}"/>
+              </a:ext>
+            </a:extLst>
+          </p:cNvPr>
+          <p:cNvPicPr>
+            <a:picLocks noChangeAspect="1"/>
+          </p:cNvPicPr>
+          <p:nvPr/>
+        </p:nvPicPr>
+        <p:blipFill>
+          <a:blip r:embed="rId6"/>
+          <a:stretch>
+            <a:fillRect/>
+          </a:stretch>
+        </p:blipFill>
+        <p:spPr>
+          <a:xfrm>
+            <a:off x="8754115" y="3378227"/>
+            <a:ext cx="194878" cy="275778"/>
+          </a:xfrm>
+          <a:prstGeom prst="rect">
+            <a:avLst/>
+          </a:prstGeom>
+        </p:spPr>
+      </p:pic>
+      <p:pic>
+        <p:nvPicPr>
+          <p:cNvPr id="84" name="Picture 14" descr="A logo for a biodiversity center&#10;&#10;Description automatically generated">
+            <a:extLst>
+              <a:ext uri="{FF2B5EF4-FFF2-40B4-BE49-F238E27FC236}">
+                <a16:creationId xmlns:a16="http://schemas.microsoft.com/office/drawing/2014/main" id="{20A68971-5C0F-76F7-015C-56C8229C50E3}"/>
+              </a:ext>
+            </a:extLst>
+          </p:cNvPr>
+          <p:cNvPicPr>
+            <a:picLocks noChangeAspect="1"/>
+          </p:cNvPicPr>
+          <p:nvPr/>
+        </p:nvPicPr>
+        <p:blipFill>
+          <a:blip r:embed="rId7"/>
+          <a:stretch>
+            <a:fillRect/>
+          </a:stretch>
+        </p:blipFill>
+        <p:spPr>
+          <a:xfrm>
+            <a:off x="8354401" y="3410119"/>
+            <a:ext cx="329011" cy="193446"/>
+          </a:xfrm>
+          <a:prstGeom prst="rect">
+            <a:avLst/>
+          </a:prstGeom>
+        </p:spPr>
+      </p:pic>
+      <p:pic>
+        <p:nvPicPr>
+          <p:cNvPr id="85" name="Picture 21" descr="A black and white flag with a boat and a crown&#10;&#10;Description automatically generated">
+            <a:extLst>
+              <a:ext uri="{FF2B5EF4-FFF2-40B4-BE49-F238E27FC236}">
+                <a16:creationId xmlns:a16="http://schemas.microsoft.com/office/drawing/2014/main" id="{F7EFAB66-382A-277A-BDEF-FC5441602952}"/>
+              </a:ext>
+            </a:extLst>
+          </p:cNvPr>
+          <p:cNvPicPr>
+            <a:picLocks noChangeAspect="1"/>
+          </p:cNvPicPr>
+          <p:nvPr/>
+        </p:nvPicPr>
+        <p:blipFill>
+          <a:blip r:embed="rId8"/>
+          <a:stretch>
+            <a:fillRect/>
+          </a:stretch>
+        </p:blipFill>
+        <p:spPr>
+          <a:xfrm>
+            <a:off x="9054719" y="3389536"/>
+            <a:ext cx="328458" cy="234612"/>
+          </a:xfrm>
+          <a:prstGeom prst="rect">
+            <a:avLst/>
+          </a:prstGeom>
+        </p:spPr>
+      </p:pic>
+      <p:pic>
+        <p:nvPicPr>
+          <p:cNvPr id="86" name="Picture 3">
+            <a:extLst>
+              <a:ext uri="{FF2B5EF4-FFF2-40B4-BE49-F238E27FC236}">
+                <a16:creationId xmlns:a16="http://schemas.microsoft.com/office/drawing/2014/main" id="{DEE3A265-0885-C3B7-4342-90A4195D6DF4}"/>
+              </a:ext>
+            </a:extLst>
+          </p:cNvPr>
+          <p:cNvPicPr>
+            <a:picLocks noChangeAspect="1"/>
+          </p:cNvPicPr>
+          <p:nvPr/>
+        </p:nvPicPr>
+        <p:blipFill>
+          <a:blip r:embed="rId9"/>
+          <a:stretch>
+            <a:fillRect/>
+          </a:stretch>
+        </p:blipFill>
+        <p:spPr>
+          <a:xfrm>
+            <a:off x="9484539" y="3402492"/>
+            <a:ext cx="232187" cy="234612"/>
+          </a:xfrm>
+          <a:prstGeom prst="rect">
+            <a:avLst/>
+          </a:prstGeom>
+        </p:spPr>
+      </p:pic>
+      <p:sp>
+        <p:nvSpPr>
+          <p:cNvPr id="88" name="Retângulo 87">
+            <a:extLst>
+              <a:ext uri="{FF2B5EF4-FFF2-40B4-BE49-F238E27FC236}">
+                <a16:creationId xmlns:a16="http://schemas.microsoft.com/office/drawing/2014/main" id="{DB8A7915-33E4-CB0F-7B92-D57DE4E350B8}"/>
+              </a:ext>
+            </a:extLst>
+          </p:cNvPr>
+          <p:cNvSpPr/>
+          <p:nvPr/>
+        </p:nvSpPr>
+        <p:spPr>
+          <a:xfrm>
+            <a:off x="393880" y="3823818"/>
+            <a:ext cx="2336801" cy="3301978"/>
+          </a:xfrm>
+          <a:prstGeom prst="rect">
+            <a:avLst/>
+          </a:prstGeom>
+          <a:solidFill>
+            <a:schemeClr val="bg1"/>
+          </a:solidFill>
+          <a:ln>
+            <a:solidFill>
+              <a:schemeClr val="tx1"/>
+            </a:solidFill>
+          </a:ln>
+        </p:spPr>
+        <p:style>
+          <a:lnRef idx="2">
+            <a:schemeClr val="accent1">
+              <a:shade val="15000"/>
+            </a:schemeClr>
+          </a:lnRef>
+          <a:fillRef idx="1">
+            <a:schemeClr val="accent1"/>
+          </a:fillRef>
+          <a:effectRef idx="0">
+            <a:schemeClr val="accent1"/>
+          </a:effectRef>
+          <a:fontRef idx="minor">
+            <a:schemeClr val="lt1"/>
+          </a:fontRef>
+        </p:style>
+        <p:txBody>
+          <a:bodyPr rtlCol="0" anchor="ctr"/>
+          <a:lstStyle/>
+          <a:p>
+            <a:pPr algn="ctr"/>
+            <a:endParaRPr lang="pt-PT"/>
+          </a:p>
+        </p:txBody>
+      </p:sp>
+      <p:sp>
+        <p:nvSpPr>
+          <p:cNvPr id="89" name="Rectangle 17">
+            <a:extLst>
+              <a:ext uri="{FF2B5EF4-FFF2-40B4-BE49-F238E27FC236}">
+                <a16:creationId xmlns:a16="http://schemas.microsoft.com/office/drawing/2014/main" id="{0D62ECC0-0D43-1492-F832-D8D431896F07}"/>
+              </a:ext>
+            </a:extLst>
+          </p:cNvPr>
+          <p:cNvSpPr/>
+          <p:nvPr/>
+        </p:nvSpPr>
+        <p:spPr>
+          <a:xfrm>
+            <a:off x="393887" y="5254752"/>
+            <a:ext cx="2336801" cy="1082735"/>
+          </a:xfrm>
+          <a:prstGeom prst="rect">
+            <a:avLst/>
+          </a:prstGeom>
+          <a:solidFill>
+            <a:schemeClr val="bg1">
+              <a:lumMod val="85000"/>
+            </a:schemeClr>
+          </a:solidFill>
+          <a:ln>
             <a:noFill/>
-            <a:extLst>
-              <a:ext uri="{909E8E84-426E-40DD-AFC4-6F175D3DCCD1}">
-                <a14:hiddenFill xmlns:a14="http://schemas.microsoft.com/office/drawing/2010/main">
-                  <a:solidFill>
-                    <a:srgbClr val="FFFFFF"/>
-                  </a:solidFill>
-                </a14:hiddenFill>
-              </a:ext>
-            </a:extLst>
-          </p:spPr>
-        </p:pic>
-        <p:pic>
-          <p:nvPicPr>
-            <p:cNvPr id="13" name="Picture 12">
-              <a:extLst>
-                <a:ext uri="{FF2B5EF4-FFF2-40B4-BE49-F238E27FC236}">
-                  <a16:creationId xmlns:a16="http://schemas.microsoft.com/office/drawing/2014/main" id="{241B2004-42D2-A60D-A014-F0FFA676CFC9}"/>
-                </a:ext>
-              </a:extLst>
-            </p:cNvPr>
-            <p:cNvPicPr>
-              <a:picLocks noChangeAspect="1"/>
-            </p:cNvPicPr>
-            <p:nvPr/>
-          </p:nvPicPr>
-          <p:blipFill>
-            <a:blip r:embed="rId6"/>
-            <a:stretch>
-              <a:fillRect/>
-            </a:stretch>
-          </p:blipFill>
-          <p:spPr>
-            <a:xfrm>
-              <a:off x="1773185" y="3409569"/>
-              <a:ext cx="261033" cy="369396"/>
-            </a:xfrm>
-            <a:prstGeom prst="rect">
-              <a:avLst/>
-            </a:prstGeom>
-          </p:spPr>
-        </p:pic>
-        <p:pic>
-          <p:nvPicPr>
-            <p:cNvPr id="15" name="Picture 14" descr="A logo for a biodiversity center&#10;&#10;Description automatically generated">
-              <a:extLst>
-                <a:ext uri="{FF2B5EF4-FFF2-40B4-BE49-F238E27FC236}">
-                  <a16:creationId xmlns:a16="http://schemas.microsoft.com/office/drawing/2014/main" id="{B09D658B-C00A-6FAE-8B9D-12B729B7B424}"/>
-                </a:ext>
-              </a:extLst>
-            </p:cNvPr>
-            <p:cNvPicPr>
-              <a:picLocks noChangeAspect="1"/>
-            </p:cNvPicPr>
-            <p:nvPr/>
-          </p:nvPicPr>
-          <p:blipFill>
-            <a:blip r:embed="rId7"/>
-            <a:stretch>
-              <a:fillRect/>
-            </a:stretch>
-          </p:blipFill>
-          <p:spPr>
-            <a:xfrm>
-              <a:off x="1210510" y="3464710"/>
-              <a:ext cx="440701" cy="259115"/>
-            </a:xfrm>
-            <a:prstGeom prst="rect">
-              <a:avLst/>
-            </a:prstGeom>
-          </p:spPr>
-        </p:pic>
-        <p:pic>
-          <p:nvPicPr>
-            <p:cNvPr id="22" name="Picture 21" descr="A black and white flag with a boat and a crown&#10;&#10;Description automatically generated">
-              <a:extLst>
-                <a:ext uri="{FF2B5EF4-FFF2-40B4-BE49-F238E27FC236}">
-                  <a16:creationId xmlns:a16="http://schemas.microsoft.com/office/drawing/2014/main" id="{C0958E54-135B-B613-5CED-AFCBFA345576}"/>
-                </a:ext>
-              </a:extLst>
-            </p:cNvPr>
-            <p:cNvPicPr>
-              <a:picLocks noChangeAspect="1"/>
-            </p:cNvPicPr>
-            <p:nvPr/>
-          </p:nvPicPr>
-          <p:blipFill>
-            <a:blip r:embed="rId8"/>
-            <a:stretch>
-              <a:fillRect/>
-            </a:stretch>
-          </p:blipFill>
-          <p:spPr>
-            <a:xfrm>
-              <a:off x="2132150" y="3443357"/>
-              <a:ext cx="439959" cy="314256"/>
-            </a:xfrm>
-            <a:prstGeom prst="rect">
-              <a:avLst/>
-            </a:prstGeom>
-          </p:spPr>
-        </p:pic>
-        <p:sp>
-          <p:nvSpPr>
-            <p:cNvPr id="4" name="Retângulo 3">
-              <a:extLst>
-                <a:ext uri="{FF2B5EF4-FFF2-40B4-BE49-F238E27FC236}">
-                  <a16:creationId xmlns:a16="http://schemas.microsoft.com/office/drawing/2014/main" id="{4A310ADA-F24F-4448-C028-CDC63D0692F7}"/>
-                </a:ext>
-              </a:extLst>
-            </p:cNvPr>
-            <p:cNvSpPr/>
-            <p:nvPr/>
-          </p:nvSpPr>
-          <p:spPr>
-            <a:xfrm>
-              <a:off x="0" y="0"/>
-              <a:ext cx="2663825" cy="3778965"/>
-            </a:xfrm>
-            <a:prstGeom prst="rect">
-              <a:avLst/>
-            </a:prstGeom>
+          </a:ln>
+        </p:spPr>
+        <p:style>
+          <a:lnRef idx="2">
+            <a:schemeClr val="dk1"/>
+          </a:lnRef>
+          <a:fillRef idx="1">
+            <a:schemeClr val="lt1"/>
+          </a:fillRef>
+          <a:effectRef idx="0">
+            <a:schemeClr val="dk1"/>
+          </a:effectRef>
+          <a:fontRef idx="minor">
+            <a:schemeClr val="dk1"/>
+          </a:fontRef>
+        </p:style>
+        <p:txBody>
+          <a:bodyPr rtlCol="0" anchor="ctr"/>
+          <a:lstStyle/>
+          <a:p>
+            <a:pPr algn="ctr"/>
+            <a:endParaRPr lang="en-US" sz="2592" dirty="0"/>
+          </a:p>
+        </p:txBody>
+      </p:sp>
+      <p:pic>
+        <p:nvPicPr>
+          <p:cNvPr id="90" name="Picture 4" descr="A poster with different animals&#10;&#10;Description automatically generated with medium confidence">
+            <a:extLst>
+              <a:ext uri="{FF2B5EF4-FFF2-40B4-BE49-F238E27FC236}">
+                <a16:creationId xmlns:a16="http://schemas.microsoft.com/office/drawing/2014/main" id="{A37B3FEB-0567-AA41-F103-FB104A1CFBBB}"/>
+              </a:ext>
+            </a:extLst>
+          </p:cNvPr>
+          <p:cNvPicPr>
+            <a:picLocks noChangeAspect="1"/>
+          </p:cNvPicPr>
+          <p:nvPr/>
+        </p:nvPicPr>
+        <p:blipFill>
+          <a:blip r:embed="rId2"/>
+          <a:stretch>
+            <a:fillRect/>
+          </a:stretch>
+        </p:blipFill>
+        <p:spPr>
+          <a:xfrm>
+            <a:off x="987854" y="3907511"/>
+            <a:ext cx="1148855" cy="1356543"/>
+          </a:xfrm>
+          <a:prstGeom prst="rect">
+            <a:avLst/>
+          </a:prstGeom>
+        </p:spPr>
+      </p:pic>
+      <p:sp>
+        <p:nvSpPr>
+          <p:cNvPr id="91" name="TextBox 5">
+            <a:extLst>
+              <a:ext uri="{FF2B5EF4-FFF2-40B4-BE49-F238E27FC236}">
+                <a16:creationId xmlns:a16="http://schemas.microsoft.com/office/drawing/2014/main" id="{BD59ED06-FE11-94BD-9D5F-7730E4554F89}"/>
+              </a:ext>
+            </a:extLst>
+          </p:cNvPr>
+          <p:cNvSpPr txBox="1"/>
+          <p:nvPr/>
+        </p:nvSpPr>
+        <p:spPr>
+          <a:xfrm>
+            <a:off x="677868" y="5284325"/>
+            <a:ext cx="1768832" cy="1015663"/>
+          </a:xfrm>
+          <a:prstGeom prst="rect">
+            <a:avLst/>
+          </a:prstGeom>
+          <a:noFill/>
+        </p:spPr>
+        <p:txBody>
+          <a:bodyPr wrap="square" rtlCol="0">
+            <a:spAutoFit/>
+          </a:bodyPr>
+          <a:lstStyle/>
+          <a:p>
+            <a:pPr algn="ctr"/>
+            <a:r>
+              <a:rPr lang="en-US" sz="2200" b="1" dirty="0">
+                <a:latin typeface="Helvetica" pitchFamily="2" charset="0"/>
+              </a:rPr>
+              <a:t>NOME 5</a:t>
+            </a:r>
+          </a:p>
+          <a:p>
+            <a:pPr algn="ctr"/>
+            <a:r>
+              <a:rPr lang="en-US" sz="2200" b="1" dirty="0">
+                <a:latin typeface="Helvetica" pitchFamily="2" charset="0"/>
+              </a:rPr>
+              <a:t>APELIDO 5</a:t>
+            </a:r>
+          </a:p>
+          <a:p>
+            <a:pPr algn="ctr"/>
+            <a:endParaRPr lang="en-US" sz="500" b="1" dirty="0">
+              <a:latin typeface="Helvetica" pitchFamily="2" charset="0"/>
+            </a:endParaRPr>
+          </a:p>
+          <a:p>
+            <a:pPr algn="ctr"/>
+            <a:r>
+              <a:rPr lang="en-US" sz="1100" b="1" dirty="0">
+                <a:latin typeface="Helvetica" pitchFamily="2" charset="0"/>
+              </a:rPr>
+              <a:t>INSTITUICAO 5</a:t>
+            </a:r>
+          </a:p>
+        </p:txBody>
+      </p:sp>
+      <p:sp>
+        <p:nvSpPr>
+          <p:cNvPr id="92" name="TextBox 7">
+            <a:extLst>
+              <a:ext uri="{FF2B5EF4-FFF2-40B4-BE49-F238E27FC236}">
+                <a16:creationId xmlns:a16="http://schemas.microsoft.com/office/drawing/2014/main" id="{047169C8-DEDA-A842-4B42-5CB115F6CA9D}"/>
+              </a:ext>
+            </a:extLst>
+          </p:cNvPr>
+          <p:cNvSpPr txBox="1"/>
+          <p:nvPr/>
+        </p:nvSpPr>
+        <p:spPr>
+          <a:xfrm>
+            <a:off x="549350" y="6383946"/>
+            <a:ext cx="2025876" cy="340809"/>
+          </a:xfrm>
+          <a:prstGeom prst="rect">
+            <a:avLst/>
+          </a:prstGeom>
+          <a:noFill/>
+        </p:spPr>
+        <p:txBody>
+          <a:bodyPr wrap="square" rtlCol="0">
+            <a:spAutoFit/>
+          </a:bodyPr>
+          <a:lstStyle/>
+          <a:p>
+            <a:pPr algn="ctr"/>
+            <a:r>
+              <a:rPr lang="en-US" sz="817" dirty="0">
+                <a:latin typeface="Helvetica Light" panose="020B0403020202020204" pitchFamily="34" charset="0"/>
+              </a:rPr>
+              <a:t>VILA DO CONDE, PORTUGAL</a:t>
+            </a:r>
+          </a:p>
+          <a:p>
+            <a:pPr algn="ctr">
+              <a:lnSpc>
+                <a:spcPct val="150000"/>
+              </a:lnSpc>
+            </a:pPr>
+            <a:r>
+              <a:rPr lang="en-US" sz="817" dirty="0">
+                <a:latin typeface="Helvetica Light" panose="020B0403020202020204" pitchFamily="34" charset="0"/>
+              </a:rPr>
+              <a:t>21-23.11.2024</a:t>
+            </a:r>
+          </a:p>
+        </p:txBody>
+      </p:sp>
+      <p:cxnSp>
+        <p:nvCxnSpPr>
+          <p:cNvPr id="93" name="Straight Connector 9">
+            <a:extLst>
+              <a:ext uri="{FF2B5EF4-FFF2-40B4-BE49-F238E27FC236}">
+                <a16:creationId xmlns:a16="http://schemas.microsoft.com/office/drawing/2014/main" id="{DB0FC5FC-1065-94DF-101C-63D7220B5C06}"/>
+              </a:ext>
+            </a:extLst>
+          </p:cNvPr>
+          <p:cNvCxnSpPr>
+            <a:cxnSpLocks/>
+          </p:cNvCxnSpPr>
+          <p:nvPr/>
+        </p:nvCxnSpPr>
+        <p:spPr>
+          <a:xfrm>
+            <a:off x="393887" y="5242239"/>
+            <a:ext cx="2336801" cy="0"/>
+          </a:xfrm>
+          <a:prstGeom prst="line">
+            <a:avLst/>
+          </a:prstGeom>
+        </p:spPr>
+        <p:style>
+          <a:lnRef idx="2">
+            <a:schemeClr val="dk1"/>
+          </a:lnRef>
+          <a:fillRef idx="0">
+            <a:schemeClr val="dk1"/>
+          </a:fillRef>
+          <a:effectRef idx="1">
+            <a:schemeClr val="dk1"/>
+          </a:effectRef>
+          <a:fontRef idx="minor">
+            <a:schemeClr val="tx1"/>
+          </a:fontRef>
+        </p:style>
+      </p:cxnSp>
+      <p:cxnSp>
+        <p:nvCxnSpPr>
+          <p:cNvPr id="94" name="Straight Connector 10">
+            <a:extLst>
+              <a:ext uri="{FF2B5EF4-FFF2-40B4-BE49-F238E27FC236}">
+                <a16:creationId xmlns:a16="http://schemas.microsoft.com/office/drawing/2014/main" id="{1217C10D-5098-2777-BF73-4CFAB4DFD6E7}"/>
+              </a:ext>
+            </a:extLst>
+          </p:cNvPr>
+          <p:cNvCxnSpPr>
+            <a:cxnSpLocks/>
+          </p:cNvCxnSpPr>
+          <p:nvPr/>
+        </p:nvCxnSpPr>
+        <p:spPr>
+          <a:xfrm>
+            <a:off x="393887" y="6337489"/>
+            <a:ext cx="2336801" cy="0"/>
+          </a:xfrm>
+          <a:prstGeom prst="line">
+            <a:avLst/>
+          </a:prstGeom>
+        </p:spPr>
+        <p:style>
+          <a:lnRef idx="2">
+            <a:schemeClr val="dk1"/>
+          </a:lnRef>
+          <a:fillRef idx="0">
+            <a:schemeClr val="dk1"/>
+          </a:fillRef>
+          <a:effectRef idx="1">
+            <a:schemeClr val="dk1"/>
+          </a:effectRef>
+          <a:fontRef idx="minor">
+            <a:schemeClr val="tx1"/>
+          </a:fontRef>
+        </p:style>
+      </p:cxnSp>
+      <p:pic>
+        <p:nvPicPr>
+          <p:cNvPr id="95" name="Picture 2" descr="APP logo">
+            <a:extLst>
+              <a:ext uri="{FF2B5EF4-FFF2-40B4-BE49-F238E27FC236}">
+                <a16:creationId xmlns:a16="http://schemas.microsoft.com/office/drawing/2014/main" id="{6B68D1F8-C3CC-A098-DBB7-EE11100FFDD6}"/>
+              </a:ext>
+            </a:extLst>
+          </p:cNvPr>
+          <p:cNvPicPr>
+            <a:picLocks noChangeAspect="1" noChangeArrowheads="1"/>
+          </p:cNvPicPr>
+          <p:nvPr/>
+        </p:nvPicPr>
+        <p:blipFill rotWithShape="1">
+          <a:blip r:embed="rId3">
+            <a:extLst>
+              <a:ext uri="{BEBA8EAE-BF5A-486C-A8C5-ECC9F3942E4B}">
+                <a14:imgProps xmlns:a14="http://schemas.microsoft.com/office/drawing/2010/main">
+                  <a14:imgLayer r:embed="rId4">
+                    <a14:imgEffect>
+                      <a14:saturation sat="0"/>
+                    </a14:imgEffect>
+                  </a14:imgLayer>
+                </a14:imgProps>
+              </a:ext>
+              <a:ext uri="{28A0092B-C50C-407E-A947-70E740481C1C}">
+                <a14:useLocalDpi xmlns:a14="http://schemas.microsoft.com/office/drawing/2010/main" val="0"/>
+              </a:ext>
+            </a:extLst>
+          </a:blip>
+          <a:srcRect b="8466"/>
+          <a:stretch/>
+        </p:blipFill>
+        <p:spPr bwMode="auto">
+          <a:xfrm>
+            <a:off x="481612" y="6796940"/>
+            <a:ext cx="326664" cy="311956"/>
+          </a:xfrm>
+          <a:prstGeom prst="rect">
+            <a:avLst/>
+          </a:prstGeom>
+          <a:noFill/>
+          <a:extLst>
+            <a:ext uri="{909E8E84-426E-40DD-AFC4-6F175D3DCCD1}">
+              <a14:hiddenFill xmlns:a14="http://schemas.microsoft.com/office/drawing/2010/main">
+                <a:solidFill>
+                  <a:srgbClr val="FFFFFF"/>
+                </a:solidFill>
+              </a14:hiddenFill>
+            </a:ext>
+          </a:extLst>
+        </p:spPr>
+      </p:pic>
+      <p:pic>
+        <p:nvPicPr>
+          <p:cNvPr id="96" name="Picture 4">
+            <a:extLst>
+              <a:ext uri="{FF2B5EF4-FFF2-40B4-BE49-F238E27FC236}">
+                <a16:creationId xmlns:a16="http://schemas.microsoft.com/office/drawing/2014/main" id="{802E38E0-75ED-513C-4D31-8E57FCF737E3}"/>
+              </a:ext>
+            </a:extLst>
+          </p:cNvPr>
+          <p:cNvPicPr>
+            <a:picLocks noChangeAspect="1" noChangeArrowheads="1"/>
+          </p:cNvPicPr>
+          <p:nvPr/>
+        </p:nvPicPr>
+        <p:blipFill>
+          <a:blip r:embed="rId5">
+            <a:extLst>
+              <a:ext uri="{28A0092B-C50C-407E-A947-70E740481C1C}">
+                <a14:useLocalDpi xmlns:a14="http://schemas.microsoft.com/office/drawing/2010/main" val="0"/>
+              </a:ext>
+            </a:extLst>
+          </a:blip>
+          <a:srcRect/>
+          <a:stretch>
+            <a:fillRect/>
+          </a:stretch>
+        </p:blipFill>
+        <p:spPr bwMode="auto">
+          <a:xfrm>
+            <a:off x="2341175" y="6882200"/>
+            <a:ext cx="360579" cy="193158"/>
+          </a:xfrm>
+          <a:prstGeom prst="rect">
+            <a:avLst/>
+          </a:prstGeom>
+          <a:noFill/>
+          <a:extLst>
+            <a:ext uri="{909E8E84-426E-40DD-AFC4-6F175D3DCCD1}">
+              <a14:hiddenFill xmlns:a14="http://schemas.microsoft.com/office/drawing/2010/main">
+                <a:solidFill>
+                  <a:srgbClr val="FFFFFF"/>
+                </a:solidFill>
+              </a14:hiddenFill>
+            </a:ext>
+          </a:extLst>
+        </p:spPr>
+      </p:pic>
+      <p:pic>
+        <p:nvPicPr>
+          <p:cNvPr id="97" name="Picture 12">
+            <a:extLst>
+              <a:ext uri="{FF2B5EF4-FFF2-40B4-BE49-F238E27FC236}">
+                <a16:creationId xmlns:a16="http://schemas.microsoft.com/office/drawing/2014/main" id="{C83B0318-8EFB-50CA-BBF0-1E1B52F2630E}"/>
+              </a:ext>
+            </a:extLst>
+          </p:cNvPr>
+          <p:cNvPicPr>
+            <a:picLocks noChangeAspect="1"/>
+          </p:cNvPicPr>
+          <p:nvPr/>
+        </p:nvPicPr>
+        <p:blipFill>
+          <a:blip r:embed="rId6"/>
+          <a:stretch>
+            <a:fillRect/>
+          </a:stretch>
+        </p:blipFill>
+        <p:spPr>
+          <a:xfrm>
+            <a:off x="1278693" y="6850019"/>
+            <a:ext cx="194878" cy="275778"/>
+          </a:xfrm>
+          <a:prstGeom prst="rect">
+            <a:avLst/>
+          </a:prstGeom>
+        </p:spPr>
+      </p:pic>
+      <p:pic>
+        <p:nvPicPr>
+          <p:cNvPr id="98" name="Picture 14" descr="A logo for a biodiversity center&#10;&#10;Description automatically generated">
+            <a:extLst>
+              <a:ext uri="{FF2B5EF4-FFF2-40B4-BE49-F238E27FC236}">
+                <a16:creationId xmlns:a16="http://schemas.microsoft.com/office/drawing/2014/main" id="{7BEDDC2E-2E53-6E29-3375-841463A96EF2}"/>
+              </a:ext>
+            </a:extLst>
+          </p:cNvPr>
+          <p:cNvPicPr>
+            <a:picLocks noChangeAspect="1"/>
+          </p:cNvPicPr>
+          <p:nvPr/>
+        </p:nvPicPr>
+        <p:blipFill>
+          <a:blip r:embed="rId7"/>
+          <a:stretch>
+            <a:fillRect/>
+          </a:stretch>
+        </p:blipFill>
+        <p:spPr>
+          <a:xfrm>
+            <a:off x="878979" y="6881911"/>
+            <a:ext cx="329011" cy="193446"/>
+          </a:xfrm>
+          <a:prstGeom prst="rect">
+            <a:avLst/>
+          </a:prstGeom>
+        </p:spPr>
+      </p:pic>
+      <p:pic>
+        <p:nvPicPr>
+          <p:cNvPr id="99" name="Picture 21" descr="A black and white flag with a boat and a crown&#10;&#10;Description automatically generated">
+            <a:extLst>
+              <a:ext uri="{FF2B5EF4-FFF2-40B4-BE49-F238E27FC236}">
+                <a16:creationId xmlns:a16="http://schemas.microsoft.com/office/drawing/2014/main" id="{22090285-AA99-60B3-DE12-E3D19504A300}"/>
+              </a:ext>
+            </a:extLst>
+          </p:cNvPr>
+          <p:cNvPicPr>
+            <a:picLocks noChangeAspect="1"/>
+          </p:cNvPicPr>
+          <p:nvPr/>
+        </p:nvPicPr>
+        <p:blipFill>
+          <a:blip r:embed="rId8"/>
+          <a:stretch>
+            <a:fillRect/>
+          </a:stretch>
+        </p:blipFill>
+        <p:spPr>
+          <a:xfrm>
+            <a:off x="1579297" y="6861328"/>
+            <a:ext cx="328458" cy="234612"/>
+          </a:xfrm>
+          <a:prstGeom prst="rect">
+            <a:avLst/>
+          </a:prstGeom>
+        </p:spPr>
+      </p:pic>
+      <p:pic>
+        <p:nvPicPr>
+          <p:cNvPr id="100" name="Picture 3">
+            <a:extLst>
+              <a:ext uri="{FF2B5EF4-FFF2-40B4-BE49-F238E27FC236}">
+                <a16:creationId xmlns:a16="http://schemas.microsoft.com/office/drawing/2014/main" id="{2257E93A-E078-63DE-7477-69548F7EF0C4}"/>
+              </a:ext>
+            </a:extLst>
+          </p:cNvPr>
+          <p:cNvPicPr>
+            <a:picLocks noChangeAspect="1"/>
+          </p:cNvPicPr>
+          <p:nvPr/>
+        </p:nvPicPr>
+        <p:blipFill>
+          <a:blip r:embed="rId9"/>
+          <a:stretch>
+            <a:fillRect/>
+          </a:stretch>
+        </p:blipFill>
+        <p:spPr>
+          <a:xfrm>
+            <a:off x="2009117" y="6874284"/>
+            <a:ext cx="232187" cy="234612"/>
+          </a:xfrm>
+          <a:prstGeom prst="rect">
+            <a:avLst/>
+          </a:prstGeom>
+        </p:spPr>
+      </p:pic>
+      <p:sp>
+        <p:nvSpPr>
+          <p:cNvPr id="102" name="Retângulo 101">
+            <a:extLst>
+              <a:ext uri="{FF2B5EF4-FFF2-40B4-BE49-F238E27FC236}">
+                <a16:creationId xmlns:a16="http://schemas.microsoft.com/office/drawing/2014/main" id="{08DA34A6-1127-7077-06B6-668FDFAE2C66}"/>
+              </a:ext>
+            </a:extLst>
+          </p:cNvPr>
+          <p:cNvSpPr/>
+          <p:nvPr/>
+        </p:nvSpPr>
+        <p:spPr>
+          <a:xfrm>
+            <a:off x="2885687" y="3823818"/>
+            <a:ext cx="2336801" cy="3301978"/>
+          </a:xfrm>
+          <a:prstGeom prst="rect">
+            <a:avLst/>
+          </a:prstGeom>
+          <a:solidFill>
+            <a:schemeClr val="bg1"/>
+          </a:solidFill>
+          <a:ln>
+            <a:solidFill>
+              <a:schemeClr val="tx1"/>
+            </a:solidFill>
+          </a:ln>
+        </p:spPr>
+        <p:style>
+          <a:lnRef idx="2">
+            <a:schemeClr val="accent1">
+              <a:shade val="15000"/>
+            </a:schemeClr>
+          </a:lnRef>
+          <a:fillRef idx="1">
+            <a:schemeClr val="accent1"/>
+          </a:fillRef>
+          <a:effectRef idx="0">
+            <a:schemeClr val="accent1"/>
+          </a:effectRef>
+          <a:fontRef idx="minor">
+            <a:schemeClr val="lt1"/>
+          </a:fontRef>
+        </p:style>
+        <p:txBody>
+          <a:bodyPr rtlCol="0" anchor="ctr"/>
+          <a:lstStyle/>
+          <a:p>
+            <a:pPr algn="ctr"/>
+            <a:endParaRPr lang="pt-PT"/>
+          </a:p>
+        </p:txBody>
+      </p:sp>
+      <p:sp>
+        <p:nvSpPr>
+          <p:cNvPr id="103" name="Rectangle 17">
+            <a:extLst>
+              <a:ext uri="{FF2B5EF4-FFF2-40B4-BE49-F238E27FC236}">
+                <a16:creationId xmlns:a16="http://schemas.microsoft.com/office/drawing/2014/main" id="{16892FA9-56E3-18FF-3BC9-A23CE1AD0296}"/>
+              </a:ext>
+            </a:extLst>
+          </p:cNvPr>
+          <p:cNvSpPr/>
+          <p:nvPr/>
+        </p:nvSpPr>
+        <p:spPr>
+          <a:xfrm>
+            <a:off x="2885694" y="5248656"/>
+            <a:ext cx="2336801" cy="1088831"/>
+          </a:xfrm>
+          <a:prstGeom prst="rect">
+            <a:avLst/>
+          </a:prstGeom>
+          <a:solidFill>
+            <a:schemeClr val="bg1">
+              <a:lumMod val="85000"/>
+            </a:schemeClr>
+          </a:solidFill>
+          <a:ln>
             <a:noFill/>
-            <a:ln w="6350">
-              <a:solidFill>
-                <a:schemeClr val="tx1"/>
-              </a:solidFill>
-            </a:ln>
-          </p:spPr>
-          <p:style>
-            <a:lnRef idx="2">
-              <a:schemeClr val="accent6"/>
-            </a:lnRef>
-            <a:fillRef idx="1">
-              <a:schemeClr val="lt1"/>
-            </a:fillRef>
-            <a:effectRef idx="0">
-              <a:schemeClr val="accent6"/>
-            </a:effectRef>
-            <a:fontRef idx="minor">
-              <a:schemeClr val="dk1"/>
-            </a:fontRef>
-          </p:style>
-          <p:txBody>
-            <a:bodyPr rtlCol="0" anchor="ctr"/>
-            <a:lstStyle/>
-            <a:p>
-              <a:pPr algn="ctr"/>
-              <a:endParaRPr lang="pt-PT"/>
-            </a:p>
-          </p:txBody>
-        </p:sp>
-      </p:grpSp>
+          </a:ln>
+        </p:spPr>
+        <p:style>
+          <a:lnRef idx="2">
+            <a:schemeClr val="dk1"/>
+          </a:lnRef>
+          <a:fillRef idx="1">
+            <a:schemeClr val="lt1"/>
+          </a:fillRef>
+          <a:effectRef idx="0">
+            <a:schemeClr val="dk1"/>
+          </a:effectRef>
+          <a:fontRef idx="minor">
+            <a:schemeClr val="dk1"/>
+          </a:fontRef>
+        </p:style>
+        <p:txBody>
+          <a:bodyPr rtlCol="0" anchor="ctr"/>
+          <a:lstStyle/>
+          <a:p>
+            <a:pPr algn="ctr"/>
+            <a:endParaRPr lang="en-US" sz="2592" dirty="0"/>
+          </a:p>
+        </p:txBody>
+      </p:sp>
+      <p:pic>
+        <p:nvPicPr>
+          <p:cNvPr id="104" name="Picture 4" descr="A poster with different animals&#10;&#10;Description automatically generated with medium confidence">
+            <a:extLst>
+              <a:ext uri="{FF2B5EF4-FFF2-40B4-BE49-F238E27FC236}">
+                <a16:creationId xmlns:a16="http://schemas.microsoft.com/office/drawing/2014/main" id="{8881FD9F-216F-1601-AB3E-BD398DAC5C94}"/>
+              </a:ext>
+            </a:extLst>
+          </p:cNvPr>
+          <p:cNvPicPr>
+            <a:picLocks noChangeAspect="1"/>
+          </p:cNvPicPr>
+          <p:nvPr/>
+        </p:nvPicPr>
+        <p:blipFill>
+          <a:blip r:embed="rId2"/>
+          <a:stretch>
+            <a:fillRect/>
+          </a:stretch>
+        </p:blipFill>
+        <p:spPr>
+          <a:xfrm>
+            <a:off x="3479661" y="3907511"/>
+            <a:ext cx="1148855" cy="1356543"/>
+          </a:xfrm>
+          <a:prstGeom prst="rect">
+            <a:avLst/>
+          </a:prstGeom>
+        </p:spPr>
+      </p:pic>
+      <p:sp>
+        <p:nvSpPr>
+          <p:cNvPr id="105" name="TextBox 5">
+            <a:extLst>
+              <a:ext uri="{FF2B5EF4-FFF2-40B4-BE49-F238E27FC236}">
+                <a16:creationId xmlns:a16="http://schemas.microsoft.com/office/drawing/2014/main" id="{6A96B3B6-4F0F-7DCC-91B2-C62F7251492C}"/>
+              </a:ext>
+            </a:extLst>
+          </p:cNvPr>
+          <p:cNvSpPr txBox="1"/>
+          <p:nvPr/>
+        </p:nvSpPr>
+        <p:spPr>
+          <a:xfrm>
+            <a:off x="3169675" y="5284325"/>
+            <a:ext cx="1768832" cy="1015663"/>
+          </a:xfrm>
+          <a:prstGeom prst="rect">
+            <a:avLst/>
+          </a:prstGeom>
+          <a:noFill/>
+        </p:spPr>
+        <p:txBody>
+          <a:bodyPr wrap="square" rtlCol="0">
+            <a:spAutoFit/>
+          </a:bodyPr>
+          <a:lstStyle/>
+          <a:p>
+            <a:pPr algn="ctr"/>
+            <a:r>
+              <a:rPr lang="en-US" sz="2200" b="1" dirty="0">
+                <a:latin typeface="Helvetica" pitchFamily="2" charset="0"/>
+              </a:rPr>
+              <a:t>NOME 6</a:t>
+            </a:r>
+          </a:p>
+          <a:p>
+            <a:pPr algn="ctr"/>
+            <a:r>
+              <a:rPr lang="en-US" sz="2200" b="1" dirty="0">
+                <a:latin typeface="Helvetica" pitchFamily="2" charset="0"/>
+              </a:rPr>
+              <a:t>APELIDO 6</a:t>
+            </a:r>
+          </a:p>
+          <a:p>
+            <a:pPr algn="ctr"/>
+            <a:endParaRPr lang="en-US" sz="500" b="1" dirty="0">
+              <a:latin typeface="Helvetica" pitchFamily="2" charset="0"/>
+            </a:endParaRPr>
+          </a:p>
+          <a:p>
+            <a:pPr algn="ctr"/>
+            <a:r>
+              <a:rPr lang="en-US" sz="1100" b="1" dirty="0">
+                <a:latin typeface="Helvetica" pitchFamily="2" charset="0"/>
+              </a:rPr>
+              <a:t>INSTITUICAO 6</a:t>
+            </a:r>
+          </a:p>
+        </p:txBody>
+      </p:sp>
+      <p:sp>
+        <p:nvSpPr>
+          <p:cNvPr id="106" name="TextBox 7">
+            <a:extLst>
+              <a:ext uri="{FF2B5EF4-FFF2-40B4-BE49-F238E27FC236}">
+                <a16:creationId xmlns:a16="http://schemas.microsoft.com/office/drawing/2014/main" id="{00E932F4-E7BC-B179-B696-555CDDA97923}"/>
+              </a:ext>
+            </a:extLst>
+          </p:cNvPr>
+          <p:cNvSpPr txBox="1"/>
+          <p:nvPr/>
+        </p:nvSpPr>
+        <p:spPr>
+          <a:xfrm>
+            <a:off x="3041157" y="6383946"/>
+            <a:ext cx="2025876" cy="340809"/>
+          </a:xfrm>
+          <a:prstGeom prst="rect">
+            <a:avLst/>
+          </a:prstGeom>
+          <a:noFill/>
+        </p:spPr>
+        <p:txBody>
+          <a:bodyPr wrap="square" rtlCol="0">
+            <a:spAutoFit/>
+          </a:bodyPr>
+          <a:lstStyle/>
+          <a:p>
+            <a:pPr algn="ctr"/>
+            <a:r>
+              <a:rPr lang="en-US" sz="817" dirty="0">
+                <a:latin typeface="Helvetica Light" panose="020B0403020202020204" pitchFamily="34" charset="0"/>
+              </a:rPr>
+              <a:t>VILA DO CONDE, PORTUGAL</a:t>
+            </a:r>
+          </a:p>
+          <a:p>
+            <a:pPr algn="ctr">
+              <a:lnSpc>
+                <a:spcPct val="150000"/>
+              </a:lnSpc>
+            </a:pPr>
+            <a:r>
+              <a:rPr lang="en-US" sz="817" dirty="0">
+                <a:latin typeface="Helvetica Light" panose="020B0403020202020204" pitchFamily="34" charset="0"/>
+              </a:rPr>
+              <a:t>21-23.11.2024</a:t>
+            </a:r>
+          </a:p>
+        </p:txBody>
+      </p:sp>
+      <p:cxnSp>
+        <p:nvCxnSpPr>
+          <p:cNvPr id="107" name="Straight Connector 9">
+            <a:extLst>
+              <a:ext uri="{FF2B5EF4-FFF2-40B4-BE49-F238E27FC236}">
+                <a16:creationId xmlns:a16="http://schemas.microsoft.com/office/drawing/2014/main" id="{AD96A7C1-7A7F-FD0C-755F-E6AF3B93DEA0}"/>
+              </a:ext>
+            </a:extLst>
+          </p:cNvPr>
+          <p:cNvCxnSpPr>
+            <a:cxnSpLocks/>
+          </p:cNvCxnSpPr>
+          <p:nvPr/>
+        </p:nvCxnSpPr>
+        <p:spPr>
+          <a:xfrm>
+            <a:off x="2885694" y="5242239"/>
+            <a:ext cx="2336801" cy="0"/>
+          </a:xfrm>
+          <a:prstGeom prst="line">
+            <a:avLst/>
+          </a:prstGeom>
+        </p:spPr>
+        <p:style>
+          <a:lnRef idx="2">
+            <a:schemeClr val="dk1"/>
+          </a:lnRef>
+          <a:fillRef idx="0">
+            <a:schemeClr val="dk1"/>
+          </a:fillRef>
+          <a:effectRef idx="1">
+            <a:schemeClr val="dk1"/>
+          </a:effectRef>
+          <a:fontRef idx="minor">
+            <a:schemeClr val="tx1"/>
+          </a:fontRef>
+        </p:style>
+      </p:cxnSp>
+      <p:cxnSp>
+        <p:nvCxnSpPr>
+          <p:cNvPr id="108" name="Straight Connector 10">
+            <a:extLst>
+              <a:ext uri="{FF2B5EF4-FFF2-40B4-BE49-F238E27FC236}">
+                <a16:creationId xmlns:a16="http://schemas.microsoft.com/office/drawing/2014/main" id="{BA5CB470-914E-E857-9600-2813650DCA57}"/>
+              </a:ext>
+            </a:extLst>
+          </p:cNvPr>
+          <p:cNvCxnSpPr>
+            <a:cxnSpLocks/>
+          </p:cNvCxnSpPr>
+          <p:nvPr/>
+        </p:nvCxnSpPr>
+        <p:spPr>
+          <a:xfrm>
+            <a:off x="2885694" y="6337489"/>
+            <a:ext cx="2336801" cy="0"/>
+          </a:xfrm>
+          <a:prstGeom prst="line">
+            <a:avLst/>
+          </a:prstGeom>
+        </p:spPr>
+        <p:style>
+          <a:lnRef idx="2">
+            <a:schemeClr val="dk1"/>
+          </a:lnRef>
+          <a:fillRef idx="0">
+            <a:schemeClr val="dk1"/>
+          </a:fillRef>
+          <a:effectRef idx="1">
+            <a:schemeClr val="dk1"/>
+          </a:effectRef>
+          <a:fontRef idx="minor">
+            <a:schemeClr val="tx1"/>
+          </a:fontRef>
+        </p:style>
+      </p:cxnSp>
+      <p:pic>
+        <p:nvPicPr>
+          <p:cNvPr id="109" name="Picture 2" descr="APP logo">
+            <a:extLst>
+              <a:ext uri="{FF2B5EF4-FFF2-40B4-BE49-F238E27FC236}">
+                <a16:creationId xmlns:a16="http://schemas.microsoft.com/office/drawing/2014/main" id="{E47B4968-27FF-C23E-AA7C-8030B0336C0F}"/>
+              </a:ext>
+            </a:extLst>
+          </p:cNvPr>
+          <p:cNvPicPr>
+            <a:picLocks noChangeAspect="1" noChangeArrowheads="1"/>
+          </p:cNvPicPr>
+          <p:nvPr/>
+        </p:nvPicPr>
+        <p:blipFill rotWithShape="1">
+          <a:blip r:embed="rId3">
+            <a:extLst>
+              <a:ext uri="{BEBA8EAE-BF5A-486C-A8C5-ECC9F3942E4B}">
+                <a14:imgProps xmlns:a14="http://schemas.microsoft.com/office/drawing/2010/main">
+                  <a14:imgLayer r:embed="rId4">
+                    <a14:imgEffect>
+                      <a14:saturation sat="0"/>
+                    </a14:imgEffect>
+                  </a14:imgLayer>
+                </a14:imgProps>
+              </a:ext>
+              <a:ext uri="{28A0092B-C50C-407E-A947-70E740481C1C}">
+                <a14:useLocalDpi xmlns:a14="http://schemas.microsoft.com/office/drawing/2010/main" val="0"/>
+              </a:ext>
+            </a:extLst>
+          </a:blip>
+          <a:srcRect b="8466"/>
+          <a:stretch/>
+        </p:blipFill>
+        <p:spPr bwMode="auto">
+          <a:xfrm>
+            <a:off x="2973419" y="6796940"/>
+            <a:ext cx="326664" cy="311956"/>
+          </a:xfrm>
+          <a:prstGeom prst="rect">
+            <a:avLst/>
+          </a:prstGeom>
+          <a:noFill/>
+          <a:extLst>
+            <a:ext uri="{909E8E84-426E-40DD-AFC4-6F175D3DCCD1}">
+              <a14:hiddenFill xmlns:a14="http://schemas.microsoft.com/office/drawing/2010/main">
+                <a:solidFill>
+                  <a:srgbClr val="FFFFFF"/>
+                </a:solidFill>
+              </a14:hiddenFill>
+            </a:ext>
+          </a:extLst>
+        </p:spPr>
+      </p:pic>
+      <p:pic>
+        <p:nvPicPr>
+          <p:cNvPr id="110" name="Picture 4">
+            <a:extLst>
+              <a:ext uri="{FF2B5EF4-FFF2-40B4-BE49-F238E27FC236}">
+                <a16:creationId xmlns:a16="http://schemas.microsoft.com/office/drawing/2014/main" id="{846775B0-FFBE-0252-4A1E-9113B52F7F2A}"/>
+              </a:ext>
+            </a:extLst>
+          </p:cNvPr>
+          <p:cNvPicPr>
+            <a:picLocks noChangeAspect="1" noChangeArrowheads="1"/>
+          </p:cNvPicPr>
+          <p:nvPr/>
+        </p:nvPicPr>
+        <p:blipFill>
+          <a:blip r:embed="rId5">
+            <a:extLst>
+              <a:ext uri="{28A0092B-C50C-407E-A947-70E740481C1C}">
+                <a14:useLocalDpi xmlns:a14="http://schemas.microsoft.com/office/drawing/2010/main" val="0"/>
+              </a:ext>
+            </a:extLst>
+          </a:blip>
+          <a:srcRect/>
+          <a:stretch>
+            <a:fillRect/>
+          </a:stretch>
+        </p:blipFill>
+        <p:spPr bwMode="auto">
+          <a:xfrm>
+            <a:off x="4832982" y="6882200"/>
+            <a:ext cx="360579" cy="193158"/>
+          </a:xfrm>
+          <a:prstGeom prst="rect">
+            <a:avLst/>
+          </a:prstGeom>
+          <a:noFill/>
+          <a:extLst>
+            <a:ext uri="{909E8E84-426E-40DD-AFC4-6F175D3DCCD1}">
+              <a14:hiddenFill xmlns:a14="http://schemas.microsoft.com/office/drawing/2010/main">
+                <a:solidFill>
+                  <a:srgbClr val="FFFFFF"/>
+                </a:solidFill>
+              </a14:hiddenFill>
+            </a:ext>
+          </a:extLst>
+        </p:spPr>
+      </p:pic>
+      <p:pic>
+        <p:nvPicPr>
+          <p:cNvPr id="111" name="Picture 12">
+            <a:extLst>
+              <a:ext uri="{FF2B5EF4-FFF2-40B4-BE49-F238E27FC236}">
+                <a16:creationId xmlns:a16="http://schemas.microsoft.com/office/drawing/2014/main" id="{A3BDE742-21FF-EB2F-C25A-E0E59A3ECDC3}"/>
+              </a:ext>
+            </a:extLst>
+          </p:cNvPr>
+          <p:cNvPicPr>
+            <a:picLocks noChangeAspect="1"/>
+          </p:cNvPicPr>
+          <p:nvPr/>
+        </p:nvPicPr>
+        <p:blipFill>
+          <a:blip r:embed="rId6"/>
+          <a:stretch>
+            <a:fillRect/>
+          </a:stretch>
+        </p:blipFill>
+        <p:spPr>
+          <a:xfrm>
+            <a:off x="3770500" y="6850019"/>
+            <a:ext cx="194878" cy="275778"/>
+          </a:xfrm>
+          <a:prstGeom prst="rect">
+            <a:avLst/>
+          </a:prstGeom>
+        </p:spPr>
+      </p:pic>
+      <p:pic>
+        <p:nvPicPr>
+          <p:cNvPr id="112" name="Picture 14" descr="A logo for a biodiversity center&#10;&#10;Description automatically generated">
+            <a:extLst>
+              <a:ext uri="{FF2B5EF4-FFF2-40B4-BE49-F238E27FC236}">
+                <a16:creationId xmlns:a16="http://schemas.microsoft.com/office/drawing/2014/main" id="{EEFFB986-A8F3-E512-BC99-6C91BE5D85AF}"/>
+              </a:ext>
+            </a:extLst>
+          </p:cNvPr>
+          <p:cNvPicPr>
+            <a:picLocks noChangeAspect="1"/>
+          </p:cNvPicPr>
+          <p:nvPr/>
+        </p:nvPicPr>
+        <p:blipFill>
+          <a:blip r:embed="rId7"/>
+          <a:stretch>
+            <a:fillRect/>
+          </a:stretch>
+        </p:blipFill>
+        <p:spPr>
+          <a:xfrm>
+            <a:off x="3370786" y="6881911"/>
+            <a:ext cx="329011" cy="193446"/>
+          </a:xfrm>
+          <a:prstGeom prst="rect">
+            <a:avLst/>
+          </a:prstGeom>
+        </p:spPr>
+      </p:pic>
+      <p:pic>
+        <p:nvPicPr>
+          <p:cNvPr id="113" name="Picture 21" descr="A black and white flag with a boat and a crown&#10;&#10;Description automatically generated">
+            <a:extLst>
+              <a:ext uri="{FF2B5EF4-FFF2-40B4-BE49-F238E27FC236}">
+                <a16:creationId xmlns:a16="http://schemas.microsoft.com/office/drawing/2014/main" id="{855A8765-495A-F134-96E2-F90ECCED8729}"/>
+              </a:ext>
+            </a:extLst>
+          </p:cNvPr>
+          <p:cNvPicPr>
+            <a:picLocks noChangeAspect="1"/>
+          </p:cNvPicPr>
+          <p:nvPr/>
+        </p:nvPicPr>
+        <p:blipFill>
+          <a:blip r:embed="rId8"/>
+          <a:stretch>
+            <a:fillRect/>
+          </a:stretch>
+        </p:blipFill>
+        <p:spPr>
+          <a:xfrm>
+            <a:off x="4071104" y="6861328"/>
+            <a:ext cx="328458" cy="234612"/>
+          </a:xfrm>
+          <a:prstGeom prst="rect">
+            <a:avLst/>
+          </a:prstGeom>
+        </p:spPr>
+      </p:pic>
+      <p:pic>
+        <p:nvPicPr>
+          <p:cNvPr id="114" name="Picture 3">
+            <a:extLst>
+              <a:ext uri="{FF2B5EF4-FFF2-40B4-BE49-F238E27FC236}">
+                <a16:creationId xmlns:a16="http://schemas.microsoft.com/office/drawing/2014/main" id="{9E2EC411-F97C-E291-A3C5-DBCDD8F926DE}"/>
+              </a:ext>
+            </a:extLst>
+          </p:cNvPr>
+          <p:cNvPicPr>
+            <a:picLocks noChangeAspect="1"/>
+          </p:cNvPicPr>
+          <p:nvPr/>
+        </p:nvPicPr>
+        <p:blipFill>
+          <a:blip r:embed="rId9"/>
+          <a:stretch>
+            <a:fillRect/>
+          </a:stretch>
+        </p:blipFill>
+        <p:spPr>
+          <a:xfrm>
+            <a:off x="4500924" y="6874284"/>
+            <a:ext cx="232187" cy="234612"/>
+          </a:xfrm>
+          <a:prstGeom prst="rect">
+            <a:avLst/>
+          </a:prstGeom>
+        </p:spPr>
+      </p:pic>
+      <p:sp>
+        <p:nvSpPr>
+          <p:cNvPr id="116" name="Retângulo 115">
+            <a:extLst>
+              <a:ext uri="{FF2B5EF4-FFF2-40B4-BE49-F238E27FC236}">
+                <a16:creationId xmlns:a16="http://schemas.microsoft.com/office/drawing/2014/main" id="{7BB6AC6F-CB50-A56A-2519-D7FA7C10466E}"/>
+              </a:ext>
+            </a:extLst>
+          </p:cNvPr>
+          <p:cNvSpPr/>
+          <p:nvPr/>
+        </p:nvSpPr>
+        <p:spPr>
+          <a:xfrm>
+            <a:off x="5377494" y="3823818"/>
+            <a:ext cx="2336801" cy="3301978"/>
+          </a:xfrm>
+          <a:prstGeom prst="rect">
+            <a:avLst/>
+          </a:prstGeom>
+          <a:solidFill>
+            <a:schemeClr val="bg1"/>
+          </a:solidFill>
+          <a:ln>
+            <a:solidFill>
+              <a:schemeClr val="tx1"/>
+            </a:solidFill>
+          </a:ln>
+        </p:spPr>
+        <p:style>
+          <a:lnRef idx="2">
+            <a:schemeClr val="accent1">
+              <a:shade val="15000"/>
+            </a:schemeClr>
+          </a:lnRef>
+          <a:fillRef idx="1">
+            <a:schemeClr val="accent1"/>
+          </a:fillRef>
+          <a:effectRef idx="0">
+            <a:schemeClr val="accent1"/>
+          </a:effectRef>
+          <a:fontRef idx="minor">
+            <a:schemeClr val="lt1"/>
+          </a:fontRef>
+        </p:style>
+        <p:txBody>
+          <a:bodyPr rtlCol="0" anchor="ctr"/>
+          <a:lstStyle/>
+          <a:p>
+            <a:pPr algn="ctr"/>
+            <a:endParaRPr lang="pt-PT"/>
+          </a:p>
+        </p:txBody>
+      </p:sp>
+      <p:sp>
+        <p:nvSpPr>
+          <p:cNvPr id="117" name="Rectangle 17">
+            <a:extLst>
+              <a:ext uri="{FF2B5EF4-FFF2-40B4-BE49-F238E27FC236}">
+                <a16:creationId xmlns:a16="http://schemas.microsoft.com/office/drawing/2014/main" id="{3C3FC5BE-7AA7-08C3-2564-B78F2122C3C3}"/>
+              </a:ext>
+            </a:extLst>
+          </p:cNvPr>
+          <p:cNvSpPr/>
+          <p:nvPr/>
+        </p:nvSpPr>
+        <p:spPr>
+          <a:xfrm>
+            <a:off x="5377501" y="5236464"/>
+            <a:ext cx="2336801" cy="1101023"/>
+          </a:xfrm>
+          <a:prstGeom prst="rect">
+            <a:avLst/>
+          </a:prstGeom>
+          <a:solidFill>
+            <a:schemeClr val="bg1">
+              <a:lumMod val="85000"/>
+            </a:schemeClr>
+          </a:solidFill>
+          <a:ln>
+            <a:noFill/>
+          </a:ln>
+        </p:spPr>
+        <p:style>
+          <a:lnRef idx="2">
+            <a:schemeClr val="dk1"/>
+          </a:lnRef>
+          <a:fillRef idx="1">
+            <a:schemeClr val="lt1"/>
+          </a:fillRef>
+          <a:effectRef idx="0">
+            <a:schemeClr val="dk1"/>
+          </a:effectRef>
+          <a:fontRef idx="minor">
+            <a:schemeClr val="dk1"/>
+          </a:fontRef>
+        </p:style>
+        <p:txBody>
+          <a:bodyPr rtlCol="0" anchor="ctr"/>
+          <a:lstStyle/>
+          <a:p>
+            <a:pPr algn="ctr"/>
+            <a:endParaRPr lang="en-US" sz="2592" dirty="0"/>
+          </a:p>
+        </p:txBody>
+      </p:sp>
+      <p:pic>
+        <p:nvPicPr>
+          <p:cNvPr id="118" name="Picture 4" descr="A poster with different animals&#10;&#10;Description automatically generated with medium confidence">
+            <a:extLst>
+              <a:ext uri="{FF2B5EF4-FFF2-40B4-BE49-F238E27FC236}">
+                <a16:creationId xmlns:a16="http://schemas.microsoft.com/office/drawing/2014/main" id="{AA3D92C9-F91B-85A7-DA29-027F72C920F9}"/>
+              </a:ext>
+            </a:extLst>
+          </p:cNvPr>
+          <p:cNvPicPr>
+            <a:picLocks noChangeAspect="1"/>
+          </p:cNvPicPr>
+          <p:nvPr/>
+        </p:nvPicPr>
+        <p:blipFill>
+          <a:blip r:embed="rId2"/>
+          <a:stretch>
+            <a:fillRect/>
+          </a:stretch>
+        </p:blipFill>
+        <p:spPr>
+          <a:xfrm>
+            <a:off x="5971468" y="3907511"/>
+            <a:ext cx="1148855" cy="1356543"/>
+          </a:xfrm>
+          <a:prstGeom prst="rect">
+            <a:avLst/>
+          </a:prstGeom>
+        </p:spPr>
+      </p:pic>
+      <p:sp>
+        <p:nvSpPr>
+          <p:cNvPr id="119" name="TextBox 5">
+            <a:extLst>
+              <a:ext uri="{FF2B5EF4-FFF2-40B4-BE49-F238E27FC236}">
+                <a16:creationId xmlns:a16="http://schemas.microsoft.com/office/drawing/2014/main" id="{C7AEA588-37D2-CABD-D79D-99A429D548CA}"/>
+              </a:ext>
+            </a:extLst>
+          </p:cNvPr>
+          <p:cNvSpPr txBox="1"/>
+          <p:nvPr/>
+        </p:nvSpPr>
+        <p:spPr>
+          <a:xfrm>
+            <a:off x="5661482" y="5284325"/>
+            <a:ext cx="1768832" cy="1015663"/>
+          </a:xfrm>
+          <a:prstGeom prst="rect">
+            <a:avLst/>
+          </a:prstGeom>
+          <a:noFill/>
+        </p:spPr>
+        <p:txBody>
+          <a:bodyPr wrap="square" rtlCol="0">
+            <a:spAutoFit/>
+          </a:bodyPr>
+          <a:lstStyle/>
+          <a:p>
+            <a:pPr algn="ctr"/>
+            <a:r>
+              <a:rPr lang="en-US" sz="2200" b="1" dirty="0">
+                <a:latin typeface="Helvetica" pitchFamily="2" charset="0"/>
+              </a:rPr>
+              <a:t>NOME 7</a:t>
+            </a:r>
+          </a:p>
+          <a:p>
+            <a:pPr algn="ctr"/>
+            <a:r>
+              <a:rPr lang="en-US" sz="2200" b="1" dirty="0">
+                <a:latin typeface="Helvetica" pitchFamily="2" charset="0"/>
+              </a:rPr>
+              <a:t>APELIDO 7</a:t>
+            </a:r>
+          </a:p>
+          <a:p>
+            <a:pPr algn="ctr"/>
+            <a:endParaRPr lang="en-US" sz="500" b="1" dirty="0">
+              <a:latin typeface="Helvetica" pitchFamily="2" charset="0"/>
+            </a:endParaRPr>
+          </a:p>
+          <a:p>
+            <a:pPr algn="ctr"/>
+            <a:r>
+              <a:rPr lang="en-US" sz="1100" b="1" dirty="0">
+                <a:latin typeface="Helvetica" pitchFamily="2" charset="0"/>
+              </a:rPr>
+              <a:t>INSTITUICAO 7</a:t>
+            </a:r>
+          </a:p>
+        </p:txBody>
+      </p:sp>
+      <p:sp>
+        <p:nvSpPr>
+          <p:cNvPr id="120" name="TextBox 7">
+            <a:extLst>
+              <a:ext uri="{FF2B5EF4-FFF2-40B4-BE49-F238E27FC236}">
+                <a16:creationId xmlns:a16="http://schemas.microsoft.com/office/drawing/2014/main" id="{FA2FDB94-0FB0-A823-5D53-60F5D69BACF4}"/>
+              </a:ext>
+            </a:extLst>
+          </p:cNvPr>
+          <p:cNvSpPr txBox="1"/>
+          <p:nvPr/>
+        </p:nvSpPr>
+        <p:spPr>
+          <a:xfrm>
+            <a:off x="5532964" y="6383946"/>
+            <a:ext cx="2025876" cy="340809"/>
+          </a:xfrm>
+          <a:prstGeom prst="rect">
+            <a:avLst/>
+          </a:prstGeom>
+          <a:noFill/>
+        </p:spPr>
+        <p:txBody>
+          <a:bodyPr wrap="square" rtlCol="0">
+            <a:spAutoFit/>
+          </a:bodyPr>
+          <a:lstStyle/>
+          <a:p>
+            <a:pPr algn="ctr"/>
+            <a:r>
+              <a:rPr lang="en-US" sz="817" dirty="0">
+                <a:latin typeface="Helvetica Light" panose="020B0403020202020204" pitchFamily="34" charset="0"/>
+              </a:rPr>
+              <a:t>VILA DO CONDE, PORTUGAL</a:t>
+            </a:r>
+          </a:p>
+          <a:p>
+            <a:pPr algn="ctr">
+              <a:lnSpc>
+                <a:spcPct val="150000"/>
+              </a:lnSpc>
+            </a:pPr>
+            <a:r>
+              <a:rPr lang="en-US" sz="817" dirty="0">
+                <a:latin typeface="Helvetica Light" panose="020B0403020202020204" pitchFamily="34" charset="0"/>
+              </a:rPr>
+              <a:t>21-23.11.2024</a:t>
+            </a:r>
+          </a:p>
+        </p:txBody>
+      </p:sp>
+      <p:cxnSp>
+        <p:nvCxnSpPr>
+          <p:cNvPr id="121" name="Straight Connector 9">
+            <a:extLst>
+              <a:ext uri="{FF2B5EF4-FFF2-40B4-BE49-F238E27FC236}">
+                <a16:creationId xmlns:a16="http://schemas.microsoft.com/office/drawing/2014/main" id="{3CC653FF-EF49-F0CC-A6ED-7A24A98F37A2}"/>
+              </a:ext>
+            </a:extLst>
+          </p:cNvPr>
+          <p:cNvCxnSpPr>
+            <a:cxnSpLocks/>
+          </p:cNvCxnSpPr>
+          <p:nvPr/>
+        </p:nvCxnSpPr>
+        <p:spPr>
+          <a:xfrm>
+            <a:off x="5377501" y="5242239"/>
+            <a:ext cx="2336801" cy="0"/>
+          </a:xfrm>
+          <a:prstGeom prst="line">
+            <a:avLst/>
+          </a:prstGeom>
+        </p:spPr>
+        <p:style>
+          <a:lnRef idx="2">
+            <a:schemeClr val="dk1"/>
+          </a:lnRef>
+          <a:fillRef idx="0">
+            <a:schemeClr val="dk1"/>
+          </a:fillRef>
+          <a:effectRef idx="1">
+            <a:schemeClr val="dk1"/>
+          </a:effectRef>
+          <a:fontRef idx="minor">
+            <a:schemeClr val="tx1"/>
+          </a:fontRef>
+        </p:style>
+      </p:cxnSp>
+      <p:cxnSp>
+        <p:nvCxnSpPr>
+          <p:cNvPr id="122" name="Straight Connector 10">
+            <a:extLst>
+              <a:ext uri="{FF2B5EF4-FFF2-40B4-BE49-F238E27FC236}">
+                <a16:creationId xmlns:a16="http://schemas.microsoft.com/office/drawing/2014/main" id="{7638F5FE-94FD-BACA-73D6-148E7DBA787C}"/>
+              </a:ext>
+            </a:extLst>
+          </p:cNvPr>
+          <p:cNvCxnSpPr>
+            <a:cxnSpLocks/>
+          </p:cNvCxnSpPr>
+          <p:nvPr/>
+        </p:nvCxnSpPr>
+        <p:spPr>
+          <a:xfrm>
+            <a:off x="5377501" y="6337489"/>
+            <a:ext cx="2336801" cy="0"/>
+          </a:xfrm>
+          <a:prstGeom prst="line">
+            <a:avLst/>
+          </a:prstGeom>
+        </p:spPr>
+        <p:style>
+          <a:lnRef idx="2">
+            <a:schemeClr val="dk1"/>
+          </a:lnRef>
+          <a:fillRef idx="0">
+            <a:schemeClr val="dk1"/>
+          </a:fillRef>
+          <a:effectRef idx="1">
+            <a:schemeClr val="dk1"/>
+          </a:effectRef>
+          <a:fontRef idx="minor">
+            <a:schemeClr val="tx1"/>
+          </a:fontRef>
+        </p:style>
+      </p:cxnSp>
+      <p:pic>
+        <p:nvPicPr>
+          <p:cNvPr id="123" name="Picture 2" descr="APP logo">
+            <a:extLst>
+              <a:ext uri="{FF2B5EF4-FFF2-40B4-BE49-F238E27FC236}">
+                <a16:creationId xmlns:a16="http://schemas.microsoft.com/office/drawing/2014/main" id="{E36C3AA5-79AC-1C21-4932-CD4ED71144F1}"/>
+              </a:ext>
+            </a:extLst>
+          </p:cNvPr>
+          <p:cNvPicPr>
+            <a:picLocks noChangeAspect="1" noChangeArrowheads="1"/>
+          </p:cNvPicPr>
+          <p:nvPr/>
+        </p:nvPicPr>
+        <p:blipFill rotWithShape="1">
+          <a:blip r:embed="rId3">
+            <a:extLst>
+              <a:ext uri="{BEBA8EAE-BF5A-486C-A8C5-ECC9F3942E4B}">
+                <a14:imgProps xmlns:a14="http://schemas.microsoft.com/office/drawing/2010/main">
+                  <a14:imgLayer r:embed="rId4">
+                    <a14:imgEffect>
+                      <a14:saturation sat="0"/>
+                    </a14:imgEffect>
+                  </a14:imgLayer>
+                </a14:imgProps>
+              </a:ext>
+              <a:ext uri="{28A0092B-C50C-407E-A947-70E740481C1C}">
+                <a14:useLocalDpi xmlns:a14="http://schemas.microsoft.com/office/drawing/2010/main" val="0"/>
+              </a:ext>
+            </a:extLst>
+          </a:blip>
+          <a:srcRect b="8466"/>
+          <a:stretch/>
+        </p:blipFill>
+        <p:spPr bwMode="auto">
+          <a:xfrm>
+            <a:off x="5465226" y="6796940"/>
+            <a:ext cx="326664" cy="311956"/>
+          </a:xfrm>
+          <a:prstGeom prst="rect">
+            <a:avLst/>
+          </a:prstGeom>
+          <a:noFill/>
+          <a:extLst>
+            <a:ext uri="{909E8E84-426E-40DD-AFC4-6F175D3DCCD1}">
+              <a14:hiddenFill xmlns:a14="http://schemas.microsoft.com/office/drawing/2010/main">
+                <a:solidFill>
+                  <a:srgbClr val="FFFFFF"/>
+                </a:solidFill>
+              </a14:hiddenFill>
+            </a:ext>
+          </a:extLst>
+        </p:spPr>
+      </p:pic>
+      <p:pic>
+        <p:nvPicPr>
+          <p:cNvPr id="124" name="Picture 4">
+            <a:extLst>
+              <a:ext uri="{FF2B5EF4-FFF2-40B4-BE49-F238E27FC236}">
+                <a16:creationId xmlns:a16="http://schemas.microsoft.com/office/drawing/2014/main" id="{5EB364D2-BFBC-A792-0A56-2CA2F72F2B73}"/>
+              </a:ext>
+            </a:extLst>
+          </p:cNvPr>
+          <p:cNvPicPr>
+            <a:picLocks noChangeAspect="1" noChangeArrowheads="1"/>
+          </p:cNvPicPr>
+          <p:nvPr/>
+        </p:nvPicPr>
+        <p:blipFill>
+          <a:blip r:embed="rId5">
+            <a:extLst>
+              <a:ext uri="{28A0092B-C50C-407E-A947-70E740481C1C}">
+                <a14:useLocalDpi xmlns:a14="http://schemas.microsoft.com/office/drawing/2010/main" val="0"/>
+              </a:ext>
+            </a:extLst>
+          </a:blip>
+          <a:srcRect/>
+          <a:stretch>
+            <a:fillRect/>
+          </a:stretch>
+        </p:blipFill>
+        <p:spPr bwMode="auto">
+          <a:xfrm>
+            <a:off x="7324789" y="6882200"/>
+            <a:ext cx="360579" cy="193158"/>
+          </a:xfrm>
+          <a:prstGeom prst="rect">
+            <a:avLst/>
+          </a:prstGeom>
+          <a:noFill/>
+          <a:extLst>
+            <a:ext uri="{909E8E84-426E-40DD-AFC4-6F175D3DCCD1}">
+              <a14:hiddenFill xmlns:a14="http://schemas.microsoft.com/office/drawing/2010/main">
+                <a:solidFill>
+                  <a:srgbClr val="FFFFFF"/>
+                </a:solidFill>
+              </a14:hiddenFill>
+            </a:ext>
+          </a:extLst>
+        </p:spPr>
+      </p:pic>
+      <p:pic>
+        <p:nvPicPr>
+          <p:cNvPr id="125" name="Picture 12">
+            <a:extLst>
+              <a:ext uri="{FF2B5EF4-FFF2-40B4-BE49-F238E27FC236}">
+                <a16:creationId xmlns:a16="http://schemas.microsoft.com/office/drawing/2014/main" id="{BD5D787A-5D4D-C711-B00D-E466598C3B3E}"/>
+              </a:ext>
+            </a:extLst>
+          </p:cNvPr>
+          <p:cNvPicPr>
+            <a:picLocks noChangeAspect="1"/>
+          </p:cNvPicPr>
+          <p:nvPr/>
+        </p:nvPicPr>
+        <p:blipFill>
+          <a:blip r:embed="rId6"/>
+          <a:stretch>
+            <a:fillRect/>
+          </a:stretch>
+        </p:blipFill>
+        <p:spPr>
+          <a:xfrm>
+            <a:off x="6262307" y="6850019"/>
+            <a:ext cx="194878" cy="275778"/>
+          </a:xfrm>
+          <a:prstGeom prst="rect">
+            <a:avLst/>
+          </a:prstGeom>
+        </p:spPr>
+      </p:pic>
+      <p:pic>
+        <p:nvPicPr>
+          <p:cNvPr id="126" name="Picture 14" descr="A logo for a biodiversity center&#10;&#10;Description automatically generated">
+            <a:extLst>
+              <a:ext uri="{FF2B5EF4-FFF2-40B4-BE49-F238E27FC236}">
+                <a16:creationId xmlns:a16="http://schemas.microsoft.com/office/drawing/2014/main" id="{8FFB60D7-FFC2-7E1B-A22F-2D84BC9A630F}"/>
+              </a:ext>
+            </a:extLst>
+          </p:cNvPr>
+          <p:cNvPicPr>
+            <a:picLocks noChangeAspect="1"/>
+          </p:cNvPicPr>
+          <p:nvPr/>
+        </p:nvPicPr>
+        <p:blipFill>
+          <a:blip r:embed="rId7"/>
+          <a:stretch>
+            <a:fillRect/>
+          </a:stretch>
+        </p:blipFill>
+        <p:spPr>
+          <a:xfrm>
+            <a:off x="5862593" y="6881911"/>
+            <a:ext cx="329011" cy="193446"/>
+          </a:xfrm>
+          <a:prstGeom prst="rect">
+            <a:avLst/>
+          </a:prstGeom>
+        </p:spPr>
+      </p:pic>
+      <p:pic>
+        <p:nvPicPr>
+          <p:cNvPr id="127" name="Picture 21" descr="A black and white flag with a boat and a crown&#10;&#10;Description automatically generated">
+            <a:extLst>
+              <a:ext uri="{FF2B5EF4-FFF2-40B4-BE49-F238E27FC236}">
+                <a16:creationId xmlns:a16="http://schemas.microsoft.com/office/drawing/2014/main" id="{E96591BC-5383-3EC9-BFAE-855440B31953}"/>
+              </a:ext>
+            </a:extLst>
+          </p:cNvPr>
+          <p:cNvPicPr>
+            <a:picLocks noChangeAspect="1"/>
+          </p:cNvPicPr>
+          <p:nvPr/>
+        </p:nvPicPr>
+        <p:blipFill>
+          <a:blip r:embed="rId8"/>
+          <a:stretch>
+            <a:fillRect/>
+          </a:stretch>
+        </p:blipFill>
+        <p:spPr>
+          <a:xfrm>
+            <a:off x="6562911" y="6861328"/>
+            <a:ext cx="328458" cy="234612"/>
+          </a:xfrm>
+          <a:prstGeom prst="rect">
+            <a:avLst/>
+          </a:prstGeom>
+        </p:spPr>
+      </p:pic>
+      <p:pic>
+        <p:nvPicPr>
+          <p:cNvPr id="128" name="Picture 3">
+            <a:extLst>
+              <a:ext uri="{FF2B5EF4-FFF2-40B4-BE49-F238E27FC236}">
+                <a16:creationId xmlns:a16="http://schemas.microsoft.com/office/drawing/2014/main" id="{7ABA9FF3-0C2B-B75C-933B-E9D7E7BEDB68}"/>
+              </a:ext>
+            </a:extLst>
+          </p:cNvPr>
+          <p:cNvPicPr>
+            <a:picLocks noChangeAspect="1"/>
+          </p:cNvPicPr>
+          <p:nvPr/>
+        </p:nvPicPr>
+        <p:blipFill>
+          <a:blip r:embed="rId9"/>
+          <a:stretch>
+            <a:fillRect/>
+          </a:stretch>
+        </p:blipFill>
+        <p:spPr>
+          <a:xfrm>
+            <a:off x="6992731" y="6874284"/>
+            <a:ext cx="232187" cy="234612"/>
+          </a:xfrm>
+          <a:prstGeom prst="rect">
+            <a:avLst/>
+          </a:prstGeom>
+        </p:spPr>
+      </p:pic>
+      <p:sp>
+        <p:nvSpPr>
+          <p:cNvPr id="130" name="Retângulo 129">
+            <a:extLst>
+              <a:ext uri="{FF2B5EF4-FFF2-40B4-BE49-F238E27FC236}">
+                <a16:creationId xmlns:a16="http://schemas.microsoft.com/office/drawing/2014/main" id="{0B7C0BB8-7441-7025-C348-BE562A745703}"/>
+              </a:ext>
+            </a:extLst>
+          </p:cNvPr>
+          <p:cNvSpPr/>
+          <p:nvPr/>
+        </p:nvSpPr>
+        <p:spPr>
+          <a:xfrm>
+            <a:off x="7869302" y="3823818"/>
+            <a:ext cx="2336801" cy="3301978"/>
+          </a:xfrm>
+          <a:prstGeom prst="rect">
+            <a:avLst/>
+          </a:prstGeom>
+          <a:solidFill>
+            <a:schemeClr val="bg1"/>
+          </a:solidFill>
+          <a:ln>
+            <a:solidFill>
+              <a:schemeClr val="tx1"/>
+            </a:solidFill>
+          </a:ln>
+        </p:spPr>
+        <p:style>
+          <a:lnRef idx="2">
+            <a:schemeClr val="accent1">
+              <a:shade val="15000"/>
+            </a:schemeClr>
+          </a:lnRef>
+          <a:fillRef idx="1">
+            <a:schemeClr val="accent1"/>
+          </a:fillRef>
+          <a:effectRef idx="0">
+            <a:schemeClr val="accent1"/>
+          </a:effectRef>
+          <a:fontRef idx="minor">
+            <a:schemeClr val="lt1"/>
+          </a:fontRef>
+        </p:style>
+        <p:txBody>
+          <a:bodyPr rtlCol="0" anchor="ctr"/>
+          <a:lstStyle/>
+          <a:p>
+            <a:pPr algn="ctr"/>
+            <a:endParaRPr lang="pt-PT"/>
+          </a:p>
+        </p:txBody>
+      </p:sp>
+      <p:sp>
+        <p:nvSpPr>
+          <p:cNvPr id="131" name="Rectangle 17">
+            <a:extLst>
+              <a:ext uri="{FF2B5EF4-FFF2-40B4-BE49-F238E27FC236}">
+                <a16:creationId xmlns:a16="http://schemas.microsoft.com/office/drawing/2014/main" id="{984F8E87-4AEF-A78E-7E1F-355543977F4E}"/>
+              </a:ext>
+            </a:extLst>
+          </p:cNvPr>
+          <p:cNvSpPr/>
+          <p:nvPr/>
+        </p:nvSpPr>
+        <p:spPr>
+          <a:xfrm>
+            <a:off x="7869309" y="5248656"/>
+            <a:ext cx="2336801" cy="1088831"/>
+          </a:xfrm>
+          <a:prstGeom prst="rect">
+            <a:avLst/>
+          </a:prstGeom>
+          <a:solidFill>
+            <a:schemeClr val="bg1">
+              <a:lumMod val="85000"/>
+            </a:schemeClr>
+          </a:solidFill>
+          <a:ln>
+            <a:noFill/>
+          </a:ln>
+        </p:spPr>
+        <p:style>
+          <a:lnRef idx="2">
+            <a:schemeClr val="dk1"/>
+          </a:lnRef>
+          <a:fillRef idx="1">
+            <a:schemeClr val="lt1"/>
+          </a:fillRef>
+          <a:effectRef idx="0">
+            <a:schemeClr val="dk1"/>
+          </a:effectRef>
+          <a:fontRef idx="minor">
+            <a:schemeClr val="dk1"/>
+          </a:fontRef>
+        </p:style>
+        <p:txBody>
+          <a:bodyPr rtlCol="0" anchor="ctr"/>
+          <a:lstStyle/>
+          <a:p>
+            <a:pPr algn="ctr"/>
+            <a:endParaRPr lang="en-US" sz="2592"/>
+          </a:p>
+        </p:txBody>
+      </p:sp>
+      <p:pic>
+        <p:nvPicPr>
+          <p:cNvPr id="132" name="Picture 4" descr="A poster with different animals&#10;&#10;Description automatically generated with medium confidence">
+            <a:extLst>
+              <a:ext uri="{FF2B5EF4-FFF2-40B4-BE49-F238E27FC236}">
+                <a16:creationId xmlns:a16="http://schemas.microsoft.com/office/drawing/2014/main" id="{7FE0AFB2-53B2-4C1C-6B7F-162FEF6E07B3}"/>
+              </a:ext>
+            </a:extLst>
+          </p:cNvPr>
+          <p:cNvPicPr>
+            <a:picLocks noChangeAspect="1"/>
+          </p:cNvPicPr>
+          <p:nvPr/>
+        </p:nvPicPr>
+        <p:blipFill>
+          <a:blip r:embed="rId2"/>
+          <a:stretch>
+            <a:fillRect/>
+          </a:stretch>
+        </p:blipFill>
+        <p:spPr>
+          <a:xfrm>
+            <a:off x="8463276" y="3907511"/>
+            <a:ext cx="1148855" cy="1356543"/>
+          </a:xfrm>
+          <a:prstGeom prst="rect">
+            <a:avLst/>
+          </a:prstGeom>
+        </p:spPr>
+      </p:pic>
+      <p:sp>
+        <p:nvSpPr>
+          <p:cNvPr id="133" name="TextBox 5">
+            <a:extLst>
+              <a:ext uri="{FF2B5EF4-FFF2-40B4-BE49-F238E27FC236}">
+                <a16:creationId xmlns:a16="http://schemas.microsoft.com/office/drawing/2014/main" id="{591CE3B2-FEEB-C9EB-AD6D-CEDBD00C0424}"/>
+              </a:ext>
+            </a:extLst>
+          </p:cNvPr>
+          <p:cNvSpPr txBox="1"/>
+          <p:nvPr/>
+        </p:nvSpPr>
+        <p:spPr>
+          <a:xfrm>
+            <a:off x="8153290" y="5284325"/>
+            <a:ext cx="1768832" cy="1015663"/>
+          </a:xfrm>
+          <a:prstGeom prst="rect">
+            <a:avLst/>
+          </a:prstGeom>
+          <a:noFill/>
+        </p:spPr>
+        <p:txBody>
+          <a:bodyPr wrap="square" rtlCol="0">
+            <a:spAutoFit/>
+          </a:bodyPr>
+          <a:lstStyle/>
+          <a:p>
+            <a:pPr algn="ctr"/>
+            <a:r>
+              <a:rPr lang="en-US" sz="2200" b="1" dirty="0">
+                <a:latin typeface="Helvetica" pitchFamily="2" charset="0"/>
+              </a:rPr>
+              <a:t>NOME 8</a:t>
+            </a:r>
+          </a:p>
+          <a:p>
+            <a:pPr algn="ctr"/>
+            <a:r>
+              <a:rPr lang="en-US" sz="2200" b="1" dirty="0">
+                <a:latin typeface="Helvetica" pitchFamily="2" charset="0"/>
+              </a:rPr>
+              <a:t>APELIDO 8</a:t>
+            </a:r>
+          </a:p>
+          <a:p>
+            <a:pPr algn="ctr"/>
+            <a:endParaRPr lang="en-US" sz="500" b="1" dirty="0">
+              <a:latin typeface="Helvetica" pitchFamily="2" charset="0"/>
+            </a:endParaRPr>
+          </a:p>
+          <a:p>
+            <a:pPr algn="ctr"/>
+            <a:r>
+              <a:rPr lang="en-US" sz="1100" b="1" dirty="0">
+                <a:latin typeface="Helvetica" pitchFamily="2" charset="0"/>
+              </a:rPr>
+              <a:t>INSTITUICAO 8</a:t>
+            </a:r>
+          </a:p>
+        </p:txBody>
+      </p:sp>
+      <p:sp>
+        <p:nvSpPr>
+          <p:cNvPr id="134" name="TextBox 7">
+            <a:extLst>
+              <a:ext uri="{FF2B5EF4-FFF2-40B4-BE49-F238E27FC236}">
+                <a16:creationId xmlns:a16="http://schemas.microsoft.com/office/drawing/2014/main" id="{7E4A8D9C-1CDB-8E4A-BFB6-92E3B9F1FFA4}"/>
+              </a:ext>
+            </a:extLst>
+          </p:cNvPr>
+          <p:cNvSpPr txBox="1"/>
+          <p:nvPr/>
+        </p:nvSpPr>
+        <p:spPr>
+          <a:xfrm>
+            <a:off x="8024772" y="6383946"/>
+            <a:ext cx="2025876" cy="340809"/>
+          </a:xfrm>
+          <a:prstGeom prst="rect">
+            <a:avLst/>
+          </a:prstGeom>
+          <a:noFill/>
+        </p:spPr>
+        <p:txBody>
+          <a:bodyPr wrap="square" rtlCol="0">
+            <a:spAutoFit/>
+          </a:bodyPr>
+          <a:lstStyle/>
+          <a:p>
+            <a:pPr algn="ctr"/>
+            <a:r>
+              <a:rPr lang="en-US" sz="817" dirty="0">
+                <a:latin typeface="Helvetica Light" panose="020B0403020202020204" pitchFamily="34" charset="0"/>
+              </a:rPr>
+              <a:t>VILA DO CONDE, PORTUGAL</a:t>
+            </a:r>
+          </a:p>
+          <a:p>
+            <a:pPr algn="ctr">
+              <a:lnSpc>
+                <a:spcPct val="150000"/>
+              </a:lnSpc>
+            </a:pPr>
+            <a:r>
+              <a:rPr lang="en-US" sz="817" dirty="0">
+                <a:latin typeface="Helvetica Light" panose="020B0403020202020204" pitchFamily="34" charset="0"/>
+              </a:rPr>
+              <a:t>21-23.11.2024</a:t>
+            </a:r>
+          </a:p>
+        </p:txBody>
+      </p:sp>
+      <p:cxnSp>
+        <p:nvCxnSpPr>
+          <p:cNvPr id="135" name="Straight Connector 9">
+            <a:extLst>
+              <a:ext uri="{FF2B5EF4-FFF2-40B4-BE49-F238E27FC236}">
+                <a16:creationId xmlns:a16="http://schemas.microsoft.com/office/drawing/2014/main" id="{006CF4F6-F13A-8410-E474-D4F3A545E7D1}"/>
+              </a:ext>
+            </a:extLst>
+          </p:cNvPr>
+          <p:cNvCxnSpPr>
+            <a:cxnSpLocks/>
+          </p:cNvCxnSpPr>
+          <p:nvPr/>
+        </p:nvCxnSpPr>
+        <p:spPr>
+          <a:xfrm>
+            <a:off x="7869309" y="5242239"/>
+            <a:ext cx="2336801" cy="0"/>
+          </a:xfrm>
+          <a:prstGeom prst="line">
+            <a:avLst/>
+          </a:prstGeom>
+        </p:spPr>
+        <p:style>
+          <a:lnRef idx="2">
+            <a:schemeClr val="dk1"/>
+          </a:lnRef>
+          <a:fillRef idx="0">
+            <a:schemeClr val="dk1"/>
+          </a:fillRef>
+          <a:effectRef idx="1">
+            <a:schemeClr val="dk1"/>
+          </a:effectRef>
+          <a:fontRef idx="minor">
+            <a:schemeClr val="tx1"/>
+          </a:fontRef>
+        </p:style>
+      </p:cxnSp>
+      <p:cxnSp>
+        <p:nvCxnSpPr>
+          <p:cNvPr id="136" name="Straight Connector 10">
+            <a:extLst>
+              <a:ext uri="{FF2B5EF4-FFF2-40B4-BE49-F238E27FC236}">
+                <a16:creationId xmlns:a16="http://schemas.microsoft.com/office/drawing/2014/main" id="{570E51B3-A4CD-3A77-D594-5BA81AC1BF61}"/>
+              </a:ext>
+            </a:extLst>
+          </p:cNvPr>
+          <p:cNvCxnSpPr>
+            <a:cxnSpLocks/>
+          </p:cNvCxnSpPr>
+          <p:nvPr/>
+        </p:nvCxnSpPr>
+        <p:spPr>
+          <a:xfrm>
+            <a:off x="7869309" y="6337489"/>
+            <a:ext cx="2336801" cy="0"/>
+          </a:xfrm>
+          <a:prstGeom prst="line">
+            <a:avLst/>
+          </a:prstGeom>
+        </p:spPr>
+        <p:style>
+          <a:lnRef idx="2">
+            <a:schemeClr val="dk1"/>
+          </a:lnRef>
+          <a:fillRef idx="0">
+            <a:schemeClr val="dk1"/>
+          </a:fillRef>
+          <a:effectRef idx="1">
+            <a:schemeClr val="dk1"/>
+          </a:effectRef>
+          <a:fontRef idx="minor">
+            <a:schemeClr val="tx1"/>
+          </a:fontRef>
+        </p:style>
+      </p:cxnSp>
+      <p:pic>
+        <p:nvPicPr>
+          <p:cNvPr id="137" name="Picture 2" descr="APP logo">
+            <a:extLst>
+              <a:ext uri="{FF2B5EF4-FFF2-40B4-BE49-F238E27FC236}">
+                <a16:creationId xmlns:a16="http://schemas.microsoft.com/office/drawing/2014/main" id="{764F00DA-654B-5D38-5F3F-45B2C0B3909C}"/>
+              </a:ext>
+            </a:extLst>
+          </p:cNvPr>
+          <p:cNvPicPr>
+            <a:picLocks noChangeAspect="1" noChangeArrowheads="1"/>
+          </p:cNvPicPr>
+          <p:nvPr/>
+        </p:nvPicPr>
+        <p:blipFill rotWithShape="1">
+          <a:blip r:embed="rId3">
+            <a:extLst>
+              <a:ext uri="{BEBA8EAE-BF5A-486C-A8C5-ECC9F3942E4B}">
+                <a14:imgProps xmlns:a14="http://schemas.microsoft.com/office/drawing/2010/main">
+                  <a14:imgLayer r:embed="rId4">
+                    <a14:imgEffect>
+                      <a14:saturation sat="0"/>
+                    </a14:imgEffect>
+                  </a14:imgLayer>
+                </a14:imgProps>
+              </a:ext>
+              <a:ext uri="{28A0092B-C50C-407E-A947-70E740481C1C}">
+                <a14:useLocalDpi xmlns:a14="http://schemas.microsoft.com/office/drawing/2010/main" val="0"/>
+              </a:ext>
+            </a:extLst>
+          </a:blip>
+          <a:srcRect b="8466"/>
+          <a:stretch/>
+        </p:blipFill>
+        <p:spPr bwMode="auto">
+          <a:xfrm>
+            <a:off x="7957034" y="6796940"/>
+            <a:ext cx="326664" cy="311956"/>
+          </a:xfrm>
+          <a:prstGeom prst="rect">
+            <a:avLst/>
+          </a:prstGeom>
+          <a:noFill/>
+          <a:extLst>
+            <a:ext uri="{909E8E84-426E-40DD-AFC4-6F175D3DCCD1}">
+              <a14:hiddenFill xmlns:a14="http://schemas.microsoft.com/office/drawing/2010/main">
+                <a:solidFill>
+                  <a:srgbClr val="FFFFFF"/>
+                </a:solidFill>
+              </a14:hiddenFill>
+            </a:ext>
+          </a:extLst>
+        </p:spPr>
+      </p:pic>
+      <p:pic>
+        <p:nvPicPr>
+          <p:cNvPr id="138" name="Picture 4">
+            <a:extLst>
+              <a:ext uri="{FF2B5EF4-FFF2-40B4-BE49-F238E27FC236}">
+                <a16:creationId xmlns:a16="http://schemas.microsoft.com/office/drawing/2014/main" id="{05B4A3F4-001A-8985-708A-3C120784E5CD}"/>
+              </a:ext>
+            </a:extLst>
+          </p:cNvPr>
+          <p:cNvPicPr>
+            <a:picLocks noChangeAspect="1" noChangeArrowheads="1"/>
+          </p:cNvPicPr>
+          <p:nvPr/>
+        </p:nvPicPr>
+        <p:blipFill>
+          <a:blip r:embed="rId5">
+            <a:extLst>
+              <a:ext uri="{28A0092B-C50C-407E-A947-70E740481C1C}">
+                <a14:useLocalDpi xmlns:a14="http://schemas.microsoft.com/office/drawing/2010/main" val="0"/>
+              </a:ext>
+            </a:extLst>
+          </a:blip>
+          <a:srcRect/>
+          <a:stretch>
+            <a:fillRect/>
+          </a:stretch>
+        </p:blipFill>
+        <p:spPr bwMode="auto">
+          <a:xfrm>
+            <a:off x="9816597" y="6882200"/>
+            <a:ext cx="360579" cy="193158"/>
+          </a:xfrm>
+          <a:prstGeom prst="rect">
+            <a:avLst/>
+          </a:prstGeom>
+          <a:noFill/>
+          <a:extLst>
+            <a:ext uri="{909E8E84-426E-40DD-AFC4-6F175D3DCCD1}">
+              <a14:hiddenFill xmlns:a14="http://schemas.microsoft.com/office/drawing/2010/main">
+                <a:solidFill>
+                  <a:srgbClr val="FFFFFF"/>
+                </a:solidFill>
+              </a14:hiddenFill>
+            </a:ext>
+          </a:extLst>
+        </p:spPr>
+      </p:pic>
+      <p:pic>
+        <p:nvPicPr>
+          <p:cNvPr id="139" name="Picture 12">
+            <a:extLst>
+              <a:ext uri="{FF2B5EF4-FFF2-40B4-BE49-F238E27FC236}">
+                <a16:creationId xmlns:a16="http://schemas.microsoft.com/office/drawing/2014/main" id="{1CECBD05-C88F-4217-6A3E-1BA2E59AA7DC}"/>
+              </a:ext>
+            </a:extLst>
+          </p:cNvPr>
+          <p:cNvPicPr>
+            <a:picLocks noChangeAspect="1"/>
+          </p:cNvPicPr>
+          <p:nvPr/>
+        </p:nvPicPr>
+        <p:blipFill>
+          <a:blip r:embed="rId6"/>
+          <a:stretch>
+            <a:fillRect/>
+          </a:stretch>
+        </p:blipFill>
+        <p:spPr>
+          <a:xfrm>
+            <a:off x="8754115" y="6850019"/>
+            <a:ext cx="194878" cy="275778"/>
+          </a:xfrm>
+          <a:prstGeom prst="rect">
+            <a:avLst/>
+          </a:prstGeom>
+        </p:spPr>
+      </p:pic>
+      <p:pic>
+        <p:nvPicPr>
+          <p:cNvPr id="140" name="Picture 14" descr="A logo for a biodiversity center&#10;&#10;Description automatically generated">
+            <a:extLst>
+              <a:ext uri="{FF2B5EF4-FFF2-40B4-BE49-F238E27FC236}">
+                <a16:creationId xmlns:a16="http://schemas.microsoft.com/office/drawing/2014/main" id="{8218CBC9-F35C-D5D9-32CC-D08463CED16E}"/>
+              </a:ext>
+            </a:extLst>
+          </p:cNvPr>
+          <p:cNvPicPr>
+            <a:picLocks noChangeAspect="1"/>
+          </p:cNvPicPr>
+          <p:nvPr/>
+        </p:nvPicPr>
+        <p:blipFill>
+          <a:blip r:embed="rId7"/>
+          <a:stretch>
+            <a:fillRect/>
+          </a:stretch>
+        </p:blipFill>
+        <p:spPr>
+          <a:xfrm>
+            <a:off x="8354401" y="6881911"/>
+            <a:ext cx="329011" cy="193446"/>
+          </a:xfrm>
+          <a:prstGeom prst="rect">
+            <a:avLst/>
+          </a:prstGeom>
+        </p:spPr>
+      </p:pic>
+      <p:pic>
+        <p:nvPicPr>
+          <p:cNvPr id="141" name="Picture 21" descr="A black and white flag with a boat and a crown&#10;&#10;Description automatically generated">
+            <a:extLst>
+              <a:ext uri="{FF2B5EF4-FFF2-40B4-BE49-F238E27FC236}">
+                <a16:creationId xmlns:a16="http://schemas.microsoft.com/office/drawing/2014/main" id="{0B92A3A4-E638-9CFE-BC6E-BE031AD24387}"/>
+              </a:ext>
+            </a:extLst>
+          </p:cNvPr>
+          <p:cNvPicPr>
+            <a:picLocks noChangeAspect="1"/>
+          </p:cNvPicPr>
+          <p:nvPr/>
+        </p:nvPicPr>
+        <p:blipFill>
+          <a:blip r:embed="rId8"/>
+          <a:stretch>
+            <a:fillRect/>
+          </a:stretch>
+        </p:blipFill>
+        <p:spPr>
+          <a:xfrm>
+            <a:off x="9054719" y="6861328"/>
+            <a:ext cx="328458" cy="234612"/>
+          </a:xfrm>
+          <a:prstGeom prst="rect">
+            <a:avLst/>
+          </a:prstGeom>
+        </p:spPr>
+      </p:pic>
+      <p:pic>
+        <p:nvPicPr>
+          <p:cNvPr id="142" name="Picture 3">
+            <a:extLst>
+              <a:ext uri="{FF2B5EF4-FFF2-40B4-BE49-F238E27FC236}">
+                <a16:creationId xmlns:a16="http://schemas.microsoft.com/office/drawing/2014/main" id="{9093BB0B-7891-D285-20CD-135C0D683287}"/>
+              </a:ext>
+            </a:extLst>
+          </p:cNvPr>
+          <p:cNvPicPr>
+            <a:picLocks noChangeAspect="1"/>
+          </p:cNvPicPr>
+          <p:nvPr/>
+        </p:nvPicPr>
+        <p:blipFill>
+          <a:blip r:embed="rId9"/>
+          <a:stretch>
+            <a:fillRect/>
+          </a:stretch>
+        </p:blipFill>
+        <p:spPr>
+          <a:xfrm>
+            <a:off x="9484539" y="6874284"/>
+            <a:ext cx="232187" cy="234612"/>
+          </a:xfrm>
+          <a:prstGeom prst="rect">
+            <a:avLst/>
+          </a:prstGeom>
+        </p:spPr>
+      </p:pic>
     </p:spTree>
     <p:extLst>
       <p:ext uri="{BB962C8B-B14F-4D97-AF65-F5344CB8AC3E}">
-        <p14:creationId xmlns:p14="http://schemas.microsoft.com/office/powerpoint/2010/main" val="4292944877"/>
+        <p14:creationId xmlns:p14="http://schemas.microsoft.com/office/powerpoint/2010/main" val="3314618151"/>
       </p:ext>
     </p:extLst>
   </p:cSld>
@@ -3694,9 +8280,9 @@
 </file>
 
 <file path=ppt/theme/theme1.xml><?xml version="1.0" encoding="utf-8"?>
-<a:theme xmlns:a="http://schemas.openxmlformats.org/drawingml/2006/main" name="Office Theme">
+<a:theme xmlns:a="http://schemas.openxmlformats.org/drawingml/2006/main" name="Tema do Office">
   <a:themeElements>
-    <a:clrScheme name="Office Theme">
+    <a:clrScheme name="Tema do Office">
       <a:dk1>
         <a:sysClr val="windowText" lastClr="000000"/>
       </a:dk1>
@@ -3734,7 +8320,7 @@
         <a:srgbClr val="96607D"/>
       </a:folHlink>
     </a:clrScheme>
-    <a:fontScheme name="Office Theme">
+    <a:fontScheme name="Tema do Office">
       <a:majorFont>
         <a:latin typeface="Aptos Display" panose="02110004020202020204"/>
         <a:ea typeface=""/>
@@ -3840,7 +8426,7 @@
         <a:font script="Tfng" typeface="Ebrima"/>
       </a:minorFont>
     </a:fontScheme>
-    <a:fmtScheme name="Office Theme">
+    <a:fmtScheme name="Tema do Office">
       <a:fillStyleLst>
         <a:solidFill>
           <a:schemeClr val="phClr"/>
